--- a/breakbox/打磚塊.pptx
+++ b/breakbox/打磚塊.pptx
@@ -5,15 +5,19 @@
     <p:sldMasterId id="2147483746" r:id="rId1"/>
   </p:sldMasterIdLst>
   <p:notesMasterIdLst>
-    <p:notesMasterId r:id="rId5"/>
+    <p:notesMasterId r:id="rId9"/>
   </p:notesMasterIdLst>
   <p:handoutMasterIdLst>
-    <p:handoutMasterId r:id="rId6"/>
+    <p:handoutMasterId r:id="rId10"/>
   </p:handoutMasterIdLst>
   <p:sldIdLst>
     <p:sldId id="257" r:id="rId2"/>
-    <p:sldId id="259" r:id="rId3"/>
-    <p:sldId id="260" r:id="rId4"/>
+    <p:sldId id="261" r:id="rId3"/>
+    <p:sldId id="259" r:id="rId4"/>
+    <p:sldId id="260" r:id="rId5"/>
+    <p:sldId id="263" r:id="rId6"/>
+    <p:sldId id="264" r:id="rId7"/>
+    <p:sldId id="265" r:id="rId8"/>
   </p:sldIdLst>
   <p:sldSz cx="12192000" cy="6858000"/>
   <p:notesSz cx="6858000" cy="9144000"/>
@@ -207,7 +211,7 @@
             <a:pPr rtl="0"/>
             <a:fld id="{550261E5-B7A8-407C-8EC1-76B17CEB3BFC}" type="datetime1">
               <a:rPr lang="zh-TW" altLang="en-US" smtClean="0"/>
-              <a:t>2024/4/23</a:t>
+              <a:t>2024/4/24</a:t>
             </a:fld>
             <a:endParaRPr lang="en-US" dirty="0"/>
           </a:p>
@@ -377,7 +381,7 @@
             <a:pPr rtl="0"/>
             <a:fld id="{950AEE62-6B03-446E-B028-1F2C67AA2CBE}" type="datetime1">
               <a:rPr lang="zh-TW" altLang="en-US" smtClean="0"/>
-              <a:t>2024/4/23</a:t>
+              <a:t>2024/4/24</a:t>
             </a:fld>
             <a:endParaRPr lang="en-US"/>
           </a:p>
@@ -897,7 +901,7 @@
             <a:pPr rtl="0"/>
             <a:fld id="{91E8D126-38DE-467F-A065-2775F6C58740}" type="datetime1">
               <a:rPr lang="zh-TW" altLang="en-US" smtClean="0"/>
-              <a:t>2024/4/23</a:t>
+              <a:t>2024/4/24</a:t>
             </a:fld>
             <a:endParaRPr lang="en-US" dirty="0"/>
           </a:p>
@@ -1089,7 +1093,7 @@
             <a:pPr rtl="0"/>
             <a:fld id="{7AD90E0D-C35F-4A14-A7E8-7670CE6639F2}" type="datetime1">
               <a:rPr lang="zh-TW" altLang="en-US" smtClean="0"/>
-              <a:t>2024/4/23</a:t>
+              <a:t>2024/4/24</a:t>
             </a:fld>
             <a:endParaRPr lang="en-US" dirty="0"/>
           </a:p>
@@ -1335,7 +1339,7 @@
             <a:pPr rtl="0"/>
             <a:fld id="{E2E02858-A2D1-43A3-9BDC-80D1F48AA51B}" type="datetime1">
               <a:rPr lang="zh-TW" altLang="en-US" smtClean="0"/>
-              <a:t>2024/4/23</a:t>
+              <a:t>2024/4/24</a:t>
             </a:fld>
             <a:endParaRPr lang="en-US" dirty="0"/>
           </a:p>
@@ -1527,7 +1531,7 @@
             <a:pPr rtl="0"/>
             <a:fld id="{A55B7815-05FA-48A0-B9F7-1E04C4F2927A}" type="datetime1">
               <a:rPr lang="zh-TW" altLang="en-US" smtClean="0"/>
-              <a:t>2024/4/23</a:t>
+              <a:t>2024/4/24</a:t>
             </a:fld>
             <a:endParaRPr lang="en-US" dirty="0"/>
           </a:p>
@@ -1904,7 +1908,7 @@
             <a:pPr rtl="0"/>
             <a:fld id="{3FBF2AB9-D521-429F-BA9E-A2DD356AF2DF}" type="datetime1">
               <a:rPr lang="zh-TW" altLang="en-US" smtClean="0"/>
-              <a:t>2024/4/23</a:t>
+              <a:t>2024/4/24</a:t>
             </a:fld>
             <a:endParaRPr lang="en-US" dirty="0"/>
           </a:p>
@@ -2163,7 +2167,7 @@
             <a:pPr rtl="0"/>
             <a:fld id="{E748A74C-3BFC-4F64-9D88-E80E3E32994C}" type="datetime1">
               <a:rPr lang="zh-TW" altLang="en-US" smtClean="0"/>
-              <a:t>2024/4/23</a:t>
+              <a:t>2024/4/24</a:t>
             </a:fld>
             <a:endParaRPr lang="en-US" dirty="0"/>
           </a:p>
@@ -2564,7 +2568,7 @@
             <a:pPr rtl="0"/>
             <a:fld id="{C0166BAE-2749-48CF-A2DD-C010F9F8CC67}" type="datetime1">
               <a:rPr lang="zh-TW" altLang="en-US" smtClean="0"/>
-              <a:t>2024/4/23</a:t>
+              <a:t>2024/4/24</a:t>
             </a:fld>
             <a:endParaRPr lang="en-US" dirty="0"/>
           </a:p>
@@ -2704,7 +2708,7 @@
             <a:pPr rtl="0"/>
             <a:fld id="{42EB3E87-0960-43A6-B33B-AB6B15A82628}" type="datetime1">
               <a:rPr lang="zh-TW" altLang="en-US" smtClean="0"/>
-              <a:t>2024/4/23</a:t>
+              <a:t>2024/4/24</a:t>
             </a:fld>
             <a:endParaRPr lang="en-US" dirty="0"/>
           </a:p>
@@ -2864,7 +2868,7 @@
             <a:pPr rtl="0"/>
             <a:fld id="{0A92F8F0-693D-4EF4-BEF5-7FD95F4C1D80}" type="datetime1">
               <a:rPr lang="zh-TW" altLang="en-US" smtClean="0"/>
-              <a:t>2024/4/23</a:t>
+              <a:t>2024/4/24</a:t>
             </a:fld>
             <a:endParaRPr lang="en-US" dirty="0"/>
           </a:p>
@@ -3197,7 +3201,7 @@
             <a:pPr rtl="0"/>
             <a:fld id="{4E96419C-65CA-4A96-8C8D-1B83D1EEA06C}" type="datetime1">
               <a:rPr lang="zh-TW" altLang="en-US" smtClean="0"/>
-              <a:t>2024/4/23</a:t>
+              <a:t>2024/4/24</a:t>
             </a:fld>
             <a:endParaRPr lang="en-US" dirty="0"/>
           </a:p>
@@ -3552,7 +3556,7 @@
             <a:pPr rtl="0"/>
             <a:fld id="{55B0D56E-A8D9-4835-9121-D0F2B7B922B1}" type="datetime1">
               <a:rPr lang="zh-TW" altLang="en-US" smtClean="0"/>
-              <a:t>2024/4/23</a:t>
+              <a:t>2024/4/24</a:t>
             </a:fld>
             <a:endParaRPr lang="en-US" dirty="0"/>
           </a:p>
@@ -3817,7 +3821,7 @@
           <a:p>
             <a:fld id="{86D72111-2BF8-49E3-AA06-55BC47AB46EA}" type="datetime1">
               <a:rPr lang="zh-TW" altLang="en-US" smtClean="0"/>
-              <a:t>2024/4/23</a:t>
+              <a:t>2024/4/24</a:t>
             </a:fld>
             <a:endParaRPr lang="en-US" dirty="0"/>
           </a:p>
@@ -4467,19 +4471,19 @@
         </p:nvSpPr>
         <p:spPr>
           <a:xfrm>
-            <a:off x="5289753" y="4672739"/>
-            <a:ext cx="6269347" cy="1021498"/>
+            <a:off x="5289752" y="4672738"/>
+            <a:ext cx="6902247" cy="1266668"/>
           </a:xfrm>
         </p:spPr>
         <p:txBody>
           <a:bodyPr rtlCol="0">
-            <a:normAutofit/>
+            <a:normAutofit fontScale="92500"/>
           </a:bodyPr>
           <a:lstStyle/>
           <a:p>
             <a:pPr rtl="0"/>
             <a:r>
-              <a:rPr lang="zh-tw" sz="2400" dirty="0">
+              <a:rPr lang="zh-TW" altLang="en-US" dirty="0">
                 <a:solidFill>
                   <a:schemeClr val="tx1">
                     <a:lumMod val="85000"/>
@@ -4487,46 +4491,118 @@
                   </a:schemeClr>
                 </a:solidFill>
               </a:rPr>
-              <a:t>Sit Dolor Amet</a:t>
-            </a:r>
-          </a:p>
-        </p:txBody>
-      </p:sp>
-      <p:pic>
-        <p:nvPicPr>
-          <p:cNvPr id="5" name="圖片 4" descr="含有建築物、坐下、板凳、側面的圖片&#10;&#10;自動產生的描述">
-            <a:extLst>
-              <a:ext uri="{FF2B5EF4-FFF2-40B4-BE49-F238E27FC236}">
-                <a16:creationId xmlns:a16="http://schemas.microsoft.com/office/drawing/2014/main" id="{282CF6DD-7FE8-4063-9551-1B7BBCE92ABE}"/>
-              </a:ext>
-            </a:extLst>
-          </p:cNvPr>
-          <p:cNvPicPr>
-            <a:picLocks noChangeAspect="1"/>
-          </p:cNvPicPr>
-          <p:nvPr/>
-        </p:nvPicPr>
-        <p:blipFill rotWithShape="1">
-          <a:blip r:embed="rId2">
-            <a:extLst>
-              <a:ext uri="{28A0092B-C50C-407E-A947-70E740481C1C}">
-                <a14:useLocalDpi xmlns:a14="http://schemas.microsoft.com/office/drawing/2010/main" val="0"/>
-              </a:ext>
-            </a:extLst>
-          </a:blip>
-          <a:srcRect/>
-          <a:stretch/>
-        </p:blipFill>
-        <p:spPr>
-          <a:xfrm>
-            <a:off x="-1" y="1"/>
-            <a:ext cx="4635315" cy="6857999"/>
-          </a:xfrm>
-          <a:prstGeom prst="rect">
-            <a:avLst/>
-          </a:prstGeom>
-        </p:spPr>
-      </p:pic>
+              <a:t>組長</a:t>
+            </a:r>
+            <a:r>
+              <a:rPr lang="en-US" altLang="zh-TW" dirty="0">
+                <a:solidFill>
+                  <a:schemeClr val="tx1">
+                    <a:lumMod val="85000"/>
+                    <a:lumOff val="15000"/>
+                  </a:schemeClr>
+                </a:solidFill>
+              </a:rPr>
+              <a:t>:c110112103 </a:t>
+            </a:r>
+            <a:r>
+              <a:rPr lang="zh-TW" altLang="en-US" dirty="0">
+                <a:solidFill>
+                  <a:schemeClr val="tx1">
+                    <a:lumMod val="85000"/>
+                    <a:lumOff val="15000"/>
+                  </a:schemeClr>
+                </a:solidFill>
+              </a:rPr>
+              <a:t>李承宇</a:t>
+            </a:r>
+            <a:endParaRPr lang="en-US" altLang="zh-TW" dirty="0">
+              <a:solidFill>
+                <a:schemeClr val="tx1">
+                  <a:lumMod val="85000"/>
+                  <a:lumOff val="15000"/>
+                </a:schemeClr>
+              </a:solidFill>
+            </a:endParaRPr>
+          </a:p>
+          <a:p>
+            <a:pPr rtl="0"/>
+            <a:r>
+              <a:rPr lang="zh-TW" altLang="en-US" dirty="0">
+                <a:solidFill>
+                  <a:schemeClr val="tx1">
+                    <a:lumMod val="85000"/>
+                    <a:lumOff val="15000"/>
+                  </a:schemeClr>
+                </a:solidFill>
+              </a:rPr>
+              <a:t>組員</a:t>
+            </a:r>
+            <a:r>
+              <a:rPr lang="en-US" altLang="zh-TW" dirty="0">
+                <a:solidFill>
+                  <a:schemeClr val="tx1">
+                    <a:lumMod val="85000"/>
+                    <a:lumOff val="15000"/>
+                  </a:schemeClr>
+                </a:solidFill>
+              </a:rPr>
+              <a:t>:c109112121 </a:t>
+            </a:r>
+            <a:r>
+              <a:rPr lang="zh-TW" altLang="en-US" dirty="0">
+                <a:solidFill>
+                  <a:schemeClr val="tx1">
+                    <a:lumMod val="85000"/>
+                    <a:lumOff val="15000"/>
+                  </a:schemeClr>
+                </a:solidFill>
+              </a:rPr>
+              <a:t>張兆賢、</a:t>
+            </a:r>
+            <a:r>
+              <a:rPr lang="en-US" altLang="zh-TW" dirty="0">
+                <a:solidFill>
+                  <a:schemeClr val="tx1">
+                    <a:lumMod val="85000"/>
+                    <a:lumOff val="15000"/>
+                  </a:schemeClr>
+                </a:solidFill>
+              </a:rPr>
+              <a:t>c109112107 </a:t>
+            </a:r>
+            <a:r>
+              <a:rPr lang="zh-TW" altLang="en-US" dirty="0">
+                <a:solidFill>
+                  <a:schemeClr val="tx1">
+                    <a:lumMod val="85000"/>
+                    <a:lumOff val="15000"/>
+                  </a:schemeClr>
+                </a:solidFill>
+              </a:rPr>
+              <a:t>康佳元</a:t>
+            </a:r>
+            <a:endParaRPr lang="en-US" altLang="zh-TW" dirty="0">
+              <a:solidFill>
+                <a:schemeClr val="tx1">
+                  <a:lumMod val="85000"/>
+                  <a:lumOff val="15000"/>
+                </a:schemeClr>
+              </a:solidFill>
+            </a:endParaRPr>
+          </a:p>
+          <a:p>
+            <a:pPr rtl="0"/>
+            <a:endParaRPr lang="zh-tw" sz="2400" dirty="0">
+              <a:solidFill>
+                <a:schemeClr val="tx1">
+                  <a:lumMod val="85000"/>
+                  <a:lumOff val="15000"/>
+                </a:schemeClr>
+              </a:solidFill>
+            </a:endParaRPr>
+          </a:p>
+        </p:txBody>
+      </p:sp>
       <p:cxnSp>
         <p:nvCxnSpPr>
           <p:cNvPr id="24" name="直線接點​​(S) 23">
@@ -4582,6 +4658,123 @@
           </a:fontRef>
         </p:style>
       </p:cxnSp>
+      <p:pic>
+        <p:nvPicPr>
+          <p:cNvPr id="1028" name="Picture 4" descr="磚塊背景圖片，高清圖庫，桌布素材免費下載| Pngtree">
+            <a:extLst>
+              <a:ext uri="{FF2B5EF4-FFF2-40B4-BE49-F238E27FC236}">
+                <a16:creationId xmlns:a16="http://schemas.microsoft.com/office/drawing/2014/main" id="{47AC0FD6-B2DA-425B-A5D3-7B3734F83352}"/>
+              </a:ext>
+            </a:extLst>
+          </p:cNvPr>
+          <p:cNvPicPr>
+            <a:picLocks noChangeAspect="1" noChangeArrowheads="1"/>
+          </p:cNvPicPr>
+          <p:nvPr/>
+        </p:nvPicPr>
+        <p:blipFill>
+          <a:blip r:embed="rId2">
+            <a:extLst>
+              <a:ext uri="{28A0092B-C50C-407E-A947-70E740481C1C}">
+                <a14:useLocalDpi xmlns:a14="http://schemas.microsoft.com/office/drawing/2010/main" val="0"/>
+              </a:ext>
+            </a:extLst>
+          </a:blip>
+          <a:srcRect/>
+          <a:stretch>
+            <a:fillRect/>
+          </a:stretch>
+        </p:blipFill>
+        <p:spPr bwMode="auto">
+          <a:xfrm>
+            <a:off x="150069" y="91576"/>
+            <a:ext cx="4989614" cy="6674848"/>
+          </a:xfrm>
+          <a:prstGeom prst="rect">
+            <a:avLst/>
+          </a:prstGeom>
+          <a:noFill/>
+          <a:extLst>
+            <a:ext uri="{909E8E84-426E-40DD-AFC4-6F175D3DCCD1}">
+              <a14:hiddenFill xmlns:a14="http://schemas.microsoft.com/office/drawing/2010/main">
+                <a:solidFill>
+                  <a:srgbClr val="FFFFFF"/>
+                </a:solidFill>
+              </a14:hiddenFill>
+            </a:ext>
+          </a:extLst>
+        </p:spPr>
+      </p:pic>
+      <p:pic>
+        <p:nvPicPr>
+          <p:cNvPr id="1030" name="Picture 6" descr="手卡通手Q版手拳頭, 簡筆劃拳頭, 拳頭, 打擊素材圖案，PSD和PNG圖片免費下載">
+            <a:extLst>
+              <a:ext uri="{FF2B5EF4-FFF2-40B4-BE49-F238E27FC236}">
+                <a16:creationId xmlns:a16="http://schemas.microsoft.com/office/drawing/2014/main" id="{59FBFC56-093A-4496-871E-97B349B24B89}"/>
+              </a:ext>
+            </a:extLst>
+          </p:cNvPr>
+          <p:cNvPicPr>
+            <a:picLocks noChangeAspect="1" noChangeArrowheads="1"/>
+          </p:cNvPicPr>
+          <p:nvPr/>
+        </p:nvPicPr>
+        <p:blipFill>
+          <a:blip r:embed="rId3">
+            <a:extLst>
+              <a:ext uri="{BEBA8EAE-BF5A-486C-A8C5-ECC9F3942E4B}">
+                <a14:imgProps xmlns:a14="http://schemas.microsoft.com/office/drawing/2010/main">
+                  <a14:imgLayer r:embed="rId4">
+                    <a14:imgEffect>
+                      <a14:backgroundRemoval t="10000" b="90313" l="9531" r="91719">
+                        <a14:foregroundMark x1="26719" y1="89844" x2="54844" y2="87656"/>
+                        <a14:foregroundMark x1="54844" y1="87656" x2="61406" y2="90000"/>
+                        <a14:foregroundMark x1="54844" y1="83125" x2="59688" y2="89219"/>
+                        <a14:foregroundMark x1="59688" y1="89219" x2="61875" y2="90313"/>
+                        <a14:foregroundMark x1="24688" y1="84375" x2="39219" y2="84219"/>
+                        <a14:foregroundMark x1="39219" y1="84219" x2="65938" y2="84219"/>
+                        <a14:foregroundMark x1="65938" y1="84219" x2="71250" y2="84063"/>
+                        <a14:foregroundMark x1="55469" y1="81094" x2="59844" y2="82344"/>
+                        <a14:foregroundMark x1="90781" y1="39844" x2="91719" y2="39531"/>
+                        <a14:foregroundMark x1="62344" y1="80938" x2="65469" y2="82031"/>
+                        <a14:foregroundMark x1="67656" y1="86250" x2="68750" y2="88750"/>
+                        <a14:foregroundMark x1="35781" y1="84844" x2="37813" y2="87188"/>
+                        <a14:foregroundMark x1="9531" y1="33906" x2="9531" y2="34063"/>
+                      </a14:backgroundRemoval>
+                    </a14:imgEffect>
+                  </a14:imgLayer>
+                </a14:imgProps>
+              </a:ext>
+              <a:ext uri="{28A0092B-C50C-407E-A947-70E740481C1C}">
+                <a14:useLocalDpi xmlns:a14="http://schemas.microsoft.com/office/drawing/2010/main" val="0"/>
+              </a:ext>
+            </a:extLst>
+          </a:blip>
+          <a:srcRect/>
+          <a:stretch>
+            <a:fillRect/>
+          </a:stretch>
+        </p:blipFill>
+        <p:spPr bwMode="auto">
+          <a:xfrm>
+            <a:off x="630885" y="1424031"/>
+            <a:ext cx="4009938" cy="4009938"/>
+          </a:xfrm>
+          <a:prstGeom prst="rect">
+            <a:avLst/>
+          </a:prstGeom>
+          <a:noFill/>
+          <a:extLst>
+            <a:ext uri="{909E8E84-426E-40DD-AFC4-6F175D3DCCD1}">
+              <a14:hiddenFill xmlns:a14="http://schemas.microsoft.com/office/drawing/2010/main">
+                <a:solidFill>
+                  <a:srgbClr val="FFFFFF"/>
+                </a:solidFill>
+              </a14:hiddenFill>
+            </a:ext>
+          </a:extLst>
+        </p:spPr>
+      </p:pic>
     </p:spTree>
     <p:extLst>
       <p:ext uri="{BB962C8B-B14F-4D97-AF65-F5344CB8AC3E}">
@@ -4617,7 +4810,7 @@
           <p:cNvPr id="2" name="標題 1">
             <a:extLst>
               <a:ext uri="{FF2B5EF4-FFF2-40B4-BE49-F238E27FC236}">
-                <a16:creationId xmlns:a16="http://schemas.microsoft.com/office/drawing/2014/main" id="{3CE86E7E-2610-8B63-D774-777715387BE2}"/>
+                <a16:creationId xmlns:a16="http://schemas.microsoft.com/office/drawing/2014/main" id="{617D043F-E1F9-4376-BC9B-514D8BE9A0C1}"/>
               </a:ext>
             </a:extLst>
           </p:cNvPr>
@@ -4634,14 +4827,154 @@
           <a:lstStyle/>
           <a:p>
             <a:r>
-              <a:rPr lang="en-US" altLang="zh-TW" dirty="0">
-                <a:latin typeface="Times New Roman" panose="02020603050405020304" pitchFamily="18" charset="0"/>
-              </a:rPr>
-              <a:t>Breakdown</a:t>
-            </a:r>
-            <a:endParaRPr lang="zh-TW" altLang="en-US" dirty="0">
-              <a:latin typeface="Times New Roman" panose="02020603050405020304" pitchFamily="18" charset="0"/>
-            </a:endParaRPr>
+              <a:rPr lang="zh-TW" altLang="en-US" dirty="0"/>
+              <a:t>需求</a:t>
+            </a:r>
+          </a:p>
+        </p:txBody>
+      </p:sp>
+      <p:sp>
+        <p:nvSpPr>
+          <p:cNvPr id="3" name="內容版面配置區 2">
+            <a:extLst>
+              <a:ext uri="{FF2B5EF4-FFF2-40B4-BE49-F238E27FC236}">
+                <a16:creationId xmlns:a16="http://schemas.microsoft.com/office/drawing/2014/main" id="{8BBD960B-AC3A-490E-8255-B828C816FE16}"/>
+              </a:ext>
+            </a:extLst>
+          </p:cNvPr>
+          <p:cNvSpPr>
+            <a:spLocks noGrp="1"/>
+          </p:cNvSpPr>
+          <p:nvPr>
+            <p:ph idx="1"/>
+          </p:nvPr>
+        </p:nvSpPr>
+        <p:spPr/>
+        <p:txBody>
+          <a:bodyPr/>
+          <a:lstStyle/>
+          <a:p>
+            <a:pPr marL="0" indent="0">
+              <a:buNone/>
+            </a:pPr>
+            <a:r>
+              <a:rPr lang="zh-TW" altLang="en-US" dirty="0"/>
+              <a:t>功能</a:t>
+            </a:r>
+            <a:r>
+              <a:rPr lang="en-US" altLang="zh-TW" dirty="0"/>
+              <a:t>:</a:t>
+            </a:r>
+          </a:p>
+          <a:p>
+            <a:pPr lvl="1">
+              <a:buFont typeface="Wingdings" panose="05000000000000000000" pitchFamily="2" charset="2"/>
+              <a:buChar char="Ø"/>
+            </a:pPr>
+            <a:r>
+              <a:rPr lang="zh-TW" altLang="en-US" dirty="0"/>
+              <a:t>球拍左移右移。</a:t>
+            </a:r>
+            <a:endParaRPr lang="en-US" altLang="zh-TW" dirty="0"/>
+          </a:p>
+          <a:p>
+            <a:pPr lvl="1">
+              <a:buFont typeface="Wingdings" panose="05000000000000000000" pitchFamily="2" charset="2"/>
+              <a:buChar char="Ø"/>
+            </a:pPr>
+            <a:r>
+              <a:rPr lang="zh-TW" altLang="en-US" dirty="0"/>
+              <a:t>發球方向。</a:t>
+            </a:r>
+            <a:endParaRPr lang="en-US" altLang="zh-TW" dirty="0"/>
+          </a:p>
+          <a:p>
+            <a:pPr lvl="1">
+              <a:buFont typeface="Wingdings" panose="05000000000000000000" pitchFamily="2" charset="2"/>
+              <a:buChar char="Ø"/>
+            </a:pPr>
+            <a:r>
+              <a:rPr lang="zh-TW" altLang="en-US" dirty="0"/>
+              <a:t>預測球的反彈軌跡。</a:t>
+            </a:r>
+            <a:endParaRPr lang="en-US" altLang="zh-TW" dirty="0"/>
+          </a:p>
+          <a:p>
+            <a:pPr marL="201168" lvl="1" indent="0">
+              <a:buNone/>
+            </a:pPr>
+            <a:endParaRPr lang="en-US" altLang="zh-TW" dirty="0"/>
+          </a:p>
+          <a:p>
+            <a:pPr marL="0">
+              <a:buNone/>
+            </a:pPr>
+            <a:r>
+              <a:rPr lang="zh-TW" altLang="en-US" dirty="0"/>
+              <a:t>限制</a:t>
+            </a:r>
+            <a:r>
+              <a:rPr lang="en-US" altLang="zh-TW" dirty="0"/>
+              <a:t>:</a:t>
+            </a:r>
+          </a:p>
+          <a:p>
+            <a:pPr marL="544068" lvl="1" indent="-342900">
+              <a:buFont typeface="Wingdings" panose="05000000000000000000" pitchFamily="2" charset="2"/>
+              <a:buChar char="Ø"/>
+            </a:pPr>
+            <a:r>
+              <a:rPr lang="en-US" altLang="zh-TW" dirty="0"/>
+              <a:t>Window10</a:t>
+            </a:r>
+            <a:r>
+              <a:rPr lang="zh-TW" altLang="en-US" dirty="0"/>
+              <a:t>、</a:t>
+            </a:r>
+            <a:r>
+              <a:rPr lang="en-US" altLang="zh-TW" dirty="0"/>
+              <a:t>11</a:t>
+            </a:r>
+          </a:p>
+          <a:p>
+            <a:pPr marL="544068" lvl="1" indent="-342900">
+              <a:buFont typeface="Wingdings" panose="05000000000000000000" pitchFamily="2" charset="2"/>
+              <a:buChar char="Ø"/>
+            </a:pPr>
+            <a:r>
+              <a:rPr lang="en-US" altLang="zh-TW" dirty="0"/>
+              <a:t>Python:3.10</a:t>
+            </a:r>
+          </a:p>
+          <a:p>
+            <a:pPr marL="544068" lvl="1" indent="-342900">
+              <a:buFont typeface="Wingdings" panose="05000000000000000000" pitchFamily="2" charset="2"/>
+              <a:buChar char="Ø"/>
+            </a:pPr>
+            <a:r>
+              <a:rPr lang="zh-TW" altLang="en-US"/>
+              <a:t>介面大小</a:t>
+            </a:r>
+            <a:endParaRPr lang="en-US" altLang="zh-TW" dirty="0"/>
+          </a:p>
+          <a:p>
+            <a:pPr marL="544068" lvl="1" indent="-342900">
+              <a:buFont typeface="Wingdings" panose="05000000000000000000" pitchFamily="2" charset="2"/>
+              <a:buChar char="Ø"/>
+            </a:pPr>
+            <a:endParaRPr lang="en-US" altLang="zh-TW" dirty="0"/>
+          </a:p>
+          <a:p>
+            <a:pPr marL="201168" lvl="1" indent="0">
+              <a:buNone/>
+            </a:pPr>
+            <a:endParaRPr lang="en-US" altLang="zh-TW" dirty="0"/>
+          </a:p>
+          <a:p>
+            <a:pPr marL="0" indent="0">
+              <a:buNone/>
+            </a:pPr>
+            <a:endParaRPr lang="zh-TW" altLang="en-US" dirty="0"/>
           </a:p>
         </p:txBody>
       </p:sp>
@@ -4650,7 +4983,7 @@
           <p:cNvPr id="4" name="日期版面配置區 3">
             <a:extLst>
               <a:ext uri="{FF2B5EF4-FFF2-40B4-BE49-F238E27FC236}">
-                <a16:creationId xmlns:a16="http://schemas.microsoft.com/office/drawing/2014/main" id="{C1842139-573D-745C-5015-1B4402917752}"/>
+                <a16:creationId xmlns:a16="http://schemas.microsoft.com/office/drawing/2014/main" id="{A9EFEA84-75BD-49EC-8116-ECC0C6137187}"/>
               </a:ext>
             </a:extLst>
           </p:cNvPr>
@@ -4669,7 +5002,127 @@
             <a:pPr rtl="0"/>
             <a:fld id="{A55B7815-05FA-48A0-B9F7-1E04C4F2927A}" type="datetime1">
               <a:rPr lang="zh-TW" altLang="en-US" smtClean="0"/>
-              <a:t>2024/4/23</a:t>
+              <a:t>2024/4/24</a:t>
+            </a:fld>
+            <a:endParaRPr lang="en-US" dirty="0"/>
+          </a:p>
+        </p:txBody>
+      </p:sp>
+      <p:pic>
+        <p:nvPicPr>
+          <p:cNvPr id="5" name="圖片 4">
+            <a:extLst>
+              <a:ext uri="{FF2B5EF4-FFF2-40B4-BE49-F238E27FC236}">
+                <a16:creationId xmlns:a16="http://schemas.microsoft.com/office/drawing/2014/main" id="{497B0A84-1B4B-484D-B5E8-681C46041943}"/>
+              </a:ext>
+            </a:extLst>
+          </p:cNvPr>
+          <p:cNvPicPr>
+            <a:picLocks noChangeAspect="1"/>
+          </p:cNvPicPr>
+          <p:nvPr/>
+        </p:nvPicPr>
+        <p:blipFill>
+          <a:blip r:embed="rId2"/>
+          <a:stretch>
+            <a:fillRect/>
+          </a:stretch>
+        </p:blipFill>
+        <p:spPr>
+          <a:xfrm>
+            <a:off x="9093666" y="1929469"/>
+            <a:ext cx="1773790" cy="4408130"/>
+          </a:xfrm>
+          <a:prstGeom prst="rect">
+            <a:avLst/>
+          </a:prstGeom>
+        </p:spPr>
+      </p:pic>
+    </p:spTree>
+    <p:extLst>
+      <p:ext uri="{BB962C8B-B14F-4D97-AF65-F5344CB8AC3E}">
+        <p14:creationId xmlns:p14="http://schemas.microsoft.com/office/powerpoint/2010/main" val="3153042076"/>
+      </p:ext>
+    </p:extLst>
+  </p:cSld>
+  <p:clrMapOvr>
+    <a:masterClrMapping/>
+  </p:clrMapOvr>
+</p:sld>
+</file>
+
+<file path=ppt/slides/slide3.xml><?xml version="1.0" encoding="utf-8"?>
+<p:sld xmlns:a="http://schemas.openxmlformats.org/drawingml/2006/main" xmlns:r="http://schemas.openxmlformats.org/officeDocument/2006/relationships" xmlns:p="http://schemas.openxmlformats.org/presentationml/2006/main">
+  <p:cSld>
+    <p:spTree>
+      <p:nvGrpSpPr>
+        <p:cNvPr id="1" name=""/>
+        <p:cNvGrpSpPr/>
+        <p:nvPr/>
+      </p:nvGrpSpPr>
+      <p:grpSpPr>
+        <a:xfrm>
+          <a:off x="0" y="0"/>
+          <a:ext cx="0" cy="0"/>
+          <a:chOff x="0" y="0"/>
+          <a:chExt cx="0" cy="0"/>
+        </a:xfrm>
+      </p:grpSpPr>
+      <p:sp>
+        <p:nvSpPr>
+          <p:cNvPr id="2" name="標題 1">
+            <a:extLst>
+              <a:ext uri="{FF2B5EF4-FFF2-40B4-BE49-F238E27FC236}">
+                <a16:creationId xmlns:a16="http://schemas.microsoft.com/office/drawing/2014/main" id="{3CE86E7E-2610-8B63-D774-777715387BE2}"/>
+              </a:ext>
+            </a:extLst>
+          </p:cNvPr>
+          <p:cNvSpPr>
+            <a:spLocks noGrp="1"/>
+          </p:cNvSpPr>
+          <p:nvPr>
+            <p:ph type="title"/>
+          </p:nvPr>
+        </p:nvSpPr>
+        <p:spPr/>
+        <p:txBody>
+          <a:bodyPr/>
+          <a:lstStyle/>
+          <a:p>
+            <a:r>
+              <a:rPr lang="zh-TW" altLang="en-US" dirty="0">
+                <a:latin typeface="Times New Roman" panose="02020603050405020304" pitchFamily="18" charset="0"/>
+              </a:rPr>
+              <a:t>遊戲分析</a:t>
+            </a:r>
+          </a:p>
+        </p:txBody>
+      </p:sp>
+      <p:sp>
+        <p:nvSpPr>
+          <p:cNvPr id="4" name="日期版面配置區 3">
+            <a:extLst>
+              <a:ext uri="{FF2B5EF4-FFF2-40B4-BE49-F238E27FC236}">
+                <a16:creationId xmlns:a16="http://schemas.microsoft.com/office/drawing/2014/main" id="{C1842139-573D-745C-5015-1B4402917752}"/>
+              </a:ext>
+            </a:extLst>
+          </p:cNvPr>
+          <p:cNvSpPr>
+            <a:spLocks noGrp="1"/>
+          </p:cNvSpPr>
+          <p:nvPr>
+            <p:ph type="dt" sz="half" idx="10"/>
+          </p:nvPr>
+        </p:nvSpPr>
+        <p:spPr/>
+        <p:txBody>
+          <a:bodyPr/>
+          <a:lstStyle/>
+          <a:p>
+            <a:pPr rtl="0"/>
+            <a:fld id="{A55B7815-05FA-48A0-B9F7-1E04C4F2927A}" type="datetime1">
+              <a:rPr lang="zh-TW" altLang="en-US" smtClean="0"/>
+              <a:t>2024/4/24</a:t>
             </a:fld>
             <a:endParaRPr lang="en-US" dirty="0"/>
           </a:p>
@@ -5542,16 +5995,9 @@
             <a:pPr algn="ctr"/>
             <a:r>
               <a:rPr lang="zh-TW" altLang="en-US" dirty="0"/>
-              <a:t>球低於球拍，</a:t>
+              <a:t>球碰到物件或畫面邊緣會反彈</a:t>
             </a:r>
             <a:endParaRPr lang="en-US" altLang="zh-TW" dirty="0"/>
-          </a:p>
-          <a:p>
-            <a:pPr algn="ctr"/>
-            <a:r>
-              <a:rPr lang="zh-TW" altLang="en-US" dirty="0"/>
-              <a:t>結束</a:t>
-            </a:r>
           </a:p>
         </p:txBody>
       </p:sp>
@@ -5714,6 +6160,7 @@
             </a:extLst>
           </p:cNvPr>
           <p:cNvCxnSpPr>
+            <a:cxnSpLocks/>
             <a:stCxn id="7" idx="2"/>
             <a:endCxn id="33" idx="0"/>
           </p:cNvCxnSpPr>
@@ -6004,7 +6451,7 @@
 </p:sld>
 </file>
 
-<file path=ppt/slides/slide3.xml><?xml version="1.0" encoding="utf-8"?>
+<file path=ppt/slides/slide4.xml><?xml version="1.0" encoding="utf-8"?>
 <p:sld xmlns:a="http://schemas.openxmlformats.org/drawingml/2006/main" xmlns:r="http://schemas.openxmlformats.org/officeDocument/2006/relationships" xmlns:p="http://schemas.openxmlformats.org/presentationml/2006/main">
   <p:cSld>
     <p:spTree>
@@ -6043,12 +6490,9 @@
           <a:lstStyle/>
           <a:p>
             <a:r>
-              <a:rPr lang="en-US" altLang="zh-TW" dirty="0">
-                <a:latin typeface="Times New Roman" panose="02020603050405020304" pitchFamily="18" charset="0"/>
-              </a:rPr>
-              <a:t>Breakdown</a:t>
-            </a:r>
-            <a:endParaRPr lang="zh-TW" altLang="en-US" dirty="0"/>
+              <a:rPr lang="zh-TW" altLang="en-US" dirty="0"/>
+              <a:t>腳本分析</a:t>
+            </a:r>
           </a:p>
         </p:txBody>
       </p:sp>
@@ -6076,7 +6520,7 @@
             <a:pPr rtl="0"/>
             <a:fld id="{A55B7815-05FA-48A0-B9F7-1E04C4F2927A}" type="datetime1">
               <a:rPr lang="zh-TW" altLang="en-US" smtClean="0"/>
-              <a:t>2024/4/23</a:t>
+              <a:t>2024/4/24</a:t>
             </a:fld>
             <a:endParaRPr lang="en-US" dirty="0"/>
           </a:p>
@@ -6206,7 +6650,7 @@
             <a:fld id="{A55B7815-05FA-48A0-B9F7-1E04C4F2927A}" type="datetime1">
               <a:rPr lang="zh-TW" altLang="en-US" smtClean="0"/>
               <a:pPr/>
-              <a:t>2024/4/23</a:t>
+              <a:t>2024/4/24</a:t>
             </a:fld>
             <a:endParaRPr lang="en-US" dirty="0"/>
           </a:p>
@@ -6972,7 +7416,7 @@
             <a:pPr algn="ctr"/>
             <a:r>
               <a:rPr lang="zh-TW" altLang="en-US" dirty="0"/>
-              <a:t>球打磚塊，磚塊消失</a:t>
+              <a:t>判斷球是否擊中磚塊</a:t>
             </a:r>
           </a:p>
         </p:txBody>
@@ -7836,6 +8280,2426 @@
     <p:extLst>
       <p:ext uri="{BB962C8B-B14F-4D97-AF65-F5344CB8AC3E}">
         <p14:creationId xmlns:p14="http://schemas.microsoft.com/office/powerpoint/2010/main" val="1723613545"/>
+      </p:ext>
+    </p:extLst>
+  </p:cSld>
+  <p:clrMapOvr>
+    <a:masterClrMapping/>
+  </p:clrMapOvr>
+</p:sld>
+</file>
+
+<file path=ppt/slides/slide5.xml><?xml version="1.0" encoding="utf-8"?>
+<p:sld xmlns:a="http://schemas.openxmlformats.org/drawingml/2006/main" xmlns:r="http://schemas.openxmlformats.org/officeDocument/2006/relationships" xmlns:p="http://schemas.openxmlformats.org/presentationml/2006/main">
+  <p:cSld>
+    <p:spTree>
+      <p:nvGrpSpPr>
+        <p:cNvPr id="1" name=""/>
+        <p:cNvGrpSpPr/>
+        <p:nvPr/>
+      </p:nvGrpSpPr>
+      <p:grpSpPr>
+        <a:xfrm>
+          <a:off x="0" y="0"/>
+          <a:ext cx="0" cy="0"/>
+          <a:chOff x="0" y="0"/>
+          <a:chExt cx="0" cy="0"/>
+        </a:xfrm>
+      </p:grpSpPr>
+      <p:sp>
+        <p:nvSpPr>
+          <p:cNvPr id="2" name="標題 1">
+            <a:extLst>
+              <a:ext uri="{FF2B5EF4-FFF2-40B4-BE49-F238E27FC236}">
+                <a16:creationId xmlns:a16="http://schemas.microsoft.com/office/drawing/2014/main" id="{F692DEFE-FD25-4A18-B8F8-8F7AFFB3DF2C}"/>
+              </a:ext>
+            </a:extLst>
+          </p:cNvPr>
+          <p:cNvSpPr>
+            <a:spLocks noGrp="1"/>
+          </p:cNvSpPr>
+          <p:nvPr>
+            <p:ph type="title"/>
+          </p:nvPr>
+        </p:nvSpPr>
+        <p:spPr/>
+        <p:txBody>
+          <a:bodyPr/>
+          <a:lstStyle/>
+          <a:p>
+            <a:r>
+              <a:rPr lang="zh-TW" altLang="en-US" dirty="0"/>
+              <a:t>驗收</a:t>
+            </a:r>
+          </a:p>
+        </p:txBody>
+      </p:sp>
+      <p:sp>
+        <p:nvSpPr>
+          <p:cNvPr id="3" name="內容版面配置區 2">
+            <a:extLst>
+              <a:ext uri="{FF2B5EF4-FFF2-40B4-BE49-F238E27FC236}">
+                <a16:creationId xmlns:a16="http://schemas.microsoft.com/office/drawing/2014/main" id="{D97DE27E-C013-451E-B01A-A3102CEA212E}"/>
+              </a:ext>
+            </a:extLst>
+          </p:cNvPr>
+          <p:cNvSpPr>
+            <a:spLocks noGrp="1"/>
+          </p:cNvSpPr>
+          <p:nvPr>
+            <p:ph idx="1"/>
+          </p:nvPr>
+        </p:nvSpPr>
+        <p:spPr/>
+        <p:txBody>
+          <a:bodyPr/>
+          <a:lstStyle/>
+          <a:p>
+            <a:pPr marL="457200" indent="-457200">
+              <a:buFont typeface="+mj-lt"/>
+              <a:buAutoNum type="arabicPeriod"/>
+            </a:pPr>
+            <a:r>
+              <a:rPr lang="zh-TW" altLang="en-US" dirty="0"/>
+              <a:t>腳本可以自行通關</a:t>
+            </a:r>
+            <a:r>
+              <a:rPr lang="en-US" altLang="zh-TW" dirty="0"/>
+              <a:t>Level1.~Level20.</a:t>
+            </a:r>
+            <a:r>
+              <a:rPr lang="zh-TW" altLang="en-US" dirty="0"/>
+              <a:t>。</a:t>
+            </a:r>
+            <a:endParaRPr lang="en-US" altLang="zh-TW" dirty="0"/>
+          </a:p>
+          <a:p>
+            <a:pPr marL="457200" indent="-457200">
+              <a:buFont typeface="+mj-lt"/>
+              <a:buAutoNum type="arabicPeriod"/>
+            </a:pPr>
+            <a:r>
+              <a:rPr lang="zh-TW" altLang="en-US" dirty="0"/>
+              <a:t>能判斷、預測球的路徑軌跡。</a:t>
+            </a:r>
+            <a:endParaRPr lang="en-US" altLang="zh-TW" dirty="0"/>
+          </a:p>
+          <a:p>
+            <a:pPr marL="457200" indent="-457200">
+              <a:buFont typeface="+mj-lt"/>
+              <a:buAutoNum type="arabicPeriod"/>
+            </a:pPr>
+            <a:endParaRPr lang="zh-TW" altLang="en-US" dirty="0"/>
+          </a:p>
+        </p:txBody>
+      </p:sp>
+      <p:sp>
+        <p:nvSpPr>
+          <p:cNvPr id="4" name="日期版面配置區 3">
+            <a:extLst>
+              <a:ext uri="{FF2B5EF4-FFF2-40B4-BE49-F238E27FC236}">
+                <a16:creationId xmlns:a16="http://schemas.microsoft.com/office/drawing/2014/main" id="{FE89C05E-AAE1-4F24-8495-B63D0ECED82E}"/>
+              </a:ext>
+            </a:extLst>
+          </p:cNvPr>
+          <p:cNvSpPr>
+            <a:spLocks noGrp="1"/>
+          </p:cNvSpPr>
+          <p:nvPr>
+            <p:ph type="dt" sz="half" idx="10"/>
+          </p:nvPr>
+        </p:nvSpPr>
+        <p:spPr/>
+        <p:txBody>
+          <a:bodyPr/>
+          <a:lstStyle/>
+          <a:p>
+            <a:pPr rtl="0"/>
+            <a:fld id="{A55B7815-05FA-48A0-B9F7-1E04C4F2927A}" type="datetime1">
+              <a:rPr lang="zh-TW" altLang="en-US" smtClean="0"/>
+              <a:t>2024/4/24</a:t>
+            </a:fld>
+            <a:endParaRPr lang="en-US" dirty="0"/>
+          </a:p>
+        </p:txBody>
+      </p:sp>
+    </p:spTree>
+    <p:extLst>
+      <p:ext uri="{BB962C8B-B14F-4D97-AF65-F5344CB8AC3E}">
+        <p14:creationId xmlns:p14="http://schemas.microsoft.com/office/powerpoint/2010/main" val="1132403444"/>
+      </p:ext>
+    </p:extLst>
+  </p:cSld>
+  <p:clrMapOvr>
+    <a:masterClrMapping/>
+  </p:clrMapOvr>
+</p:sld>
+</file>
+
+<file path=ppt/slides/slide6.xml><?xml version="1.0" encoding="utf-8"?>
+<p:sld xmlns:a="http://schemas.openxmlformats.org/drawingml/2006/main" xmlns:r="http://schemas.openxmlformats.org/officeDocument/2006/relationships" xmlns:p="http://schemas.openxmlformats.org/presentationml/2006/main">
+  <p:cSld>
+    <p:spTree>
+      <p:nvGrpSpPr>
+        <p:cNvPr id="1" name=""/>
+        <p:cNvGrpSpPr/>
+        <p:nvPr/>
+      </p:nvGrpSpPr>
+      <p:grpSpPr>
+        <a:xfrm>
+          <a:off x="0" y="0"/>
+          <a:ext cx="0" cy="0"/>
+          <a:chOff x="0" y="0"/>
+          <a:chExt cx="0" cy="0"/>
+        </a:xfrm>
+      </p:grpSpPr>
+      <p:sp>
+        <p:nvSpPr>
+          <p:cNvPr id="2" name="標題 1">
+            <a:extLst>
+              <a:ext uri="{FF2B5EF4-FFF2-40B4-BE49-F238E27FC236}">
+                <a16:creationId xmlns:a16="http://schemas.microsoft.com/office/drawing/2014/main" id="{95973F22-9D1F-4DE9-855F-F1077DA0ABE5}"/>
+              </a:ext>
+            </a:extLst>
+          </p:cNvPr>
+          <p:cNvSpPr>
+            <a:spLocks noGrp="1"/>
+          </p:cNvSpPr>
+          <p:nvPr>
+            <p:ph type="title"/>
+          </p:nvPr>
+        </p:nvSpPr>
+        <p:spPr/>
+        <p:txBody>
+          <a:bodyPr/>
+          <a:lstStyle/>
+          <a:p>
+            <a:r>
+              <a:rPr lang="zh-TW" altLang="en-US" dirty="0"/>
+              <a:t>補充</a:t>
+            </a:r>
+          </a:p>
+        </p:txBody>
+      </p:sp>
+      <p:sp>
+        <p:nvSpPr>
+          <p:cNvPr id="3" name="內容版面配置區 2">
+            <a:extLst>
+              <a:ext uri="{FF2B5EF4-FFF2-40B4-BE49-F238E27FC236}">
+                <a16:creationId xmlns:a16="http://schemas.microsoft.com/office/drawing/2014/main" id="{5F7C0B55-25BE-46EB-8B8D-C01756696AA9}"/>
+              </a:ext>
+            </a:extLst>
+          </p:cNvPr>
+          <p:cNvSpPr>
+            <a:spLocks noGrp="1"/>
+          </p:cNvSpPr>
+          <p:nvPr>
+            <p:ph idx="1"/>
+          </p:nvPr>
+        </p:nvSpPr>
+        <p:spPr/>
+        <p:txBody>
+          <a:bodyPr/>
+          <a:lstStyle/>
+          <a:p>
+            <a:pPr marL="457200" indent="-457200">
+              <a:buFont typeface="+mj-lt"/>
+              <a:buAutoNum type="arabicPeriod"/>
+            </a:pPr>
+            <a:r>
+              <a:rPr lang="zh-TW" altLang="en-US" dirty="0"/>
+              <a:t>機器學習</a:t>
+            </a:r>
+            <a:r>
+              <a:rPr lang="en-US" altLang="zh-TW" dirty="0"/>
+              <a:t>(Q learning)</a:t>
+            </a:r>
+          </a:p>
+          <a:p>
+            <a:pPr marL="457200" indent="-457200">
+              <a:buFont typeface="+mj-lt"/>
+              <a:buAutoNum type="arabicPeriod"/>
+            </a:pPr>
+            <a:r>
+              <a:rPr lang="zh-TW" altLang="en-US" dirty="0"/>
+              <a:t>機器學習</a:t>
+            </a:r>
+            <a:r>
+              <a:rPr lang="en-US" altLang="zh-TW" dirty="0"/>
+              <a:t>:</a:t>
+            </a:r>
+            <a:r>
+              <a:rPr lang="zh-TW" altLang="en-US" dirty="0"/>
+              <a:t>需求、分析</a:t>
+            </a:r>
+          </a:p>
+        </p:txBody>
+      </p:sp>
+      <p:sp>
+        <p:nvSpPr>
+          <p:cNvPr id="4" name="日期版面配置區 3">
+            <a:extLst>
+              <a:ext uri="{FF2B5EF4-FFF2-40B4-BE49-F238E27FC236}">
+                <a16:creationId xmlns:a16="http://schemas.microsoft.com/office/drawing/2014/main" id="{C9DB3737-44A9-48BF-849D-71260B765D9D}"/>
+              </a:ext>
+            </a:extLst>
+          </p:cNvPr>
+          <p:cNvSpPr>
+            <a:spLocks noGrp="1"/>
+          </p:cNvSpPr>
+          <p:nvPr>
+            <p:ph type="dt" sz="half" idx="10"/>
+          </p:nvPr>
+        </p:nvSpPr>
+        <p:spPr/>
+        <p:txBody>
+          <a:bodyPr/>
+          <a:lstStyle/>
+          <a:p>
+            <a:pPr rtl="0"/>
+            <a:fld id="{A55B7815-05FA-48A0-B9F7-1E04C4F2927A}" type="datetime1">
+              <a:rPr lang="zh-TW" altLang="en-US" smtClean="0"/>
+              <a:t>2024/4/24</a:t>
+            </a:fld>
+            <a:endParaRPr lang="en-US" dirty="0"/>
+          </a:p>
+        </p:txBody>
+      </p:sp>
+    </p:spTree>
+    <p:extLst>
+      <p:ext uri="{BB962C8B-B14F-4D97-AF65-F5344CB8AC3E}">
+        <p14:creationId xmlns:p14="http://schemas.microsoft.com/office/powerpoint/2010/main" val="2435910088"/>
+      </p:ext>
+    </p:extLst>
+  </p:cSld>
+  <p:clrMapOvr>
+    <a:masterClrMapping/>
+  </p:clrMapOvr>
+</p:sld>
+</file>
+
+<file path=ppt/slides/slide7.xml><?xml version="1.0" encoding="utf-8"?>
+<p:sld xmlns:a="http://schemas.openxmlformats.org/drawingml/2006/main" xmlns:r="http://schemas.openxmlformats.org/officeDocument/2006/relationships" xmlns:p="http://schemas.openxmlformats.org/presentationml/2006/main">
+  <p:cSld>
+    <p:spTree>
+      <p:nvGrpSpPr>
+        <p:cNvPr id="1" name=""/>
+        <p:cNvGrpSpPr/>
+        <p:nvPr/>
+      </p:nvGrpSpPr>
+      <p:grpSpPr>
+        <a:xfrm>
+          <a:off x="0" y="0"/>
+          <a:ext cx="0" cy="0"/>
+          <a:chOff x="0" y="0"/>
+          <a:chExt cx="0" cy="0"/>
+        </a:xfrm>
+      </p:grpSpPr>
+      <p:sp>
+        <p:nvSpPr>
+          <p:cNvPr id="2" name="標題 1">
+            <a:extLst>
+              <a:ext uri="{FF2B5EF4-FFF2-40B4-BE49-F238E27FC236}">
+                <a16:creationId xmlns:a16="http://schemas.microsoft.com/office/drawing/2014/main" id="{176881A9-55B0-41F1-A701-D4EB66CE3407}"/>
+              </a:ext>
+            </a:extLst>
+          </p:cNvPr>
+          <p:cNvSpPr>
+            <a:spLocks noGrp="1"/>
+          </p:cNvSpPr>
+          <p:nvPr>
+            <p:ph type="title"/>
+          </p:nvPr>
+        </p:nvSpPr>
+        <p:spPr/>
+        <p:txBody>
+          <a:bodyPr/>
+          <a:lstStyle/>
+          <a:p>
+            <a:endParaRPr lang="zh-TW" altLang="en-US" dirty="0"/>
+          </a:p>
+        </p:txBody>
+      </p:sp>
+      <p:sp>
+        <p:nvSpPr>
+          <p:cNvPr id="4" name="日期版面配置區 3">
+            <a:extLst>
+              <a:ext uri="{FF2B5EF4-FFF2-40B4-BE49-F238E27FC236}">
+                <a16:creationId xmlns:a16="http://schemas.microsoft.com/office/drawing/2014/main" id="{8CAB169F-240F-4E43-BF9F-1C44B57A9C20}"/>
+              </a:ext>
+            </a:extLst>
+          </p:cNvPr>
+          <p:cNvSpPr>
+            <a:spLocks noGrp="1"/>
+          </p:cNvSpPr>
+          <p:nvPr>
+            <p:ph type="dt" sz="half" idx="10"/>
+          </p:nvPr>
+        </p:nvSpPr>
+        <p:spPr/>
+        <p:txBody>
+          <a:bodyPr/>
+          <a:lstStyle/>
+          <a:p>
+            <a:pPr rtl="0"/>
+            <a:fld id="{A55B7815-05FA-48A0-B9F7-1E04C4F2927A}" type="datetime1">
+              <a:rPr lang="zh-TW" altLang="en-US" smtClean="0"/>
+              <a:t>2024/4/24</a:t>
+            </a:fld>
+            <a:endParaRPr lang="en-US" dirty="0"/>
+          </a:p>
+        </p:txBody>
+      </p:sp>
+      <p:sp>
+        <p:nvSpPr>
+          <p:cNvPr id="5" name="日期版面配置區 3">
+            <a:extLst>
+              <a:ext uri="{FF2B5EF4-FFF2-40B4-BE49-F238E27FC236}">
+                <a16:creationId xmlns:a16="http://schemas.microsoft.com/office/drawing/2014/main" id="{0DFBD96C-9AF9-4F4D-8344-6096C9552A3E}"/>
+              </a:ext>
+            </a:extLst>
+          </p:cNvPr>
+          <p:cNvSpPr txBox="1">
+            <a:spLocks/>
+          </p:cNvSpPr>
+          <p:nvPr/>
+        </p:nvSpPr>
+        <p:spPr>
+          <a:xfrm>
+            <a:off x="8218426" y="6446838"/>
+            <a:ext cx="2584850" cy="365125"/>
+          </a:xfrm>
+          <a:prstGeom prst="rect">
+            <a:avLst/>
+          </a:prstGeom>
+        </p:spPr>
+        <p:txBody>
+          <a:bodyPr vert="horz" lIns="91440" tIns="45720" rIns="91440" bIns="45720" rtlCol="0" anchor="ctr"/>
+          <a:lstStyle>
+            <a:defPPr rtl="0">
+              <a:defRPr lang="zh-tw"/>
+            </a:defPPr>
+            <a:lvl1pPr marL="0" algn="r" defTabSz="914400" rtl="0" eaLnBrk="1" latinLnBrk="0" hangingPunct="1">
+              <a:defRPr sz="800" kern="1200">
+                <a:solidFill>
+                  <a:srgbClr val="FFFFFF"/>
+                </a:solidFill>
+                <a:latin typeface="Microsoft JhengHei UI" panose="020B0604030504040204" pitchFamily="34" charset="-120"/>
+                <a:ea typeface="Microsoft JhengHei UI" panose="020B0604030504040204" pitchFamily="34" charset="-120"/>
+                <a:cs typeface="+mn-cs"/>
+              </a:defRPr>
+            </a:lvl1pPr>
+            <a:lvl2pPr marL="457200" algn="l" defTabSz="914400" rtl="0" eaLnBrk="1" latinLnBrk="0" hangingPunct="1">
+              <a:defRPr sz="1800" kern="1200">
+                <a:solidFill>
+                  <a:schemeClr val="tx1"/>
+                </a:solidFill>
+                <a:latin typeface="+mn-lt"/>
+                <a:ea typeface="+mn-ea"/>
+                <a:cs typeface="+mn-cs"/>
+              </a:defRPr>
+            </a:lvl2pPr>
+            <a:lvl3pPr marL="914400" algn="l" defTabSz="914400" rtl="0" eaLnBrk="1" latinLnBrk="0" hangingPunct="1">
+              <a:defRPr sz="1800" kern="1200">
+                <a:solidFill>
+                  <a:schemeClr val="tx1"/>
+                </a:solidFill>
+                <a:latin typeface="+mn-lt"/>
+                <a:ea typeface="+mn-ea"/>
+                <a:cs typeface="+mn-cs"/>
+              </a:defRPr>
+            </a:lvl3pPr>
+            <a:lvl4pPr marL="1371600" algn="l" defTabSz="914400" rtl="0" eaLnBrk="1" latinLnBrk="0" hangingPunct="1">
+              <a:defRPr sz="1800" kern="1200">
+                <a:solidFill>
+                  <a:schemeClr val="tx1"/>
+                </a:solidFill>
+                <a:latin typeface="+mn-lt"/>
+                <a:ea typeface="+mn-ea"/>
+                <a:cs typeface="+mn-cs"/>
+              </a:defRPr>
+            </a:lvl4pPr>
+            <a:lvl5pPr marL="1828800" algn="l" defTabSz="914400" rtl="0" eaLnBrk="1" latinLnBrk="0" hangingPunct="1">
+              <a:defRPr sz="1800" kern="1200">
+                <a:solidFill>
+                  <a:schemeClr val="tx1"/>
+                </a:solidFill>
+                <a:latin typeface="+mn-lt"/>
+                <a:ea typeface="+mn-ea"/>
+                <a:cs typeface="+mn-cs"/>
+              </a:defRPr>
+            </a:lvl5pPr>
+            <a:lvl6pPr marL="2286000" algn="l" defTabSz="914400" rtl="0" eaLnBrk="1" latinLnBrk="0" hangingPunct="1">
+              <a:defRPr sz="1800" kern="1200">
+                <a:solidFill>
+                  <a:schemeClr val="tx1"/>
+                </a:solidFill>
+                <a:latin typeface="+mn-lt"/>
+                <a:ea typeface="+mn-ea"/>
+                <a:cs typeface="+mn-cs"/>
+              </a:defRPr>
+            </a:lvl6pPr>
+            <a:lvl7pPr marL="2743200" algn="l" defTabSz="914400" rtl="0" eaLnBrk="1" latinLnBrk="0" hangingPunct="1">
+              <a:defRPr sz="1800" kern="1200">
+                <a:solidFill>
+                  <a:schemeClr val="tx1"/>
+                </a:solidFill>
+                <a:latin typeface="+mn-lt"/>
+                <a:ea typeface="+mn-ea"/>
+                <a:cs typeface="+mn-cs"/>
+              </a:defRPr>
+            </a:lvl7pPr>
+            <a:lvl8pPr marL="3200400" algn="l" defTabSz="914400" rtl="0" eaLnBrk="1" latinLnBrk="0" hangingPunct="1">
+              <a:defRPr sz="1800" kern="1200">
+                <a:solidFill>
+                  <a:schemeClr val="tx1"/>
+                </a:solidFill>
+                <a:latin typeface="+mn-lt"/>
+                <a:ea typeface="+mn-ea"/>
+                <a:cs typeface="+mn-cs"/>
+              </a:defRPr>
+            </a:lvl8pPr>
+            <a:lvl9pPr marL="3657600" algn="l" defTabSz="914400" rtl="0" eaLnBrk="1" latinLnBrk="0" hangingPunct="1">
+              <a:defRPr sz="1800" kern="1200">
+                <a:solidFill>
+                  <a:schemeClr val="tx1"/>
+                </a:solidFill>
+                <a:latin typeface="+mn-lt"/>
+                <a:ea typeface="+mn-ea"/>
+                <a:cs typeface="+mn-cs"/>
+              </a:defRPr>
+            </a:lvl9pPr>
+          </a:lstStyle>
+          <a:p>
+            <a:fld id="{A55B7815-05FA-48A0-B9F7-1E04C4F2927A}" type="datetime1">
+              <a:rPr lang="zh-TW" altLang="en-US" smtClean="0"/>
+              <a:pPr/>
+              <a:t>2024/4/24</a:t>
+            </a:fld>
+            <a:endParaRPr lang="en-US" dirty="0"/>
+          </a:p>
+        </p:txBody>
+      </p:sp>
+      <p:sp>
+        <p:nvSpPr>
+          <p:cNvPr id="6" name="日期版面配置區 3">
+            <a:extLst>
+              <a:ext uri="{FF2B5EF4-FFF2-40B4-BE49-F238E27FC236}">
+                <a16:creationId xmlns:a16="http://schemas.microsoft.com/office/drawing/2014/main" id="{3716C23D-9EEB-49B8-9C18-1CAE52D3CF09}"/>
+              </a:ext>
+            </a:extLst>
+          </p:cNvPr>
+          <p:cNvSpPr txBox="1">
+            <a:spLocks/>
+          </p:cNvSpPr>
+          <p:nvPr/>
+        </p:nvSpPr>
+        <p:spPr>
+          <a:xfrm>
+            <a:off x="8218426" y="6446838"/>
+            <a:ext cx="2584850" cy="365125"/>
+          </a:xfrm>
+          <a:prstGeom prst="rect">
+            <a:avLst/>
+          </a:prstGeom>
+        </p:spPr>
+        <p:txBody>
+          <a:bodyPr vert="horz" lIns="91440" tIns="45720" rIns="91440" bIns="45720" rtlCol="0" anchor="ctr"/>
+          <a:lstStyle>
+            <a:defPPr rtl="0">
+              <a:defRPr lang="zh-tw"/>
+            </a:defPPr>
+            <a:lvl1pPr marL="0" algn="r" defTabSz="914400" rtl="0" eaLnBrk="1" latinLnBrk="0" hangingPunct="1">
+              <a:defRPr sz="800" kern="1200">
+                <a:solidFill>
+                  <a:srgbClr val="FFFFFF"/>
+                </a:solidFill>
+                <a:latin typeface="Microsoft JhengHei UI" panose="020B0604030504040204" pitchFamily="34" charset="-120"/>
+                <a:ea typeface="Microsoft JhengHei UI" panose="020B0604030504040204" pitchFamily="34" charset="-120"/>
+                <a:cs typeface="+mn-cs"/>
+              </a:defRPr>
+            </a:lvl1pPr>
+            <a:lvl2pPr marL="457200" algn="l" defTabSz="914400" rtl="0" eaLnBrk="1" latinLnBrk="0" hangingPunct="1">
+              <a:defRPr sz="1800" kern="1200">
+                <a:solidFill>
+                  <a:schemeClr val="tx1"/>
+                </a:solidFill>
+                <a:latin typeface="+mn-lt"/>
+                <a:ea typeface="+mn-ea"/>
+                <a:cs typeface="+mn-cs"/>
+              </a:defRPr>
+            </a:lvl2pPr>
+            <a:lvl3pPr marL="914400" algn="l" defTabSz="914400" rtl="0" eaLnBrk="1" latinLnBrk="0" hangingPunct="1">
+              <a:defRPr sz="1800" kern="1200">
+                <a:solidFill>
+                  <a:schemeClr val="tx1"/>
+                </a:solidFill>
+                <a:latin typeface="+mn-lt"/>
+                <a:ea typeface="+mn-ea"/>
+                <a:cs typeface="+mn-cs"/>
+              </a:defRPr>
+            </a:lvl3pPr>
+            <a:lvl4pPr marL="1371600" algn="l" defTabSz="914400" rtl="0" eaLnBrk="1" latinLnBrk="0" hangingPunct="1">
+              <a:defRPr sz="1800" kern="1200">
+                <a:solidFill>
+                  <a:schemeClr val="tx1"/>
+                </a:solidFill>
+                <a:latin typeface="+mn-lt"/>
+                <a:ea typeface="+mn-ea"/>
+                <a:cs typeface="+mn-cs"/>
+              </a:defRPr>
+            </a:lvl4pPr>
+            <a:lvl5pPr marL="1828800" algn="l" defTabSz="914400" rtl="0" eaLnBrk="1" latinLnBrk="0" hangingPunct="1">
+              <a:defRPr sz="1800" kern="1200">
+                <a:solidFill>
+                  <a:schemeClr val="tx1"/>
+                </a:solidFill>
+                <a:latin typeface="+mn-lt"/>
+                <a:ea typeface="+mn-ea"/>
+                <a:cs typeface="+mn-cs"/>
+              </a:defRPr>
+            </a:lvl5pPr>
+            <a:lvl6pPr marL="2286000" algn="l" defTabSz="914400" rtl="0" eaLnBrk="1" latinLnBrk="0" hangingPunct="1">
+              <a:defRPr sz="1800" kern="1200">
+                <a:solidFill>
+                  <a:schemeClr val="tx1"/>
+                </a:solidFill>
+                <a:latin typeface="+mn-lt"/>
+                <a:ea typeface="+mn-ea"/>
+                <a:cs typeface="+mn-cs"/>
+              </a:defRPr>
+            </a:lvl6pPr>
+            <a:lvl7pPr marL="2743200" algn="l" defTabSz="914400" rtl="0" eaLnBrk="1" latinLnBrk="0" hangingPunct="1">
+              <a:defRPr sz="1800" kern="1200">
+                <a:solidFill>
+                  <a:schemeClr val="tx1"/>
+                </a:solidFill>
+                <a:latin typeface="+mn-lt"/>
+                <a:ea typeface="+mn-ea"/>
+                <a:cs typeface="+mn-cs"/>
+              </a:defRPr>
+            </a:lvl7pPr>
+            <a:lvl8pPr marL="3200400" algn="l" defTabSz="914400" rtl="0" eaLnBrk="1" latinLnBrk="0" hangingPunct="1">
+              <a:defRPr sz="1800" kern="1200">
+                <a:solidFill>
+                  <a:schemeClr val="tx1"/>
+                </a:solidFill>
+                <a:latin typeface="+mn-lt"/>
+                <a:ea typeface="+mn-ea"/>
+                <a:cs typeface="+mn-cs"/>
+              </a:defRPr>
+            </a:lvl8pPr>
+            <a:lvl9pPr marL="3657600" algn="l" defTabSz="914400" rtl="0" eaLnBrk="1" latinLnBrk="0" hangingPunct="1">
+              <a:defRPr sz="1800" kern="1200">
+                <a:solidFill>
+                  <a:schemeClr val="tx1"/>
+                </a:solidFill>
+                <a:latin typeface="+mn-lt"/>
+                <a:ea typeface="+mn-ea"/>
+                <a:cs typeface="+mn-cs"/>
+              </a:defRPr>
+            </a:lvl9pPr>
+          </a:lstStyle>
+          <a:p>
+            <a:fld id="{A55B7815-05FA-48A0-B9F7-1E04C4F2927A}" type="datetime1">
+              <a:rPr lang="zh-TW" altLang="en-US" smtClean="0"/>
+              <a:pPr/>
+              <a:t>2024/4/24</a:t>
+            </a:fld>
+            <a:endParaRPr lang="en-US" dirty="0"/>
+          </a:p>
+        </p:txBody>
+      </p:sp>
+      <p:sp>
+        <p:nvSpPr>
+          <p:cNvPr id="7" name="矩形: 圓角 6">
+            <a:extLst>
+              <a:ext uri="{FF2B5EF4-FFF2-40B4-BE49-F238E27FC236}">
+                <a16:creationId xmlns:a16="http://schemas.microsoft.com/office/drawing/2014/main" id="{3901E261-E672-44B9-90AF-4D095FAC0FBA}"/>
+              </a:ext>
+            </a:extLst>
+          </p:cNvPr>
+          <p:cNvSpPr/>
+          <p:nvPr/>
+        </p:nvSpPr>
+        <p:spPr>
+          <a:xfrm>
+            <a:off x="5220010" y="466429"/>
+            <a:ext cx="1845578" cy="847288"/>
+          </a:xfrm>
+          <a:prstGeom prst="roundRect">
+            <a:avLst/>
+          </a:prstGeom>
+        </p:spPr>
+        <p:style>
+          <a:lnRef idx="2">
+            <a:schemeClr val="accent1">
+              <a:shade val="15000"/>
+            </a:schemeClr>
+          </a:lnRef>
+          <a:fillRef idx="1">
+            <a:schemeClr val="accent1"/>
+          </a:fillRef>
+          <a:effectRef idx="0">
+            <a:schemeClr val="accent1"/>
+          </a:effectRef>
+          <a:fontRef idx="minor">
+            <a:schemeClr val="lt1"/>
+          </a:fontRef>
+        </p:style>
+        <p:txBody>
+          <a:bodyPr rtlCol="0" anchor="ctr"/>
+          <a:lstStyle/>
+          <a:p>
+            <a:pPr algn="ctr"/>
+            <a:r>
+              <a:rPr lang="zh-TW" altLang="en-US" dirty="0"/>
+              <a:t>機器學習</a:t>
+            </a:r>
+          </a:p>
+        </p:txBody>
+      </p:sp>
+      <p:sp>
+        <p:nvSpPr>
+          <p:cNvPr id="8" name="矩形: 圓角 7">
+            <a:extLst>
+              <a:ext uri="{FF2B5EF4-FFF2-40B4-BE49-F238E27FC236}">
+                <a16:creationId xmlns:a16="http://schemas.microsoft.com/office/drawing/2014/main" id="{C1369010-DDFE-4382-AEBC-78D2CB174E8E}"/>
+              </a:ext>
+            </a:extLst>
+          </p:cNvPr>
+          <p:cNvSpPr/>
+          <p:nvPr/>
+        </p:nvSpPr>
+        <p:spPr>
+          <a:xfrm>
+            <a:off x="9702769" y="3244616"/>
+            <a:ext cx="1845578" cy="847288"/>
+          </a:xfrm>
+          <a:prstGeom prst="roundRect">
+            <a:avLst/>
+          </a:prstGeom>
+        </p:spPr>
+        <p:style>
+          <a:lnRef idx="2">
+            <a:schemeClr val="accent2">
+              <a:shade val="15000"/>
+            </a:schemeClr>
+          </a:lnRef>
+          <a:fillRef idx="1">
+            <a:schemeClr val="accent2"/>
+          </a:fillRef>
+          <a:effectRef idx="0">
+            <a:schemeClr val="accent2"/>
+          </a:effectRef>
+          <a:fontRef idx="minor">
+            <a:schemeClr val="lt1"/>
+          </a:fontRef>
+        </p:style>
+        <p:txBody>
+          <a:bodyPr rtlCol="0" anchor="ctr"/>
+          <a:lstStyle/>
+          <a:p>
+            <a:pPr algn="ctr"/>
+            <a:r>
+              <a:rPr lang="zh-TW" altLang="en-US" dirty="0"/>
+              <a:t>驗收</a:t>
+            </a:r>
+          </a:p>
+        </p:txBody>
+      </p:sp>
+      <p:sp>
+        <p:nvSpPr>
+          <p:cNvPr id="9" name="矩形: 圓角 8">
+            <a:extLst>
+              <a:ext uri="{FF2B5EF4-FFF2-40B4-BE49-F238E27FC236}">
+                <a16:creationId xmlns:a16="http://schemas.microsoft.com/office/drawing/2014/main" id="{E2E101B9-626E-4B95-9DA9-996CBEB7724B}"/>
+              </a:ext>
+            </a:extLst>
+          </p:cNvPr>
+          <p:cNvSpPr/>
+          <p:nvPr/>
+        </p:nvSpPr>
+        <p:spPr>
+          <a:xfrm>
+            <a:off x="1657647" y="2588923"/>
+            <a:ext cx="1845578" cy="847288"/>
+          </a:xfrm>
+          <a:prstGeom prst="roundRect">
+            <a:avLst/>
+          </a:prstGeom>
+        </p:spPr>
+        <p:style>
+          <a:lnRef idx="2">
+            <a:schemeClr val="accent3">
+              <a:shade val="15000"/>
+            </a:schemeClr>
+          </a:lnRef>
+          <a:fillRef idx="1">
+            <a:schemeClr val="accent3"/>
+          </a:fillRef>
+          <a:effectRef idx="0">
+            <a:schemeClr val="accent3"/>
+          </a:effectRef>
+          <a:fontRef idx="minor">
+            <a:schemeClr val="lt1"/>
+          </a:fontRef>
+        </p:style>
+        <p:txBody>
+          <a:bodyPr rtlCol="0" anchor="ctr"/>
+          <a:lstStyle/>
+          <a:p>
+            <a:pPr algn="ctr"/>
+            <a:r>
+              <a:rPr lang="zh-TW" altLang="en-US" dirty="0"/>
+              <a:t>狀態</a:t>
+            </a:r>
+          </a:p>
+        </p:txBody>
+      </p:sp>
+      <p:sp>
+        <p:nvSpPr>
+          <p:cNvPr id="10" name="矩形: 圓角 9">
+            <a:extLst>
+              <a:ext uri="{FF2B5EF4-FFF2-40B4-BE49-F238E27FC236}">
+                <a16:creationId xmlns:a16="http://schemas.microsoft.com/office/drawing/2014/main" id="{02679335-B74F-4005-BB69-FB311C057F74}"/>
+              </a:ext>
+            </a:extLst>
+          </p:cNvPr>
+          <p:cNvSpPr/>
+          <p:nvPr/>
+        </p:nvSpPr>
+        <p:spPr>
+          <a:xfrm>
+            <a:off x="3786842" y="2579354"/>
+            <a:ext cx="1845578" cy="847288"/>
+          </a:xfrm>
+          <a:prstGeom prst="roundRect">
+            <a:avLst/>
+          </a:prstGeom>
+        </p:spPr>
+        <p:style>
+          <a:lnRef idx="2">
+            <a:schemeClr val="accent4">
+              <a:shade val="15000"/>
+            </a:schemeClr>
+          </a:lnRef>
+          <a:fillRef idx="1">
+            <a:schemeClr val="accent4"/>
+          </a:fillRef>
+          <a:effectRef idx="0">
+            <a:schemeClr val="accent4"/>
+          </a:effectRef>
+          <a:fontRef idx="minor">
+            <a:schemeClr val="lt1"/>
+          </a:fontRef>
+        </p:style>
+        <p:txBody>
+          <a:bodyPr rtlCol="0" anchor="ctr"/>
+          <a:lstStyle/>
+          <a:p>
+            <a:pPr algn="ctr"/>
+            <a:r>
+              <a:rPr lang="zh-TW" altLang="en-US" dirty="0"/>
+              <a:t>指令</a:t>
+            </a:r>
+          </a:p>
+        </p:txBody>
+      </p:sp>
+      <p:sp>
+        <p:nvSpPr>
+          <p:cNvPr id="11" name="矩形: 圓角 10">
+            <a:extLst>
+              <a:ext uri="{FF2B5EF4-FFF2-40B4-BE49-F238E27FC236}">
+                <a16:creationId xmlns:a16="http://schemas.microsoft.com/office/drawing/2014/main" id="{5DD68575-9719-4096-9648-8F8E3C264FAE}"/>
+              </a:ext>
+            </a:extLst>
+          </p:cNvPr>
+          <p:cNvSpPr/>
+          <p:nvPr/>
+        </p:nvSpPr>
+        <p:spPr>
+          <a:xfrm>
+            <a:off x="6999150" y="2588923"/>
+            <a:ext cx="1845578" cy="847288"/>
+          </a:xfrm>
+          <a:prstGeom prst="roundRect">
+            <a:avLst/>
+          </a:prstGeom>
+        </p:spPr>
+        <p:style>
+          <a:lnRef idx="2">
+            <a:schemeClr val="accent6">
+              <a:shade val="15000"/>
+            </a:schemeClr>
+          </a:lnRef>
+          <a:fillRef idx="1">
+            <a:schemeClr val="accent6"/>
+          </a:fillRef>
+          <a:effectRef idx="0">
+            <a:schemeClr val="accent6"/>
+          </a:effectRef>
+          <a:fontRef idx="minor">
+            <a:schemeClr val="lt1"/>
+          </a:fontRef>
+        </p:style>
+        <p:txBody>
+          <a:bodyPr rtlCol="0" anchor="ctr"/>
+          <a:lstStyle/>
+          <a:p>
+            <a:pPr algn="ctr"/>
+            <a:r>
+              <a:rPr lang="zh-TW" altLang="en-US"/>
+              <a:t>代理人</a:t>
+            </a:r>
+            <a:endParaRPr lang="zh-TW" altLang="en-US" dirty="0"/>
+          </a:p>
+        </p:txBody>
+      </p:sp>
+      <p:cxnSp>
+        <p:nvCxnSpPr>
+          <p:cNvPr id="12" name="接點: 肘形 11">
+            <a:extLst>
+              <a:ext uri="{FF2B5EF4-FFF2-40B4-BE49-F238E27FC236}">
+                <a16:creationId xmlns:a16="http://schemas.microsoft.com/office/drawing/2014/main" id="{CF455E5C-DBC0-46BF-AEF0-A1D42FA43AD9}"/>
+              </a:ext>
+            </a:extLst>
+          </p:cNvPr>
+          <p:cNvCxnSpPr>
+            <a:stCxn id="7" idx="2"/>
+            <a:endCxn id="8" idx="0"/>
+          </p:cNvCxnSpPr>
+          <p:nvPr/>
+        </p:nvCxnSpPr>
+        <p:spPr>
+          <a:xfrm rot="16200000" flipH="1">
+            <a:off x="7418729" y="37786"/>
+            <a:ext cx="1930899" cy="4482759"/>
+          </a:xfrm>
+          <a:prstGeom prst="bentConnector3">
+            <a:avLst>
+              <a:gd name="adj1" fmla="val 50000"/>
+            </a:avLst>
+          </a:prstGeom>
+          <a:ln>
+            <a:tailEnd type="triangle"/>
+          </a:ln>
+        </p:spPr>
+        <p:style>
+          <a:lnRef idx="1">
+            <a:schemeClr val="accent1"/>
+          </a:lnRef>
+          <a:fillRef idx="0">
+            <a:schemeClr val="accent1"/>
+          </a:fillRef>
+          <a:effectRef idx="0">
+            <a:schemeClr val="accent1"/>
+          </a:effectRef>
+          <a:fontRef idx="minor">
+            <a:schemeClr val="tx1"/>
+          </a:fontRef>
+        </p:style>
+      </p:cxnSp>
+      <p:cxnSp>
+        <p:nvCxnSpPr>
+          <p:cNvPr id="13" name="接點: 肘形 12">
+            <a:extLst>
+              <a:ext uri="{FF2B5EF4-FFF2-40B4-BE49-F238E27FC236}">
+                <a16:creationId xmlns:a16="http://schemas.microsoft.com/office/drawing/2014/main" id="{CA186055-E407-4F6E-A13D-AC302D74980B}"/>
+              </a:ext>
+            </a:extLst>
+          </p:cNvPr>
+          <p:cNvCxnSpPr>
+            <a:cxnSpLocks/>
+            <a:stCxn id="7" idx="2"/>
+            <a:endCxn id="9" idx="0"/>
+          </p:cNvCxnSpPr>
+          <p:nvPr/>
+        </p:nvCxnSpPr>
+        <p:spPr>
+          <a:xfrm rot="5400000">
+            <a:off x="3724015" y="170139"/>
+            <a:ext cx="1275206" cy="3562363"/>
+          </a:xfrm>
+          <a:prstGeom prst="bentConnector3">
+            <a:avLst>
+              <a:gd name="adj1" fmla="val 50000"/>
+            </a:avLst>
+          </a:prstGeom>
+          <a:ln>
+            <a:tailEnd type="triangle"/>
+          </a:ln>
+        </p:spPr>
+        <p:style>
+          <a:lnRef idx="1">
+            <a:schemeClr val="accent1"/>
+          </a:lnRef>
+          <a:fillRef idx="0">
+            <a:schemeClr val="accent1"/>
+          </a:fillRef>
+          <a:effectRef idx="0">
+            <a:schemeClr val="accent1"/>
+          </a:effectRef>
+          <a:fontRef idx="minor">
+            <a:schemeClr val="tx1"/>
+          </a:fontRef>
+        </p:style>
+      </p:cxnSp>
+      <p:cxnSp>
+        <p:nvCxnSpPr>
+          <p:cNvPr id="14" name="接點: 肘形 13">
+            <a:extLst>
+              <a:ext uri="{FF2B5EF4-FFF2-40B4-BE49-F238E27FC236}">
+                <a16:creationId xmlns:a16="http://schemas.microsoft.com/office/drawing/2014/main" id="{9F59E7B9-B455-452D-9C51-013F463DE02F}"/>
+              </a:ext>
+            </a:extLst>
+          </p:cNvPr>
+          <p:cNvCxnSpPr>
+            <a:stCxn id="7" idx="2"/>
+            <a:endCxn id="10" idx="0"/>
+          </p:cNvCxnSpPr>
+          <p:nvPr/>
+        </p:nvCxnSpPr>
+        <p:spPr>
+          <a:xfrm rot="5400000">
+            <a:off x="4793397" y="1229951"/>
+            <a:ext cx="1265637" cy="1433168"/>
+          </a:xfrm>
+          <a:prstGeom prst="bentConnector3">
+            <a:avLst/>
+          </a:prstGeom>
+          <a:ln>
+            <a:tailEnd type="triangle"/>
+          </a:ln>
+        </p:spPr>
+        <p:style>
+          <a:lnRef idx="1">
+            <a:schemeClr val="accent1"/>
+          </a:lnRef>
+          <a:fillRef idx="0">
+            <a:schemeClr val="accent1"/>
+          </a:fillRef>
+          <a:effectRef idx="0">
+            <a:schemeClr val="accent1"/>
+          </a:effectRef>
+          <a:fontRef idx="minor">
+            <a:schemeClr val="tx1"/>
+          </a:fontRef>
+        </p:style>
+      </p:cxnSp>
+      <p:cxnSp>
+        <p:nvCxnSpPr>
+          <p:cNvPr id="15" name="接點: 肘形 14">
+            <a:extLst>
+              <a:ext uri="{FF2B5EF4-FFF2-40B4-BE49-F238E27FC236}">
+                <a16:creationId xmlns:a16="http://schemas.microsoft.com/office/drawing/2014/main" id="{93FE192F-B342-4BC9-A648-6C55E13873FB}"/>
+              </a:ext>
+            </a:extLst>
+          </p:cNvPr>
+          <p:cNvCxnSpPr>
+            <a:stCxn id="7" idx="2"/>
+            <a:endCxn id="11" idx="0"/>
+          </p:cNvCxnSpPr>
+          <p:nvPr/>
+        </p:nvCxnSpPr>
+        <p:spPr>
+          <a:xfrm rot="16200000" flipH="1">
+            <a:off x="6394766" y="1061750"/>
+            <a:ext cx="1275206" cy="1779140"/>
+          </a:xfrm>
+          <a:prstGeom prst="bentConnector3">
+            <a:avLst/>
+          </a:prstGeom>
+          <a:ln>
+            <a:tailEnd type="triangle"/>
+          </a:ln>
+        </p:spPr>
+        <p:style>
+          <a:lnRef idx="1">
+            <a:schemeClr val="accent1"/>
+          </a:lnRef>
+          <a:fillRef idx="0">
+            <a:schemeClr val="accent1"/>
+          </a:fillRef>
+          <a:effectRef idx="0">
+            <a:schemeClr val="accent1"/>
+          </a:effectRef>
+          <a:fontRef idx="minor">
+            <a:schemeClr val="tx1"/>
+          </a:fontRef>
+        </p:style>
+      </p:cxnSp>
+      <p:sp>
+        <p:nvSpPr>
+          <p:cNvPr id="16" name="矩形: 圓角 15">
+            <a:extLst>
+              <a:ext uri="{FF2B5EF4-FFF2-40B4-BE49-F238E27FC236}">
+                <a16:creationId xmlns:a16="http://schemas.microsoft.com/office/drawing/2014/main" id="{5F360034-DEE1-40C0-81E3-84BE970A2CBF}"/>
+              </a:ext>
+            </a:extLst>
+          </p:cNvPr>
+          <p:cNvSpPr/>
+          <p:nvPr/>
+        </p:nvSpPr>
+        <p:spPr>
+          <a:xfrm>
+            <a:off x="11198464" y="4244999"/>
+            <a:ext cx="976042" cy="548799"/>
+          </a:xfrm>
+          <a:prstGeom prst="roundRect">
+            <a:avLst/>
+          </a:prstGeom>
+          <a:solidFill>
+            <a:schemeClr val="accent2">
+              <a:lumMod val="75000"/>
+            </a:schemeClr>
+          </a:solidFill>
+        </p:spPr>
+        <p:style>
+          <a:lnRef idx="2">
+            <a:schemeClr val="accent2">
+              <a:shade val="15000"/>
+            </a:schemeClr>
+          </a:lnRef>
+          <a:fillRef idx="1">
+            <a:schemeClr val="accent2"/>
+          </a:fillRef>
+          <a:effectRef idx="0">
+            <a:schemeClr val="accent2"/>
+          </a:effectRef>
+          <a:fontRef idx="minor">
+            <a:schemeClr val="lt1"/>
+          </a:fontRef>
+        </p:style>
+        <p:txBody>
+          <a:bodyPr rtlCol="0" anchor="ctr"/>
+          <a:lstStyle/>
+          <a:p>
+            <a:pPr algn="ctr"/>
+            <a:r>
+              <a:rPr lang="zh-TW" altLang="en-US" dirty="0"/>
+              <a:t>效能是否達標</a:t>
+            </a:r>
+          </a:p>
+        </p:txBody>
+      </p:sp>
+      <p:sp>
+        <p:nvSpPr>
+          <p:cNvPr id="17" name="矩形: 圓角 16">
+            <a:extLst>
+              <a:ext uri="{FF2B5EF4-FFF2-40B4-BE49-F238E27FC236}">
+                <a16:creationId xmlns:a16="http://schemas.microsoft.com/office/drawing/2014/main" id="{650AE02F-BE96-4EAE-8C94-354B69F9DC26}"/>
+              </a:ext>
+            </a:extLst>
+          </p:cNvPr>
+          <p:cNvSpPr/>
+          <p:nvPr/>
+        </p:nvSpPr>
+        <p:spPr>
+          <a:xfrm>
+            <a:off x="11223849" y="4969837"/>
+            <a:ext cx="976042" cy="548799"/>
+          </a:xfrm>
+          <a:prstGeom prst="roundRect">
+            <a:avLst/>
+          </a:prstGeom>
+          <a:solidFill>
+            <a:schemeClr val="accent2">
+              <a:lumMod val="75000"/>
+            </a:schemeClr>
+          </a:solidFill>
+        </p:spPr>
+        <p:style>
+          <a:lnRef idx="2">
+            <a:schemeClr val="accent2">
+              <a:shade val="15000"/>
+            </a:schemeClr>
+          </a:lnRef>
+          <a:fillRef idx="1">
+            <a:schemeClr val="accent2"/>
+          </a:fillRef>
+          <a:effectRef idx="0">
+            <a:schemeClr val="accent2"/>
+          </a:effectRef>
+          <a:fontRef idx="minor">
+            <a:schemeClr val="lt1"/>
+          </a:fontRef>
+        </p:style>
+        <p:txBody>
+          <a:bodyPr rtlCol="0" anchor="ctr"/>
+          <a:lstStyle/>
+          <a:p>
+            <a:pPr algn="ctr"/>
+            <a:r>
+              <a:rPr lang="zh-TW" altLang="en-US" dirty="0"/>
+              <a:t>預測</a:t>
+            </a:r>
+          </a:p>
+        </p:txBody>
+      </p:sp>
+      <p:sp>
+        <p:nvSpPr>
+          <p:cNvPr id="18" name="矩形: 圓角 17">
+            <a:extLst>
+              <a:ext uri="{FF2B5EF4-FFF2-40B4-BE49-F238E27FC236}">
+                <a16:creationId xmlns:a16="http://schemas.microsoft.com/office/drawing/2014/main" id="{E8366BA2-7BF6-4D96-A769-5D6E2EF77040}"/>
+              </a:ext>
+            </a:extLst>
+          </p:cNvPr>
+          <p:cNvSpPr/>
+          <p:nvPr/>
+        </p:nvSpPr>
+        <p:spPr>
+          <a:xfrm>
+            <a:off x="11223849" y="5667880"/>
+            <a:ext cx="976042" cy="548799"/>
+          </a:xfrm>
+          <a:prstGeom prst="roundRect">
+            <a:avLst/>
+          </a:prstGeom>
+          <a:solidFill>
+            <a:schemeClr val="accent2">
+              <a:lumMod val="75000"/>
+            </a:schemeClr>
+          </a:solidFill>
+        </p:spPr>
+        <p:style>
+          <a:lnRef idx="2">
+            <a:schemeClr val="accent2">
+              <a:shade val="15000"/>
+            </a:schemeClr>
+          </a:lnRef>
+          <a:fillRef idx="1">
+            <a:schemeClr val="accent2"/>
+          </a:fillRef>
+          <a:effectRef idx="0">
+            <a:schemeClr val="accent2"/>
+          </a:effectRef>
+          <a:fontRef idx="minor">
+            <a:schemeClr val="lt1"/>
+          </a:fontRef>
+        </p:style>
+        <p:txBody>
+          <a:bodyPr rtlCol="0" anchor="ctr"/>
+          <a:lstStyle/>
+          <a:p>
+            <a:pPr algn="ctr"/>
+            <a:r>
+              <a:rPr lang="zh-TW" altLang="en-US" dirty="0"/>
+              <a:t>訓練</a:t>
+            </a:r>
+          </a:p>
+        </p:txBody>
+      </p:sp>
+      <p:cxnSp>
+        <p:nvCxnSpPr>
+          <p:cNvPr id="19" name="接點: 肘形 18">
+            <a:extLst>
+              <a:ext uri="{FF2B5EF4-FFF2-40B4-BE49-F238E27FC236}">
+                <a16:creationId xmlns:a16="http://schemas.microsoft.com/office/drawing/2014/main" id="{A205D5BE-5F9B-41C2-95EC-49AF23736841}"/>
+              </a:ext>
+            </a:extLst>
+          </p:cNvPr>
+          <p:cNvCxnSpPr>
+            <a:cxnSpLocks/>
+            <a:stCxn id="8" idx="2"/>
+            <a:endCxn id="16" idx="1"/>
+          </p:cNvCxnSpPr>
+          <p:nvPr/>
+        </p:nvCxnSpPr>
+        <p:spPr>
+          <a:xfrm rot="16200000" flipH="1">
+            <a:off x="10698264" y="4019198"/>
+            <a:ext cx="427495" cy="572906"/>
+          </a:xfrm>
+          <a:prstGeom prst="bentConnector2">
+            <a:avLst/>
+          </a:prstGeom>
+          <a:ln>
+            <a:tailEnd type="triangle"/>
+          </a:ln>
+        </p:spPr>
+        <p:style>
+          <a:lnRef idx="1">
+            <a:schemeClr val="accent2"/>
+          </a:lnRef>
+          <a:fillRef idx="0">
+            <a:schemeClr val="accent2"/>
+          </a:fillRef>
+          <a:effectRef idx="0">
+            <a:schemeClr val="accent2"/>
+          </a:effectRef>
+          <a:fontRef idx="minor">
+            <a:schemeClr val="tx1"/>
+          </a:fontRef>
+        </p:style>
+      </p:cxnSp>
+      <p:cxnSp>
+        <p:nvCxnSpPr>
+          <p:cNvPr id="20" name="接點: 肘形 19">
+            <a:extLst>
+              <a:ext uri="{FF2B5EF4-FFF2-40B4-BE49-F238E27FC236}">
+                <a16:creationId xmlns:a16="http://schemas.microsoft.com/office/drawing/2014/main" id="{7AD95006-865B-4572-801A-FEF9D7A9AA49}"/>
+              </a:ext>
+            </a:extLst>
+          </p:cNvPr>
+          <p:cNvCxnSpPr>
+            <a:cxnSpLocks/>
+            <a:stCxn id="8" idx="2"/>
+            <a:endCxn id="17" idx="1"/>
+          </p:cNvCxnSpPr>
+          <p:nvPr/>
+        </p:nvCxnSpPr>
+        <p:spPr>
+          <a:xfrm rot="16200000" flipH="1">
+            <a:off x="10348537" y="4368924"/>
+            <a:ext cx="1152333" cy="598291"/>
+          </a:xfrm>
+          <a:prstGeom prst="bentConnector2">
+            <a:avLst/>
+          </a:prstGeom>
+          <a:ln>
+            <a:tailEnd type="triangle"/>
+          </a:ln>
+        </p:spPr>
+        <p:style>
+          <a:lnRef idx="1">
+            <a:schemeClr val="accent2"/>
+          </a:lnRef>
+          <a:fillRef idx="0">
+            <a:schemeClr val="accent2"/>
+          </a:fillRef>
+          <a:effectRef idx="0">
+            <a:schemeClr val="accent2"/>
+          </a:effectRef>
+          <a:fontRef idx="minor">
+            <a:schemeClr val="tx1"/>
+          </a:fontRef>
+        </p:style>
+      </p:cxnSp>
+      <p:cxnSp>
+        <p:nvCxnSpPr>
+          <p:cNvPr id="21" name="接點: 肘形 20">
+            <a:extLst>
+              <a:ext uri="{FF2B5EF4-FFF2-40B4-BE49-F238E27FC236}">
+                <a16:creationId xmlns:a16="http://schemas.microsoft.com/office/drawing/2014/main" id="{89ED77AD-DCFF-4CCF-B2B2-F4E971D38536}"/>
+              </a:ext>
+            </a:extLst>
+          </p:cNvPr>
+          <p:cNvCxnSpPr>
+            <a:cxnSpLocks/>
+            <a:stCxn id="8" idx="2"/>
+            <a:endCxn id="18" idx="1"/>
+          </p:cNvCxnSpPr>
+          <p:nvPr/>
+        </p:nvCxnSpPr>
+        <p:spPr>
+          <a:xfrm rot="16200000" flipH="1">
+            <a:off x="9999515" y="4717946"/>
+            <a:ext cx="1850376" cy="598291"/>
+          </a:xfrm>
+          <a:prstGeom prst="bentConnector2">
+            <a:avLst/>
+          </a:prstGeom>
+          <a:ln>
+            <a:tailEnd type="triangle"/>
+          </a:ln>
+        </p:spPr>
+        <p:style>
+          <a:lnRef idx="1">
+            <a:schemeClr val="accent2"/>
+          </a:lnRef>
+          <a:fillRef idx="0">
+            <a:schemeClr val="accent2"/>
+          </a:fillRef>
+          <a:effectRef idx="0">
+            <a:schemeClr val="accent2"/>
+          </a:effectRef>
+          <a:fontRef idx="minor">
+            <a:schemeClr val="tx1"/>
+          </a:fontRef>
+        </p:style>
+      </p:cxnSp>
+      <p:sp>
+        <p:nvSpPr>
+          <p:cNvPr id="22" name="矩形: 圓角 21">
+            <a:extLst>
+              <a:ext uri="{FF2B5EF4-FFF2-40B4-BE49-F238E27FC236}">
+                <a16:creationId xmlns:a16="http://schemas.microsoft.com/office/drawing/2014/main" id="{4E4FBE32-1B39-4B7F-899F-69C57B1FE300}"/>
+              </a:ext>
+            </a:extLst>
+          </p:cNvPr>
+          <p:cNvSpPr/>
+          <p:nvPr/>
+        </p:nvSpPr>
+        <p:spPr>
+          <a:xfrm>
+            <a:off x="41823" y="3709599"/>
+            <a:ext cx="1517062" cy="847288"/>
+          </a:xfrm>
+          <a:prstGeom prst="roundRect">
+            <a:avLst/>
+          </a:prstGeom>
+          <a:solidFill>
+            <a:schemeClr val="accent3">
+              <a:lumMod val="75000"/>
+            </a:schemeClr>
+          </a:solidFill>
+        </p:spPr>
+        <p:style>
+          <a:lnRef idx="2">
+            <a:schemeClr val="accent2">
+              <a:shade val="15000"/>
+            </a:schemeClr>
+          </a:lnRef>
+          <a:fillRef idx="1">
+            <a:schemeClr val="accent2"/>
+          </a:fillRef>
+          <a:effectRef idx="0">
+            <a:schemeClr val="accent2"/>
+          </a:effectRef>
+          <a:fontRef idx="minor">
+            <a:schemeClr val="lt1"/>
+          </a:fontRef>
+        </p:style>
+        <p:txBody>
+          <a:bodyPr rtlCol="0" anchor="ctr"/>
+          <a:lstStyle/>
+          <a:p>
+            <a:pPr algn="ctr"/>
+            <a:r>
+              <a:rPr lang="zh-TW" altLang="en-US" dirty="0"/>
+              <a:t>遊戲進行中</a:t>
+            </a:r>
+          </a:p>
+        </p:txBody>
+      </p:sp>
+      <p:sp>
+        <p:nvSpPr>
+          <p:cNvPr id="23" name="矩形: 圓角 22">
+            <a:extLst>
+              <a:ext uri="{FF2B5EF4-FFF2-40B4-BE49-F238E27FC236}">
+                <a16:creationId xmlns:a16="http://schemas.microsoft.com/office/drawing/2014/main" id="{7374B4B3-3CC0-4658-B09F-35C8D3EA532B}"/>
+              </a:ext>
+            </a:extLst>
+          </p:cNvPr>
+          <p:cNvSpPr/>
+          <p:nvPr/>
+        </p:nvSpPr>
+        <p:spPr>
+          <a:xfrm>
+            <a:off x="12558" y="4649447"/>
+            <a:ext cx="1878482" cy="847288"/>
+          </a:xfrm>
+          <a:prstGeom prst="roundRect">
+            <a:avLst/>
+          </a:prstGeom>
+          <a:solidFill>
+            <a:schemeClr val="accent3">
+              <a:lumMod val="75000"/>
+            </a:schemeClr>
+          </a:solidFill>
+        </p:spPr>
+        <p:style>
+          <a:lnRef idx="2">
+            <a:schemeClr val="accent2">
+              <a:shade val="15000"/>
+            </a:schemeClr>
+          </a:lnRef>
+          <a:fillRef idx="1">
+            <a:schemeClr val="accent2"/>
+          </a:fillRef>
+          <a:effectRef idx="0">
+            <a:schemeClr val="accent2"/>
+          </a:effectRef>
+          <a:fontRef idx="minor">
+            <a:schemeClr val="lt1"/>
+          </a:fontRef>
+        </p:style>
+        <p:txBody>
+          <a:bodyPr rtlCol="0" anchor="ctr"/>
+          <a:lstStyle/>
+          <a:p>
+            <a:pPr algn="ctr"/>
+            <a:r>
+              <a:rPr lang="zh-TW" altLang="en-US" dirty="0"/>
+              <a:t>平台無法接到球</a:t>
+            </a:r>
+          </a:p>
+        </p:txBody>
+      </p:sp>
+      <p:sp>
+        <p:nvSpPr>
+          <p:cNvPr id="24" name="矩形: 圓角 23">
+            <a:extLst>
+              <a:ext uri="{FF2B5EF4-FFF2-40B4-BE49-F238E27FC236}">
+                <a16:creationId xmlns:a16="http://schemas.microsoft.com/office/drawing/2014/main" id="{6E1E0E7D-99C8-4493-9B45-CAEEC1BDF915}"/>
+              </a:ext>
+            </a:extLst>
+          </p:cNvPr>
+          <p:cNvSpPr/>
+          <p:nvPr/>
+        </p:nvSpPr>
+        <p:spPr>
+          <a:xfrm>
+            <a:off x="21661" y="5545502"/>
+            <a:ext cx="2207892" cy="847288"/>
+          </a:xfrm>
+          <a:prstGeom prst="roundRect">
+            <a:avLst/>
+          </a:prstGeom>
+          <a:solidFill>
+            <a:schemeClr val="accent3">
+              <a:lumMod val="75000"/>
+            </a:schemeClr>
+          </a:solidFill>
+        </p:spPr>
+        <p:style>
+          <a:lnRef idx="2">
+            <a:schemeClr val="accent2">
+              <a:shade val="15000"/>
+            </a:schemeClr>
+          </a:lnRef>
+          <a:fillRef idx="1">
+            <a:schemeClr val="accent2"/>
+          </a:fillRef>
+          <a:effectRef idx="0">
+            <a:schemeClr val="accent2"/>
+          </a:effectRef>
+          <a:fontRef idx="minor">
+            <a:schemeClr val="lt1"/>
+          </a:fontRef>
+        </p:style>
+        <p:txBody>
+          <a:bodyPr rtlCol="0" anchor="ctr"/>
+          <a:lstStyle/>
+          <a:p>
+            <a:pPr algn="ctr"/>
+            <a:r>
+              <a:rPr lang="zh-TW" altLang="en-US" dirty="0"/>
+              <a:t>所有磚塊都被破壞</a:t>
+            </a:r>
+          </a:p>
+        </p:txBody>
+      </p:sp>
+      <p:cxnSp>
+        <p:nvCxnSpPr>
+          <p:cNvPr id="26" name="接點: 肘形 25">
+            <a:extLst>
+              <a:ext uri="{FF2B5EF4-FFF2-40B4-BE49-F238E27FC236}">
+                <a16:creationId xmlns:a16="http://schemas.microsoft.com/office/drawing/2014/main" id="{4F215270-FAA2-4A8A-8EDD-A0D8CBB35A39}"/>
+              </a:ext>
+            </a:extLst>
+          </p:cNvPr>
+          <p:cNvCxnSpPr>
+            <a:cxnSpLocks/>
+            <a:stCxn id="9" idx="2"/>
+            <a:endCxn id="22" idx="3"/>
+          </p:cNvCxnSpPr>
+          <p:nvPr/>
+        </p:nvCxnSpPr>
+        <p:spPr>
+          <a:xfrm rot="5400000">
+            <a:off x="1721145" y="3273952"/>
+            <a:ext cx="697032" cy="1021551"/>
+          </a:xfrm>
+          <a:prstGeom prst="bentConnector2">
+            <a:avLst/>
+          </a:prstGeom>
+          <a:ln>
+            <a:tailEnd type="triangle"/>
+          </a:ln>
+        </p:spPr>
+        <p:style>
+          <a:lnRef idx="1">
+            <a:schemeClr val="accent3"/>
+          </a:lnRef>
+          <a:fillRef idx="0">
+            <a:schemeClr val="accent3"/>
+          </a:fillRef>
+          <a:effectRef idx="0">
+            <a:schemeClr val="accent3"/>
+          </a:effectRef>
+          <a:fontRef idx="minor">
+            <a:schemeClr val="tx1"/>
+          </a:fontRef>
+        </p:style>
+      </p:cxnSp>
+      <p:cxnSp>
+        <p:nvCxnSpPr>
+          <p:cNvPr id="27" name="接點: 肘形 26">
+            <a:extLst>
+              <a:ext uri="{FF2B5EF4-FFF2-40B4-BE49-F238E27FC236}">
+                <a16:creationId xmlns:a16="http://schemas.microsoft.com/office/drawing/2014/main" id="{5DBFA01A-450A-417B-B7F1-25B5A18CBD40}"/>
+              </a:ext>
+            </a:extLst>
+          </p:cNvPr>
+          <p:cNvCxnSpPr>
+            <a:cxnSpLocks/>
+            <a:stCxn id="9" idx="2"/>
+            <a:endCxn id="23" idx="3"/>
+          </p:cNvCxnSpPr>
+          <p:nvPr/>
+        </p:nvCxnSpPr>
+        <p:spPr>
+          <a:xfrm rot="5400000">
+            <a:off x="1417298" y="3909953"/>
+            <a:ext cx="1636880" cy="689396"/>
+          </a:xfrm>
+          <a:prstGeom prst="bentConnector2">
+            <a:avLst/>
+          </a:prstGeom>
+          <a:ln>
+            <a:tailEnd type="triangle"/>
+          </a:ln>
+        </p:spPr>
+        <p:style>
+          <a:lnRef idx="1">
+            <a:schemeClr val="accent3"/>
+          </a:lnRef>
+          <a:fillRef idx="0">
+            <a:schemeClr val="accent3"/>
+          </a:fillRef>
+          <a:effectRef idx="0">
+            <a:schemeClr val="accent3"/>
+          </a:effectRef>
+          <a:fontRef idx="minor">
+            <a:schemeClr val="tx1"/>
+          </a:fontRef>
+        </p:style>
+      </p:cxnSp>
+      <p:cxnSp>
+        <p:nvCxnSpPr>
+          <p:cNvPr id="28" name="接點: 肘形 27">
+            <a:extLst>
+              <a:ext uri="{FF2B5EF4-FFF2-40B4-BE49-F238E27FC236}">
+                <a16:creationId xmlns:a16="http://schemas.microsoft.com/office/drawing/2014/main" id="{1A448991-86A8-4BBC-B5C2-C1F6AC55769C}"/>
+              </a:ext>
+            </a:extLst>
+          </p:cNvPr>
+          <p:cNvCxnSpPr>
+            <a:cxnSpLocks/>
+            <a:stCxn id="9" idx="2"/>
+            <a:endCxn id="24" idx="3"/>
+          </p:cNvCxnSpPr>
+          <p:nvPr/>
+        </p:nvCxnSpPr>
+        <p:spPr>
+          <a:xfrm rot="5400000">
+            <a:off x="1138528" y="4527237"/>
+            <a:ext cx="2532935" cy="350883"/>
+          </a:xfrm>
+          <a:prstGeom prst="bentConnector2">
+            <a:avLst/>
+          </a:prstGeom>
+          <a:ln>
+            <a:tailEnd type="triangle"/>
+          </a:ln>
+        </p:spPr>
+        <p:style>
+          <a:lnRef idx="1">
+            <a:schemeClr val="accent3"/>
+          </a:lnRef>
+          <a:fillRef idx="0">
+            <a:schemeClr val="accent3"/>
+          </a:fillRef>
+          <a:effectRef idx="0">
+            <a:schemeClr val="accent3"/>
+          </a:effectRef>
+          <a:fontRef idx="minor">
+            <a:schemeClr val="tx1"/>
+          </a:fontRef>
+        </p:style>
+      </p:cxnSp>
+      <p:sp>
+        <p:nvSpPr>
+          <p:cNvPr id="30" name="矩形: 圓角 29">
+            <a:extLst>
+              <a:ext uri="{FF2B5EF4-FFF2-40B4-BE49-F238E27FC236}">
+                <a16:creationId xmlns:a16="http://schemas.microsoft.com/office/drawing/2014/main" id="{B6C817C7-0F88-4388-B93F-1B7425DB428E}"/>
+              </a:ext>
+            </a:extLst>
+          </p:cNvPr>
+          <p:cNvSpPr/>
+          <p:nvPr/>
+        </p:nvSpPr>
+        <p:spPr>
+          <a:xfrm>
+            <a:off x="3155999" y="3798108"/>
+            <a:ext cx="1047943" cy="1010224"/>
+          </a:xfrm>
+          <a:prstGeom prst="roundRect">
+            <a:avLst/>
+          </a:prstGeom>
+          <a:solidFill>
+            <a:schemeClr val="accent4">
+              <a:lumMod val="75000"/>
+            </a:schemeClr>
+          </a:solidFill>
+        </p:spPr>
+        <p:style>
+          <a:lnRef idx="2">
+            <a:schemeClr val="accent4">
+              <a:shade val="15000"/>
+            </a:schemeClr>
+          </a:lnRef>
+          <a:fillRef idx="1">
+            <a:schemeClr val="accent4"/>
+          </a:fillRef>
+          <a:effectRef idx="0">
+            <a:schemeClr val="accent4"/>
+          </a:effectRef>
+          <a:fontRef idx="minor">
+            <a:schemeClr val="lt1"/>
+          </a:fontRef>
+        </p:style>
+        <p:txBody>
+          <a:bodyPr rtlCol="0" anchor="ctr"/>
+          <a:lstStyle/>
+          <a:p>
+            <a:pPr algn="ctr"/>
+            <a:r>
+              <a:rPr lang="zh-TW" altLang="en-US" dirty="0"/>
+              <a:t>左移動</a:t>
+            </a:r>
+            <a:endParaRPr lang="en-US" altLang="zh-TW" dirty="0"/>
+          </a:p>
+        </p:txBody>
+      </p:sp>
+      <p:sp>
+        <p:nvSpPr>
+          <p:cNvPr id="32" name="矩形: 圓角 31">
+            <a:extLst>
+              <a:ext uri="{FF2B5EF4-FFF2-40B4-BE49-F238E27FC236}">
+                <a16:creationId xmlns:a16="http://schemas.microsoft.com/office/drawing/2014/main" id="{CB60CA02-EB56-443F-87FD-1BED5C5A9B46}"/>
+              </a:ext>
+            </a:extLst>
+          </p:cNvPr>
+          <p:cNvSpPr/>
+          <p:nvPr/>
+        </p:nvSpPr>
+        <p:spPr>
+          <a:xfrm>
+            <a:off x="6436461" y="4375457"/>
+            <a:ext cx="1466680" cy="723478"/>
+          </a:xfrm>
+          <a:prstGeom prst="roundRect">
+            <a:avLst/>
+          </a:prstGeom>
+        </p:spPr>
+        <p:style>
+          <a:lnRef idx="2">
+            <a:schemeClr val="accent6">
+              <a:shade val="15000"/>
+            </a:schemeClr>
+          </a:lnRef>
+          <a:fillRef idx="1">
+            <a:schemeClr val="accent6"/>
+          </a:fillRef>
+          <a:effectRef idx="0">
+            <a:schemeClr val="accent6"/>
+          </a:effectRef>
+          <a:fontRef idx="minor">
+            <a:schemeClr val="lt1"/>
+          </a:fontRef>
+        </p:style>
+        <p:txBody>
+          <a:bodyPr rtlCol="0" anchor="ctr"/>
+          <a:lstStyle/>
+          <a:p>
+            <a:pPr algn="ctr"/>
+            <a:r>
+              <a:rPr lang="zh-TW" altLang="en-US" dirty="0"/>
+              <a:t>*</a:t>
+            </a:r>
+            <a:r>
+              <a:rPr lang="en-US" altLang="zh-TW" dirty="0"/>
+              <a:t>sav</a:t>
+            </a:r>
+            <a:r>
+              <a:rPr lang="zh-TW" altLang="en-US" dirty="0"/>
+              <a:t>樣本檔</a:t>
+            </a:r>
+          </a:p>
+        </p:txBody>
+      </p:sp>
+      <p:sp>
+        <p:nvSpPr>
+          <p:cNvPr id="33" name="矩形: 圓角 32">
+            <a:extLst>
+              <a:ext uri="{FF2B5EF4-FFF2-40B4-BE49-F238E27FC236}">
+                <a16:creationId xmlns:a16="http://schemas.microsoft.com/office/drawing/2014/main" id="{296024CB-A486-4D36-8DEE-71FD1745673C}"/>
+              </a:ext>
+            </a:extLst>
+          </p:cNvPr>
+          <p:cNvSpPr/>
+          <p:nvPr/>
+        </p:nvSpPr>
+        <p:spPr>
+          <a:xfrm>
+            <a:off x="6455259" y="5572132"/>
+            <a:ext cx="1466680" cy="723478"/>
+          </a:xfrm>
+          <a:prstGeom prst="roundRect">
+            <a:avLst/>
+          </a:prstGeom>
+        </p:spPr>
+        <p:style>
+          <a:lnRef idx="2">
+            <a:schemeClr val="accent6">
+              <a:shade val="15000"/>
+            </a:schemeClr>
+          </a:lnRef>
+          <a:fillRef idx="1">
+            <a:schemeClr val="accent6"/>
+          </a:fillRef>
+          <a:effectRef idx="0">
+            <a:schemeClr val="accent6"/>
+          </a:effectRef>
+          <a:fontRef idx="minor">
+            <a:schemeClr val="lt1"/>
+          </a:fontRef>
+        </p:style>
+        <p:txBody>
+          <a:bodyPr rtlCol="0" anchor="ctr"/>
+          <a:lstStyle/>
+          <a:p>
+            <a:pPr algn="ctr"/>
+            <a:r>
+              <a:rPr lang="zh-TW" altLang="en-US" dirty="0"/>
+              <a:t>存取樣本的</a:t>
+            </a:r>
+            <a:endParaRPr lang="en-US" altLang="zh-TW" dirty="0"/>
+          </a:p>
+          <a:p>
+            <a:pPr algn="ctr"/>
+            <a:r>
+              <a:rPr lang="en-US" altLang="zh-TW" dirty="0"/>
+              <a:t>APZ</a:t>
+            </a:r>
+            <a:endParaRPr lang="zh-TW" altLang="en-US" dirty="0"/>
+          </a:p>
+        </p:txBody>
+      </p:sp>
+      <p:sp>
+        <p:nvSpPr>
+          <p:cNvPr id="34" name="矩形: 圓角 33">
+            <a:extLst>
+              <a:ext uri="{FF2B5EF4-FFF2-40B4-BE49-F238E27FC236}">
+                <a16:creationId xmlns:a16="http://schemas.microsoft.com/office/drawing/2014/main" id="{B347F9D6-5BF7-4F31-8F75-F082EC3C39C4}"/>
+              </a:ext>
+            </a:extLst>
+          </p:cNvPr>
+          <p:cNvSpPr/>
+          <p:nvPr/>
+        </p:nvSpPr>
+        <p:spPr>
+          <a:xfrm>
+            <a:off x="8251146" y="4375457"/>
+            <a:ext cx="1466680" cy="723478"/>
+          </a:xfrm>
+          <a:prstGeom prst="roundRect">
+            <a:avLst/>
+          </a:prstGeom>
+        </p:spPr>
+        <p:style>
+          <a:lnRef idx="2">
+            <a:schemeClr val="accent6">
+              <a:shade val="15000"/>
+            </a:schemeClr>
+          </a:lnRef>
+          <a:fillRef idx="1">
+            <a:schemeClr val="accent6"/>
+          </a:fillRef>
+          <a:effectRef idx="0">
+            <a:schemeClr val="accent6"/>
+          </a:effectRef>
+          <a:fontRef idx="minor">
+            <a:schemeClr val="lt1"/>
+          </a:fontRef>
+        </p:style>
+        <p:txBody>
+          <a:bodyPr rtlCol="0" anchor="ctr"/>
+          <a:lstStyle/>
+          <a:p>
+            <a:pPr algn="ctr"/>
+            <a:r>
+              <a:rPr lang="zh-TW" altLang="en-US" dirty="0"/>
+              <a:t>手動與自動</a:t>
+            </a:r>
+            <a:endParaRPr lang="en-US" altLang="zh-TW" dirty="0"/>
+          </a:p>
+          <a:p>
+            <a:pPr algn="ctr"/>
+            <a:r>
+              <a:rPr lang="zh-TW" altLang="en-US" dirty="0"/>
+              <a:t>遊玩</a:t>
+            </a:r>
+          </a:p>
+        </p:txBody>
+      </p:sp>
+      <p:sp>
+        <p:nvSpPr>
+          <p:cNvPr id="35" name="矩形: 圓角 34">
+            <a:extLst>
+              <a:ext uri="{FF2B5EF4-FFF2-40B4-BE49-F238E27FC236}">
+                <a16:creationId xmlns:a16="http://schemas.microsoft.com/office/drawing/2014/main" id="{945DE729-7845-44A2-B09E-571C93FB0150}"/>
+              </a:ext>
+            </a:extLst>
+          </p:cNvPr>
+          <p:cNvSpPr/>
+          <p:nvPr/>
+        </p:nvSpPr>
+        <p:spPr>
+          <a:xfrm>
+            <a:off x="8255558" y="5578447"/>
+            <a:ext cx="1466680" cy="723478"/>
+          </a:xfrm>
+          <a:prstGeom prst="roundRect">
+            <a:avLst/>
+          </a:prstGeom>
+        </p:spPr>
+        <p:style>
+          <a:lnRef idx="2">
+            <a:schemeClr val="accent6">
+              <a:shade val="15000"/>
+            </a:schemeClr>
+          </a:lnRef>
+          <a:fillRef idx="1">
+            <a:schemeClr val="accent6"/>
+          </a:fillRef>
+          <a:effectRef idx="0">
+            <a:schemeClr val="accent6"/>
+          </a:effectRef>
+          <a:fontRef idx="minor">
+            <a:schemeClr val="lt1"/>
+          </a:fontRef>
+        </p:style>
+        <p:txBody>
+          <a:bodyPr rtlCol="0" anchor="ctr"/>
+          <a:lstStyle/>
+          <a:p>
+            <a:pPr algn="ctr"/>
+            <a:r>
+              <a:rPr lang="zh-TW" altLang="en-US" dirty="0"/>
+              <a:t>訓練、預測</a:t>
+            </a:r>
+          </a:p>
+        </p:txBody>
+      </p:sp>
+      <p:cxnSp>
+        <p:nvCxnSpPr>
+          <p:cNvPr id="36" name="接點: 肘形 35">
+            <a:extLst>
+              <a:ext uri="{FF2B5EF4-FFF2-40B4-BE49-F238E27FC236}">
+                <a16:creationId xmlns:a16="http://schemas.microsoft.com/office/drawing/2014/main" id="{5D5FACB1-8B5B-4FD8-AF29-E1110EEC4FE4}"/>
+              </a:ext>
+            </a:extLst>
+          </p:cNvPr>
+          <p:cNvCxnSpPr>
+            <a:stCxn id="11" idx="2"/>
+            <a:endCxn id="32" idx="0"/>
+          </p:cNvCxnSpPr>
+          <p:nvPr/>
+        </p:nvCxnSpPr>
+        <p:spPr>
+          <a:xfrm rot="5400000">
+            <a:off x="7076247" y="3529765"/>
+            <a:ext cx="939246" cy="752138"/>
+          </a:xfrm>
+          <a:prstGeom prst="bentConnector3">
+            <a:avLst/>
+          </a:prstGeom>
+          <a:ln>
+            <a:tailEnd type="triangle"/>
+          </a:ln>
+        </p:spPr>
+        <p:style>
+          <a:lnRef idx="1">
+            <a:schemeClr val="accent5"/>
+          </a:lnRef>
+          <a:fillRef idx="0">
+            <a:schemeClr val="accent5"/>
+          </a:fillRef>
+          <a:effectRef idx="0">
+            <a:schemeClr val="accent5"/>
+          </a:effectRef>
+          <a:fontRef idx="minor">
+            <a:schemeClr val="tx1"/>
+          </a:fontRef>
+        </p:style>
+      </p:cxnSp>
+      <p:cxnSp>
+        <p:nvCxnSpPr>
+          <p:cNvPr id="37" name="接點: 肘形 36">
+            <a:extLst>
+              <a:ext uri="{FF2B5EF4-FFF2-40B4-BE49-F238E27FC236}">
+                <a16:creationId xmlns:a16="http://schemas.microsoft.com/office/drawing/2014/main" id="{798E3485-EFDA-49C6-A175-9274B52D3217}"/>
+              </a:ext>
+            </a:extLst>
+          </p:cNvPr>
+          <p:cNvCxnSpPr>
+            <a:stCxn id="11" idx="2"/>
+            <a:endCxn id="34" idx="0"/>
+          </p:cNvCxnSpPr>
+          <p:nvPr/>
+        </p:nvCxnSpPr>
+        <p:spPr>
+          <a:xfrm rot="16200000" flipH="1">
+            <a:off x="7983589" y="3374560"/>
+            <a:ext cx="939246" cy="1062547"/>
+          </a:xfrm>
+          <a:prstGeom prst="bentConnector3">
+            <a:avLst/>
+          </a:prstGeom>
+          <a:ln>
+            <a:tailEnd type="triangle"/>
+          </a:ln>
+        </p:spPr>
+        <p:style>
+          <a:lnRef idx="1">
+            <a:schemeClr val="accent5"/>
+          </a:lnRef>
+          <a:fillRef idx="0">
+            <a:schemeClr val="accent5"/>
+          </a:fillRef>
+          <a:effectRef idx="0">
+            <a:schemeClr val="accent5"/>
+          </a:effectRef>
+          <a:fontRef idx="minor">
+            <a:schemeClr val="tx1"/>
+          </a:fontRef>
+        </p:style>
+      </p:cxnSp>
+      <p:cxnSp>
+        <p:nvCxnSpPr>
+          <p:cNvPr id="38" name="接點: 肘形 37">
+            <a:extLst>
+              <a:ext uri="{FF2B5EF4-FFF2-40B4-BE49-F238E27FC236}">
+                <a16:creationId xmlns:a16="http://schemas.microsoft.com/office/drawing/2014/main" id="{9A2A310C-5F60-46B7-B138-16FBC76EDA27}"/>
+              </a:ext>
+            </a:extLst>
+          </p:cNvPr>
+          <p:cNvCxnSpPr>
+            <a:stCxn id="11" idx="2"/>
+            <a:endCxn id="33" idx="0"/>
+          </p:cNvCxnSpPr>
+          <p:nvPr/>
+        </p:nvCxnSpPr>
+        <p:spPr>
+          <a:xfrm rot="5400000">
+            <a:off x="6487309" y="4137501"/>
+            <a:ext cx="2135921" cy="733340"/>
+          </a:xfrm>
+          <a:prstGeom prst="bentConnector3">
+            <a:avLst>
+              <a:gd name="adj1" fmla="val 50000"/>
+            </a:avLst>
+          </a:prstGeom>
+          <a:ln>
+            <a:tailEnd type="triangle"/>
+          </a:ln>
+        </p:spPr>
+        <p:style>
+          <a:lnRef idx="1">
+            <a:schemeClr val="accent5"/>
+          </a:lnRef>
+          <a:fillRef idx="0">
+            <a:schemeClr val="accent5"/>
+          </a:fillRef>
+          <a:effectRef idx="0">
+            <a:schemeClr val="accent5"/>
+          </a:effectRef>
+          <a:fontRef idx="minor">
+            <a:schemeClr val="tx1"/>
+          </a:fontRef>
+        </p:style>
+      </p:cxnSp>
+      <p:cxnSp>
+        <p:nvCxnSpPr>
+          <p:cNvPr id="39" name="接點: 肘形 38">
+            <a:extLst>
+              <a:ext uri="{FF2B5EF4-FFF2-40B4-BE49-F238E27FC236}">
+                <a16:creationId xmlns:a16="http://schemas.microsoft.com/office/drawing/2014/main" id="{AF5B0CA4-0D29-4EED-8EBE-ECF25DC4813B}"/>
+              </a:ext>
+            </a:extLst>
+          </p:cNvPr>
+          <p:cNvCxnSpPr>
+            <a:stCxn id="11" idx="2"/>
+            <a:endCxn id="35" idx="0"/>
+          </p:cNvCxnSpPr>
+          <p:nvPr/>
+        </p:nvCxnSpPr>
+        <p:spPr>
+          <a:xfrm rot="16200000" flipH="1">
+            <a:off x="7384300" y="3973849"/>
+            <a:ext cx="2142236" cy="1066959"/>
+          </a:xfrm>
+          <a:prstGeom prst="bentConnector3">
+            <a:avLst>
+              <a:gd name="adj1" fmla="val 50000"/>
+            </a:avLst>
+          </a:prstGeom>
+          <a:ln>
+            <a:tailEnd type="triangle"/>
+          </a:ln>
+        </p:spPr>
+        <p:style>
+          <a:lnRef idx="1">
+            <a:schemeClr val="accent5"/>
+          </a:lnRef>
+          <a:fillRef idx="0">
+            <a:schemeClr val="accent5"/>
+          </a:fillRef>
+          <a:effectRef idx="0">
+            <a:schemeClr val="accent5"/>
+          </a:effectRef>
+          <a:fontRef idx="minor">
+            <a:schemeClr val="tx1"/>
+          </a:fontRef>
+        </p:style>
+      </p:cxnSp>
+      <p:sp>
+        <p:nvSpPr>
+          <p:cNvPr id="41" name="矩形: 圓角 40">
+            <a:extLst>
+              <a:ext uri="{FF2B5EF4-FFF2-40B4-BE49-F238E27FC236}">
+                <a16:creationId xmlns:a16="http://schemas.microsoft.com/office/drawing/2014/main" id="{8F4C42DC-46DA-46FD-8E90-51C289C4407A}"/>
+              </a:ext>
+            </a:extLst>
+          </p:cNvPr>
+          <p:cNvSpPr/>
+          <p:nvPr/>
+        </p:nvSpPr>
+        <p:spPr>
+          <a:xfrm>
+            <a:off x="5009887" y="3798108"/>
+            <a:ext cx="1047943" cy="1010224"/>
+          </a:xfrm>
+          <a:prstGeom prst="roundRect">
+            <a:avLst/>
+          </a:prstGeom>
+          <a:solidFill>
+            <a:schemeClr val="accent4">
+              <a:lumMod val="75000"/>
+            </a:schemeClr>
+          </a:solidFill>
+        </p:spPr>
+        <p:style>
+          <a:lnRef idx="2">
+            <a:schemeClr val="accent4">
+              <a:shade val="15000"/>
+            </a:schemeClr>
+          </a:lnRef>
+          <a:fillRef idx="1">
+            <a:schemeClr val="accent4"/>
+          </a:fillRef>
+          <a:effectRef idx="0">
+            <a:schemeClr val="accent4"/>
+          </a:effectRef>
+          <a:fontRef idx="minor">
+            <a:schemeClr val="lt1"/>
+          </a:fontRef>
+        </p:style>
+        <p:txBody>
+          <a:bodyPr rtlCol="0" anchor="ctr"/>
+          <a:lstStyle/>
+          <a:p>
+            <a:pPr algn="ctr"/>
+            <a:r>
+              <a:rPr lang="zh-TW" altLang="en-US" dirty="0"/>
+              <a:t>右移動</a:t>
+            </a:r>
+            <a:endParaRPr lang="en-US" altLang="zh-TW" dirty="0"/>
+          </a:p>
+        </p:txBody>
+      </p:sp>
+      <p:sp>
+        <p:nvSpPr>
+          <p:cNvPr id="62" name="矩形: 圓角 61">
+            <a:extLst>
+              <a:ext uri="{FF2B5EF4-FFF2-40B4-BE49-F238E27FC236}">
+                <a16:creationId xmlns:a16="http://schemas.microsoft.com/office/drawing/2014/main" id="{1ECD1EDA-828E-4342-A69B-57FB2F67BD3C}"/>
+              </a:ext>
+            </a:extLst>
+          </p:cNvPr>
+          <p:cNvSpPr/>
+          <p:nvPr/>
+        </p:nvSpPr>
+        <p:spPr>
+          <a:xfrm>
+            <a:off x="3155999" y="5382566"/>
+            <a:ext cx="1047943" cy="1010224"/>
+          </a:xfrm>
+          <a:prstGeom prst="roundRect">
+            <a:avLst/>
+          </a:prstGeom>
+          <a:solidFill>
+            <a:schemeClr val="accent4">
+              <a:lumMod val="75000"/>
+            </a:schemeClr>
+          </a:solidFill>
+        </p:spPr>
+        <p:style>
+          <a:lnRef idx="2">
+            <a:schemeClr val="accent4">
+              <a:shade val="15000"/>
+            </a:schemeClr>
+          </a:lnRef>
+          <a:fillRef idx="1">
+            <a:schemeClr val="accent4"/>
+          </a:fillRef>
+          <a:effectRef idx="0">
+            <a:schemeClr val="accent4"/>
+          </a:effectRef>
+          <a:fontRef idx="minor">
+            <a:schemeClr val="lt1"/>
+          </a:fontRef>
+        </p:style>
+        <p:txBody>
+          <a:bodyPr rtlCol="0" anchor="ctr"/>
+          <a:lstStyle/>
+          <a:p>
+            <a:pPr algn="ctr"/>
+            <a:r>
+              <a:rPr lang="zh-TW" altLang="en-US" dirty="0"/>
+              <a:t>無動作</a:t>
+            </a:r>
+            <a:endParaRPr lang="en-US" altLang="zh-TW" dirty="0"/>
+          </a:p>
+        </p:txBody>
+      </p:sp>
+      <p:sp>
+        <p:nvSpPr>
+          <p:cNvPr id="63" name="矩形: 圓角 62">
+            <a:extLst>
+              <a:ext uri="{FF2B5EF4-FFF2-40B4-BE49-F238E27FC236}">
+                <a16:creationId xmlns:a16="http://schemas.microsoft.com/office/drawing/2014/main" id="{134F455C-49A0-4A6C-B515-382EAF4BF599}"/>
+              </a:ext>
+            </a:extLst>
+          </p:cNvPr>
+          <p:cNvSpPr/>
+          <p:nvPr/>
+        </p:nvSpPr>
+        <p:spPr>
+          <a:xfrm>
+            <a:off x="5059403" y="5381347"/>
+            <a:ext cx="1047943" cy="1010224"/>
+          </a:xfrm>
+          <a:prstGeom prst="roundRect">
+            <a:avLst/>
+          </a:prstGeom>
+          <a:solidFill>
+            <a:schemeClr val="accent4">
+              <a:lumMod val="75000"/>
+            </a:schemeClr>
+          </a:solidFill>
+        </p:spPr>
+        <p:style>
+          <a:lnRef idx="2">
+            <a:schemeClr val="accent4">
+              <a:shade val="15000"/>
+            </a:schemeClr>
+          </a:lnRef>
+          <a:fillRef idx="1">
+            <a:schemeClr val="accent4"/>
+          </a:fillRef>
+          <a:effectRef idx="0">
+            <a:schemeClr val="accent4"/>
+          </a:effectRef>
+          <a:fontRef idx="minor">
+            <a:schemeClr val="lt1"/>
+          </a:fontRef>
+        </p:style>
+        <p:txBody>
+          <a:bodyPr rtlCol="0" anchor="ctr"/>
+          <a:lstStyle/>
+          <a:p>
+            <a:pPr algn="ctr"/>
+            <a:r>
+              <a:rPr lang="zh-TW" altLang="en-US" dirty="0"/>
+              <a:t>發球</a:t>
+            </a:r>
+            <a:endParaRPr lang="en-US" altLang="zh-TW" dirty="0"/>
+          </a:p>
+        </p:txBody>
+      </p:sp>
+      <p:cxnSp>
+        <p:nvCxnSpPr>
+          <p:cNvPr id="76" name="接點: 肘形 75">
+            <a:extLst>
+              <a:ext uri="{FF2B5EF4-FFF2-40B4-BE49-F238E27FC236}">
+                <a16:creationId xmlns:a16="http://schemas.microsoft.com/office/drawing/2014/main" id="{8E561209-A0D7-4814-AD3E-41C5285C400C}"/>
+              </a:ext>
+            </a:extLst>
+          </p:cNvPr>
+          <p:cNvCxnSpPr>
+            <a:cxnSpLocks/>
+            <a:stCxn id="10" idx="2"/>
+            <a:endCxn id="30" idx="3"/>
+          </p:cNvCxnSpPr>
+          <p:nvPr/>
+        </p:nvCxnSpPr>
+        <p:spPr>
+          <a:xfrm rot="5400000">
+            <a:off x="4018498" y="3612087"/>
+            <a:ext cx="876578" cy="505689"/>
+          </a:xfrm>
+          <a:prstGeom prst="bentConnector2">
+            <a:avLst/>
+          </a:prstGeom>
+          <a:ln>
+            <a:tailEnd type="triangle"/>
+          </a:ln>
+        </p:spPr>
+        <p:style>
+          <a:lnRef idx="1">
+            <a:schemeClr val="accent1"/>
+          </a:lnRef>
+          <a:fillRef idx="0">
+            <a:schemeClr val="accent1"/>
+          </a:fillRef>
+          <a:effectRef idx="0">
+            <a:schemeClr val="accent1"/>
+          </a:effectRef>
+          <a:fontRef idx="minor">
+            <a:schemeClr val="tx1"/>
+          </a:fontRef>
+        </p:style>
+      </p:cxnSp>
+      <p:cxnSp>
+        <p:nvCxnSpPr>
+          <p:cNvPr id="77" name="接點: 肘形 76">
+            <a:extLst>
+              <a:ext uri="{FF2B5EF4-FFF2-40B4-BE49-F238E27FC236}">
+                <a16:creationId xmlns:a16="http://schemas.microsoft.com/office/drawing/2014/main" id="{CA1A8C8C-A58E-4444-B9C5-D33EDE4408DE}"/>
+              </a:ext>
+            </a:extLst>
+          </p:cNvPr>
+          <p:cNvCxnSpPr>
+            <a:cxnSpLocks/>
+            <a:stCxn id="10" idx="2"/>
+            <a:endCxn id="41" idx="1"/>
+          </p:cNvCxnSpPr>
+          <p:nvPr/>
+        </p:nvCxnSpPr>
+        <p:spPr>
+          <a:xfrm rot="16200000" flipH="1">
+            <a:off x="4421470" y="3714803"/>
+            <a:ext cx="876578" cy="300256"/>
+          </a:xfrm>
+          <a:prstGeom prst="bentConnector2">
+            <a:avLst/>
+          </a:prstGeom>
+          <a:ln>
+            <a:tailEnd type="triangle"/>
+          </a:ln>
+        </p:spPr>
+        <p:style>
+          <a:lnRef idx="1">
+            <a:schemeClr val="accent1"/>
+          </a:lnRef>
+          <a:fillRef idx="0">
+            <a:schemeClr val="accent1"/>
+          </a:fillRef>
+          <a:effectRef idx="0">
+            <a:schemeClr val="accent1"/>
+          </a:effectRef>
+          <a:fontRef idx="minor">
+            <a:schemeClr val="tx1"/>
+          </a:fontRef>
+        </p:style>
+      </p:cxnSp>
+      <p:cxnSp>
+        <p:nvCxnSpPr>
+          <p:cNvPr id="80" name="接點: 肘形 79">
+            <a:extLst>
+              <a:ext uri="{FF2B5EF4-FFF2-40B4-BE49-F238E27FC236}">
+                <a16:creationId xmlns:a16="http://schemas.microsoft.com/office/drawing/2014/main" id="{07823854-77CB-457B-89C5-1865181ADE4B}"/>
+              </a:ext>
+            </a:extLst>
+          </p:cNvPr>
+          <p:cNvCxnSpPr>
+            <a:cxnSpLocks/>
+            <a:stCxn id="10" idx="2"/>
+            <a:endCxn id="62" idx="3"/>
+          </p:cNvCxnSpPr>
+          <p:nvPr/>
+        </p:nvCxnSpPr>
+        <p:spPr>
+          <a:xfrm rot="5400000">
+            <a:off x="3226269" y="4404316"/>
+            <a:ext cx="2461036" cy="505689"/>
+          </a:xfrm>
+          <a:prstGeom prst="bentConnector2">
+            <a:avLst/>
+          </a:prstGeom>
+          <a:ln>
+            <a:tailEnd type="triangle"/>
+          </a:ln>
+        </p:spPr>
+        <p:style>
+          <a:lnRef idx="1">
+            <a:schemeClr val="accent1"/>
+          </a:lnRef>
+          <a:fillRef idx="0">
+            <a:schemeClr val="accent1"/>
+          </a:fillRef>
+          <a:effectRef idx="0">
+            <a:schemeClr val="accent1"/>
+          </a:effectRef>
+          <a:fontRef idx="minor">
+            <a:schemeClr val="tx1"/>
+          </a:fontRef>
+        </p:style>
+      </p:cxnSp>
+      <p:cxnSp>
+        <p:nvCxnSpPr>
+          <p:cNvPr id="83" name="接點: 肘形 82">
+            <a:extLst>
+              <a:ext uri="{FF2B5EF4-FFF2-40B4-BE49-F238E27FC236}">
+                <a16:creationId xmlns:a16="http://schemas.microsoft.com/office/drawing/2014/main" id="{5CA1A052-FCBE-4082-955B-1E0BCF5E1B6D}"/>
+              </a:ext>
+            </a:extLst>
+          </p:cNvPr>
+          <p:cNvCxnSpPr>
+            <a:cxnSpLocks/>
+            <a:stCxn id="10" idx="2"/>
+            <a:endCxn id="63" idx="1"/>
+          </p:cNvCxnSpPr>
+          <p:nvPr/>
+        </p:nvCxnSpPr>
+        <p:spPr>
+          <a:xfrm rot="16200000" flipH="1">
+            <a:off x="3654609" y="4481664"/>
+            <a:ext cx="2459817" cy="349772"/>
+          </a:xfrm>
+          <a:prstGeom prst="bentConnector2">
+            <a:avLst/>
+          </a:prstGeom>
+          <a:ln>
+            <a:tailEnd type="triangle"/>
+          </a:ln>
+        </p:spPr>
+        <p:style>
+          <a:lnRef idx="1">
+            <a:schemeClr val="accent1"/>
+          </a:lnRef>
+          <a:fillRef idx="0">
+            <a:schemeClr val="accent1"/>
+          </a:fillRef>
+          <a:effectRef idx="0">
+            <a:schemeClr val="accent1"/>
+          </a:effectRef>
+          <a:fontRef idx="minor">
+            <a:schemeClr val="tx1"/>
+          </a:fontRef>
+        </p:style>
+      </p:cxnSp>
+    </p:spTree>
+    <p:extLst>
+      <p:ext uri="{BB962C8B-B14F-4D97-AF65-F5344CB8AC3E}">
+        <p14:creationId xmlns:p14="http://schemas.microsoft.com/office/powerpoint/2010/main" val="2291559892"/>
       </p:ext>
     </p:extLst>
   </p:cSld>

--- a/breakbox/打磚塊.pptx
+++ b/breakbox/打磚塊.pptx
@@ -211,7 +211,7 @@
             <a:pPr rtl="0"/>
             <a:fld id="{550261E5-B7A8-407C-8EC1-76B17CEB3BFC}" type="datetime1">
               <a:rPr lang="zh-TW" altLang="en-US" smtClean="0"/>
-              <a:t>2024/4/24</a:t>
+              <a:t>2024/4/26</a:t>
             </a:fld>
             <a:endParaRPr lang="en-US" dirty="0"/>
           </a:p>
@@ -381,7 +381,7 @@
             <a:pPr rtl="0"/>
             <a:fld id="{950AEE62-6B03-446E-B028-1F2C67AA2CBE}" type="datetime1">
               <a:rPr lang="zh-TW" altLang="en-US" smtClean="0"/>
-              <a:t>2024/4/24</a:t>
+              <a:t>2024/4/26</a:t>
             </a:fld>
             <a:endParaRPr lang="en-US"/>
           </a:p>
@@ -901,7 +901,7 @@
             <a:pPr rtl="0"/>
             <a:fld id="{91E8D126-38DE-467F-A065-2775F6C58740}" type="datetime1">
               <a:rPr lang="zh-TW" altLang="en-US" smtClean="0"/>
-              <a:t>2024/4/24</a:t>
+              <a:t>2024/4/26</a:t>
             </a:fld>
             <a:endParaRPr lang="en-US" dirty="0"/>
           </a:p>
@@ -1093,7 +1093,7 @@
             <a:pPr rtl="0"/>
             <a:fld id="{7AD90E0D-C35F-4A14-A7E8-7670CE6639F2}" type="datetime1">
               <a:rPr lang="zh-TW" altLang="en-US" smtClean="0"/>
-              <a:t>2024/4/24</a:t>
+              <a:t>2024/4/26</a:t>
             </a:fld>
             <a:endParaRPr lang="en-US" dirty="0"/>
           </a:p>
@@ -1339,7 +1339,7 @@
             <a:pPr rtl="0"/>
             <a:fld id="{E2E02858-A2D1-43A3-9BDC-80D1F48AA51B}" type="datetime1">
               <a:rPr lang="zh-TW" altLang="en-US" smtClean="0"/>
-              <a:t>2024/4/24</a:t>
+              <a:t>2024/4/26</a:t>
             </a:fld>
             <a:endParaRPr lang="en-US" dirty="0"/>
           </a:p>
@@ -1531,7 +1531,7 @@
             <a:pPr rtl="0"/>
             <a:fld id="{A55B7815-05FA-48A0-B9F7-1E04C4F2927A}" type="datetime1">
               <a:rPr lang="zh-TW" altLang="en-US" smtClean="0"/>
-              <a:t>2024/4/24</a:t>
+              <a:t>2024/4/26</a:t>
             </a:fld>
             <a:endParaRPr lang="en-US" dirty="0"/>
           </a:p>
@@ -1908,7 +1908,7 @@
             <a:pPr rtl="0"/>
             <a:fld id="{3FBF2AB9-D521-429F-BA9E-A2DD356AF2DF}" type="datetime1">
               <a:rPr lang="zh-TW" altLang="en-US" smtClean="0"/>
-              <a:t>2024/4/24</a:t>
+              <a:t>2024/4/26</a:t>
             </a:fld>
             <a:endParaRPr lang="en-US" dirty="0"/>
           </a:p>
@@ -2167,7 +2167,7 @@
             <a:pPr rtl="0"/>
             <a:fld id="{E748A74C-3BFC-4F64-9D88-E80E3E32994C}" type="datetime1">
               <a:rPr lang="zh-TW" altLang="en-US" smtClean="0"/>
-              <a:t>2024/4/24</a:t>
+              <a:t>2024/4/26</a:t>
             </a:fld>
             <a:endParaRPr lang="en-US" dirty="0"/>
           </a:p>
@@ -2568,7 +2568,7 @@
             <a:pPr rtl="0"/>
             <a:fld id="{C0166BAE-2749-48CF-A2DD-C010F9F8CC67}" type="datetime1">
               <a:rPr lang="zh-TW" altLang="en-US" smtClean="0"/>
-              <a:t>2024/4/24</a:t>
+              <a:t>2024/4/26</a:t>
             </a:fld>
             <a:endParaRPr lang="en-US" dirty="0"/>
           </a:p>
@@ -2708,7 +2708,7 @@
             <a:pPr rtl="0"/>
             <a:fld id="{42EB3E87-0960-43A6-B33B-AB6B15A82628}" type="datetime1">
               <a:rPr lang="zh-TW" altLang="en-US" smtClean="0"/>
-              <a:t>2024/4/24</a:t>
+              <a:t>2024/4/26</a:t>
             </a:fld>
             <a:endParaRPr lang="en-US" dirty="0"/>
           </a:p>
@@ -2868,7 +2868,7 @@
             <a:pPr rtl="0"/>
             <a:fld id="{0A92F8F0-693D-4EF4-BEF5-7FD95F4C1D80}" type="datetime1">
               <a:rPr lang="zh-TW" altLang="en-US" smtClean="0"/>
-              <a:t>2024/4/24</a:t>
+              <a:t>2024/4/26</a:t>
             </a:fld>
             <a:endParaRPr lang="en-US" dirty="0"/>
           </a:p>
@@ -3201,7 +3201,7 @@
             <a:pPr rtl="0"/>
             <a:fld id="{4E96419C-65CA-4A96-8C8D-1B83D1EEA06C}" type="datetime1">
               <a:rPr lang="zh-TW" altLang="en-US" smtClean="0"/>
-              <a:t>2024/4/24</a:t>
+              <a:t>2024/4/26</a:t>
             </a:fld>
             <a:endParaRPr lang="en-US" dirty="0"/>
           </a:p>
@@ -3556,7 +3556,7 @@
             <a:pPr rtl="0"/>
             <a:fld id="{55B0D56E-A8D9-4835-9121-D0F2B7B922B1}" type="datetime1">
               <a:rPr lang="zh-TW" altLang="en-US" smtClean="0"/>
-              <a:t>2024/4/24</a:t>
+              <a:t>2024/4/26</a:t>
             </a:fld>
             <a:endParaRPr lang="en-US" dirty="0"/>
           </a:p>
@@ -3821,7 +3821,7 @@
           <a:p>
             <a:fld id="{86D72111-2BF8-49E3-AA06-55BC47AB46EA}" type="datetime1">
               <a:rPr lang="zh-TW" altLang="en-US" smtClean="0"/>
-              <a:t>2024/4/24</a:t>
+              <a:t>2024/4/26</a:t>
             </a:fld>
             <a:endParaRPr lang="en-US" dirty="0"/>
           </a:p>
@@ -4952,7 +4952,7 @@
               <a:buChar char="Ø"/>
             </a:pPr>
             <a:r>
-              <a:rPr lang="zh-TW" altLang="en-US"/>
+              <a:rPr lang="zh-TW" altLang="en-US" dirty="0"/>
               <a:t>介面大小</a:t>
             </a:r>
             <a:endParaRPr lang="en-US" altLang="zh-TW" dirty="0"/>
@@ -5002,7 +5002,7 @@
             <a:pPr rtl="0"/>
             <a:fld id="{A55B7815-05FA-48A0-B9F7-1E04C4F2927A}" type="datetime1">
               <a:rPr lang="zh-TW" altLang="en-US" smtClean="0"/>
-              <a:t>2024/4/24</a:t>
+              <a:t>2024/4/26</a:t>
             </a:fld>
             <a:endParaRPr lang="en-US" dirty="0"/>
           </a:p>
@@ -5122,7 +5122,7 @@
             <a:pPr rtl="0"/>
             <a:fld id="{A55B7815-05FA-48A0-B9F7-1E04C4F2927A}" type="datetime1">
               <a:rPr lang="zh-TW" altLang="en-US" smtClean="0"/>
-              <a:t>2024/4/24</a:t>
+              <a:t>2024/4/26</a:t>
             </a:fld>
             <a:endParaRPr lang="en-US" dirty="0"/>
           </a:p>
@@ -6520,7 +6520,7 @@
             <a:pPr rtl="0"/>
             <a:fld id="{A55B7815-05FA-48A0-B9F7-1E04C4F2927A}" type="datetime1">
               <a:rPr lang="zh-TW" altLang="en-US" smtClean="0"/>
-              <a:t>2024/4/24</a:t>
+              <a:t>2024/4/26</a:t>
             </a:fld>
             <a:endParaRPr lang="en-US" dirty="0"/>
           </a:p>
@@ -6650,7 +6650,7 @@
             <a:fld id="{A55B7815-05FA-48A0-B9F7-1E04C4F2927A}" type="datetime1">
               <a:rPr lang="zh-TW" altLang="en-US" smtClean="0"/>
               <a:pPr/>
-              <a:t>2024/4/24</a:t>
+              <a:t>2024/4/26</a:t>
             </a:fld>
             <a:endParaRPr lang="en-US" dirty="0"/>
           </a:p>
@@ -8417,7 +8417,7 @@
             <a:pPr rtl="0"/>
             <a:fld id="{A55B7815-05FA-48A0-B9F7-1E04C4F2927A}" type="datetime1">
               <a:rPr lang="zh-TW" altLang="en-US" smtClean="0"/>
-              <a:t>2024/4/24</a:t>
+              <a:t>2024/4/26</a:t>
             </a:fld>
             <a:endParaRPr lang="en-US" dirty="0"/>
           </a:p>
@@ -8559,7 +8559,7 @@
             <a:pPr rtl="0"/>
             <a:fld id="{A55B7815-05FA-48A0-B9F7-1E04C4F2927A}" type="datetime1">
               <a:rPr lang="zh-TW" altLang="en-US" smtClean="0"/>
-              <a:t>2024/4/24</a:t>
+              <a:t>2024/4/26</a:t>
             </a:fld>
             <a:endParaRPr lang="en-US" dirty="0"/>
           </a:p>
@@ -8597,321 +8597,6 @@
       </p:grpSpPr>
       <p:sp>
         <p:nvSpPr>
-          <p:cNvPr id="2" name="標題 1">
-            <a:extLst>
-              <a:ext uri="{FF2B5EF4-FFF2-40B4-BE49-F238E27FC236}">
-                <a16:creationId xmlns:a16="http://schemas.microsoft.com/office/drawing/2014/main" id="{176881A9-55B0-41F1-A701-D4EB66CE3407}"/>
-              </a:ext>
-            </a:extLst>
-          </p:cNvPr>
-          <p:cNvSpPr>
-            <a:spLocks noGrp="1"/>
-          </p:cNvSpPr>
-          <p:nvPr>
-            <p:ph type="title"/>
-          </p:nvPr>
-        </p:nvSpPr>
-        <p:spPr/>
-        <p:txBody>
-          <a:bodyPr/>
-          <a:lstStyle/>
-          <a:p>
-            <a:endParaRPr lang="zh-TW" altLang="en-US" dirty="0"/>
-          </a:p>
-        </p:txBody>
-      </p:sp>
-      <p:sp>
-        <p:nvSpPr>
-          <p:cNvPr id="4" name="日期版面配置區 3">
-            <a:extLst>
-              <a:ext uri="{FF2B5EF4-FFF2-40B4-BE49-F238E27FC236}">
-                <a16:creationId xmlns:a16="http://schemas.microsoft.com/office/drawing/2014/main" id="{8CAB169F-240F-4E43-BF9F-1C44B57A9C20}"/>
-              </a:ext>
-            </a:extLst>
-          </p:cNvPr>
-          <p:cNvSpPr>
-            <a:spLocks noGrp="1"/>
-          </p:cNvSpPr>
-          <p:nvPr>
-            <p:ph type="dt" sz="half" idx="10"/>
-          </p:nvPr>
-        </p:nvSpPr>
-        <p:spPr/>
-        <p:txBody>
-          <a:bodyPr/>
-          <a:lstStyle/>
-          <a:p>
-            <a:pPr rtl="0"/>
-            <a:fld id="{A55B7815-05FA-48A0-B9F7-1E04C4F2927A}" type="datetime1">
-              <a:rPr lang="zh-TW" altLang="en-US" smtClean="0"/>
-              <a:t>2024/4/24</a:t>
-            </a:fld>
-            <a:endParaRPr lang="en-US" dirty="0"/>
-          </a:p>
-        </p:txBody>
-      </p:sp>
-      <p:sp>
-        <p:nvSpPr>
-          <p:cNvPr id="5" name="日期版面配置區 3">
-            <a:extLst>
-              <a:ext uri="{FF2B5EF4-FFF2-40B4-BE49-F238E27FC236}">
-                <a16:creationId xmlns:a16="http://schemas.microsoft.com/office/drawing/2014/main" id="{0DFBD96C-9AF9-4F4D-8344-6096C9552A3E}"/>
-              </a:ext>
-            </a:extLst>
-          </p:cNvPr>
-          <p:cNvSpPr txBox="1">
-            <a:spLocks/>
-          </p:cNvSpPr>
-          <p:nvPr/>
-        </p:nvSpPr>
-        <p:spPr>
-          <a:xfrm>
-            <a:off x="8218426" y="6446838"/>
-            <a:ext cx="2584850" cy="365125"/>
-          </a:xfrm>
-          <a:prstGeom prst="rect">
-            <a:avLst/>
-          </a:prstGeom>
-        </p:spPr>
-        <p:txBody>
-          <a:bodyPr vert="horz" lIns="91440" tIns="45720" rIns="91440" bIns="45720" rtlCol="0" anchor="ctr"/>
-          <a:lstStyle>
-            <a:defPPr rtl="0">
-              <a:defRPr lang="zh-tw"/>
-            </a:defPPr>
-            <a:lvl1pPr marL="0" algn="r" defTabSz="914400" rtl="0" eaLnBrk="1" latinLnBrk="0" hangingPunct="1">
-              <a:defRPr sz="800" kern="1200">
-                <a:solidFill>
-                  <a:srgbClr val="FFFFFF"/>
-                </a:solidFill>
-                <a:latin typeface="Microsoft JhengHei UI" panose="020B0604030504040204" pitchFamily="34" charset="-120"/>
-                <a:ea typeface="Microsoft JhengHei UI" panose="020B0604030504040204" pitchFamily="34" charset="-120"/>
-                <a:cs typeface="+mn-cs"/>
-              </a:defRPr>
-            </a:lvl1pPr>
-            <a:lvl2pPr marL="457200" algn="l" defTabSz="914400" rtl="0" eaLnBrk="1" latinLnBrk="0" hangingPunct="1">
-              <a:defRPr sz="1800" kern="1200">
-                <a:solidFill>
-                  <a:schemeClr val="tx1"/>
-                </a:solidFill>
-                <a:latin typeface="+mn-lt"/>
-                <a:ea typeface="+mn-ea"/>
-                <a:cs typeface="+mn-cs"/>
-              </a:defRPr>
-            </a:lvl2pPr>
-            <a:lvl3pPr marL="914400" algn="l" defTabSz="914400" rtl="0" eaLnBrk="1" latinLnBrk="0" hangingPunct="1">
-              <a:defRPr sz="1800" kern="1200">
-                <a:solidFill>
-                  <a:schemeClr val="tx1"/>
-                </a:solidFill>
-                <a:latin typeface="+mn-lt"/>
-                <a:ea typeface="+mn-ea"/>
-                <a:cs typeface="+mn-cs"/>
-              </a:defRPr>
-            </a:lvl3pPr>
-            <a:lvl4pPr marL="1371600" algn="l" defTabSz="914400" rtl="0" eaLnBrk="1" latinLnBrk="0" hangingPunct="1">
-              <a:defRPr sz="1800" kern="1200">
-                <a:solidFill>
-                  <a:schemeClr val="tx1"/>
-                </a:solidFill>
-                <a:latin typeface="+mn-lt"/>
-                <a:ea typeface="+mn-ea"/>
-                <a:cs typeface="+mn-cs"/>
-              </a:defRPr>
-            </a:lvl4pPr>
-            <a:lvl5pPr marL="1828800" algn="l" defTabSz="914400" rtl="0" eaLnBrk="1" latinLnBrk="0" hangingPunct="1">
-              <a:defRPr sz="1800" kern="1200">
-                <a:solidFill>
-                  <a:schemeClr val="tx1"/>
-                </a:solidFill>
-                <a:latin typeface="+mn-lt"/>
-                <a:ea typeface="+mn-ea"/>
-                <a:cs typeface="+mn-cs"/>
-              </a:defRPr>
-            </a:lvl5pPr>
-            <a:lvl6pPr marL="2286000" algn="l" defTabSz="914400" rtl="0" eaLnBrk="1" latinLnBrk="0" hangingPunct="1">
-              <a:defRPr sz="1800" kern="1200">
-                <a:solidFill>
-                  <a:schemeClr val="tx1"/>
-                </a:solidFill>
-                <a:latin typeface="+mn-lt"/>
-                <a:ea typeface="+mn-ea"/>
-                <a:cs typeface="+mn-cs"/>
-              </a:defRPr>
-            </a:lvl6pPr>
-            <a:lvl7pPr marL="2743200" algn="l" defTabSz="914400" rtl="0" eaLnBrk="1" latinLnBrk="0" hangingPunct="1">
-              <a:defRPr sz="1800" kern="1200">
-                <a:solidFill>
-                  <a:schemeClr val="tx1"/>
-                </a:solidFill>
-                <a:latin typeface="+mn-lt"/>
-                <a:ea typeface="+mn-ea"/>
-                <a:cs typeface="+mn-cs"/>
-              </a:defRPr>
-            </a:lvl7pPr>
-            <a:lvl8pPr marL="3200400" algn="l" defTabSz="914400" rtl="0" eaLnBrk="1" latinLnBrk="0" hangingPunct="1">
-              <a:defRPr sz="1800" kern="1200">
-                <a:solidFill>
-                  <a:schemeClr val="tx1"/>
-                </a:solidFill>
-                <a:latin typeface="+mn-lt"/>
-                <a:ea typeface="+mn-ea"/>
-                <a:cs typeface="+mn-cs"/>
-              </a:defRPr>
-            </a:lvl8pPr>
-            <a:lvl9pPr marL="3657600" algn="l" defTabSz="914400" rtl="0" eaLnBrk="1" latinLnBrk="0" hangingPunct="1">
-              <a:defRPr sz="1800" kern="1200">
-                <a:solidFill>
-                  <a:schemeClr val="tx1"/>
-                </a:solidFill>
-                <a:latin typeface="+mn-lt"/>
-                <a:ea typeface="+mn-ea"/>
-                <a:cs typeface="+mn-cs"/>
-              </a:defRPr>
-            </a:lvl9pPr>
-          </a:lstStyle>
-          <a:p>
-            <a:fld id="{A55B7815-05FA-48A0-B9F7-1E04C4F2927A}" type="datetime1">
-              <a:rPr lang="zh-TW" altLang="en-US" smtClean="0"/>
-              <a:pPr/>
-              <a:t>2024/4/24</a:t>
-            </a:fld>
-            <a:endParaRPr lang="en-US" dirty="0"/>
-          </a:p>
-        </p:txBody>
-      </p:sp>
-      <p:sp>
-        <p:nvSpPr>
-          <p:cNvPr id="6" name="日期版面配置區 3">
-            <a:extLst>
-              <a:ext uri="{FF2B5EF4-FFF2-40B4-BE49-F238E27FC236}">
-                <a16:creationId xmlns:a16="http://schemas.microsoft.com/office/drawing/2014/main" id="{3716C23D-9EEB-49B8-9C18-1CAE52D3CF09}"/>
-              </a:ext>
-            </a:extLst>
-          </p:cNvPr>
-          <p:cNvSpPr txBox="1">
-            <a:spLocks/>
-          </p:cNvSpPr>
-          <p:nvPr/>
-        </p:nvSpPr>
-        <p:spPr>
-          <a:xfrm>
-            <a:off x="8218426" y="6446838"/>
-            <a:ext cx="2584850" cy="365125"/>
-          </a:xfrm>
-          <a:prstGeom prst="rect">
-            <a:avLst/>
-          </a:prstGeom>
-        </p:spPr>
-        <p:txBody>
-          <a:bodyPr vert="horz" lIns="91440" tIns="45720" rIns="91440" bIns="45720" rtlCol="0" anchor="ctr"/>
-          <a:lstStyle>
-            <a:defPPr rtl="0">
-              <a:defRPr lang="zh-tw"/>
-            </a:defPPr>
-            <a:lvl1pPr marL="0" algn="r" defTabSz="914400" rtl="0" eaLnBrk="1" latinLnBrk="0" hangingPunct="1">
-              <a:defRPr sz="800" kern="1200">
-                <a:solidFill>
-                  <a:srgbClr val="FFFFFF"/>
-                </a:solidFill>
-                <a:latin typeface="Microsoft JhengHei UI" panose="020B0604030504040204" pitchFamily="34" charset="-120"/>
-                <a:ea typeface="Microsoft JhengHei UI" panose="020B0604030504040204" pitchFamily="34" charset="-120"/>
-                <a:cs typeface="+mn-cs"/>
-              </a:defRPr>
-            </a:lvl1pPr>
-            <a:lvl2pPr marL="457200" algn="l" defTabSz="914400" rtl="0" eaLnBrk="1" latinLnBrk="0" hangingPunct="1">
-              <a:defRPr sz="1800" kern="1200">
-                <a:solidFill>
-                  <a:schemeClr val="tx1"/>
-                </a:solidFill>
-                <a:latin typeface="+mn-lt"/>
-                <a:ea typeface="+mn-ea"/>
-                <a:cs typeface="+mn-cs"/>
-              </a:defRPr>
-            </a:lvl2pPr>
-            <a:lvl3pPr marL="914400" algn="l" defTabSz="914400" rtl="0" eaLnBrk="1" latinLnBrk="0" hangingPunct="1">
-              <a:defRPr sz="1800" kern="1200">
-                <a:solidFill>
-                  <a:schemeClr val="tx1"/>
-                </a:solidFill>
-                <a:latin typeface="+mn-lt"/>
-                <a:ea typeface="+mn-ea"/>
-                <a:cs typeface="+mn-cs"/>
-              </a:defRPr>
-            </a:lvl3pPr>
-            <a:lvl4pPr marL="1371600" algn="l" defTabSz="914400" rtl="0" eaLnBrk="1" latinLnBrk="0" hangingPunct="1">
-              <a:defRPr sz="1800" kern="1200">
-                <a:solidFill>
-                  <a:schemeClr val="tx1"/>
-                </a:solidFill>
-                <a:latin typeface="+mn-lt"/>
-                <a:ea typeface="+mn-ea"/>
-                <a:cs typeface="+mn-cs"/>
-              </a:defRPr>
-            </a:lvl4pPr>
-            <a:lvl5pPr marL="1828800" algn="l" defTabSz="914400" rtl="0" eaLnBrk="1" latinLnBrk="0" hangingPunct="1">
-              <a:defRPr sz="1800" kern="1200">
-                <a:solidFill>
-                  <a:schemeClr val="tx1"/>
-                </a:solidFill>
-                <a:latin typeface="+mn-lt"/>
-                <a:ea typeface="+mn-ea"/>
-                <a:cs typeface="+mn-cs"/>
-              </a:defRPr>
-            </a:lvl5pPr>
-            <a:lvl6pPr marL="2286000" algn="l" defTabSz="914400" rtl="0" eaLnBrk="1" latinLnBrk="0" hangingPunct="1">
-              <a:defRPr sz="1800" kern="1200">
-                <a:solidFill>
-                  <a:schemeClr val="tx1"/>
-                </a:solidFill>
-                <a:latin typeface="+mn-lt"/>
-                <a:ea typeface="+mn-ea"/>
-                <a:cs typeface="+mn-cs"/>
-              </a:defRPr>
-            </a:lvl6pPr>
-            <a:lvl7pPr marL="2743200" algn="l" defTabSz="914400" rtl="0" eaLnBrk="1" latinLnBrk="0" hangingPunct="1">
-              <a:defRPr sz="1800" kern="1200">
-                <a:solidFill>
-                  <a:schemeClr val="tx1"/>
-                </a:solidFill>
-                <a:latin typeface="+mn-lt"/>
-                <a:ea typeface="+mn-ea"/>
-                <a:cs typeface="+mn-cs"/>
-              </a:defRPr>
-            </a:lvl7pPr>
-            <a:lvl8pPr marL="3200400" algn="l" defTabSz="914400" rtl="0" eaLnBrk="1" latinLnBrk="0" hangingPunct="1">
-              <a:defRPr sz="1800" kern="1200">
-                <a:solidFill>
-                  <a:schemeClr val="tx1"/>
-                </a:solidFill>
-                <a:latin typeface="+mn-lt"/>
-                <a:ea typeface="+mn-ea"/>
-                <a:cs typeface="+mn-cs"/>
-              </a:defRPr>
-            </a:lvl8pPr>
-            <a:lvl9pPr marL="3657600" algn="l" defTabSz="914400" rtl="0" eaLnBrk="1" latinLnBrk="0" hangingPunct="1">
-              <a:defRPr sz="1800" kern="1200">
-                <a:solidFill>
-                  <a:schemeClr val="tx1"/>
-                </a:solidFill>
-                <a:latin typeface="+mn-lt"/>
-                <a:ea typeface="+mn-ea"/>
-                <a:cs typeface="+mn-cs"/>
-              </a:defRPr>
-            </a:lvl9pPr>
-          </a:lstStyle>
-          <a:p>
-            <a:fld id="{A55B7815-05FA-48A0-B9F7-1E04C4F2927A}" type="datetime1">
-              <a:rPr lang="zh-TW" altLang="en-US" smtClean="0"/>
-              <a:pPr/>
-              <a:t>2024/4/24</a:t>
-            </a:fld>
-            <a:endParaRPr lang="en-US" dirty="0"/>
-          </a:p>
-        </p:txBody>
-      </p:sp>
-      <p:sp>
-        <p:nvSpPr>
           <p:cNvPr id="7" name="矩形: 圓角 6">
             <a:extLst>
               <a:ext uri="{FF2B5EF4-FFF2-40B4-BE49-F238E27FC236}">
@@ -8956,15 +8641,24 @@
               <a:rPr lang="zh-TW" altLang="en-US" dirty="0"/>
               <a:t>機器學習</a:t>
             </a:r>
-          </a:p>
-        </p:txBody>
-      </p:sp>
-      <p:sp>
-        <p:nvSpPr>
-          <p:cNvPr id="8" name="矩形: 圓角 7">
-            <a:extLst>
-              <a:ext uri="{FF2B5EF4-FFF2-40B4-BE49-F238E27FC236}">
-                <a16:creationId xmlns:a16="http://schemas.microsoft.com/office/drawing/2014/main" id="{C1369010-DDFE-4382-AEBC-78D2CB174E8E}"/>
+            <a:endParaRPr lang="en-US" altLang="zh-TW" dirty="0"/>
+          </a:p>
+          <a:p>
+            <a:pPr algn="ctr"/>
+            <a:r>
+              <a:rPr lang="en-US" altLang="zh-TW" dirty="0"/>
+              <a:t>Q learning</a:t>
+            </a:r>
+            <a:endParaRPr lang="zh-TW" altLang="en-US" dirty="0"/>
+          </a:p>
+        </p:txBody>
+      </p:sp>
+      <p:sp>
+        <p:nvSpPr>
+          <p:cNvPr id="9" name="矩形: 圓角 8">
+            <a:extLst>
+              <a:ext uri="{FF2B5EF4-FFF2-40B4-BE49-F238E27FC236}">
+                <a16:creationId xmlns:a16="http://schemas.microsoft.com/office/drawing/2014/main" id="{E2E101B9-626E-4B95-9DA9-996CBEB7724B}"/>
               </a:ext>
             </a:extLst>
           </p:cNvPr>
@@ -8973,61 +8667,17 @@
         </p:nvSpPr>
         <p:spPr>
           <a:xfrm>
-            <a:off x="9702769" y="3244616"/>
-            <a:ext cx="1845578" cy="847288"/>
+            <a:off x="1667579" y="2419901"/>
+            <a:ext cx="861825" cy="847288"/>
           </a:xfrm>
           <a:prstGeom prst="roundRect">
             <a:avLst/>
           </a:prstGeom>
-        </p:spPr>
-        <p:style>
-          <a:lnRef idx="2">
-            <a:schemeClr val="accent2">
-              <a:shade val="15000"/>
+          <a:solidFill>
+            <a:schemeClr val="accent3">
+              <a:lumMod val="50000"/>
             </a:schemeClr>
-          </a:lnRef>
-          <a:fillRef idx="1">
-            <a:schemeClr val="accent2"/>
-          </a:fillRef>
-          <a:effectRef idx="0">
-            <a:schemeClr val="accent2"/>
-          </a:effectRef>
-          <a:fontRef idx="minor">
-            <a:schemeClr val="lt1"/>
-          </a:fontRef>
-        </p:style>
-        <p:txBody>
-          <a:bodyPr rtlCol="0" anchor="ctr"/>
-          <a:lstStyle/>
-          <a:p>
-            <a:pPr algn="ctr"/>
-            <a:r>
-              <a:rPr lang="zh-TW" altLang="en-US" dirty="0"/>
-              <a:t>驗收</a:t>
-            </a:r>
-          </a:p>
-        </p:txBody>
-      </p:sp>
-      <p:sp>
-        <p:nvSpPr>
-          <p:cNvPr id="9" name="矩形: 圓角 8">
-            <a:extLst>
-              <a:ext uri="{FF2B5EF4-FFF2-40B4-BE49-F238E27FC236}">
-                <a16:creationId xmlns:a16="http://schemas.microsoft.com/office/drawing/2014/main" id="{E2E101B9-626E-4B95-9DA9-996CBEB7724B}"/>
-              </a:ext>
-            </a:extLst>
-          </p:cNvPr>
-          <p:cNvSpPr/>
-          <p:nvPr/>
-        </p:nvSpPr>
-        <p:spPr>
-          <a:xfrm>
-            <a:off x="1657647" y="2588923"/>
-            <a:ext cx="1845578" cy="847288"/>
-          </a:xfrm>
-          <a:prstGeom prst="roundRect">
-            <a:avLst/>
-          </a:prstGeom>
+          </a:solidFill>
         </p:spPr>
         <p:style>
           <a:lnRef idx="2">
@@ -9052,7 +8702,7 @@
             <a:pPr algn="ctr"/>
             <a:r>
               <a:rPr lang="zh-TW" altLang="en-US" dirty="0"/>
-              <a:t>狀態</a:t>
+              <a:t>特徵</a:t>
             </a:r>
           </a:p>
         </p:txBody>
@@ -9071,7 +8721,7 @@
         </p:nvSpPr>
         <p:spPr>
           <a:xfrm>
-            <a:off x="3786842" y="2579354"/>
+            <a:off x="9608689" y="2453313"/>
             <a:ext cx="1845578" cy="847288"/>
           </a:xfrm>
           <a:prstGeom prst="roundRect">
@@ -9100,106 +8750,13 @@
           <a:p>
             <a:pPr algn="ctr"/>
             <a:r>
-              <a:rPr lang="zh-TW" altLang="en-US" dirty="0"/>
-              <a:t>指令</a:t>
-            </a:r>
-          </a:p>
-        </p:txBody>
-      </p:sp>
-      <p:sp>
-        <p:nvSpPr>
-          <p:cNvPr id="11" name="矩形: 圓角 10">
-            <a:extLst>
-              <a:ext uri="{FF2B5EF4-FFF2-40B4-BE49-F238E27FC236}">
-                <a16:creationId xmlns:a16="http://schemas.microsoft.com/office/drawing/2014/main" id="{5DD68575-9719-4096-9648-8F8E3C264FAE}"/>
-              </a:ext>
-            </a:extLst>
-          </p:cNvPr>
-          <p:cNvSpPr/>
-          <p:nvPr/>
-        </p:nvSpPr>
-        <p:spPr>
-          <a:xfrm>
-            <a:off x="6999150" y="2588923"/>
-            <a:ext cx="1845578" cy="847288"/>
-          </a:xfrm>
-          <a:prstGeom prst="roundRect">
-            <a:avLst/>
-          </a:prstGeom>
-        </p:spPr>
-        <p:style>
-          <a:lnRef idx="2">
-            <a:schemeClr val="accent6">
-              <a:shade val="15000"/>
-            </a:schemeClr>
-          </a:lnRef>
-          <a:fillRef idx="1">
-            <a:schemeClr val="accent6"/>
-          </a:fillRef>
-          <a:effectRef idx="0">
-            <a:schemeClr val="accent6"/>
-          </a:effectRef>
-          <a:fontRef idx="minor">
-            <a:schemeClr val="lt1"/>
-          </a:fontRef>
-        </p:style>
-        <p:txBody>
-          <a:bodyPr rtlCol="0" anchor="ctr"/>
-          <a:lstStyle/>
-          <a:p>
-            <a:pPr algn="ctr"/>
-            <a:r>
-              <a:rPr lang="zh-TW" altLang="en-US"/>
-              <a:t>代理人</a:t>
+              <a:rPr lang="en-US" altLang="zh-TW" dirty="0"/>
+              <a:t>Lebel</a:t>
             </a:r>
             <a:endParaRPr lang="zh-TW" altLang="en-US" dirty="0"/>
           </a:p>
         </p:txBody>
       </p:sp>
-      <p:cxnSp>
-        <p:nvCxnSpPr>
-          <p:cNvPr id="12" name="接點: 肘形 11">
-            <a:extLst>
-              <a:ext uri="{FF2B5EF4-FFF2-40B4-BE49-F238E27FC236}">
-                <a16:creationId xmlns:a16="http://schemas.microsoft.com/office/drawing/2014/main" id="{CF455E5C-DBC0-46BF-AEF0-A1D42FA43AD9}"/>
-              </a:ext>
-            </a:extLst>
-          </p:cNvPr>
-          <p:cNvCxnSpPr>
-            <a:stCxn id="7" idx="2"/>
-            <a:endCxn id="8" idx="0"/>
-          </p:cNvCxnSpPr>
-          <p:nvPr/>
-        </p:nvCxnSpPr>
-        <p:spPr>
-          <a:xfrm rot="16200000" flipH="1">
-            <a:off x="7418729" y="37786"/>
-            <a:ext cx="1930899" cy="4482759"/>
-          </a:xfrm>
-          <a:prstGeom prst="bentConnector3">
-            <a:avLst>
-              <a:gd name="adj1" fmla="val 50000"/>
-            </a:avLst>
-          </a:prstGeom>
-          <a:ln>
-            <a:tailEnd type="triangle"/>
-          </a:ln>
-        </p:spPr>
-        <p:style>
-          <a:lnRef idx="1">
-            <a:schemeClr val="accent1"/>
-          </a:lnRef>
-          <a:fillRef idx="0">
-            <a:schemeClr val="accent1"/>
-          </a:fillRef>
-          <a:effectRef idx="0">
-            <a:schemeClr val="accent1"/>
-          </a:effectRef>
-          <a:fontRef idx="minor">
-            <a:schemeClr val="tx1"/>
-          </a:fontRef>
-        </p:style>
-      </p:cxnSp>
       <p:cxnSp>
         <p:nvCxnSpPr>
           <p:cNvPr id="13" name="接點: 肘形 12">
@@ -9218,8 +8775,8 @@
         </p:nvCxnSpPr>
         <p:spPr>
           <a:xfrm rot="5400000">
-            <a:off x="3724015" y="170139"/>
-            <a:ext cx="1275206" cy="3562363"/>
+            <a:off x="3567554" y="-155344"/>
+            <a:ext cx="1106184" cy="4044307"/>
           </a:xfrm>
           <a:prstGeom prst="bentConnector3">
             <a:avLst>
@@ -9261,9 +8818,9 @@
           <p:nvPr/>
         </p:nvCxnSpPr>
         <p:spPr>
-          <a:xfrm rot="5400000">
-            <a:off x="4793397" y="1229951"/>
-            <a:ext cx="1265637" cy="1433168"/>
+          <a:xfrm rot="16200000" flipH="1">
+            <a:off x="7767340" y="-310825"/>
+            <a:ext cx="1139596" cy="4388679"/>
           </a:xfrm>
           <a:prstGeom prst="bentConnector3">
             <a:avLst/>
@@ -9287,54 +8844,12 @@
           </a:fontRef>
         </p:style>
       </p:cxnSp>
-      <p:cxnSp>
-        <p:nvCxnSpPr>
-          <p:cNvPr id="15" name="接點: 肘形 14">
-            <a:extLst>
-              <a:ext uri="{FF2B5EF4-FFF2-40B4-BE49-F238E27FC236}">
-                <a16:creationId xmlns:a16="http://schemas.microsoft.com/office/drawing/2014/main" id="{93FE192F-B342-4BC9-A648-6C55E13873FB}"/>
-              </a:ext>
-            </a:extLst>
-          </p:cNvPr>
-          <p:cNvCxnSpPr>
-            <a:stCxn id="7" idx="2"/>
-            <a:endCxn id="11" idx="0"/>
-          </p:cNvCxnSpPr>
-          <p:nvPr/>
-        </p:nvCxnSpPr>
-        <p:spPr>
-          <a:xfrm rot="16200000" flipH="1">
-            <a:off x="6394766" y="1061750"/>
-            <a:ext cx="1275206" cy="1779140"/>
-          </a:xfrm>
-          <a:prstGeom prst="bentConnector3">
-            <a:avLst/>
-          </a:prstGeom>
-          <a:ln>
-            <a:tailEnd type="triangle"/>
-          </a:ln>
-        </p:spPr>
-        <p:style>
-          <a:lnRef idx="1">
-            <a:schemeClr val="accent1"/>
-          </a:lnRef>
-          <a:fillRef idx="0">
-            <a:schemeClr val="accent1"/>
-          </a:fillRef>
-          <a:effectRef idx="0">
-            <a:schemeClr val="accent1"/>
-          </a:effectRef>
-          <a:fontRef idx="minor">
-            <a:schemeClr val="tx1"/>
-          </a:fontRef>
-        </p:style>
-      </p:cxnSp>
-      <p:sp>
-        <p:nvSpPr>
-          <p:cNvPr id="16" name="矩形: 圓角 15">
-            <a:extLst>
-              <a:ext uri="{FF2B5EF4-FFF2-40B4-BE49-F238E27FC236}">
-                <a16:creationId xmlns:a16="http://schemas.microsoft.com/office/drawing/2014/main" id="{5F360034-DEE1-40C0-81E3-84BE970A2CBF}"/>
+      <p:sp>
+        <p:nvSpPr>
+          <p:cNvPr id="22" name="矩形: 圓角 21">
+            <a:extLst>
+              <a:ext uri="{FF2B5EF4-FFF2-40B4-BE49-F238E27FC236}">
+                <a16:creationId xmlns:a16="http://schemas.microsoft.com/office/drawing/2014/main" id="{4E4FBE32-1B39-4B7F-899F-69C57B1FE300}"/>
               </a:ext>
             </a:extLst>
           </p:cNvPr>
@@ -9343,14 +8858,14 @@
         </p:nvSpPr>
         <p:spPr>
           <a:xfrm>
-            <a:off x="11198464" y="4244999"/>
-            <a:ext cx="976042" cy="548799"/>
+            <a:off x="41823" y="3709599"/>
+            <a:ext cx="1197228" cy="847288"/>
           </a:xfrm>
           <a:prstGeom prst="roundRect">
             <a:avLst/>
           </a:prstGeom>
           <a:solidFill>
-            <a:schemeClr val="accent2">
+            <a:schemeClr val="accent3">
               <a:lumMod val="75000"/>
             </a:schemeClr>
           </a:solidFill>
@@ -9378,17 +8893,17 @@
             <a:pPr algn="ctr"/>
             <a:r>
               <a:rPr lang="zh-TW" altLang="en-US" dirty="0"/>
-              <a:t>效能是否達標</a:t>
-            </a:r>
-          </a:p>
-        </p:txBody>
-      </p:sp>
-      <p:sp>
-        <p:nvSpPr>
-          <p:cNvPr id="17" name="矩形: 圓角 16">
-            <a:extLst>
-              <a:ext uri="{FF2B5EF4-FFF2-40B4-BE49-F238E27FC236}">
-                <a16:creationId xmlns:a16="http://schemas.microsoft.com/office/drawing/2014/main" id="{650AE02F-BE96-4EAE-8C94-354B69F9DC26}"/>
+              <a:t>球的位置</a:t>
+            </a:r>
+          </a:p>
+        </p:txBody>
+      </p:sp>
+      <p:sp>
+        <p:nvSpPr>
+          <p:cNvPr id="23" name="矩形: 圓角 22">
+            <a:extLst>
+              <a:ext uri="{FF2B5EF4-FFF2-40B4-BE49-F238E27FC236}">
+                <a16:creationId xmlns:a16="http://schemas.microsoft.com/office/drawing/2014/main" id="{7374B4B3-3CC0-4658-B09F-35C8D3EA532B}"/>
               </a:ext>
             </a:extLst>
           </p:cNvPr>
@@ -9397,14 +8912,14 @@
         </p:nvSpPr>
         <p:spPr>
           <a:xfrm>
-            <a:off x="11223849" y="4969837"/>
-            <a:ext cx="976042" cy="548799"/>
+            <a:off x="1496645" y="3709600"/>
+            <a:ext cx="1203695" cy="847288"/>
           </a:xfrm>
           <a:prstGeom prst="roundRect">
             <a:avLst/>
           </a:prstGeom>
           <a:solidFill>
-            <a:schemeClr val="accent2">
+            <a:schemeClr val="accent3">
               <a:lumMod val="75000"/>
             </a:schemeClr>
           </a:solidFill>
@@ -9432,17 +8947,17 @@
             <a:pPr algn="ctr"/>
             <a:r>
               <a:rPr lang="zh-TW" altLang="en-US" dirty="0"/>
-              <a:t>預測</a:t>
-            </a:r>
-          </a:p>
-        </p:txBody>
-      </p:sp>
-      <p:sp>
-        <p:nvSpPr>
-          <p:cNvPr id="18" name="矩形: 圓角 17">
-            <a:extLst>
-              <a:ext uri="{FF2B5EF4-FFF2-40B4-BE49-F238E27FC236}">
-                <a16:creationId xmlns:a16="http://schemas.microsoft.com/office/drawing/2014/main" id="{E8366BA2-7BF6-4D96-A769-5D6E2EF77040}"/>
+              <a:t>反彈點</a:t>
+            </a:r>
+          </a:p>
+        </p:txBody>
+      </p:sp>
+      <p:sp>
+        <p:nvSpPr>
+          <p:cNvPr id="24" name="矩形: 圓角 23">
+            <a:extLst>
+              <a:ext uri="{FF2B5EF4-FFF2-40B4-BE49-F238E27FC236}">
+                <a16:creationId xmlns:a16="http://schemas.microsoft.com/office/drawing/2014/main" id="{6E1E0E7D-99C8-4493-9B45-CAEEC1BDF915}"/>
               </a:ext>
             </a:extLst>
           </p:cNvPr>
@@ -9451,14 +8966,14 @@
         </p:nvSpPr>
         <p:spPr>
           <a:xfrm>
-            <a:off x="11223849" y="5667880"/>
-            <a:ext cx="976042" cy="548799"/>
+            <a:off x="3020175" y="3723780"/>
+            <a:ext cx="1227072" cy="847288"/>
           </a:xfrm>
           <a:prstGeom prst="roundRect">
             <a:avLst/>
           </a:prstGeom>
           <a:solidFill>
-            <a:schemeClr val="accent2">
+            <a:schemeClr val="accent3">
               <a:lumMod val="75000"/>
             </a:schemeClr>
           </a:solidFill>
@@ -9486,325 +9001,36 @@
             <a:pPr algn="ctr"/>
             <a:r>
               <a:rPr lang="zh-TW" altLang="en-US" dirty="0"/>
-              <a:t>訓練</a:t>
+              <a:t>反彈角度</a:t>
             </a:r>
           </a:p>
         </p:txBody>
       </p:sp>
       <p:cxnSp>
         <p:nvCxnSpPr>
-          <p:cNvPr id="19" name="接點: 肘形 18">
-            <a:extLst>
-              <a:ext uri="{FF2B5EF4-FFF2-40B4-BE49-F238E27FC236}">
-                <a16:creationId xmlns:a16="http://schemas.microsoft.com/office/drawing/2014/main" id="{A205D5BE-5F9B-41C2-95EC-49AF23736841}"/>
+          <p:cNvPr id="26" name="接點: 肘形 25">
+            <a:extLst>
+              <a:ext uri="{FF2B5EF4-FFF2-40B4-BE49-F238E27FC236}">
+                <a16:creationId xmlns:a16="http://schemas.microsoft.com/office/drawing/2014/main" id="{4F215270-FAA2-4A8A-8EDD-A0D8CBB35A39}"/>
               </a:ext>
             </a:extLst>
           </p:cNvPr>
           <p:cNvCxnSpPr>
             <a:cxnSpLocks/>
-            <a:stCxn id="8" idx="2"/>
-            <a:endCxn id="16" idx="1"/>
+            <a:stCxn id="9" idx="2"/>
+            <a:endCxn id="22" idx="0"/>
           </p:cNvCxnSpPr>
           <p:nvPr/>
         </p:nvCxnSpPr>
         <p:spPr>
-          <a:xfrm rot="16200000" flipH="1">
-            <a:off x="10698264" y="4019198"/>
-            <a:ext cx="427495" cy="572906"/>
-          </a:xfrm>
-          <a:prstGeom prst="bentConnector2">
-            <a:avLst/>
-          </a:prstGeom>
-          <a:ln>
-            <a:tailEnd type="triangle"/>
-          </a:ln>
-        </p:spPr>
-        <p:style>
-          <a:lnRef idx="1">
-            <a:schemeClr val="accent2"/>
-          </a:lnRef>
-          <a:fillRef idx="0">
-            <a:schemeClr val="accent2"/>
-          </a:fillRef>
-          <a:effectRef idx="0">
-            <a:schemeClr val="accent2"/>
-          </a:effectRef>
-          <a:fontRef idx="minor">
-            <a:schemeClr val="tx1"/>
-          </a:fontRef>
-        </p:style>
-      </p:cxnSp>
-      <p:cxnSp>
-        <p:nvCxnSpPr>
-          <p:cNvPr id="20" name="接點: 肘形 19">
-            <a:extLst>
-              <a:ext uri="{FF2B5EF4-FFF2-40B4-BE49-F238E27FC236}">
-                <a16:creationId xmlns:a16="http://schemas.microsoft.com/office/drawing/2014/main" id="{7AD95006-865B-4572-801A-FEF9D7A9AA49}"/>
-              </a:ext>
-            </a:extLst>
-          </p:cNvPr>
-          <p:cNvCxnSpPr>
-            <a:cxnSpLocks/>
-            <a:stCxn id="8" idx="2"/>
-            <a:endCxn id="17" idx="1"/>
-          </p:cNvCxnSpPr>
-          <p:nvPr/>
-        </p:nvCxnSpPr>
-        <p:spPr>
-          <a:xfrm rot="16200000" flipH="1">
-            <a:off x="10348537" y="4368924"/>
-            <a:ext cx="1152333" cy="598291"/>
-          </a:xfrm>
-          <a:prstGeom prst="bentConnector2">
-            <a:avLst/>
-          </a:prstGeom>
-          <a:ln>
-            <a:tailEnd type="triangle"/>
-          </a:ln>
-        </p:spPr>
-        <p:style>
-          <a:lnRef idx="1">
-            <a:schemeClr val="accent2"/>
-          </a:lnRef>
-          <a:fillRef idx="0">
-            <a:schemeClr val="accent2"/>
-          </a:fillRef>
-          <a:effectRef idx="0">
-            <a:schemeClr val="accent2"/>
-          </a:effectRef>
-          <a:fontRef idx="minor">
-            <a:schemeClr val="tx1"/>
-          </a:fontRef>
-        </p:style>
-      </p:cxnSp>
-      <p:cxnSp>
-        <p:nvCxnSpPr>
-          <p:cNvPr id="21" name="接點: 肘形 20">
-            <a:extLst>
-              <a:ext uri="{FF2B5EF4-FFF2-40B4-BE49-F238E27FC236}">
-                <a16:creationId xmlns:a16="http://schemas.microsoft.com/office/drawing/2014/main" id="{89ED77AD-DCFF-4CCF-B2B2-F4E971D38536}"/>
-              </a:ext>
-            </a:extLst>
-          </p:cNvPr>
-          <p:cNvCxnSpPr>
-            <a:cxnSpLocks/>
-            <a:stCxn id="8" idx="2"/>
-            <a:endCxn id="18" idx="1"/>
-          </p:cNvCxnSpPr>
-          <p:nvPr/>
-        </p:nvCxnSpPr>
-        <p:spPr>
-          <a:xfrm rot="16200000" flipH="1">
-            <a:off x="9999515" y="4717946"/>
-            <a:ext cx="1850376" cy="598291"/>
-          </a:xfrm>
-          <a:prstGeom prst="bentConnector2">
-            <a:avLst/>
-          </a:prstGeom>
-          <a:ln>
-            <a:tailEnd type="triangle"/>
-          </a:ln>
-        </p:spPr>
-        <p:style>
-          <a:lnRef idx="1">
-            <a:schemeClr val="accent2"/>
-          </a:lnRef>
-          <a:fillRef idx="0">
-            <a:schemeClr val="accent2"/>
-          </a:fillRef>
-          <a:effectRef idx="0">
-            <a:schemeClr val="accent2"/>
-          </a:effectRef>
-          <a:fontRef idx="minor">
-            <a:schemeClr val="tx1"/>
-          </a:fontRef>
-        </p:style>
-      </p:cxnSp>
-      <p:sp>
-        <p:nvSpPr>
-          <p:cNvPr id="22" name="矩形: 圓角 21">
-            <a:extLst>
-              <a:ext uri="{FF2B5EF4-FFF2-40B4-BE49-F238E27FC236}">
-                <a16:creationId xmlns:a16="http://schemas.microsoft.com/office/drawing/2014/main" id="{4E4FBE32-1B39-4B7F-899F-69C57B1FE300}"/>
-              </a:ext>
-            </a:extLst>
-          </p:cNvPr>
-          <p:cNvSpPr/>
-          <p:nvPr/>
-        </p:nvSpPr>
-        <p:spPr>
-          <a:xfrm>
-            <a:off x="41823" y="3709599"/>
-            <a:ext cx="1517062" cy="847288"/>
-          </a:xfrm>
-          <a:prstGeom prst="roundRect">
-            <a:avLst/>
-          </a:prstGeom>
-          <a:solidFill>
-            <a:schemeClr val="accent3">
-              <a:lumMod val="75000"/>
-            </a:schemeClr>
-          </a:solidFill>
-        </p:spPr>
-        <p:style>
-          <a:lnRef idx="2">
-            <a:schemeClr val="accent2">
-              <a:shade val="15000"/>
-            </a:schemeClr>
-          </a:lnRef>
-          <a:fillRef idx="1">
-            <a:schemeClr val="accent2"/>
-          </a:fillRef>
-          <a:effectRef idx="0">
-            <a:schemeClr val="accent2"/>
-          </a:effectRef>
-          <a:fontRef idx="minor">
-            <a:schemeClr val="lt1"/>
-          </a:fontRef>
-        </p:style>
-        <p:txBody>
-          <a:bodyPr rtlCol="0" anchor="ctr"/>
-          <a:lstStyle/>
-          <a:p>
-            <a:pPr algn="ctr"/>
-            <a:r>
-              <a:rPr lang="zh-TW" altLang="en-US" dirty="0"/>
-              <a:t>遊戲進行中</a:t>
-            </a:r>
-          </a:p>
-        </p:txBody>
-      </p:sp>
-      <p:sp>
-        <p:nvSpPr>
-          <p:cNvPr id="23" name="矩形: 圓角 22">
-            <a:extLst>
-              <a:ext uri="{FF2B5EF4-FFF2-40B4-BE49-F238E27FC236}">
-                <a16:creationId xmlns:a16="http://schemas.microsoft.com/office/drawing/2014/main" id="{7374B4B3-3CC0-4658-B09F-35C8D3EA532B}"/>
-              </a:ext>
-            </a:extLst>
-          </p:cNvPr>
-          <p:cNvSpPr/>
-          <p:nvPr/>
-        </p:nvSpPr>
-        <p:spPr>
-          <a:xfrm>
-            <a:off x="12558" y="4649447"/>
-            <a:ext cx="1878482" cy="847288"/>
-          </a:xfrm>
-          <a:prstGeom prst="roundRect">
-            <a:avLst/>
-          </a:prstGeom>
-          <a:solidFill>
-            <a:schemeClr val="accent3">
-              <a:lumMod val="75000"/>
-            </a:schemeClr>
-          </a:solidFill>
-        </p:spPr>
-        <p:style>
-          <a:lnRef idx="2">
-            <a:schemeClr val="accent2">
-              <a:shade val="15000"/>
-            </a:schemeClr>
-          </a:lnRef>
-          <a:fillRef idx="1">
-            <a:schemeClr val="accent2"/>
-          </a:fillRef>
-          <a:effectRef idx="0">
-            <a:schemeClr val="accent2"/>
-          </a:effectRef>
-          <a:fontRef idx="minor">
-            <a:schemeClr val="lt1"/>
-          </a:fontRef>
-        </p:style>
-        <p:txBody>
-          <a:bodyPr rtlCol="0" anchor="ctr"/>
-          <a:lstStyle/>
-          <a:p>
-            <a:pPr algn="ctr"/>
-            <a:r>
-              <a:rPr lang="zh-TW" altLang="en-US" dirty="0"/>
-              <a:t>平台無法接到球</a:t>
-            </a:r>
-          </a:p>
-        </p:txBody>
-      </p:sp>
-      <p:sp>
-        <p:nvSpPr>
-          <p:cNvPr id="24" name="矩形: 圓角 23">
-            <a:extLst>
-              <a:ext uri="{FF2B5EF4-FFF2-40B4-BE49-F238E27FC236}">
-                <a16:creationId xmlns:a16="http://schemas.microsoft.com/office/drawing/2014/main" id="{6E1E0E7D-99C8-4493-9B45-CAEEC1BDF915}"/>
-              </a:ext>
-            </a:extLst>
-          </p:cNvPr>
-          <p:cNvSpPr/>
-          <p:nvPr/>
-        </p:nvSpPr>
-        <p:spPr>
-          <a:xfrm>
-            <a:off x="21661" y="5545502"/>
-            <a:ext cx="2207892" cy="847288"/>
-          </a:xfrm>
-          <a:prstGeom prst="roundRect">
-            <a:avLst/>
-          </a:prstGeom>
-          <a:solidFill>
-            <a:schemeClr val="accent3">
-              <a:lumMod val="75000"/>
-            </a:schemeClr>
-          </a:solidFill>
-        </p:spPr>
-        <p:style>
-          <a:lnRef idx="2">
-            <a:schemeClr val="accent2">
-              <a:shade val="15000"/>
-            </a:schemeClr>
-          </a:lnRef>
-          <a:fillRef idx="1">
-            <a:schemeClr val="accent2"/>
-          </a:fillRef>
-          <a:effectRef idx="0">
-            <a:schemeClr val="accent2"/>
-          </a:effectRef>
-          <a:fontRef idx="minor">
-            <a:schemeClr val="lt1"/>
-          </a:fontRef>
-        </p:style>
-        <p:txBody>
-          <a:bodyPr rtlCol="0" anchor="ctr"/>
-          <a:lstStyle/>
-          <a:p>
-            <a:pPr algn="ctr"/>
-            <a:r>
-              <a:rPr lang="zh-TW" altLang="en-US" dirty="0"/>
-              <a:t>所有磚塊都被破壞</a:t>
-            </a:r>
-          </a:p>
-        </p:txBody>
-      </p:sp>
-      <p:cxnSp>
-        <p:nvCxnSpPr>
-          <p:cNvPr id="26" name="接點: 肘形 25">
-            <a:extLst>
-              <a:ext uri="{FF2B5EF4-FFF2-40B4-BE49-F238E27FC236}">
-                <a16:creationId xmlns:a16="http://schemas.microsoft.com/office/drawing/2014/main" id="{4F215270-FAA2-4A8A-8EDD-A0D8CBB35A39}"/>
-              </a:ext>
-            </a:extLst>
-          </p:cNvPr>
-          <p:cNvCxnSpPr>
-            <a:cxnSpLocks/>
-            <a:stCxn id="9" idx="2"/>
-            <a:endCxn id="22" idx="3"/>
-          </p:cNvCxnSpPr>
-          <p:nvPr/>
-        </p:nvCxnSpPr>
-        <p:spPr>
           <a:xfrm rot="5400000">
-            <a:off x="1721145" y="3273952"/>
-            <a:ext cx="697032" cy="1021551"/>
-          </a:xfrm>
-          <a:prstGeom prst="bentConnector2">
-            <a:avLst/>
+            <a:off x="1148260" y="2759367"/>
+            <a:ext cx="442410" cy="1458055"/>
+          </a:xfrm>
+          <a:prstGeom prst="bentConnector3">
+            <a:avLst>
+              <a:gd name="adj1" fmla="val 50000"/>
+            </a:avLst>
           </a:prstGeom>
           <a:ln>
             <a:tailEnd type="triangle"/>
@@ -9837,17 +9063,19 @@
           <p:cNvCxnSpPr>
             <a:cxnSpLocks/>
             <a:stCxn id="9" idx="2"/>
-            <a:endCxn id="23" idx="3"/>
+            <a:endCxn id="23" idx="0"/>
           </p:cNvCxnSpPr>
           <p:nvPr/>
         </p:nvCxnSpPr>
         <p:spPr>
-          <a:xfrm rot="5400000">
-            <a:off x="1417298" y="3909953"/>
-            <a:ext cx="1636880" cy="689396"/>
-          </a:xfrm>
-          <a:prstGeom prst="bentConnector2">
-            <a:avLst/>
+          <a:xfrm rot="16200000" flipH="1">
+            <a:off x="1877287" y="3488393"/>
+            <a:ext cx="442411" cy="1"/>
+          </a:xfrm>
+          <a:prstGeom prst="bentConnector3">
+            <a:avLst>
+              <a:gd name="adj1" fmla="val 50000"/>
+            </a:avLst>
           </a:prstGeom>
           <a:ln>
             <a:tailEnd type="triangle"/>
@@ -9880,17 +9108,19 @@
           <p:cNvCxnSpPr>
             <a:cxnSpLocks/>
             <a:stCxn id="9" idx="2"/>
-            <a:endCxn id="24" idx="3"/>
+            <a:endCxn id="24" idx="0"/>
           </p:cNvCxnSpPr>
           <p:nvPr/>
         </p:nvCxnSpPr>
         <p:spPr>
-          <a:xfrm rot="5400000">
-            <a:off x="1138528" y="4527237"/>
-            <a:ext cx="2532935" cy="350883"/>
-          </a:xfrm>
-          <a:prstGeom prst="bentConnector2">
-            <a:avLst/>
+          <a:xfrm rot="16200000" flipH="1">
+            <a:off x="2637806" y="2727874"/>
+            <a:ext cx="456591" cy="1535219"/>
+          </a:xfrm>
+          <a:prstGeom prst="bentConnector3">
+            <a:avLst>
+              <a:gd name="adj1" fmla="val 50000"/>
+            </a:avLst>
           </a:prstGeom>
           <a:ln>
             <a:tailEnd type="triangle"/>
@@ -9925,7 +9155,7 @@
         </p:nvSpPr>
         <p:spPr>
           <a:xfrm>
-            <a:off x="3155999" y="3798108"/>
+            <a:off x="8977846" y="3672067"/>
             <a:ext cx="1047943" cy="1010224"/>
           </a:xfrm>
           <a:prstGeom prst="roundRect">
@@ -9968,10 +9198,10 @@
       </p:sp>
       <p:sp>
         <p:nvSpPr>
-          <p:cNvPr id="32" name="矩形: 圓角 31">
-            <a:extLst>
-              <a:ext uri="{FF2B5EF4-FFF2-40B4-BE49-F238E27FC236}">
-                <a16:creationId xmlns:a16="http://schemas.microsoft.com/office/drawing/2014/main" id="{CB60CA02-EB56-443F-87FD-1BED5C5A9B46}"/>
+          <p:cNvPr id="41" name="矩形: 圓角 40">
+            <a:extLst>
+              <a:ext uri="{FF2B5EF4-FFF2-40B4-BE49-F238E27FC236}">
+                <a16:creationId xmlns:a16="http://schemas.microsoft.com/office/drawing/2014/main" id="{8F4C42DC-46DA-46FD-8E90-51C289C4407A}"/>
               </a:ext>
             </a:extLst>
           </p:cNvPr>
@@ -9980,400 +9210,7 @@
         </p:nvSpPr>
         <p:spPr>
           <a:xfrm>
-            <a:off x="6436461" y="4375457"/>
-            <a:ext cx="1466680" cy="723478"/>
-          </a:xfrm>
-          <a:prstGeom prst="roundRect">
-            <a:avLst/>
-          </a:prstGeom>
-        </p:spPr>
-        <p:style>
-          <a:lnRef idx="2">
-            <a:schemeClr val="accent6">
-              <a:shade val="15000"/>
-            </a:schemeClr>
-          </a:lnRef>
-          <a:fillRef idx="1">
-            <a:schemeClr val="accent6"/>
-          </a:fillRef>
-          <a:effectRef idx="0">
-            <a:schemeClr val="accent6"/>
-          </a:effectRef>
-          <a:fontRef idx="minor">
-            <a:schemeClr val="lt1"/>
-          </a:fontRef>
-        </p:style>
-        <p:txBody>
-          <a:bodyPr rtlCol="0" anchor="ctr"/>
-          <a:lstStyle/>
-          <a:p>
-            <a:pPr algn="ctr"/>
-            <a:r>
-              <a:rPr lang="zh-TW" altLang="en-US" dirty="0"/>
-              <a:t>*</a:t>
-            </a:r>
-            <a:r>
-              <a:rPr lang="en-US" altLang="zh-TW" dirty="0"/>
-              <a:t>sav</a:t>
-            </a:r>
-            <a:r>
-              <a:rPr lang="zh-TW" altLang="en-US" dirty="0"/>
-              <a:t>樣本檔</a:t>
-            </a:r>
-          </a:p>
-        </p:txBody>
-      </p:sp>
-      <p:sp>
-        <p:nvSpPr>
-          <p:cNvPr id="33" name="矩形: 圓角 32">
-            <a:extLst>
-              <a:ext uri="{FF2B5EF4-FFF2-40B4-BE49-F238E27FC236}">
-                <a16:creationId xmlns:a16="http://schemas.microsoft.com/office/drawing/2014/main" id="{296024CB-A486-4D36-8DEE-71FD1745673C}"/>
-              </a:ext>
-            </a:extLst>
-          </p:cNvPr>
-          <p:cNvSpPr/>
-          <p:nvPr/>
-        </p:nvSpPr>
-        <p:spPr>
-          <a:xfrm>
-            <a:off x="6455259" y="5572132"/>
-            <a:ext cx="1466680" cy="723478"/>
-          </a:xfrm>
-          <a:prstGeom prst="roundRect">
-            <a:avLst/>
-          </a:prstGeom>
-        </p:spPr>
-        <p:style>
-          <a:lnRef idx="2">
-            <a:schemeClr val="accent6">
-              <a:shade val="15000"/>
-            </a:schemeClr>
-          </a:lnRef>
-          <a:fillRef idx="1">
-            <a:schemeClr val="accent6"/>
-          </a:fillRef>
-          <a:effectRef idx="0">
-            <a:schemeClr val="accent6"/>
-          </a:effectRef>
-          <a:fontRef idx="minor">
-            <a:schemeClr val="lt1"/>
-          </a:fontRef>
-        </p:style>
-        <p:txBody>
-          <a:bodyPr rtlCol="0" anchor="ctr"/>
-          <a:lstStyle/>
-          <a:p>
-            <a:pPr algn="ctr"/>
-            <a:r>
-              <a:rPr lang="zh-TW" altLang="en-US" dirty="0"/>
-              <a:t>存取樣本的</a:t>
-            </a:r>
-            <a:endParaRPr lang="en-US" altLang="zh-TW" dirty="0"/>
-          </a:p>
-          <a:p>
-            <a:pPr algn="ctr"/>
-            <a:r>
-              <a:rPr lang="en-US" altLang="zh-TW" dirty="0"/>
-              <a:t>APZ</a:t>
-            </a:r>
-            <a:endParaRPr lang="zh-TW" altLang="en-US" dirty="0"/>
-          </a:p>
-        </p:txBody>
-      </p:sp>
-      <p:sp>
-        <p:nvSpPr>
-          <p:cNvPr id="34" name="矩形: 圓角 33">
-            <a:extLst>
-              <a:ext uri="{FF2B5EF4-FFF2-40B4-BE49-F238E27FC236}">
-                <a16:creationId xmlns:a16="http://schemas.microsoft.com/office/drawing/2014/main" id="{B347F9D6-5BF7-4F31-8F75-F082EC3C39C4}"/>
-              </a:ext>
-            </a:extLst>
-          </p:cNvPr>
-          <p:cNvSpPr/>
-          <p:nvPr/>
-        </p:nvSpPr>
-        <p:spPr>
-          <a:xfrm>
-            <a:off x="8251146" y="4375457"/>
-            <a:ext cx="1466680" cy="723478"/>
-          </a:xfrm>
-          <a:prstGeom prst="roundRect">
-            <a:avLst/>
-          </a:prstGeom>
-        </p:spPr>
-        <p:style>
-          <a:lnRef idx="2">
-            <a:schemeClr val="accent6">
-              <a:shade val="15000"/>
-            </a:schemeClr>
-          </a:lnRef>
-          <a:fillRef idx="1">
-            <a:schemeClr val="accent6"/>
-          </a:fillRef>
-          <a:effectRef idx="0">
-            <a:schemeClr val="accent6"/>
-          </a:effectRef>
-          <a:fontRef idx="minor">
-            <a:schemeClr val="lt1"/>
-          </a:fontRef>
-        </p:style>
-        <p:txBody>
-          <a:bodyPr rtlCol="0" anchor="ctr"/>
-          <a:lstStyle/>
-          <a:p>
-            <a:pPr algn="ctr"/>
-            <a:r>
-              <a:rPr lang="zh-TW" altLang="en-US" dirty="0"/>
-              <a:t>手動與自動</a:t>
-            </a:r>
-            <a:endParaRPr lang="en-US" altLang="zh-TW" dirty="0"/>
-          </a:p>
-          <a:p>
-            <a:pPr algn="ctr"/>
-            <a:r>
-              <a:rPr lang="zh-TW" altLang="en-US" dirty="0"/>
-              <a:t>遊玩</a:t>
-            </a:r>
-          </a:p>
-        </p:txBody>
-      </p:sp>
-      <p:sp>
-        <p:nvSpPr>
-          <p:cNvPr id="35" name="矩形: 圓角 34">
-            <a:extLst>
-              <a:ext uri="{FF2B5EF4-FFF2-40B4-BE49-F238E27FC236}">
-                <a16:creationId xmlns:a16="http://schemas.microsoft.com/office/drawing/2014/main" id="{945DE729-7845-44A2-B09E-571C93FB0150}"/>
-              </a:ext>
-            </a:extLst>
-          </p:cNvPr>
-          <p:cNvSpPr/>
-          <p:nvPr/>
-        </p:nvSpPr>
-        <p:spPr>
-          <a:xfrm>
-            <a:off x="8255558" y="5578447"/>
-            <a:ext cx="1466680" cy="723478"/>
-          </a:xfrm>
-          <a:prstGeom prst="roundRect">
-            <a:avLst/>
-          </a:prstGeom>
-        </p:spPr>
-        <p:style>
-          <a:lnRef idx="2">
-            <a:schemeClr val="accent6">
-              <a:shade val="15000"/>
-            </a:schemeClr>
-          </a:lnRef>
-          <a:fillRef idx="1">
-            <a:schemeClr val="accent6"/>
-          </a:fillRef>
-          <a:effectRef idx="0">
-            <a:schemeClr val="accent6"/>
-          </a:effectRef>
-          <a:fontRef idx="minor">
-            <a:schemeClr val="lt1"/>
-          </a:fontRef>
-        </p:style>
-        <p:txBody>
-          <a:bodyPr rtlCol="0" anchor="ctr"/>
-          <a:lstStyle/>
-          <a:p>
-            <a:pPr algn="ctr"/>
-            <a:r>
-              <a:rPr lang="zh-TW" altLang="en-US" dirty="0"/>
-              <a:t>訓練、預測</a:t>
-            </a:r>
-          </a:p>
-        </p:txBody>
-      </p:sp>
-      <p:cxnSp>
-        <p:nvCxnSpPr>
-          <p:cNvPr id="36" name="接點: 肘形 35">
-            <a:extLst>
-              <a:ext uri="{FF2B5EF4-FFF2-40B4-BE49-F238E27FC236}">
-                <a16:creationId xmlns:a16="http://schemas.microsoft.com/office/drawing/2014/main" id="{5D5FACB1-8B5B-4FD8-AF29-E1110EEC4FE4}"/>
-              </a:ext>
-            </a:extLst>
-          </p:cNvPr>
-          <p:cNvCxnSpPr>
-            <a:stCxn id="11" idx="2"/>
-            <a:endCxn id="32" idx="0"/>
-          </p:cNvCxnSpPr>
-          <p:nvPr/>
-        </p:nvCxnSpPr>
-        <p:spPr>
-          <a:xfrm rot="5400000">
-            <a:off x="7076247" y="3529765"/>
-            <a:ext cx="939246" cy="752138"/>
-          </a:xfrm>
-          <a:prstGeom prst="bentConnector3">
-            <a:avLst/>
-          </a:prstGeom>
-          <a:ln>
-            <a:tailEnd type="triangle"/>
-          </a:ln>
-        </p:spPr>
-        <p:style>
-          <a:lnRef idx="1">
-            <a:schemeClr val="accent5"/>
-          </a:lnRef>
-          <a:fillRef idx="0">
-            <a:schemeClr val="accent5"/>
-          </a:fillRef>
-          <a:effectRef idx="0">
-            <a:schemeClr val="accent5"/>
-          </a:effectRef>
-          <a:fontRef idx="minor">
-            <a:schemeClr val="tx1"/>
-          </a:fontRef>
-        </p:style>
-      </p:cxnSp>
-      <p:cxnSp>
-        <p:nvCxnSpPr>
-          <p:cNvPr id="37" name="接點: 肘形 36">
-            <a:extLst>
-              <a:ext uri="{FF2B5EF4-FFF2-40B4-BE49-F238E27FC236}">
-                <a16:creationId xmlns:a16="http://schemas.microsoft.com/office/drawing/2014/main" id="{798E3485-EFDA-49C6-A175-9274B52D3217}"/>
-              </a:ext>
-            </a:extLst>
-          </p:cNvPr>
-          <p:cNvCxnSpPr>
-            <a:stCxn id="11" idx="2"/>
-            <a:endCxn id="34" idx="0"/>
-          </p:cNvCxnSpPr>
-          <p:nvPr/>
-        </p:nvCxnSpPr>
-        <p:spPr>
-          <a:xfrm rot="16200000" flipH="1">
-            <a:off x="7983589" y="3374560"/>
-            <a:ext cx="939246" cy="1062547"/>
-          </a:xfrm>
-          <a:prstGeom prst="bentConnector3">
-            <a:avLst/>
-          </a:prstGeom>
-          <a:ln>
-            <a:tailEnd type="triangle"/>
-          </a:ln>
-        </p:spPr>
-        <p:style>
-          <a:lnRef idx="1">
-            <a:schemeClr val="accent5"/>
-          </a:lnRef>
-          <a:fillRef idx="0">
-            <a:schemeClr val="accent5"/>
-          </a:fillRef>
-          <a:effectRef idx="0">
-            <a:schemeClr val="accent5"/>
-          </a:effectRef>
-          <a:fontRef idx="minor">
-            <a:schemeClr val="tx1"/>
-          </a:fontRef>
-        </p:style>
-      </p:cxnSp>
-      <p:cxnSp>
-        <p:nvCxnSpPr>
-          <p:cNvPr id="38" name="接點: 肘形 37">
-            <a:extLst>
-              <a:ext uri="{FF2B5EF4-FFF2-40B4-BE49-F238E27FC236}">
-                <a16:creationId xmlns:a16="http://schemas.microsoft.com/office/drawing/2014/main" id="{9A2A310C-5F60-46B7-B138-16FBC76EDA27}"/>
-              </a:ext>
-            </a:extLst>
-          </p:cNvPr>
-          <p:cNvCxnSpPr>
-            <a:stCxn id="11" idx="2"/>
-            <a:endCxn id="33" idx="0"/>
-          </p:cNvCxnSpPr>
-          <p:nvPr/>
-        </p:nvCxnSpPr>
-        <p:spPr>
-          <a:xfrm rot="5400000">
-            <a:off x="6487309" y="4137501"/>
-            <a:ext cx="2135921" cy="733340"/>
-          </a:xfrm>
-          <a:prstGeom prst="bentConnector3">
-            <a:avLst>
-              <a:gd name="adj1" fmla="val 50000"/>
-            </a:avLst>
-          </a:prstGeom>
-          <a:ln>
-            <a:tailEnd type="triangle"/>
-          </a:ln>
-        </p:spPr>
-        <p:style>
-          <a:lnRef idx="1">
-            <a:schemeClr val="accent5"/>
-          </a:lnRef>
-          <a:fillRef idx="0">
-            <a:schemeClr val="accent5"/>
-          </a:fillRef>
-          <a:effectRef idx="0">
-            <a:schemeClr val="accent5"/>
-          </a:effectRef>
-          <a:fontRef idx="minor">
-            <a:schemeClr val="tx1"/>
-          </a:fontRef>
-        </p:style>
-      </p:cxnSp>
-      <p:cxnSp>
-        <p:nvCxnSpPr>
-          <p:cNvPr id="39" name="接點: 肘形 38">
-            <a:extLst>
-              <a:ext uri="{FF2B5EF4-FFF2-40B4-BE49-F238E27FC236}">
-                <a16:creationId xmlns:a16="http://schemas.microsoft.com/office/drawing/2014/main" id="{AF5B0CA4-0D29-4EED-8EBE-ECF25DC4813B}"/>
-              </a:ext>
-            </a:extLst>
-          </p:cNvPr>
-          <p:cNvCxnSpPr>
-            <a:stCxn id="11" idx="2"/>
-            <a:endCxn id="35" idx="0"/>
-          </p:cNvCxnSpPr>
-          <p:nvPr/>
-        </p:nvCxnSpPr>
-        <p:spPr>
-          <a:xfrm rot="16200000" flipH="1">
-            <a:off x="7384300" y="3973849"/>
-            <a:ext cx="2142236" cy="1066959"/>
-          </a:xfrm>
-          <a:prstGeom prst="bentConnector3">
-            <a:avLst>
-              <a:gd name="adj1" fmla="val 50000"/>
-            </a:avLst>
-          </a:prstGeom>
-          <a:ln>
-            <a:tailEnd type="triangle"/>
-          </a:ln>
-        </p:spPr>
-        <p:style>
-          <a:lnRef idx="1">
-            <a:schemeClr val="accent5"/>
-          </a:lnRef>
-          <a:fillRef idx="0">
-            <a:schemeClr val="accent5"/>
-          </a:fillRef>
-          <a:effectRef idx="0">
-            <a:schemeClr val="accent5"/>
-          </a:effectRef>
-          <a:fontRef idx="minor">
-            <a:schemeClr val="tx1"/>
-          </a:fontRef>
-        </p:style>
-      </p:cxnSp>
-      <p:sp>
-        <p:nvSpPr>
-          <p:cNvPr id="41" name="矩形: 圓角 40">
-            <a:extLst>
-              <a:ext uri="{FF2B5EF4-FFF2-40B4-BE49-F238E27FC236}">
-                <a16:creationId xmlns:a16="http://schemas.microsoft.com/office/drawing/2014/main" id="{8F4C42DC-46DA-46FD-8E90-51C289C4407A}"/>
-              </a:ext>
-            </a:extLst>
-          </p:cNvPr>
-          <p:cNvSpPr/>
-          <p:nvPr/>
-        </p:nvSpPr>
-        <p:spPr>
-          <a:xfrm>
-            <a:off x="5009887" y="3798108"/>
+            <a:off x="10831734" y="3672067"/>
             <a:ext cx="1047943" cy="1010224"/>
           </a:xfrm>
           <a:prstGeom prst="roundRect">
@@ -10428,7 +9265,7 @@
         </p:nvSpPr>
         <p:spPr>
           <a:xfrm>
-            <a:off x="3155999" y="5382566"/>
+            <a:off x="8977846" y="5256525"/>
             <a:ext cx="1047943" cy="1010224"/>
           </a:xfrm>
           <a:prstGeom prst="roundRect">
@@ -10483,7 +9320,7 @@
         </p:nvSpPr>
         <p:spPr>
           <a:xfrm>
-            <a:off x="5059403" y="5381347"/>
+            <a:off x="10881250" y="5255306"/>
             <a:ext cx="1047943" cy="1010224"/>
           </a:xfrm>
           <a:prstGeom prst="roundRect">
@@ -10542,7 +9379,7 @@
         </p:nvCxnSpPr>
         <p:spPr>
           <a:xfrm rot="5400000">
-            <a:off x="4018498" y="3612087"/>
+            <a:off x="9840345" y="3486046"/>
             <a:ext cx="876578" cy="505689"/>
           </a:xfrm>
           <a:prstGeom prst="bentConnector2">
@@ -10585,7 +9422,7 @@
         </p:nvCxnSpPr>
         <p:spPr>
           <a:xfrm rot="16200000" flipH="1">
-            <a:off x="4421470" y="3714803"/>
+            <a:off x="10243317" y="3588762"/>
             <a:ext cx="876578" cy="300256"/>
           </a:xfrm>
           <a:prstGeom prst="bentConnector2">
@@ -10628,7 +9465,7 @@
         </p:nvCxnSpPr>
         <p:spPr>
           <a:xfrm rot="5400000">
-            <a:off x="3226269" y="4404316"/>
+            <a:off x="9048116" y="4278275"/>
             <a:ext cx="2461036" cy="505689"/>
           </a:xfrm>
           <a:prstGeom prst="bentConnector2">
@@ -10671,13 +9508,1028 @@
         </p:nvCxnSpPr>
         <p:spPr>
           <a:xfrm rot="16200000" flipH="1">
-            <a:off x="3654609" y="4481664"/>
+            <a:off x="9476456" y="4355623"/>
             <a:ext cx="2459817" cy="349772"/>
           </a:xfrm>
           <a:prstGeom prst="bentConnector2">
             <a:avLst/>
           </a:prstGeom>
           <a:ln>
+            <a:tailEnd type="triangle"/>
+          </a:ln>
+        </p:spPr>
+        <p:style>
+          <a:lnRef idx="1">
+            <a:schemeClr val="accent1"/>
+          </a:lnRef>
+          <a:fillRef idx="0">
+            <a:schemeClr val="accent1"/>
+          </a:fillRef>
+          <a:effectRef idx="0">
+            <a:schemeClr val="accent1"/>
+          </a:effectRef>
+          <a:fontRef idx="minor">
+            <a:schemeClr val="tx1"/>
+          </a:fontRef>
+        </p:style>
+      </p:cxnSp>
+      <p:sp>
+        <p:nvSpPr>
+          <p:cNvPr id="68" name="矩形: 圓角 67">
+            <a:extLst>
+              <a:ext uri="{FF2B5EF4-FFF2-40B4-BE49-F238E27FC236}">
+                <a16:creationId xmlns:a16="http://schemas.microsoft.com/office/drawing/2014/main" id="{148E7455-3CDC-93B5-15A2-B59175D963B6}"/>
+              </a:ext>
+            </a:extLst>
+          </p:cNvPr>
+          <p:cNvSpPr/>
+          <p:nvPr/>
+        </p:nvSpPr>
+        <p:spPr>
+          <a:xfrm>
+            <a:off x="262283" y="5080555"/>
+            <a:ext cx="1203695" cy="847288"/>
+          </a:xfrm>
+          <a:prstGeom prst="roundRect">
+            <a:avLst/>
+          </a:prstGeom>
+          <a:solidFill>
+            <a:schemeClr val="accent3">
+              <a:lumMod val="60000"/>
+              <a:lumOff val="40000"/>
+            </a:schemeClr>
+          </a:solidFill>
+        </p:spPr>
+        <p:style>
+          <a:lnRef idx="2">
+            <a:schemeClr val="accent2">
+              <a:shade val="15000"/>
+            </a:schemeClr>
+          </a:lnRef>
+          <a:fillRef idx="1">
+            <a:schemeClr val="accent2"/>
+          </a:fillRef>
+          <a:effectRef idx="0">
+            <a:schemeClr val="accent2"/>
+          </a:effectRef>
+          <a:fontRef idx="minor">
+            <a:schemeClr val="lt1"/>
+          </a:fontRef>
+        </p:style>
+        <p:txBody>
+          <a:bodyPr rtlCol="0" anchor="ctr"/>
+          <a:lstStyle/>
+          <a:p>
+            <a:pPr algn="ctr"/>
+            <a:r>
+              <a:rPr lang="zh-TW" altLang="en-US" dirty="0"/>
+              <a:t>畫面邊緣</a:t>
+            </a:r>
+          </a:p>
+        </p:txBody>
+      </p:sp>
+      <p:sp>
+        <p:nvSpPr>
+          <p:cNvPr id="69" name="矩形: 圓角 68">
+            <a:extLst>
+              <a:ext uri="{FF2B5EF4-FFF2-40B4-BE49-F238E27FC236}">
+                <a16:creationId xmlns:a16="http://schemas.microsoft.com/office/drawing/2014/main" id="{898F4D29-58E7-C437-DDED-EA4DB33191F0}"/>
+              </a:ext>
+            </a:extLst>
+          </p:cNvPr>
+          <p:cNvSpPr/>
+          <p:nvPr/>
+        </p:nvSpPr>
+        <p:spPr>
+          <a:xfrm>
+            <a:off x="1675882" y="5080555"/>
+            <a:ext cx="845220" cy="847288"/>
+          </a:xfrm>
+          <a:prstGeom prst="roundRect">
+            <a:avLst/>
+          </a:prstGeom>
+          <a:solidFill>
+            <a:schemeClr val="accent3">
+              <a:lumMod val="60000"/>
+              <a:lumOff val="40000"/>
+            </a:schemeClr>
+          </a:solidFill>
+        </p:spPr>
+        <p:style>
+          <a:lnRef idx="2">
+            <a:schemeClr val="accent2">
+              <a:shade val="15000"/>
+            </a:schemeClr>
+          </a:lnRef>
+          <a:fillRef idx="1">
+            <a:schemeClr val="accent2"/>
+          </a:fillRef>
+          <a:effectRef idx="0">
+            <a:schemeClr val="accent2"/>
+          </a:effectRef>
+          <a:fontRef idx="minor">
+            <a:schemeClr val="lt1"/>
+          </a:fontRef>
+        </p:style>
+        <p:txBody>
+          <a:bodyPr rtlCol="0" anchor="ctr"/>
+          <a:lstStyle/>
+          <a:p>
+            <a:pPr algn="ctr"/>
+            <a:r>
+              <a:rPr lang="zh-TW" altLang="en-US" dirty="0"/>
+              <a:t>磚塊</a:t>
+            </a:r>
+          </a:p>
+        </p:txBody>
+      </p:sp>
+      <p:sp>
+        <p:nvSpPr>
+          <p:cNvPr id="70" name="矩形: 圓角 69">
+            <a:extLst>
+              <a:ext uri="{FF2B5EF4-FFF2-40B4-BE49-F238E27FC236}">
+                <a16:creationId xmlns:a16="http://schemas.microsoft.com/office/drawing/2014/main" id="{579825E2-3A56-6DBF-41E6-6A3D49B71E9E}"/>
+              </a:ext>
+            </a:extLst>
+          </p:cNvPr>
+          <p:cNvSpPr/>
+          <p:nvPr/>
+        </p:nvSpPr>
+        <p:spPr>
+          <a:xfrm>
+            <a:off x="2731006" y="5080555"/>
+            <a:ext cx="845220" cy="847288"/>
+          </a:xfrm>
+          <a:prstGeom prst="roundRect">
+            <a:avLst/>
+          </a:prstGeom>
+          <a:solidFill>
+            <a:schemeClr val="accent3">
+              <a:lumMod val="60000"/>
+              <a:lumOff val="40000"/>
+            </a:schemeClr>
+          </a:solidFill>
+        </p:spPr>
+        <p:style>
+          <a:lnRef idx="2">
+            <a:schemeClr val="accent2">
+              <a:shade val="15000"/>
+            </a:schemeClr>
+          </a:lnRef>
+          <a:fillRef idx="1">
+            <a:schemeClr val="accent2"/>
+          </a:fillRef>
+          <a:effectRef idx="0">
+            <a:schemeClr val="accent2"/>
+          </a:effectRef>
+          <a:fontRef idx="minor">
+            <a:schemeClr val="lt1"/>
+          </a:fontRef>
+        </p:style>
+        <p:txBody>
+          <a:bodyPr rtlCol="0" anchor="ctr"/>
+          <a:lstStyle/>
+          <a:p>
+            <a:pPr algn="ctr"/>
+            <a:r>
+              <a:rPr lang="zh-TW" altLang="en-US" dirty="0"/>
+              <a:t>球拍</a:t>
+            </a:r>
+          </a:p>
+        </p:txBody>
+      </p:sp>
+      <p:cxnSp>
+        <p:nvCxnSpPr>
+          <p:cNvPr id="72" name="接點: 肘形 71">
+            <a:extLst>
+              <a:ext uri="{FF2B5EF4-FFF2-40B4-BE49-F238E27FC236}">
+                <a16:creationId xmlns:a16="http://schemas.microsoft.com/office/drawing/2014/main" id="{AE940EA7-F669-4F0E-D24E-0F67E2E9E8E8}"/>
+              </a:ext>
+            </a:extLst>
+          </p:cNvPr>
+          <p:cNvCxnSpPr>
+            <a:cxnSpLocks/>
+            <a:stCxn id="23" idx="2"/>
+            <a:endCxn id="70" idx="0"/>
+          </p:cNvCxnSpPr>
+          <p:nvPr/>
+        </p:nvCxnSpPr>
+        <p:spPr>
+          <a:xfrm rot="16200000" flipH="1">
+            <a:off x="2364221" y="4291159"/>
+            <a:ext cx="523667" cy="1055123"/>
+          </a:xfrm>
+          <a:prstGeom prst="bentConnector3">
+            <a:avLst/>
+          </a:prstGeom>
+          <a:ln>
+            <a:solidFill>
+              <a:schemeClr val="accent3">
+                <a:lumMod val="75000"/>
+              </a:schemeClr>
+            </a:solidFill>
+            <a:tailEnd type="triangle"/>
+          </a:ln>
+        </p:spPr>
+        <p:style>
+          <a:lnRef idx="1">
+            <a:schemeClr val="accent1"/>
+          </a:lnRef>
+          <a:fillRef idx="0">
+            <a:schemeClr val="accent1"/>
+          </a:fillRef>
+          <a:effectRef idx="0">
+            <a:schemeClr val="accent1"/>
+          </a:effectRef>
+          <a:fontRef idx="minor">
+            <a:schemeClr val="tx1"/>
+          </a:fontRef>
+        </p:style>
+      </p:cxnSp>
+      <p:cxnSp>
+        <p:nvCxnSpPr>
+          <p:cNvPr id="74" name="接點: 肘形 73">
+            <a:extLst>
+              <a:ext uri="{FF2B5EF4-FFF2-40B4-BE49-F238E27FC236}">
+                <a16:creationId xmlns:a16="http://schemas.microsoft.com/office/drawing/2014/main" id="{323B4342-81D1-D5E9-EB8A-078A0D1E4935}"/>
+              </a:ext>
+            </a:extLst>
+          </p:cNvPr>
+          <p:cNvCxnSpPr>
+            <a:cxnSpLocks/>
+            <a:stCxn id="23" idx="2"/>
+            <a:endCxn id="69" idx="0"/>
+          </p:cNvCxnSpPr>
+          <p:nvPr/>
+        </p:nvCxnSpPr>
+        <p:spPr>
+          <a:xfrm rot="5400000">
+            <a:off x="1836660" y="4818721"/>
+            <a:ext cx="523667" cy="1"/>
+          </a:xfrm>
+          <a:prstGeom prst="bentConnector3">
+            <a:avLst/>
+          </a:prstGeom>
+          <a:ln>
+            <a:solidFill>
+              <a:schemeClr val="accent3">
+                <a:lumMod val="75000"/>
+              </a:schemeClr>
+            </a:solidFill>
+            <a:tailEnd type="triangle"/>
+          </a:ln>
+        </p:spPr>
+        <p:style>
+          <a:lnRef idx="1">
+            <a:schemeClr val="accent1"/>
+          </a:lnRef>
+          <a:fillRef idx="0">
+            <a:schemeClr val="accent1"/>
+          </a:fillRef>
+          <a:effectRef idx="0">
+            <a:schemeClr val="accent1"/>
+          </a:effectRef>
+          <a:fontRef idx="minor">
+            <a:schemeClr val="tx1"/>
+          </a:fontRef>
+        </p:style>
+      </p:cxnSp>
+      <p:cxnSp>
+        <p:nvCxnSpPr>
+          <p:cNvPr id="82" name="接點: 肘形 81">
+            <a:extLst>
+              <a:ext uri="{FF2B5EF4-FFF2-40B4-BE49-F238E27FC236}">
+                <a16:creationId xmlns:a16="http://schemas.microsoft.com/office/drawing/2014/main" id="{F5EC5071-9617-EB3B-55F1-DD57DBC91F84}"/>
+              </a:ext>
+            </a:extLst>
+          </p:cNvPr>
+          <p:cNvCxnSpPr>
+            <a:cxnSpLocks/>
+            <a:stCxn id="23" idx="2"/>
+            <a:endCxn id="68" idx="0"/>
+          </p:cNvCxnSpPr>
+          <p:nvPr/>
+        </p:nvCxnSpPr>
+        <p:spPr>
+          <a:xfrm rot="5400000">
+            <a:off x="1219479" y="4201540"/>
+            <a:ext cx="523667" cy="1234362"/>
+          </a:xfrm>
+          <a:prstGeom prst="bentConnector3">
+            <a:avLst/>
+          </a:prstGeom>
+          <a:ln>
+            <a:solidFill>
+              <a:schemeClr val="accent3">
+                <a:lumMod val="75000"/>
+              </a:schemeClr>
+            </a:solidFill>
+            <a:tailEnd type="triangle"/>
+          </a:ln>
+        </p:spPr>
+        <p:style>
+          <a:lnRef idx="1">
+            <a:schemeClr val="accent1"/>
+          </a:lnRef>
+          <a:fillRef idx="0">
+            <a:schemeClr val="accent1"/>
+          </a:fillRef>
+          <a:effectRef idx="0">
+            <a:schemeClr val="accent1"/>
+          </a:effectRef>
+          <a:fontRef idx="minor">
+            <a:schemeClr val="tx1"/>
+          </a:fontRef>
+        </p:style>
+      </p:cxnSp>
+      <p:sp>
+        <p:nvSpPr>
+          <p:cNvPr id="99" name="矩形: 圓角 98">
+            <a:extLst>
+              <a:ext uri="{FF2B5EF4-FFF2-40B4-BE49-F238E27FC236}">
+                <a16:creationId xmlns:a16="http://schemas.microsoft.com/office/drawing/2014/main" id="{CD8B225A-D360-8FE3-B38A-25D2FADB24AF}"/>
+              </a:ext>
+            </a:extLst>
+          </p:cNvPr>
+          <p:cNvSpPr/>
+          <p:nvPr/>
+        </p:nvSpPr>
+        <p:spPr>
+          <a:xfrm>
+            <a:off x="5479992" y="2296582"/>
+            <a:ext cx="1325612" cy="847288"/>
+          </a:xfrm>
+          <a:prstGeom prst="roundRect">
+            <a:avLst/>
+          </a:prstGeom>
+        </p:spPr>
+        <p:style>
+          <a:lnRef idx="2">
+            <a:schemeClr val="accent2">
+              <a:shade val="15000"/>
+            </a:schemeClr>
+          </a:lnRef>
+          <a:fillRef idx="1">
+            <a:schemeClr val="accent2"/>
+          </a:fillRef>
+          <a:effectRef idx="0">
+            <a:schemeClr val="accent2"/>
+          </a:effectRef>
+          <a:fontRef idx="minor">
+            <a:schemeClr val="lt1"/>
+          </a:fontRef>
+        </p:style>
+        <p:txBody>
+          <a:bodyPr rtlCol="0" anchor="ctr"/>
+          <a:lstStyle/>
+          <a:p>
+            <a:pPr algn="ctr"/>
+            <a:r>
+              <a:rPr lang="zh-TW" altLang="en-US" dirty="0"/>
+              <a:t>獎懲機制</a:t>
+            </a:r>
+          </a:p>
+        </p:txBody>
+      </p:sp>
+      <p:sp>
+        <p:nvSpPr>
+          <p:cNvPr id="137" name="矩形: 圓角 136">
+            <a:extLst>
+              <a:ext uri="{FF2B5EF4-FFF2-40B4-BE49-F238E27FC236}">
+                <a16:creationId xmlns:a16="http://schemas.microsoft.com/office/drawing/2014/main" id="{28F7AC8A-91B2-96B0-447D-68E0A52F334F}"/>
+              </a:ext>
+            </a:extLst>
+          </p:cNvPr>
+          <p:cNvSpPr/>
+          <p:nvPr/>
+        </p:nvSpPr>
+        <p:spPr>
+          <a:xfrm>
+            <a:off x="6364238" y="3709598"/>
+            <a:ext cx="1325612" cy="861469"/>
+          </a:xfrm>
+          <a:prstGeom prst="roundRect">
+            <a:avLst/>
+          </a:prstGeom>
+          <a:solidFill>
+            <a:schemeClr val="accent2">
+              <a:lumMod val="75000"/>
+            </a:schemeClr>
+          </a:solidFill>
+        </p:spPr>
+        <p:style>
+          <a:lnRef idx="2">
+            <a:schemeClr val="accent2">
+              <a:shade val="15000"/>
+            </a:schemeClr>
+          </a:lnRef>
+          <a:fillRef idx="1">
+            <a:schemeClr val="accent2"/>
+          </a:fillRef>
+          <a:effectRef idx="0">
+            <a:schemeClr val="accent2"/>
+          </a:effectRef>
+          <a:fontRef idx="minor">
+            <a:schemeClr val="lt1"/>
+          </a:fontRef>
+        </p:style>
+        <p:txBody>
+          <a:bodyPr rtlCol="0" anchor="ctr"/>
+          <a:lstStyle/>
+          <a:p>
+            <a:pPr algn="ctr"/>
+            <a:r>
+              <a:rPr lang="zh-TW" altLang="en-US" dirty="0"/>
+              <a:t>減分</a:t>
+            </a:r>
+          </a:p>
+        </p:txBody>
+      </p:sp>
+      <p:sp>
+        <p:nvSpPr>
+          <p:cNvPr id="138" name="矩形: 圓角 137">
+            <a:extLst>
+              <a:ext uri="{FF2B5EF4-FFF2-40B4-BE49-F238E27FC236}">
+                <a16:creationId xmlns:a16="http://schemas.microsoft.com/office/drawing/2014/main" id="{EC562DF0-9C3D-E01E-31E7-3DDADAFCD8C3}"/>
+              </a:ext>
+            </a:extLst>
+          </p:cNvPr>
+          <p:cNvSpPr/>
+          <p:nvPr/>
+        </p:nvSpPr>
+        <p:spPr>
+          <a:xfrm>
+            <a:off x="4656250" y="3709599"/>
+            <a:ext cx="1325612" cy="847288"/>
+          </a:xfrm>
+          <a:prstGeom prst="roundRect">
+            <a:avLst/>
+          </a:prstGeom>
+          <a:solidFill>
+            <a:schemeClr val="accent2">
+              <a:lumMod val="75000"/>
+            </a:schemeClr>
+          </a:solidFill>
+        </p:spPr>
+        <p:style>
+          <a:lnRef idx="2">
+            <a:schemeClr val="accent2">
+              <a:shade val="15000"/>
+            </a:schemeClr>
+          </a:lnRef>
+          <a:fillRef idx="1">
+            <a:schemeClr val="accent2"/>
+          </a:fillRef>
+          <a:effectRef idx="0">
+            <a:schemeClr val="accent2"/>
+          </a:effectRef>
+          <a:fontRef idx="minor">
+            <a:schemeClr val="lt1"/>
+          </a:fontRef>
+        </p:style>
+        <p:txBody>
+          <a:bodyPr rtlCol="0" anchor="ctr"/>
+          <a:lstStyle/>
+          <a:p>
+            <a:pPr algn="ctr"/>
+            <a:r>
+              <a:rPr lang="zh-TW" altLang="en-US" dirty="0"/>
+              <a:t>加分</a:t>
+            </a:r>
+          </a:p>
+        </p:txBody>
+      </p:sp>
+      <p:sp>
+        <p:nvSpPr>
+          <p:cNvPr id="139" name="矩形: 圓角 138">
+            <a:extLst>
+              <a:ext uri="{FF2B5EF4-FFF2-40B4-BE49-F238E27FC236}">
+                <a16:creationId xmlns:a16="http://schemas.microsoft.com/office/drawing/2014/main" id="{2A86A9E8-1797-DFF1-F5B2-A38729E431F0}"/>
+              </a:ext>
+            </a:extLst>
+          </p:cNvPr>
+          <p:cNvSpPr/>
+          <p:nvPr/>
+        </p:nvSpPr>
+        <p:spPr>
+          <a:xfrm>
+            <a:off x="7367719" y="4669099"/>
+            <a:ext cx="969663" cy="847288"/>
+          </a:xfrm>
+          <a:prstGeom prst="roundRect">
+            <a:avLst/>
+          </a:prstGeom>
+          <a:solidFill>
+            <a:schemeClr val="accent2">
+              <a:lumMod val="60000"/>
+              <a:lumOff val="40000"/>
+            </a:schemeClr>
+          </a:solidFill>
+        </p:spPr>
+        <p:style>
+          <a:lnRef idx="2">
+            <a:schemeClr val="accent2">
+              <a:shade val="15000"/>
+            </a:schemeClr>
+          </a:lnRef>
+          <a:fillRef idx="1">
+            <a:schemeClr val="accent2"/>
+          </a:fillRef>
+          <a:effectRef idx="0">
+            <a:schemeClr val="accent2"/>
+          </a:effectRef>
+          <a:fontRef idx="minor">
+            <a:schemeClr val="lt1"/>
+          </a:fontRef>
+        </p:style>
+        <p:txBody>
+          <a:bodyPr rtlCol="0" anchor="ctr"/>
+          <a:lstStyle/>
+          <a:p>
+            <a:pPr algn="ctr"/>
+            <a:r>
+              <a:rPr lang="en-US" altLang="zh-TW" dirty="0"/>
+              <a:t>Game</a:t>
+            </a:r>
+          </a:p>
+          <a:p>
+            <a:pPr algn="ctr"/>
+            <a:r>
+              <a:rPr lang="en-US" altLang="zh-TW" dirty="0"/>
+              <a:t>over</a:t>
+            </a:r>
+            <a:endParaRPr lang="zh-TW" altLang="en-US" dirty="0"/>
+          </a:p>
+        </p:txBody>
+      </p:sp>
+      <p:sp>
+        <p:nvSpPr>
+          <p:cNvPr id="140" name="矩形: 圓角 139">
+            <a:extLst>
+              <a:ext uri="{FF2B5EF4-FFF2-40B4-BE49-F238E27FC236}">
+                <a16:creationId xmlns:a16="http://schemas.microsoft.com/office/drawing/2014/main" id="{A96B7CFB-F864-3AAB-2D8C-6650C2071F8E}"/>
+              </a:ext>
+            </a:extLst>
+          </p:cNvPr>
+          <p:cNvSpPr/>
+          <p:nvPr/>
+        </p:nvSpPr>
+        <p:spPr>
+          <a:xfrm>
+            <a:off x="4077324" y="4885040"/>
+            <a:ext cx="1047943" cy="603075"/>
+          </a:xfrm>
+          <a:prstGeom prst="roundRect">
+            <a:avLst/>
+          </a:prstGeom>
+          <a:solidFill>
+            <a:schemeClr val="accent2">
+              <a:lumMod val="60000"/>
+              <a:lumOff val="40000"/>
+            </a:schemeClr>
+          </a:solidFill>
+        </p:spPr>
+        <p:style>
+          <a:lnRef idx="2">
+            <a:schemeClr val="accent2">
+              <a:shade val="15000"/>
+            </a:schemeClr>
+          </a:lnRef>
+          <a:fillRef idx="1">
+            <a:schemeClr val="accent2"/>
+          </a:fillRef>
+          <a:effectRef idx="0">
+            <a:schemeClr val="accent2"/>
+          </a:effectRef>
+          <a:fontRef idx="minor">
+            <a:schemeClr val="lt1"/>
+          </a:fontRef>
+        </p:style>
+        <p:txBody>
+          <a:bodyPr rtlCol="0" anchor="ctr"/>
+          <a:lstStyle/>
+          <a:p>
+            <a:pPr algn="ctr"/>
+            <a:r>
+              <a:rPr lang="en-US" altLang="zh-TW" dirty="0"/>
+              <a:t>Clear</a:t>
+            </a:r>
+            <a:endParaRPr lang="zh-TW" altLang="en-US" dirty="0"/>
+          </a:p>
+        </p:txBody>
+      </p:sp>
+      <p:sp>
+        <p:nvSpPr>
+          <p:cNvPr id="141" name="矩形: 圓角 140">
+            <a:extLst>
+              <a:ext uri="{FF2B5EF4-FFF2-40B4-BE49-F238E27FC236}">
+                <a16:creationId xmlns:a16="http://schemas.microsoft.com/office/drawing/2014/main" id="{CCB5EF28-7257-78A3-2F09-8E19D5E34371}"/>
+              </a:ext>
+            </a:extLst>
+          </p:cNvPr>
+          <p:cNvSpPr/>
+          <p:nvPr/>
+        </p:nvSpPr>
+        <p:spPr>
+          <a:xfrm>
+            <a:off x="4071170" y="5698111"/>
+            <a:ext cx="1047943" cy="672140"/>
+          </a:xfrm>
+          <a:prstGeom prst="roundRect">
+            <a:avLst/>
+          </a:prstGeom>
+          <a:solidFill>
+            <a:schemeClr val="accent2">
+              <a:lumMod val="60000"/>
+              <a:lumOff val="40000"/>
+            </a:schemeClr>
+          </a:solidFill>
+        </p:spPr>
+        <p:style>
+          <a:lnRef idx="2">
+            <a:schemeClr val="accent2">
+              <a:shade val="15000"/>
+            </a:schemeClr>
+          </a:lnRef>
+          <a:fillRef idx="1">
+            <a:schemeClr val="accent2"/>
+          </a:fillRef>
+          <a:effectRef idx="0">
+            <a:schemeClr val="accent2"/>
+          </a:effectRef>
+          <a:fontRef idx="minor">
+            <a:schemeClr val="lt1"/>
+          </a:fontRef>
+        </p:style>
+        <p:txBody>
+          <a:bodyPr rtlCol="0" anchor="ctr"/>
+          <a:lstStyle/>
+          <a:p>
+            <a:pPr algn="ctr"/>
+            <a:r>
+              <a:rPr lang="zh-TW" altLang="en-US" dirty="0"/>
+              <a:t>接到球</a:t>
+            </a:r>
+          </a:p>
+        </p:txBody>
+      </p:sp>
+      <p:sp>
+        <p:nvSpPr>
+          <p:cNvPr id="142" name="矩形: 圓角 141">
+            <a:extLst>
+              <a:ext uri="{FF2B5EF4-FFF2-40B4-BE49-F238E27FC236}">
+                <a16:creationId xmlns:a16="http://schemas.microsoft.com/office/drawing/2014/main" id="{D8F51EBB-699F-BB93-7414-F310B91668BE}"/>
+              </a:ext>
+            </a:extLst>
+          </p:cNvPr>
+          <p:cNvSpPr/>
+          <p:nvPr/>
+        </p:nvSpPr>
+        <p:spPr>
+          <a:xfrm>
+            <a:off x="7272733" y="5704014"/>
+            <a:ext cx="1169205" cy="672141"/>
+          </a:xfrm>
+          <a:prstGeom prst="roundRect">
+            <a:avLst/>
+          </a:prstGeom>
+          <a:solidFill>
+            <a:schemeClr val="accent2">
+              <a:lumMod val="60000"/>
+              <a:lumOff val="40000"/>
+            </a:schemeClr>
+          </a:solidFill>
+        </p:spPr>
+        <p:style>
+          <a:lnRef idx="2">
+            <a:schemeClr val="accent2">
+              <a:shade val="15000"/>
+            </a:schemeClr>
+          </a:lnRef>
+          <a:fillRef idx="1">
+            <a:schemeClr val="accent2"/>
+          </a:fillRef>
+          <a:effectRef idx="0">
+            <a:schemeClr val="accent2"/>
+          </a:effectRef>
+          <a:fontRef idx="minor">
+            <a:schemeClr val="lt1"/>
+          </a:fontRef>
+        </p:style>
+        <p:txBody>
+          <a:bodyPr rtlCol="0" anchor="ctr"/>
+          <a:lstStyle/>
+          <a:p>
+            <a:pPr algn="ctr"/>
+            <a:r>
+              <a:rPr lang="zh-TW" altLang="en-US" dirty="0"/>
+              <a:t>消除磚塊</a:t>
+            </a:r>
+          </a:p>
+        </p:txBody>
+      </p:sp>
+      <p:cxnSp>
+        <p:nvCxnSpPr>
+          <p:cNvPr id="144" name="接點: 肘形 143">
+            <a:extLst>
+              <a:ext uri="{FF2B5EF4-FFF2-40B4-BE49-F238E27FC236}">
+                <a16:creationId xmlns:a16="http://schemas.microsoft.com/office/drawing/2014/main" id="{22C5C248-3E37-5F4E-CF56-777D045488A5}"/>
+              </a:ext>
+            </a:extLst>
+          </p:cNvPr>
+          <p:cNvCxnSpPr>
+            <a:cxnSpLocks/>
+            <a:stCxn id="99" idx="2"/>
+            <a:endCxn id="138" idx="0"/>
+          </p:cNvCxnSpPr>
+          <p:nvPr/>
+        </p:nvCxnSpPr>
+        <p:spPr>
+          <a:xfrm rot="5400000">
+            <a:off x="5448063" y="3014863"/>
+            <a:ext cx="565729" cy="823742"/>
+          </a:xfrm>
+          <a:prstGeom prst="bentConnector3">
+            <a:avLst/>
+          </a:prstGeom>
+          <a:ln>
+            <a:tailEnd type="triangle"/>
+          </a:ln>
+        </p:spPr>
+        <p:style>
+          <a:lnRef idx="1">
+            <a:schemeClr val="accent2"/>
+          </a:lnRef>
+          <a:fillRef idx="0">
+            <a:schemeClr val="accent2"/>
+          </a:fillRef>
+          <a:effectRef idx="0">
+            <a:schemeClr val="accent2"/>
+          </a:effectRef>
+          <a:fontRef idx="minor">
+            <a:schemeClr val="tx1"/>
+          </a:fontRef>
+        </p:style>
+      </p:cxnSp>
+      <p:cxnSp>
+        <p:nvCxnSpPr>
+          <p:cNvPr id="146" name="接點: 肘形 145">
+            <a:extLst>
+              <a:ext uri="{FF2B5EF4-FFF2-40B4-BE49-F238E27FC236}">
+                <a16:creationId xmlns:a16="http://schemas.microsoft.com/office/drawing/2014/main" id="{51171426-2776-206D-D2D2-27C3E3BE8F9C}"/>
+              </a:ext>
+            </a:extLst>
+          </p:cNvPr>
+          <p:cNvCxnSpPr>
+            <a:cxnSpLocks/>
+            <a:stCxn id="99" idx="2"/>
+            <a:endCxn id="137" idx="0"/>
+          </p:cNvCxnSpPr>
+          <p:nvPr/>
+        </p:nvCxnSpPr>
+        <p:spPr>
+          <a:xfrm rot="16200000" flipH="1">
+            <a:off x="6302057" y="2984611"/>
+            <a:ext cx="565728" cy="884246"/>
+          </a:xfrm>
+          <a:prstGeom prst="bentConnector3">
+            <a:avLst/>
+          </a:prstGeom>
+          <a:ln>
+            <a:tailEnd type="triangle"/>
+          </a:ln>
+        </p:spPr>
+        <p:style>
+          <a:lnRef idx="1">
+            <a:schemeClr val="accent2"/>
+          </a:lnRef>
+          <a:fillRef idx="0">
+            <a:schemeClr val="accent2"/>
+          </a:fillRef>
+          <a:effectRef idx="0">
+            <a:schemeClr val="accent2"/>
+          </a:effectRef>
+          <a:fontRef idx="minor">
+            <a:schemeClr val="tx1"/>
+          </a:fontRef>
+        </p:style>
+      </p:cxnSp>
+      <p:cxnSp>
+        <p:nvCxnSpPr>
+          <p:cNvPr id="148" name="接點: 肘形 147">
+            <a:extLst>
+              <a:ext uri="{FF2B5EF4-FFF2-40B4-BE49-F238E27FC236}">
+                <a16:creationId xmlns:a16="http://schemas.microsoft.com/office/drawing/2014/main" id="{81AACD0F-1743-2085-18BE-417D5A7AE26E}"/>
+              </a:ext>
+            </a:extLst>
+          </p:cNvPr>
+          <p:cNvCxnSpPr>
+            <a:stCxn id="7" idx="2"/>
+            <a:endCxn id="99" idx="0"/>
+          </p:cNvCxnSpPr>
+          <p:nvPr/>
+        </p:nvCxnSpPr>
+        <p:spPr>
+          <a:xfrm rot="5400000">
+            <a:off x="5651367" y="1805149"/>
+            <a:ext cx="982865" cy="1"/>
+          </a:xfrm>
+          <a:prstGeom prst="bentConnector3">
+            <a:avLst/>
+          </a:prstGeom>
+          <a:ln>
+            <a:tailEnd type="triangle"/>
+          </a:ln>
+        </p:spPr>
+        <p:style>
+          <a:lnRef idx="1">
+            <a:schemeClr val="accent1"/>
+          </a:lnRef>
+          <a:fillRef idx="0">
+            <a:schemeClr val="accent1"/>
+          </a:fillRef>
+          <a:effectRef idx="0">
+            <a:schemeClr val="accent1"/>
+          </a:effectRef>
+          <a:fontRef idx="minor">
+            <a:schemeClr val="tx1"/>
+          </a:fontRef>
+        </p:style>
+      </p:cxnSp>
+      <p:cxnSp>
+        <p:nvCxnSpPr>
+          <p:cNvPr id="150" name="接點: 肘形 149">
+            <a:extLst>
+              <a:ext uri="{FF2B5EF4-FFF2-40B4-BE49-F238E27FC236}">
+                <a16:creationId xmlns:a16="http://schemas.microsoft.com/office/drawing/2014/main" id="{BB679218-B088-E772-C1AF-83803075581F}"/>
+              </a:ext>
+            </a:extLst>
+          </p:cNvPr>
+          <p:cNvCxnSpPr>
+            <a:cxnSpLocks/>
+            <a:stCxn id="138" idx="2"/>
+            <a:endCxn id="141" idx="3"/>
+          </p:cNvCxnSpPr>
+          <p:nvPr/>
+        </p:nvCxnSpPr>
+        <p:spPr>
+          <a:xfrm rot="5400000">
+            <a:off x="4480438" y="5195563"/>
+            <a:ext cx="1477294" cy="199943"/>
+          </a:xfrm>
+          <a:prstGeom prst="bentConnector2">
+            <a:avLst/>
+          </a:prstGeom>
+          <a:ln>
+            <a:solidFill>
+              <a:schemeClr val="accent2">
+                <a:lumMod val="75000"/>
+              </a:schemeClr>
+            </a:solidFill>
+            <a:tailEnd type="triangle"/>
+          </a:ln>
+        </p:spPr>
+        <p:style>
+          <a:lnRef idx="1">
+            <a:schemeClr val="accent1"/>
+          </a:lnRef>
+          <a:fillRef idx="0">
+            <a:schemeClr val="accent1"/>
+          </a:fillRef>
+          <a:effectRef idx="0">
+            <a:schemeClr val="accent1"/>
+          </a:effectRef>
+          <a:fontRef idx="minor">
+            <a:schemeClr val="tx1"/>
+          </a:fontRef>
+        </p:style>
+      </p:cxnSp>
+      <p:cxnSp>
+        <p:nvCxnSpPr>
+          <p:cNvPr id="152" name="接點: 肘形 151">
+            <a:extLst>
+              <a:ext uri="{FF2B5EF4-FFF2-40B4-BE49-F238E27FC236}">
+                <a16:creationId xmlns:a16="http://schemas.microsoft.com/office/drawing/2014/main" id="{617C2EF2-B928-6DE3-F032-E88595C48750}"/>
+              </a:ext>
+            </a:extLst>
+          </p:cNvPr>
+          <p:cNvCxnSpPr>
+            <a:cxnSpLocks/>
+            <a:stCxn id="138" idx="2"/>
+            <a:endCxn id="140" idx="3"/>
+          </p:cNvCxnSpPr>
+          <p:nvPr/>
+        </p:nvCxnSpPr>
+        <p:spPr>
+          <a:xfrm rot="5400000">
+            <a:off x="4907317" y="4774838"/>
+            <a:ext cx="629691" cy="193789"/>
+          </a:xfrm>
+          <a:prstGeom prst="bentConnector2">
+            <a:avLst/>
+          </a:prstGeom>
+          <a:ln>
+            <a:solidFill>
+              <a:schemeClr val="accent2">
+                <a:lumMod val="75000"/>
+              </a:schemeClr>
+            </a:solidFill>
+            <a:tailEnd type="triangle"/>
+          </a:ln>
+        </p:spPr>
+        <p:style>
+          <a:lnRef idx="1">
+            <a:schemeClr val="accent1"/>
+          </a:lnRef>
+          <a:fillRef idx="0">
+            <a:schemeClr val="accent1"/>
+          </a:fillRef>
+          <a:effectRef idx="0">
+            <a:schemeClr val="accent1"/>
+          </a:effectRef>
+          <a:fontRef idx="minor">
+            <a:schemeClr val="tx1"/>
+          </a:fontRef>
+        </p:style>
+      </p:cxnSp>
+      <p:cxnSp>
+        <p:nvCxnSpPr>
+          <p:cNvPr id="154" name="接點: 肘形 153">
+            <a:extLst>
+              <a:ext uri="{FF2B5EF4-FFF2-40B4-BE49-F238E27FC236}">
+                <a16:creationId xmlns:a16="http://schemas.microsoft.com/office/drawing/2014/main" id="{C38E8E12-79B6-8643-7BBB-53EE7EF12CD3}"/>
+              </a:ext>
+            </a:extLst>
+          </p:cNvPr>
+          <p:cNvCxnSpPr>
+            <a:cxnSpLocks/>
+            <a:stCxn id="137" idx="2"/>
+            <a:endCxn id="139" idx="1"/>
+          </p:cNvCxnSpPr>
+          <p:nvPr/>
+        </p:nvCxnSpPr>
+        <p:spPr>
+          <a:xfrm rot="16200000" flipH="1">
+            <a:off x="6936543" y="4661567"/>
+            <a:ext cx="521676" cy="340675"/>
+          </a:xfrm>
+          <a:prstGeom prst="bentConnector2">
+            <a:avLst/>
+          </a:prstGeom>
+          <a:ln>
+            <a:solidFill>
+              <a:schemeClr val="accent2">
+                <a:lumMod val="75000"/>
+              </a:schemeClr>
+            </a:solidFill>
+            <a:tailEnd type="triangle"/>
+          </a:ln>
+        </p:spPr>
+        <p:style>
+          <a:lnRef idx="1">
+            <a:schemeClr val="accent1"/>
+          </a:lnRef>
+          <a:fillRef idx="0">
+            <a:schemeClr val="accent1"/>
+          </a:fillRef>
+          <a:effectRef idx="0">
+            <a:schemeClr val="accent1"/>
+          </a:effectRef>
+          <a:fontRef idx="minor">
+            <a:schemeClr val="tx1"/>
+          </a:fontRef>
+        </p:style>
+      </p:cxnSp>
+      <p:cxnSp>
+        <p:nvCxnSpPr>
+          <p:cNvPr id="156" name="接點: 肘形 155">
+            <a:extLst>
+              <a:ext uri="{FF2B5EF4-FFF2-40B4-BE49-F238E27FC236}">
+                <a16:creationId xmlns:a16="http://schemas.microsoft.com/office/drawing/2014/main" id="{C8FF2AEF-89DC-97CB-9598-B79CC3F8E380}"/>
+              </a:ext>
+            </a:extLst>
+          </p:cNvPr>
+          <p:cNvCxnSpPr>
+            <a:cxnSpLocks/>
+            <a:stCxn id="137" idx="2"/>
+            <a:endCxn id="142" idx="1"/>
+          </p:cNvCxnSpPr>
+          <p:nvPr/>
+        </p:nvCxnSpPr>
+        <p:spPr>
+          <a:xfrm rot="16200000" flipH="1">
+            <a:off x="6415379" y="5182731"/>
+            <a:ext cx="1469018" cy="245689"/>
+          </a:xfrm>
+          <a:prstGeom prst="bentConnector2">
+            <a:avLst/>
+          </a:prstGeom>
+          <a:ln>
+            <a:solidFill>
+              <a:schemeClr val="accent2">
+                <a:lumMod val="75000"/>
+              </a:schemeClr>
+            </a:solidFill>
             <a:tailEnd type="triangle"/>
           </a:ln>
         </p:spPr>

--- a/breakbox/打磚塊.pptx
+++ b/breakbox/打磚塊.pptx
@@ -5,19 +5,18 @@
     <p:sldMasterId id="2147483746" r:id="rId1"/>
   </p:sldMasterIdLst>
   <p:notesMasterIdLst>
-    <p:notesMasterId r:id="rId9"/>
+    <p:notesMasterId r:id="rId8"/>
   </p:notesMasterIdLst>
   <p:handoutMasterIdLst>
-    <p:handoutMasterId r:id="rId10"/>
+    <p:handoutMasterId r:id="rId9"/>
   </p:handoutMasterIdLst>
   <p:sldIdLst>
     <p:sldId id="257" r:id="rId2"/>
     <p:sldId id="261" r:id="rId3"/>
     <p:sldId id="259" r:id="rId4"/>
-    <p:sldId id="260" r:id="rId5"/>
-    <p:sldId id="263" r:id="rId6"/>
-    <p:sldId id="264" r:id="rId7"/>
-    <p:sldId id="265" r:id="rId8"/>
+    <p:sldId id="266" r:id="rId5"/>
+    <p:sldId id="264" r:id="rId6"/>
+    <p:sldId id="263" r:id="rId7"/>
   </p:sldIdLst>
   <p:sldSz cx="12192000" cy="6858000"/>
   <p:notesSz cx="6858000" cy="9144000"/>
@@ -211,7 +210,7 @@
             <a:pPr rtl="0"/>
             <a:fld id="{550261E5-B7A8-407C-8EC1-76B17CEB3BFC}" type="datetime1">
               <a:rPr lang="zh-TW" altLang="en-US" smtClean="0"/>
-              <a:t>2024/4/26</a:t>
+              <a:t>2024/4/29</a:t>
             </a:fld>
             <a:endParaRPr lang="en-US" dirty="0"/>
           </a:p>
@@ -381,7 +380,7 @@
             <a:pPr rtl="0"/>
             <a:fld id="{950AEE62-6B03-446E-B028-1F2C67AA2CBE}" type="datetime1">
               <a:rPr lang="zh-TW" altLang="en-US" smtClean="0"/>
-              <a:t>2024/4/26</a:t>
+              <a:t>2024/4/29</a:t>
             </a:fld>
             <a:endParaRPr lang="en-US"/>
           </a:p>
@@ -901,7 +900,7 @@
             <a:pPr rtl="0"/>
             <a:fld id="{91E8D126-38DE-467F-A065-2775F6C58740}" type="datetime1">
               <a:rPr lang="zh-TW" altLang="en-US" smtClean="0"/>
-              <a:t>2024/4/26</a:t>
+              <a:t>2024/4/29</a:t>
             </a:fld>
             <a:endParaRPr lang="en-US" dirty="0"/>
           </a:p>
@@ -1093,7 +1092,7 @@
             <a:pPr rtl="0"/>
             <a:fld id="{7AD90E0D-C35F-4A14-A7E8-7670CE6639F2}" type="datetime1">
               <a:rPr lang="zh-TW" altLang="en-US" smtClean="0"/>
-              <a:t>2024/4/26</a:t>
+              <a:t>2024/4/29</a:t>
             </a:fld>
             <a:endParaRPr lang="en-US" dirty="0"/>
           </a:p>
@@ -1339,7 +1338,7 @@
             <a:pPr rtl="0"/>
             <a:fld id="{E2E02858-A2D1-43A3-9BDC-80D1F48AA51B}" type="datetime1">
               <a:rPr lang="zh-TW" altLang="en-US" smtClean="0"/>
-              <a:t>2024/4/26</a:t>
+              <a:t>2024/4/29</a:t>
             </a:fld>
             <a:endParaRPr lang="en-US" dirty="0"/>
           </a:p>
@@ -1531,7 +1530,7 @@
             <a:pPr rtl="0"/>
             <a:fld id="{A55B7815-05FA-48A0-B9F7-1E04C4F2927A}" type="datetime1">
               <a:rPr lang="zh-TW" altLang="en-US" smtClean="0"/>
-              <a:t>2024/4/26</a:t>
+              <a:t>2024/4/29</a:t>
             </a:fld>
             <a:endParaRPr lang="en-US" dirty="0"/>
           </a:p>
@@ -1908,7 +1907,7 @@
             <a:pPr rtl="0"/>
             <a:fld id="{3FBF2AB9-D521-429F-BA9E-A2DD356AF2DF}" type="datetime1">
               <a:rPr lang="zh-TW" altLang="en-US" smtClean="0"/>
-              <a:t>2024/4/26</a:t>
+              <a:t>2024/4/29</a:t>
             </a:fld>
             <a:endParaRPr lang="en-US" dirty="0"/>
           </a:p>
@@ -2167,7 +2166,7 @@
             <a:pPr rtl="0"/>
             <a:fld id="{E748A74C-3BFC-4F64-9D88-E80E3E32994C}" type="datetime1">
               <a:rPr lang="zh-TW" altLang="en-US" smtClean="0"/>
-              <a:t>2024/4/26</a:t>
+              <a:t>2024/4/29</a:t>
             </a:fld>
             <a:endParaRPr lang="en-US" dirty="0"/>
           </a:p>
@@ -2568,7 +2567,7 @@
             <a:pPr rtl="0"/>
             <a:fld id="{C0166BAE-2749-48CF-A2DD-C010F9F8CC67}" type="datetime1">
               <a:rPr lang="zh-TW" altLang="en-US" smtClean="0"/>
-              <a:t>2024/4/26</a:t>
+              <a:t>2024/4/29</a:t>
             </a:fld>
             <a:endParaRPr lang="en-US" dirty="0"/>
           </a:p>
@@ -2708,7 +2707,7 @@
             <a:pPr rtl="0"/>
             <a:fld id="{42EB3E87-0960-43A6-B33B-AB6B15A82628}" type="datetime1">
               <a:rPr lang="zh-TW" altLang="en-US" smtClean="0"/>
-              <a:t>2024/4/26</a:t>
+              <a:t>2024/4/29</a:t>
             </a:fld>
             <a:endParaRPr lang="en-US" dirty="0"/>
           </a:p>
@@ -2868,7 +2867,7 @@
             <a:pPr rtl="0"/>
             <a:fld id="{0A92F8F0-693D-4EF4-BEF5-7FD95F4C1D80}" type="datetime1">
               <a:rPr lang="zh-TW" altLang="en-US" smtClean="0"/>
-              <a:t>2024/4/26</a:t>
+              <a:t>2024/4/29</a:t>
             </a:fld>
             <a:endParaRPr lang="en-US" dirty="0"/>
           </a:p>
@@ -3201,7 +3200,7 @@
             <a:pPr rtl="0"/>
             <a:fld id="{4E96419C-65CA-4A96-8C8D-1B83D1EEA06C}" type="datetime1">
               <a:rPr lang="zh-TW" altLang="en-US" smtClean="0"/>
-              <a:t>2024/4/26</a:t>
+              <a:t>2024/4/29</a:t>
             </a:fld>
             <a:endParaRPr lang="en-US" dirty="0"/>
           </a:p>
@@ -3556,7 +3555,7 @@
             <a:pPr rtl="0"/>
             <a:fld id="{55B0D56E-A8D9-4835-9121-D0F2B7B922B1}" type="datetime1">
               <a:rPr lang="zh-TW" altLang="en-US" smtClean="0"/>
-              <a:t>2024/4/26</a:t>
+              <a:t>2024/4/29</a:t>
             </a:fld>
             <a:endParaRPr lang="en-US" dirty="0"/>
           </a:p>
@@ -3821,7 +3820,7 @@
           <a:p>
             <a:fld id="{86D72111-2BF8-49E3-AA06-55BC47AB46EA}" type="datetime1">
               <a:rPr lang="zh-TW" altLang="en-US" smtClean="0"/>
-              <a:t>2024/4/26</a:t>
+              <a:t>2024/4/29</a:t>
             </a:fld>
             <a:endParaRPr lang="en-US" dirty="0"/>
           </a:p>
@@ -4446,10 +4445,16 @@
           <a:lstStyle/>
           <a:p>
             <a:r>
-              <a:rPr lang="zh-TW" altLang="en-US" dirty="0"/>
+              <a:rPr lang="zh-TW" altLang="en-US" dirty="0">
+                <a:latin typeface="標楷體" panose="03000509000000000000" pitchFamily="65" charset="-120"/>
+                <a:ea typeface="標楷體" panose="03000509000000000000" pitchFamily="65" charset="-120"/>
+              </a:rPr>
               <a:t>打磚塊</a:t>
             </a:r>
-            <a:endParaRPr lang="zh-tw" sz="8000" dirty="0"/>
+            <a:endParaRPr lang="zh-tw" sz="8000" dirty="0">
+              <a:latin typeface="標楷體" panose="03000509000000000000" pitchFamily="65" charset="-120"/>
+              <a:ea typeface="標楷體" panose="03000509000000000000" pitchFamily="65" charset="-120"/>
+            </a:endParaRPr>
           </a:p>
         </p:txBody>
       </p:sp>
@@ -4490,6 +4495,8 @@
                     <a:lumOff val="15000"/>
                   </a:schemeClr>
                 </a:solidFill>
+                <a:latin typeface="Times New Roman" panose="02020603050405020304" pitchFamily="18" charset="0"/>
+                <a:ea typeface="標楷體" panose="03000509000000000000" pitchFamily="65" charset="-120"/>
               </a:rPr>
               <a:t>組長</a:t>
             </a:r>
@@ -4501,6 +4508,8 @@
                     <a:lumOff val="15000"/>
                   </a:schemeClr>
                 </a:solidFill>
+                <a:latin typeface="Times New Roman" panose="02020603050405020304" pitchFamily="18" charset="0"/>
+                <a:ea typeface="標楷體" panose="03000509000000000000" pitchFamily="65" charset="-120"/>
               </a:rPr>
               <a:t>:c110112103 </a:t>
             </a:r>
@@ -4512,6 +4521,8 @@
                     <a:lumOff val="15000"/>
                   </a:schemeClr>
                 </a:solidFill>
+                <a:latin typeface="Times New Roman" panose="02020603050405020304" pitchFamily="18" charset="0"/>
+                <a:ea typeface="標楷體" panose="03000509000000000000" pitchFamily="65" charset="-120"/>
               </a:rPr>
               <a:t>李承宇</a:t>
             </a:r>
@@ -4522,6 +4533,8 @@
                   <a:lumOff val="15000"/>
                 </a:schemeClr>
               </a:solidFill>
+              <a:latin typeface="Times New Roman" panose="02020603050405020304" pitchFamily="18" charset="0"/>
+              <a:ea typeface="標楷體" panose="03000509000000000000" pitchFamily="65" charset="-120"/>
             </a:endParaRPr>
           </a:p>
           <a:p>
@@ -4534,6 +4547,8 @@
                     <a:lumOff val="15000"/>
                   </a:schemeClr>
                 </a:solidFill>
+                <a:latin typeface="Times New Roman" panose="02020603050405020304" pitchFamily="18" charset="0"/>
+                <a:ea typeface="標楷體" panose="03000509000000000000" pitchFamily="65" charset="-120"/>
               </a:rPr>
               <a:t>組員</a:t>
             </a:r>
@@ -4545,6 +4560,8 @@
                     <a:lumOff val="15000"/>
                   </a:schemeClr>
                 </a:solidFill>
+                <a:latin typeface="Times New Roman" panose="02020603050405020304" pitchFamily="18" charset="0"/>
+                <a:ea typeface="標楷體" panose="03000509000000000000" pitchFamily="65" charset="-120"/>
               </a:rPr>
               <a:t>:c109112121 </a:t>
             </a:r>
@@ -4556,6 +4573,8 @@
                     <a:lumOff val="15000"/>
                   </a:schemeClr>
                 </a:solidFill>
+                <a:latin typeface="Times New Roman" panose="02020603050405020304" pitchFamily="18" charset="0"/>
+                <a:ea typeface="標楷體" panose="03000509000000000000" pitchFamily="65" charset="-120"/>
               </a:rPr>
               <a:t>張兆賢、</a:t>
             </a:r>
@@ -4567,6 +4586,8 @@
                     <a:lumOff val="15000"/>
                   </a:schemeClr>
                 </a:solidFill>
+                <a:latin typeface="Times New Roman" panose="02020603050405020304" pitchFamily="18" charset="0"/>
+                <a:ea typeface="標楷體" panose="03000509000000000000" pitchFamily="65" charset="-120"/>
               </a:rPr>
               <a:t>c109112107 </a:t>
             </a:r>
@@ -4578,6 +4599,8 @@
                     <a:lumOff val="15000"/>
                   </a:schemeClr>
                 </a:solidFill>
+                <a:latin typeface="Times New Roman" panose="02020603050405020304" pitchFamily="18" charset="0"/>
+                <a:ea typeface="標楷體" panose="03000509000000000000" pitchFamily="65" charset="-120"/>
               </a:rPr>
               <a:t>康佳元</a:t>
             </a:r>
@@ -4588,6 +4611,8 @@
                   <a:lumOff val="15000"/>
                 </a:schemeClr>
               </a:solidFill>
+              <a:latin typeface="Times New Roman" panose="02020603050405020304" pitchFamily="18" charset="0"/>
+              <a:ea typeface="標楷體" panose="03000509000000000000" pitchFamily="65" charset="-120"/>
             </a:endParaRPr>
           </a:p>
           <a:p>
@@ -4827,7 +4852,10 @@
           <a:lstStyle/>
           <a:p>
             <a:r>
-              <a:rPr lang="zh-TW" altLang="en-US" dirty="0"/>
+              <a:rPr lang="zh-TW" altLang="en-US" dirty="0">
+                <a:latin typeface="標楷體" panose="03000509000000000000" pitchFamily="65" charset="-120"/>
+                <a:ea typeface="標楷體" panose="03000509000000000000" pitchFamily="65" charset="-120"/>
+              </a:rPr>
               <a:t>需求</a:t>
             </a:r>
           </a:p>
@@ -4849,7 +4877,12 @@
             <p:ph idx="1"/>
           </p:nvPr>
         </p:nvSpPr>
-        <p:spPr/>
+        <p:spPr>
+          <a:xfrm>
+            <a:off x="1097280" y="2108201"/>
+            <a:ext cx="10058400" cy="4166764"/>
+          </a:xfrm>
+        </p:spPr>
         <p:txBody>
           <a:bodyPr/>
           <a:lstStyle/>
@@ -4858,11 +4891,17 @@
               <a:buNone/>
             </a:pPr>
             <a:r>
-              <a:rPr lang="zh-TW" altLang="en-US" dirty="0"/>
+              <a:rPr lang="zh-TW" altLang="en-US" dirty="0">
+                <a:latin typeface="Times New Roman" panose="02020603050405020304" pitchFamily="18" charset="0"/>
+                <a:ea typeface="標楷體" panose="03000509000000000000" pitchFamily="65" charset="-120"/>
+              </a:rPr>
               <a:t>功能</a:t>
             </a:r>
             <a:r>
-              <a:rPr lang="en-US" altLang="zh-TW" dirty="0"/>
+              <a:rPr lang="en-US" altLang="zh-TW" dirty="0">
+                <a:latin typeface="Times New Roman" panose="02020603050405020304" pitchFamily="18" charset="0"/>
+                <a:ea typeface="標楷體" panose="03000509000000000000" pitchFamily="65" charset="-120"/>
+              </a:rPr>
               <a:t>:</a:t>
             </a:r>
           </a:p>
@@ -4872,10 +4911,16 @@
               <a:buChar char="Ø"/>
             </a:pPr>
             <a:r>
-              <a:rPr lang="zh-TW" altLang="en-US" dirty="0"/>
+              <a:rPr lang="zh-TW" altLang="en-US" dirty="0">
+                <a:latin typeface="Times New Roman" panose="02020603050405020304" pitchFamily="18" charset="0"/>
+                <a:ea typeface="標楷體" panose="03000509000000000000" pitchFamily="65" charset="-120"/>
+              </a:rPr>
               <a:t>球拍左移右移。</a:t>
             </a:r>
-            <a:endParaRPr lang="en-US" altLang="zh-TW" dirty="0"/>
+            <a:endParaRPr lang="en-US" altLang="zh-TW" dirty="0">
+              <a:latin typeface="Times New Roman" panose="02020603050405020304" pitchFamily="18" charset="0"/>
+              <a:ea typeface="標楷體" panose="03000509000000000000" pitchFamily="65" charset="-120"/>
+            </a:endParaRPr>
           </a:p>
           <a:p>
             <a:pPr lvl="1">
@@ -4883,10 +4928,16 @@
               <a:buChar char="Ø"/>
             </a:pPr>
             <a:r>
-              <a:rPr lang="zh-TW" altLang="en-US" dirty="0"/>
+              <a:rPr lang="zh-TW" altLang="en-US" dirty="0">
+                <a:latin typeface="Times New Roman" panose="02020603050405020304" pitchFamily="18" charset="0"/>
+                <a:ea typeface="標楷體" panose="03000509000000000000" pitchFamily="65" charset="-120"/>
+              </a:rPr>
               <a:t>發球方向。</a:t>
             </a:r>
-            <a:endParaRPr lang="en-US" altLang="zh-TW" dirty="0"/>
+            <a:endParaRPr lang="en-US" altLang="zh-TW" dirty="0">
+              <a:latin typeface="Times New Roman" panose="02020603050405020304" pitchFamily="18" charset="0"/>
+              <a:ea typeface="標楷體" panose="03000509000000000000" pitchFamily="65" charset="-120"/>
+            </a:endParaRPr>
           </a:p>
           <a:p>
             <a:pPr lvl="1">
@@ -4894,27 +4945,73 @@
               <a:buChar char="Ø"/>
             </a:pPr>
             <a:r>
-              <a:rPr lang="zh-TW" altLang="en-US" dirty="0"/>
+              <a:rPr lang="zh-TW" altLang="en-US" dirty="0">
+                <a:latin typeface="Times New Roman" panose="02020603050405020304" pitchFamily="18" charset="0"/>
+                <a:ea typeface="標楷體" panose="03000509000000000000" pitchFamily="65" charset="-120"/>
+              </a:rPr>
+              <a:t>通關</a:t>
+            </a:r>
+            <a:r>
+              <a:rPr lang="en-US" altLang="zh-TW" dirty="0">
+                <a:latin typeface="Times New Roman" panose="02020603050405020304" pitchFamily="18" charset="0"/>
+                <a:ea typeface="標楷體" panose="03000509000000000000" pitchFamily="65" charset="-120"/>
+              </a:rPr>
+              <a:t>Lv1~Lv20</a:t>
+            </a:r>
+            <a:r>
+              <a:rPr lang="zh-TW" altLang="en-US" dirty="0">
+                <a:latin typeface="Times New Roman" panose="02020603050405020304" pitchFamily="18" charset="0"/>
+                <a:ea typeface="標楷體" panose="03000509000000000000" pitchFamily="65" charset="-120"/>
+              </a:rPr>
+              <a:t>。</a:t>
+            </a:r>
+            <a:endParaRPr lang="en-US" altLang="zh-TW" dirty="0">
+              <a:latin typeface="Times New Roman" panose="02020603050405020304" pitchFamily="18" charset="0"/>
+              <a:ea typeface="標楷體" panose="03000509000000000000" pitchFamily="65" charset="-120"/>
+            </a:endParaRPr>
+          </a:p>
+          <a:p>
+            <a:pPr lvl="1">
+              <a:buFont typeface="Wingdings" panose="05000000000000000000" pitchFamily="2" charset="2"/>
+              <a:buChar char="Ø"/>
+            </a:pPr>
+            <a:r>
+              <a:rPr lang="zh-TW" altLang="en-US" dirty="0">
+                <a:latin typeface="Times New Roman" panose="02020603050405020304" pitchFamily="18" charset="0"/>
+                <a:ea typeface="標楷體" panose="03000509000000000000" pitchFamily="65" charset="-120"/>
+              </a:rPr>
               <a:t>預測球的反彈軌跡。</a:t>
             </a:r>
-            <a:endParaRPr lang="en-US" altLang="zh-TW" dirty="0"/>
+            <a:endParaRPr lang="en-US" altLang="zh-TW" dirty="0">
+              <a:latin typeface="Times New Roman" panose="02020603050405020304" pitchFamily="18" charset="0"/>
+              <a:ea typeface="標楷體" panose="03000509000000000000" pitchFamily="65" charset="-120"/>
+            </a:endParaRPr>
           </a:p>
           <a:p>
             <a:pPr marL="201168" lvl="1" indent="0">
               <a:buNone/>
             </a:pPr>
-            <a:endParaRPr lang="en-US" altLang="zh-TW" dirty="0"/>
+            <a:endParaRPr lang="en-US" altLang="zh-TW" dirty="0">
+              <a:latin typeface="Times New Roman" panose="02020603050405020304" pitchFamily="18" charset="0"/>
+              <a:ea typeface="標楷體" panose="03000509000000000000" pitchFamily="65" charset="-120"/>
+            </a:endParaRPr>
           </a:p>
           <a:p>
             <a:pPr marL="0">
               <a:buNone/>
             </a:pPr>
             <a:r>
-              <a:rPr lang="zh-TW" altLang="en-US" dirty="0"/>
+              <a:rPr lang="zh-TW" altLang="en-US" dirty="0">
+                <a:latin typeface="Times New Roman" panose="02020603050405020304" pitchFamily="18" charset="0"/>
+                <a:ea typeface="標楷體" panose="03000509000000000000" pitchFamily="65" charset="-120"/>
+              </a:rPr>
               <a:t>限制</a:t>
             </a:r>
             <a:r>
-              <a:rPr lang="en-US" altLang="zh-TW" dirty="0"/>
+              <a:rPr lang="en-US" altLang="zh-TW" dirty="0">
+                <a:latin typeface="Times New Roman" panose="02020603050405020304" pitchFamily="18" charset="0"/>
+                <a:ea typeface="標楷體" panose="03000509000000000000" pitchFamily="65" charset="-120"/>
+              </a:rPr>
               <a:t>:</a:t>
             </a:r>
           </a:p>
@@ -4924,15 +5021,24 @@
               <a:buChar char="Ø"/>
             </a:pPr>
             <a:r>
-              <a:rPr lang="en-US" altLang="zh-TW" dirty="0"/>
+              <a:rPr lang="en-US" altLang="zh-TW" dirty="0">
+                <a:latin typeface="Times New Roman" panose="02020603050405020304" pitchFamily="18" charset="0"/>
+                <a:ea typeface="標楷體" panose="03000509000000000000" pitchFamily="65" charset="-120"/>
+              </a:rPr>
               <a:t>Window10</a:t>
             </a:r>
             <a:r>
-              <a:rPr lang="zh-TW" altLang="en-US" dirty="0"/>
+              <a:rPr lang="zh-TW" altLang="en-US" dirty="0">
+                <a:latin typeface="Times New Roman" panose="02020603050405020304" pitchFamily="18" charset="0"/>
+                <a:ea typeface="標楷體" panose="03000509000000000000" pitchFamily="65" charset="-120"/>
+              </a:rPr>
               <a:t>、</a:t>
             </a:r>
             <a:r>
-              <a:rPr lang="en-US" altLang="zh-TW" dirty="0"/>
+              <a:rPr lang="en-US" altLang="zh-TW" dirty="0">
+                <a:latin typeface="Times New Roman" panose="02020603050405020304" pitchFamily="18" charset="0"/>
+                <a:ea typeface="標楷體" panose="03000509000000000000" pitchFamily="65" charset="-120"/>
+              </a:rPr>
               <a:t>11</a:t>
             </a:r>
           </a:p>
@@ -4942,8 +5048,39 @@
               <a:buChar char="Ø"/>
             </a:pPr>
             <a:r>
-              <a:rPr lang="en-US" altLang="zh-TW" dirty="0"/>
-              <a:t>Python:3.10</a:t>
+              <a:rPr lang="en-US" altLang="zh-TW" dirty="0">
+                <a:latin typeface="Times New Roman" panose="02020603050405020304" pitchFamily="18" charset="0"/>
+                <a:ea typeface="標楷體" panose="03000509000000000000" pitchFamily="65" charset="-120"/>
+              </a:rPr>
+              <a:t>Python:</a:t>
+            </a:r>
+            <a:r>
+              <a:rPr lang="zh-TW" altLang="en-US" dirty="0">
+                <a:latin typeface="Times New Roman" panose="02020603050405020304" pitchFamily="18" charset="0"/>
+                <a:ea typeface="標楷體" panose="03000509000000000000" pitchFamily="65" charset="-120"/>
+              </a:rPr>
+              <a:t> </a:t>
+            </a:r>
+            <a:r>
+              <a:rPr lang="en-US" altLang="zh-TW" dirty="0">
+                <a:latin typeface="Times New Roman" panose="02020603050405020304" pitchFamily="18" charset="0"/>
+                <a:ea typeface="標楷體" panose="03000509000000000000" pitchFamily="65" charset="-120"/>
+              </a:rPr>
+              <a:t>3.9</a:t>
+            </a:r>
+            <a:r>
+              <a:rPr lang="zh-TW" altLang="en-US" dirty="0">
+                <a:latin typeface="Times New Roman" panose="02020603050405020304" pitchFamily="18" charset="0"/>
+                <a:ea typeface="標楷體" panose="03000509000000000000" pitchFamily="65" charset="-120"/>
+              </a:rPr>
+              <a:t> </a:t>
+            </a:r>
+            <a:r>
+              <a:rPr lang="en-US" altLang="zh-TW" dirty="0">
+                <a:latin typeface="Times New Roman" panose="02020603050405020304" pitchFamily="18" charset="0"/>
+                <a:ea typeface="標楷體" panose="03000509000000000000" pitchFamily="65" charset="-120"/>
+              </a:rPr>
+              <a:t>~3.10</a:t>
             </a:r>
           </a:p>
           <a:p>
@@ -4952,10 +5089,16 @@
               <a:buChar char="Ø"/>
             </a:pPr>
             <a:r>
-              <a:rPr lang="zh-TW" altLang="en-US" dirty="0"/>
+              <a:rPr lang="zh-TW" altLang="en-US" dirty="0">
+                <a:latin typeface="Times New Roman" panose="02020603050405020304" pitchFamily="18" charset="0"/>
+                <a:ea typeface="標楷體" panose="03000509000000000000" pitchFamily="65" charset="-120"/>
+              </a:rPr>
               <a:t>介面大小</a:t>
             </a:r>
-            <a:endParaRPr lang="en-US" altLang="zh-TW" dirty="0"/>
+            <a:endParaRPr lang="en-US" altLang="zh-TW" dirty="0">
+              <a:latin typeface="Times New Roman" panose="02020603050405020304" pitchFamily="18" charset="0"/>
+              <a:ea typeface="標楷體" panose="03000509000000000000" pitchFamily="65" charset="-120"/>
+            </a:endParaRPr>
           </a:p>
           <a:p>
             <a:pPr marL="544068" lvl="1" indent="-342900">
@@ -5002,7 +5145,7 @@
             <a:pPr rtl="0"/>
             <a:fld id="{A55B7815-05FA-48A0-B9F7-1E04C4F2927A}" type="datetime1">
               <a:rPr lang="zh-TW" altLang="en-US" smtClean="0"/>
-              <a:t>2024/4/26</a:t>
+              <a:t>2024/4/29</a:t>
             </a:fld>
             <a:endParaRPr lang="en-US" dirty="0"/>
           </a:p>
@@ -5091,7 +5234,8 @@
           <a:p>
             <a:r>
               <a:rPr lang="zh-TW" altLang="en-US" dirty="0">
-                <a:latin typeface="Times New Roman" panose="02020603050405020304" pitchFamily="18" charset="0"/>
+                <a:latin typeface="標楷體" panose="03000509000000000000" pitchFamily="65" charset="-120"/>
+                <a:ea typeface="標楷體" panose="03000509000000000000" pitchFamily="65" charset="-120"/>
               </a:rPr>
               <a:t>遊戲分析</a:t>
             </a:r>
@@ -5121,10 +5265,16 @@
           <a:p>
             <a:pPr rtl="0"/>
             <a:fld id="{A55B7815-05FA-48A0-B9F7-1E04C4F2927A}" type="datetime1">
-              <a:rPr lang="zh-TW" altLang="en-US" smtClean="0"/>
-              <a:t>2024/4/26</a:t>
+              <a:rPr lang="zh-TW" altLang="en-US" smtClean="0">
+                <a:latin typeface="標楷體" panose="03000509000000000000" pitchFamily="65" charset="-120"/>
+                <a:ea typeface="標楷體" panose="03000509000000000000" pitchFamily="65" charset="-120"/>
+              </a:rPr>
+              <a:t>2024/4/29</a:t>
             </a:fld>
-            <a:endParaRPr lang="en-US" dirty="0"/>
+            <a:endParaRPr lang="en-US" dirty="0">
+              <a:latin typeface="標楷體" panose="03000509000000000000" pitchFamily="65" charset="-120"/>
+              <a:ea typeface="標楷體" panose="03000509000000000000" pitchFamily="65" charset="-120"/>
+            </a:endParaRPr>
           </a:p>
         </p:txBody>
       </p:sp>
@@ -5171,7 +5321,10 @@
           <a:p>
             <a:pPr algn="ctr"/>
             <a:r>
-              <a:rPr lang="zh-TW" altLang="en-US" dirty="0"/>
+              <a:rPr lang="zh-TW" altLang="en-US" dirty="0">
+                <a:latin typeface="標楷體" panose="03000509000000000000" pitchFamily="65" charset="-120"/>
+                <a:ea typeface="標楷體" panose="03000509000000000000" pitchFamily="65" charset="-120"/>
+              </a:rPr>
               <a:t>打磚塊</a:t>
             </a:r>
           </a:p>
@@ -5220,7 +5373,10 @@
           <a:p>
             <a:pPr algn="ctr"/>
             <a:r>
-              <a:rPr lang="zh-TW" altLang="en-US" dirty="0"/>
+              <a:rPr lang="zh-TW" altLang="en-US" dirty="0">
+                <a:latin typeface="標楷體" panose="03000509000000000000" pitchFamily="65" charset="-120"/>
+                <a:ea typeface="標楷體" panose="03000509000000000000" pitchFamily="65" charset="-120"/>
+              </a:rPr>
               <a:t>物件</a:t>
             </a:r>
           </a:p>
@@ -5269,7 +5425,10 @@
           <a:p>
             <a:pPr algn="ctr"/>
             <a:r>
-              <a:rPr lang="zh-TW" altLang="en-US" dirty="0"/>
+              <a:rPr lang="zh-TW" altLang="en-US" dirty="0">
+                <a:latin typeface="標楷體" panose="03000509000000000000" pitchFamily="65" charset="-120"/>
+                <a:ea typeface="標楷體" panose="03000509000000000000" pitchFamily="65" charset="-120"/>
+              </a:rPr>
               <a:t>規則</a:t>
             </a:r>
           </a:p>
@@ -5318,7 +5477,10 @@
           <a:p>
             <a:pPr algn="ctr"/>
             <a:r>
-              <a:rPr lang="zh-TW" altLang="en-US" dirty="0"/>
+              <a:rPr lang="zh-TW" altLang="en-US" dirty="0">
+                <a:latin typeface="標楷體" panose="03000509000000000000" pitchFamily="65" charset="-120"/>
+                <a:ea typeface="標楷體" panose="03000509000000000000" pitchFamily="65" charset="-120"/>
+              </a:rPr>
               <a:t>關卡</a:t>
             </a:r>
           </a:p>
@@ -5367,7 +5529,10 @@
           <a:p>
             <a:pPr algn="ctr"/>
             <a:r>
-              <a:rPr lang="zh-TW" altLang="en-US" dirty="0"/>
+              <a:rPr lang="zh-TW" altLang="en-US" dirty="0">
+                <a:latin typeface="標楷體" panose="03000509000000000000" pitchFamily="65" charset="-120"/>
+                <a:ea typeface="標楷體" panose="03000509000000000000" pitchFamily="65" charset="-120"/>
+              </a:rPr>
               <a:t>操作</a:t>
             </a:r>
           </a:p>
@@ -5589,7 +5754,10 @@
           <a:p>
             <a:pPr algn="ctr"/>
             <a:r>
-              <a:rPr lang="zh-TW" altLang="en-US" dirty="0"/>
+              <a:rPr lang="zh-TW" altLang="en-US" dirty="0">
+                <a:latin typeface="標楷體" panose="03000509000000000000" pitchFamily="65" charset="-120"/>
+                <a:ea typeface="標楷體" panose="03000509000000000000" pitchFamily="65" charset="-120"/>
+              </a:rPr>
               <a:t>磚塊</a:t>
             </a:r>
           </a:p>
@@ -5643,7 +5811,10 @@
           <a:p>
             <a:pPr algn="ctr"/>
             <a:r>
-              <a:rPr lang="zh-TW" altLang="en-US" dirty="0"/>
+              <a:rPr lang="zh-TW" altLang="en-US" dirty="0">
+                <a:latin typeface="標楷體" panose="03000509000000000000" pitchFamily="65" charset="-120"/>
+                <a:ea typeface="標楷體" panose="03000509000000000000" pitchFamily="65" charset="-120"/>
+              </a:rPr>
               <a:t>球拍</a:t>
             </a:r>
           </a:p>
@@ -5697,7 +5868,10 @@
           <a:p>
             <a:pPr algn="ctr"/>
             <a:r>
-              <a:rPr lang="zh-TW" altLang="en-US" dirty="0"/>
+              <a:rPr lang="zh-TW" altLang="en-US" dirty="0">
+                <a:latin typeface="標楷體" panose="03000509000000000000" pitchFamily="65" charset="-120"/>
+                <a:ea typeface="標楷體" panose="03000509000000000000" pitchFamily="65" charset="-120"/>
+              </a:rPr>
               <a:t>球</a:t>
             </a:r>
           </a:p>
@@ -5878,7 +6052,10 @@
           <a:p>
             <a:pPr algn="ctr"/>
             <a:r>
-              <a:rPr lang="zh-TW" altLang="en-US" dirty="0"/>
+              <a:rPr lang="zh-TW" altLang="en-US" dirty="0">
+                <a:latin typeface="標楷體" panose="03000509000000000000" pitchFamily="65" charset="-120"/>
+                <a:ea typeface="標楷體" panose="03000509000000000000" pitchFamily="65" charset="-120"/>
+              </a:rPr>
               <a:t>球打磚塊，磚塊消失</a:t>
             </a:r>
           </a:p>
@@ -5932,15 +6109,24 @@
           <a:p>
             <a:pPr algn="ctr"/>
             <a:r>
-              <a:rPr lang="zh-TW" altLang="en-US" dirty="0"/>
+              <a:rPr lang="zh-TW" altLang="en-US" dirty="0">
+                <a:latin typeface="標楷體" panose="03000509000000000000" pitchFamily="65" charset="-120"/>
+                <a:ea typeface="標楷體" panose="03000509000000000000" pitchFamily="65" charset="-120"/>
+              </a:rPr>
               <a:t>球低於球拍，</a:t>
             </a:r>
-            <a:endParaRPr lang="en-US" altLang="zh-TW" dirty="0"/>
+            <a:endParaRPr lang="en-US" altLang="zh-TW" dirty="0">
+              <a:latin typeface="標楷體" panose="03000509000000000000" pitchFamily="65" charset="-120"/>
+              <a:ea typeface="標楷體" panose="03000509000000000000" pitchFamily="65" charset="-120"/>
+            </a:endParaRPr>
           </a:p>
           <a:p>
             <a:pPr algn="ctr"/>
             <a:r>
-              <a:rPr lang="zh-TW" altLang="en-US" dirty="0"/>
+              <a:rPr lang="zh-TW" altLang="en-US" dirty="0">
+                <a:latin typeface="標楷體" panose="03000509000000000000" pitchFamily="65" charset="-120"/>
+                <a:ea typeface="標楷體" panose="03000509000000000000" pitchFamily="65" charset="-120"/>
+              </a:rPr>
               <a:t>結束遊戲</a:t>
             </a:r>
           </a:p>
@@ -5994,10 +6180,16 @@
           <a:p>
             <a:pPr algn="ctr"/>
             <a:r>
-              <a:rPr lang="zh-TW" altLang="en-US" dirty="0"/>
+              <a:rPr lang="zh-TW" altLang="en-US" dirty="0">
+                <a:latin typeface="標楷體" panose="03000509000000000000" pitchFamily="65" charset="-120"/>
+                <a:ea typeface="標楷體" panose="03000509000000000000" pitchFamily="65" charset="-120"/>
+              </a:rPr>
               <a:t>球碰到物件或畫面邊緣會反彈</a:t>
             </a:r>
-            <a:endParaRPr lang="en-US" altLang="zh-TW" dirty="0"/>
+            <a:endParaRPr lang="en-US" altLang="zh-TW" dirty="0">
+              <a:latin typeface="標楷體" panose="03000509000000000000" pitchFamily="65" charset="-120"/>
+              <a:ea typeface="標楷體" panose="03000509000000000000" pitchFamily="65" charset="-120"/>
+            </a:endParaRPr>
           </a:p>
         </p:txBody>
       </p:sp>
@@ -6049,15 +6241,24 @@
           <a:p>
             <a:pPr algn="ctr"/>
             <a:r>
-              <a:rPr lang="zh-TW" altLang="en-US" dirty="0"/>
+              <a:rPr lang="zh-TW" altLang="en-US" dirty="0">
+                <a:latin typeface="標楷體" panose="03000509000000000000" pitchFamily="65" charset="-120"/>
+                <a:ea typeface="標楷體" panose="03000509000000000000" pitchFamily="65" charset="-120"/>
+              </a:rPr>
               <a:t>磚塊打完，</a:t>
             </a:r>
-            <a:endParaRPr lang="en-US" altLang="zh-TW" dirty="0"/>
+            <a:endParaRPr lang="en-US" altLang="zh-TW" dirty="0">
+              <a:latin typeface="標楷體" panose="03000509000000000000" pitchFamily="65" charset="-120"/>
+              <a:ea typeface="標楷體" panose="03000509000000000000" pitchFamily="65" charset="-120"/>
+            </a:endParaRPr>
           </a:p>
           <a:p>
             <a:pPr algn="ctr"/>
             <a:r>
-              <a:rPr lang="zh-TW" altLang="en-US" dirty="0"/>
+              <a:rPr lang="zh-TW" altLang="en-US" dirty="0">
+                <a:latin typeface="標楷體" panose="03000509000000000000" pitchFamily="65" charset="-120"/>
+                <a:ea typeface="標楷體" panose="03000509000000000000" pitchFamily="65" charset="-120"/>
+              </a:rPr>
               <a:t>進入下一關</a:t>
             </a:r>
           </a:p>
@@ -6285,14 +6486,20 @@
           <a:p>
             <a:pPr algn="ctr"/>
             <a:r>
-              <a:rPr lang="en-US" altLang="zh-TW" dirty="0"/>
+              <a:rPr lang="en-US" altLang="zh-TW" dirty="0">
+                <a:latin typeface="標楷體" panose="03000509000000000000" pitchFamily="65" charset="-120"/>
+                <a:ea typeface="標楷體" panose="03000509000000000000" pitchFamily="65" charset="-120"/>
+              </a:rPr>
               <a:t>LV1~</a:t>
             </a:r>
           </a:p>
           <a:p>
             <a:pPr algn="ctr"/>
             <a:r>
-              <a:rPr lang="en-US" altLang="zh-TW" dirty="0"/>
+              <a:rPr lang="en-US" altLang="zh-TW" dirty="0">
+                <a:latin typeface="標楷體" panose="03000509000000000000" pitchFamily="65" charset="-120"/>
+                <a:ea typeface="標楷體" panose="03000509000000000000" pitchFamily="65" charset="-120"/>
+              </a:rPr>
               <a:t>LV20</a:t>
             </a:r>
           </a:p>
@@ -6383,15 +6590,24 @@
           <a:p>
             <a:pPr algn="ctr"/>
             <a:r>
-              <a:rPr lang="zh-TW" altLang="en-US" dirty="0"/>
+              <a:rPr lang="zh-TW" altLang="en-US" dirty="0">
+                <a:latin typeface="標楷體" panose="03000509000000000000" pitchFamily="65" charset="-120"/>
+                <a:ea typeface="標楷體" panose="03000509000000000000" pitchFamily="65" charset="-120"/>
+              </a:rPr>
               <a:t>方向鍵左右，</a:t>
             </a:r>
-            <a:endParaRPr lang="en-US" altLang="zh-TW" dirty="0"/>
+            <a:endParaRPr lang="en-US" altLang="zh-TW" dirty="0">
+              <a:latin typeface="標楷體" panose="03000509000000000000" pitchFamily="65" charset="-120"/>
+              <a:ea typeface="標楷體" panose="03000509000000000000" pitchFamily="65" charset="-120"/>
+            </a:endParaRPr>
           </a:p>
           <a:p>
             <a:pPr algn="ctr"/>
             <a:r>
-              <a:rPr lang="zh-TW" altLang="en-US" dirty="0"/>
+              <a:rPr lang="zh-TW" altLang="en-US" dirty="0">
+                <a:latin typeface="標楷體" panose="03000509000000000000" pitchFamily="65" charset="-120"/>
+                <a:ea typeface="標楷體" panose="03000509000000000000" pitchFamily="65" charset="-120"/>
+              </a:rPr>
               <a:t>控制球拍擊球</a:t>
             </a:r>
           </a:p>
@@ -6470,38 +6686,10 @@
       </p:grpSpPr>
       <p:sp>
         <p:nvSpPr>
-          <p:cNvPr id="2" name="標題 1">
-            <a:extLst>
-              <a:ext uri="{FF2B5EF4-FFF2-40B4-BE49-F238E27FC236}">
-                <a16:creationId xmlns:a16="http://schemas.microsoft.com/office/drawing/2014/main" id="{6762CE3C-D854-41B2-04AA-35D880A0BCC9}"/>
-              </a:ext>
-            </a:extLst>
-          </p:cNvPr>
-          <p:cNvSpPr>
-            <a:spLocks noGrp="1"/>
-          </p:cNvSpPr>
-          <p:nvPr>
-            <p:ph type="title"/>
-          </p:nvPr>
-        </p:nvSpPr>
-        <p:spPr/>
-        <p:txBody>
-          <a:bodyPr/>
-          <a:lstStyle/>
-          <a:p>
-            <a:r>
-              <a:rPr lang="zh-TW" altLang="en-US" dirty="0"/>
-              <a:t>腳本分析</a:t>
-            </a:r>
-          </a:p>
-        </p:txBody>
-      </p:sp>
-      <p:sp>
-        <p:nvSpPr>
           <p:cNvPr id="4" name="日期版面配置區 3">
             <a:extLst>
               <a:ext uri="{FF2B5EF4-FFF2-40B4-BE49-F238E27FC236}">
-                <a16:creationId xmlns:a16="http://schemas.microsoft.com/office/drawing/2014/main" id="{C9757B09-C933-07C8-454C-8E69F7F529E2}"/>
+                <a16:creationId xmlns:a16="http://schemas.microsoft.com/office/drawing/2014/main" id="{A767A302-F97F-49DB-BAF1-21A4C89A15D5}"/>
               </a:ext>
             </a:extLst>
           </p:cNvPr>
@@ -6520,7 +6708,7 @@
             <a:pPr rtl="0"/>
             <a:fld id="{A55B7815-05FA-48A0-B9F7-1E04C4F2927A}" type="datetime1">
               <a:rPr lang="zh-TW" altLang="en-US" smtClean="0"/>
-              <a:t>2024/4/26</a:t>
+              <a:t>2024/4/29</a:t>
             </a:fld>
             <a:endParaRPr lang="en-US" dirty="0"/>
           </a:p>
@@ -6528,140 +6716,10 @@
       </p:sp>
       <p:sp>
         <p:nvSpPr>
-          <p:cNvPr id="5" name="日期版面配置區 3">
-            <a:extLst>
-              <a:ext uri="{FF2B5EF4-FFF2-40B4-BE49-F238E27FC236}">
-                <a16:creationId xmlns:a16="http://schemas.microsoft.com/office/drawing/2014/main" id="{57FC03E1-73CE-93CB-4B72-C35672D432D2}"/>
-              </a:ext>
-            </a:extLst>
-          </p:cNvPr>
-          <p:cNvSpPr txBox="1">
-            <a:spLocks/>
-          </p:cNvSpPr>
-          <p:nvPr/>
-        </p:nvSpPr>
-        <p:spPr>
-          <a:xfrm>
-            <a:off x="8218426" y="6446838"/>
-            <a:ext cx="2584850" cy="365125"/>
-          </a:xfrm>
-          <a:prstGeom prst="rect">
-            <a:avLst/>
-          </a:prstGeom>
-        </p:spPr>
-        <p:txBody>
-          <a:bodyPr vert="horz" lIns="91440" tIns="45720" rIns="91440" bIns="45720" rtlCol="0" anchor="ctr"/>
-          <a:lstStyle>
-            <a:defPPr rtl="0">
-              <a:defRPr lang="zh-tw"/>
-            </a:defPPr>
-            <a:lvl1pPr marL="0" algn="r" defTabSz="914400" rtl="0" eaLnBrk="1" latinLnBrk="0" hangingPunct="1">
-              <a:defRPr sz="800" kern="1200">
-                <a:solidFill>
-                  <a:srgbClr val="FFFFFF"/>
-                </a:solidFill>
-                <a:latin typeface="Microsoft JhengHei UI" panose="020B0604030504040204" pitchFamily="34" charset="-120"/>
-                <a:ea typeface="Microsoft JhengHei UI" panose="020B0604030504040204" pitchFamily="34" charset="-120"/>
-                <a:cs typeface="+mn-cs"/>
-              </a:defRPr>
-            </a:lvl1pPr>
-            <a:lvl2pPr marL="457200" algn="l" defTabSz="914400" rtl="0" eaLnBrk="1" latinLnBrk="0" hangingPunct="1">
-              <a:defRPr sz="1800" kern="1200">
-                <a:solidFill>
-                  <a:schemeClr val="tx1"/>
-                </a:solidFill>
-                <a:latin typeface="+mn-lt"/>
-                <a:ea typeface="+mn-ea"/>
-                <a:cs typeface="+mn-cs"/>
-              </a:defRPr>
-            </a:lvl2pPr>
-            <a:lvl3pPr marL="914400" algn="l" defTabSz="914400" rtl="0" eaLnBrk="1" latinLnBrk="0" hangingPunct="1">
-              <a:defRPr sz="1800" kern="1200">
-                <a:solidFill>
-                  <a:schemeClr val="tx1"/>
-                </a:solidFill>
-                <a:latin typeface="+mn-lt"/>
-                <a:ea typeface="+mn-ea"/>
-                <a:cs typeface="+mn-cs"/>
-              </a:defRPr>
-            </a:lvl3pPr>
-            <a:lvl4pPr marL="1371600" algn="l" defTabSz="914400" rtl="0" eaLnBrk="1" latinLnBrk="0" hangingPunct="1">
-              <a:defRPr sz="1800" kern="1200">
-                <a:solidFill>
-                  <a:schemeClr val="tx1"/>
-                </a:solidFill>
-                <a:latin typeface="+mn-lt"/>
-                <a:ea typeface="+mn-ea"/>
-                <a:cs typeface="+mn-cs"/>
-              </a:defRPr>
-            </a:lvl4pPr>
-            <a:lvl5pPr marL="1828800" algn="l" defTabSz="914400" rtl="0" eaLnBrk="1" latinLnBrk="0" hangingPunct="1">
-              <a:defRPr sz="1800" kern="1200">
-                <a:solidFill>
-                  <a:schemeClr val="tx1"/>
-                </a:solidFill>
-                <a:latin typeface="+mn-lt"/>
-                <a:ea typeface="+mn-ea"/>
-                <a:cs typeface="+mn-cs"/>
-              </a:defRPr>
-            </a:lvl5pPr>
-            <a:lvl6pPr marL="2286000" algn="l" defTabSz="914400" rtl="0" eaLnBrk="1" latinLnBrk="0" hangingPunct="1">
-              <a:defRPr sz="1800" kern="1200">
-                <a:solidFill>
-                  <a:schemeClr val="tx1"/>
-                </a:solidFill>
-                <a:latin typeface="+mn-lt"/>
-                <a:ea typeface="+mn-ea"/>
-                <a:cs typeface="+mn-cs"/>
-              </a:defRPr>
-            </a:lvl6pPr>
-            <a:lvl7pPr marL="2743200" algn="l" defTabSz="914400" rtl="0" eaLnBrk="1" latinLnBrk="0" hangingPunct="1">
-              <a:defRPr sz="1800" kern="1200">
-                <a:solidFill>
-                  <a:schemeClr val="tx1"/>
-                </a:solidFill>
-                <a:latin typeface="+mn-lt"/>
-                <a:ea typeface="+mn-ea"/>
-                <a:cs typeface="+mn-cs"/>
-              </a:defRPr>
-            </a:lvl7pPr>
-            <a:lvl8pPr marL="3200400" algn="l" defTabSz="914400" rtl="0" eaLnBrk="1" latinLnBrk="0" hangingPunct="1">
-              <a:defRPr sz="1800" kern="1200">
-                <a:solidFill>
-                  <a:schemeClr val="tx1"/>
-                </a:solidFill>
-                <a:latin typeface="+mn-lt"/>
-                <a:ea typeface="+mn-ea"/>
-                <a:cs typeface="+mn-cs"/>
-              </a:defRPr>
-            </a:lvl8pPr>
-            <a:lvl9pPr marL="3657600" algn="l" defTabSz="914400" rtl="0" eaLnBrk="1" latinLnBrk="0" hangingPunct="1">
-              <a:defRPr sz="1800" kern="1200">
-                <a:solidFill>
-                  <a:schemeClr val="tx1"/>
-                </a:solidFill>
-                <a:latin typeface="+mn-lt"/>
-                <a:ea typeface="+mn-ea"/>
-                <a:cs typeface="+mn-cs"/>
-              </a:defRPr>
-            </a:lvl9pPr>
-          </a:lstStyle>
-          <a:p>
-            <a:fld id="{A55B7815-05FA-48A0-B9F7-1E04C4F2927A}" type="datetime1">
-              <a:rPr lang="zh-TW" altLang="en-US" smtClean="0"/>
-              <a:pPr/>
-              <a:t>2024/4/26</a:t>
-            </a:fld>
-            <a:endParaRPr lang="en-US" dirty="0"/>
-          </a:p>
-        </p:txBody>
-      </p:sp>
-      <p:sp>
-        <p:nvSpPr>
-          <p:cNvPr id="6" name="矩形: 圓角 5">
-            <a:extLst>
-              <a:ext uri="{FF2B5EF4-FFF2-40B4-BE49-F238E27FC236}">
-                <a16:creationId xmlns:a16="http://schemas.microsoft.com/office/drawing/2014/main" id="{9AF17C99-3103-8770-9BBD-954238EE3E48}"/>
+          <p:cNvPr id="5" name="矩形: 圓角 4">
+            <a:extLst>
+              <a:ext uri="{FF2B5EF4-FFF2-40B4-BE49-F238E27FC236}">
+                <a16:creationId xmlns:a16="http://schemas.microsoft.com/office/drawing/2014/main" id="{309AB44C-4DBF-4091-90C9-C399C2CEA423}"/>
               </a:ext>
             </a:extLst>
           </p:cNvPr>
@@ -6670,7 +6728,7 @@
         </p:nvSpPr>
         <p:spPr>
           <a:xfrm>
-            <a:off x="5203691" y="1973685"/>
+            <a:off x="5131256" y="1983999"/>
             <a:ext cx="1845578" cy="847288"/>
           </a:xfrm>
           <a:prstGeom prst="roundRect">
@@ -6699,18 +6757,39 @@
           <a:p>
             <a:pPr algn="ctr"/>
             <a:r>
-              <a:rPr lang="zh-TW" altLang="en-US" dirty="0"/>
-              <a:t>打磚塊腳本</a:t>
-            </a:r>
-          </a:p>
-        </p:txBody>
-      </p:sp>
-      <p:sp>
-        <p:nvSpPr>
-          <p:cNvPr id="7" name="矩形: 圓角 6">
-            <a:extLst>
-              <a:ext uri="{FF2B5EF4-FFF2-40B4-BE49-F238E27FC236}">
-                <a16:creationId xmlns:a16="http://schemas.microsoft.com/office/drawing/2014/main" id="{F6540F38-FAA5-D1ED-78D1-04CFCD4D12A2}"/>
+              <a:rPr lang="zh-TW" altLang="en-US" dirty="0">
+                <a:latin typeface="標楷體" panose="03000509000000000000" pitchFamily="65" charset="-120"/>
+                <a:ea typeface="標楷體" panose="03000509000000000000" pitchFamily="65" charset="-120"/>
+              </a:rPr>
+              <a:t>機器學習</a:t>
+            </a:r>
+            <a:endParaRPr lang="en-US" altLang="zh-TW" dirty="0">
+              <a:latin typeface="標楷體" panose="03000509000000000000" pitchFamily="65" charset="-120"/>
+              <a:ea typeface="標楷體" panose="03000509000000000000" pitchFamily="65" charset="-120"/>
+            </a:endParaRPr>
+          </a:p>
+          <a:p>
+            <a:pPr algn="ctr"/>
+            <a:r>
+              <a:rPr lang="en-US" altLang="zh-TW" dirty="0">
+                <a:latin typeface="標楷體" panose="03000509000000000000" pitchFamily="65" charset="-120"/>
+                <a:ea typeface="標楷體" panose="03000509000000000000" pitchFamily="65" charset="-120"/>
+              </a:rPr>
+              <a:t>KNN</a:t>
+            </a:r>
+            <a:endParaRPr lang="zh-TW" altLang="en-US" dirty="0">
+              <a:latin typeface="標楷體" panose="03000509000000000000" pitchFamily="65" charset="-120"/>
+              <a:ea typeface="標楷體" panose="03000509000000000000" pitchFamily="65" charset="-120"/>
+            </a:endParaRPr>
+          </a:p>
+        </p:txBody>
+      </p:sp>
+      <p:sp>
+        <p:nvSpPr>
+          <p:cNvPr id="42" name="矩形: 圓角 41">
+            <a:extLst>
+              <a:ext uri="{FF2B5EF4-FFF2-40B4-BE49-F238E27FC236}">
+                <a16:creationId xmlns:a16="http://schemas.microsoft.com/office/drawing/2014/main" id="{4506B62F-24A8-45A7-B800-01A34E9B7218}"/>
               </a:ext>
             </a:extLst>
           </p:cNvPr>
@@ -6719,12 +6798,88 @@
         </p:nvSpPr>
         <p:spPr>
           <a:xfrm>
-            <a:off x="9702769" y="3244616"/>
-            <a:ext cx="1845578" cy="847288"/>
+            <a:off x="1365286" y="3120329"/>
+            <a:ext cx="861825" cy="847288"/>
           </a:xfrm>
           <a:prstGeom prst="roundRect">
             <a:avLst/>
           </a:prstGeom>
+          <a:solidFill>
+            <a:schemeClr val="accent3">
+              <a:lumMod val="50000"/>
+            </a:schemeClr>
+          </a:solidFill>
+        </p:spPr>
+        <p:style>
+          <a:lnRef idx="2">
+            <a:schemeClr val="accent3">
+              <a:shade val="15000"/>
+            </a:schemeClr>
+          </a:lnRef>
+          <a:fillRef idx="1">
+            <a:schemeClr val="accent3"/>
+          </a:fillRef>
+          <a:effectRef idx="0">
+            <a:schemeClr val="accent3"/>
+          </a:effectRef>
+          <a:fontRef idx="minor">
+            <a:schemeClr val="lt1"/>
+          </a:fontRef>
+        </p:style>
+        <p:txBody>
+          <a:bodyPr rtlCol="0" anchor="ctr"/>
+          <a:lstStyle/>
+          <a:p>
+            <a:pPr algn="ctr"/>
+            <a:r>
+              <a:rPr lang="zh-TW" altLang="en-US" dirty="0">
+                <a:latin typeface="標楷體" panose="03000509000000000000" pitchFamily="65" charset="-120"/>
+                <a:ea typeface="標楷體" panose="03000509000000000000" pitchFamily="65" charset="-120"/>
+              </a:rPr>
+              <a:t>樣本</a:t>
+            </a:r>
+            <a:endParaRPr lang="en-US" altLang="zh-TW" dirty="0">
+              <a:latin typeface="標楷體" panose="03000509000000000000" pitchFamily="65" charset="-120"/>
+              <a:ea typeface="標楷體" panose="03000509000000000000" pitchFamily="65" charset="-120"/>
+            </a:endParaRPr>
+          </a:p>
+          <a:p>
+            <a:pPr algn="ctr"/>
+            <a:r>
+              <a:rPr lang="zh-TW" altLang="en-US" dirty="0">
+                <a:latin typeface="標楷體" panose="03000509000000000000" pitchFamily="65" charset="-120"/>
+                <a:ea typeface="標楷體" panose="03000509000000000000" pitchFamily="65" charset="-120"/>
+              </a:rPr>
+              <a:t>特徵</a:t>
+            </a:r>
+          </a:p>
+        </p:txBody>
+      </p:sp>
+      <p:sp>
+        <p:nvSpPr>
+          <p:cNvPr id="43" name="矩形: 圓角 42">
+            <a:extLst>
+              <a:ext uri="{FF2B5EF4-FFF2-40B4-BE49-F238E27FC236}">
+                <a16:creationId xmlns:a16="http://schemas.microsoft.com/office/drawing/2014/main" id="{65343061-80F3-4136-8546-A8DF681D4DBD}"/>
+              </a:ext>
+            </a:extLst>
+          </p:cNvPr>
+          <p:cNvSpPr/>
+          <p:nvPr/>
+        </p:nvSpPr>
+        <p:spPr>
+          <a:xfrm>
+            <a:off x="40875" y="4382494"/>
+            <a:ext cx="755131" cy="847288"/>
+          </a:xfrm>
+          <a:prstGeom prst="roundRect">
+            <a:avLst/>
+          </a:prstGeom>
+          <a:solidFill>
+            <a:schemeClr val="accent3">
+              <a:lumMod val="75000"/>
+            </a:schemeClr>
+          </a:solidFill>
         </p:spPr>
         <p:style>
           <a:lnRef idx="2">
@@ -6748,18 +6903,21 @@
           <a:p>
             <a:pPr algn="ctr"/>
             <a:r>
-              <a:rPr lang="zh-TW" altLang="en-US" dirty="0"/>
-              <a:t>驗收</a:t>
-            </a:r>
-          </a:p>
-        </p:txBody>
-      </p:sp>
-      <p:sp>
-        <p:nvSpPr>
-          <p:cNvPr id="8" name="矩形: 圓角 7">
-            <a:extLst>
-              <a:ext uri="{FF2B5EF4-FFF2-40B4-BE49-F238E27FC236}">
-                <a16:creationId xmlns:a16="http://schemas.microsoft.com/office/drawing/2014/main" id="{F3324F07-6296-6A84-6700-79E4C47221E3}"/>
+              <a:rPr lang="zh-TW" altLang="en-US" dirty="0">
+                <a:latin typeface="標楷體" panose="03000509000000000000" pitchFamily="65" charset="-120"/>
+                <a:ea typeface="標楷體" panose="03000509000000000000" pitchFamily="65" charset="-120"/>
+              </a:rPr>
+              <a:t>球的位置</a:t>
+            </a:r>
+          </a:p>
+        </p:txBody>
+      </p:sp>
+      <p:sp>
+        <p:nvSpPr>
+          <p:cNvPr id="44" name="矩形: 圓角 43">
+            <a:extLst>
+              <a:ext uri="{FF2B5EF4-FFF2-40B4-BE49-F238E27FC236}">
+                <a16:creationId xmlns:a16="http://schemas.microsoft.com/office/drawing/2014/main" id="{71623A54-4F97-4387-BCE0-7FD256CA61ED}"/>
               </a:ext>
             </a:extLst>
           </p:cNvPr>
@@ -6768,162 +6926,185 @@
         </p:nvSpPr>
         <p:spPr>
           <a:xfrm>
-            <a:off x="775209" y="3224473"/>
-            <a:ext cx="1845578" cy="847288"/>
+            <a:off x="1036896" y="4382494"/>
+            <a:ext cx="755131" cy="847288"/>
           </a:xfrm>
           <a:prstGeom prst="roundRect">
             <a:avLst/>
           </a:prstGeom>
+          <a:solidFill>
+            <a:schemeClr val="accent3">
+              <a:lumMod val="75000"/>
+            </a:schemeClr>
+          </a:solidFill>
         </p:spPr>
         <p:style>
           <a:lnRef idx="2">
-            <a:schemeClr val="accent3">
+            <a:schemeClr val="accent2">
               <a:shade val="15000"/>
             </a:schemeClr>
           </a:lnRef>
           <a:fillRef idx="1">
+            <a:schemeClr val="accent2"/>
+          </a:fillRef>
+          <a:effectRef idx="0">
+            <a:schemeClr val="accent2"/>
+          </a:effectRef>
+          <a:fontRef idx="minor">
+            <a:schemeClr val="lt1"/>
+          </a:fontRef>
+        </p:style>
+        <p:txBody>
+          <a:bodyPr rtlCol="0" anchor="ctr"/>
+          <a:lstStyle/>
+          <a:p>
+            <a:pPr algn="ctr"/>
+            <a:r>
+              <a:rPr lang="zh-TW" altLang="en-US" dirty="0">
+                <a:latin typeface="標楷體" panose="03000509000000000000" pitchFamily="65" charset="-120"/>
+                <a:ea typeface="標楷體" panose="03000509000000000000" pitchFamily="65" charset="-120"/>
+              </a:rPr>
+              <a:t>反彈點</a:t>
+            </a:r>
+          </a:p>
+        </p:txBody>
+      </p:sp>
+      <p:sp>
+        <p:nvSpPr>
+          <p:cNvPr id="45" name="矩形: 圓角 44">
+            <a:extLst>
+              <a:ext uri="{FF2B5EF4-FFF2-40B4-BE49-F238E27FC236}">
+                <a16:creationId xmlns:a16="http://schemas.microsoft.com/office/drawing/2014/main" id="{D5F673C2-3817-4863-9AFD-0713FB4B9990}"/>
+              </a:ext>
+            </a:extLst>
+          </p:cNvPr>
+          <p:cNvSpPr/>
+          <p:nvPr/>
+        </p:nvSpPr>
+        <p:spPr>
+          <a:xfrm>
+            <a:off x="2032917" y="4382493"/>
+            <a:ext cx="755131" cy="847288"/>
+          </a:xfrm>
+          <a:prstGeom prst="roundRect">
+            <a:avLst/>
+          </a:prstGeom>
+          <a:solidFill>
+            <a:schemeClr val="accent3">
+              <a:lumMod val="75000"/>
+            </a:schemeClr>
+          </a:solidFill>
+        </p:spPr>
+        <p:style>
+          <a:lnRef idx="2">
+            <a:schemeClr val="accent2">
+              <a:shade val="15000"/>
+            </a:schemeClr>
+          </a:lnRef>
+          <a:fillRef idx="1">
+            <a:schemeClr val="accent2"/>
+          </a:fillRef>
+          <a:effectRef idx="0">
+            <a:schemeClr val="accent2"/>
+          </a:effectRef>
+          <a:fontRef idx="minor">
+            <a:schemeClr val="lt1"/>
+          </a:fontRef>
+        </p:style>
+        <p:txBody>
+          <a:bodyPr rtlCol="0" anchor="ctr"/>
+          <a:lstStyle/>
+          <a:p>
+            <a:pPr algn="ctr"/>
+            <a:r>
+              <a:rPr lang="zh-TW" altLang="en-US" dirty="0">
+                <a:latin typeface="標楷體" panose="03000509000000000000" pitchFamily="65" charset="-120"/>
+                <a:ea typeface="標楷體" panose="03000509000000000000" pitchFamily="65" charset="-120"/>
+              </a:rPr>
+              <a:t>球拍</a:t>
+            </a:r>
+            <a:endParaRPr lang="en-US" altLang="zh-TW" dirty="0">
+              <a:latin typeface="標楷體" panose="03000509000000000000" pitchFamily="65" charset="-120"/>
+              <a:ea typeface="標楷體" panose="03000509000000000000" pitchFamily="65" charset="-120"/>
+            </a:endParaRPr>
+          </a:p>
+          <a:p>
+            <a:pPr algn="ctr"/>
+            <a:r>
+              <a:rPr lang="zh-TW" altLang="en-US" dirty="0">
+                <a:latin typeface="標楷體" panose="03000509000000000000" pitchFamily="65" charset="-120"/>
+                <a:ea typeface="標楷體" panose="03000509000000000000" pitchFamily="65" charset="-120"/>
+              </a:rPr>
+              <a:t>位置</a:t>
+            </a:r>
+          </a:p>
+        </p:txBody>
+      </p:sp>
+      <p:cxnSp>
+        <p:nvCxnSpPr>
+          <p:cNvPr id="46" name="接點: 肘形 45">
+            <a:extLst>
+              <a:ext uri="{FF2B5EF4-FFF2-40B4-BE49-F238E27FC236}">
+                <a16:creationId xmlns:a16="http://schemas.microsoft.com/office/drawing/2014/main" id="{90C416B4-F6EE-4ED5-81D3-788BEBE352DF}"/>
+              </a:ext>
+            </a:extLst>
+          </p:cNvPr>
+          <p:cNvCxnSpPr>
+            <a:cxnSpLocks/>
+            <a:stCxn id="42" idx="2"/>
+            <a:endCxn id="43" idx="0"/>
+          </p:cNvCxnSpPr>
+          <p:nvPr/>
+        </p:nvCxnSpPr>
+        <p:spPr>
+          <a:xfrm rot="5400000">
+            <a:off x="899882" y="3486176"/>
+            <a:ext cx="414877" cy="1377758"/>
+          </a:xfrm>
+          <a:prstGeom prst="bentConnector3">
+            <a:avLst>
+              <a:gd name="adj1" fmla="val 50000"/>
+            </a:avLst>
+          </a:prstGeom>
+          <a:ln>
+            <a:tailEnd type="triangle"/>
+          </a:ln>
+        </p:spPr>
+        <p:style>
+          <a:lnRef idx="1">
+            <a:schemeClr val="accent3"/>
+          </a:lnRef>
+          <a:fillRef idx="0">
             <a:schemeClr val="accent3"/>
           </a:fillRef>
           <a:effectRef idx="0">
             <a:schemeClr val="accent3"/>
           </a:effectRef>
           <a:fontRef idx="minor">
-            <a:schemeClr val="lt1"/>
+            <a:schemeClr val="tx1"/>
           </a:fontRef>
         </p:style>
-        <p:txBody>
-          <a:bodyPr rtlCol="0" anchor="ctr"/>
-          <a:lstStyle/>
-          <a:p>
-            <a:pPr algn="ctr"/>
-            <a:r>
-              <a:rPr lang="en-US" altLang="zh-TW" dirty="0"/>
-              <a:t> </a:t>
-            </a:r>
-            <a:r>
-              <a:rPr lang="zh-TW" altLang="en-US" dirty="0"/>
-              <a:t>功能</a:t>
-            </a:r>
-          </a:p>
-        </p:txBody>
-      </p:sp>
-      <p:sp>
-        <p:nvSpPr>
-          <p:cNvPr id="9" name="矩形: 圓角 8">
-            <a:extLst>
-              <a:ext uri="{FF2B5EF4-FFF2-40B4-BE49-F238E27FC236}">
-                <a16:creationId xmlns:a16="http://schemas.microsoft.com/office/drawing/2014/main" id="{FC2AE681-AD5D-3F52-ACD6-3441EEC7CB36}"/>
-              </a:ext>
-            </a:extLst>
-          </p:cNvPr>
-          <p:cNvSpPr/>
-          <p:nvPr/>
-        </p:nvSpPr>
-        <p:spPr>
-          <a:xfrm>
-            <a:off x="4119866" y="3244617"/>
-            <a:ext cx="1845578" cy="847288"/>
-          </a:xfrm>
-          <a:prstGeom prst="roundRect">
-            <a:avLst/>
-          </a:prstGeom>
-        </p:spPr>
-        <p:style>
-          <a:lnRef idx="2">
-            <a:schemeClr val="accent4">
-              <a:shade val="15000"/>
-            </a:schemeClr>
-          </a:lnRef>
-          <a:fillRef idx="1">
-            <a:schemeClr val="accent4"/>
-          </a:fillRef>
-          <a:effectRef idx="0">
-            <a:schemeClr val="accent4"/>
-          </a:effectRef>
-          <a:fontRef idx="minor">
-            <a:schemeClr val="lt1"/>
-          </a:fontRef>
-        </p:style>
-        <p:txBody>
-          <a:bodyPr rtlCol="0" anchor="ctr"/>
-          <a:lstStyle/>
-          <a:p>
-            <a:pPr algn="ctr"/>
-            <a:r>
-              <a:rPr lang="zh-TW" altLang="en-US" dirty="0"/>
-              <a:t>效能</a:t>
-            </a:r>
-          </a:p>
-        </p:txBody>
-      </p:sp>
-      <p:sp>
-        <p:nvSpPr>
-          <p:cNvPr id="10" name="矩形: 圓角 9">
-            <a:extLst>
-              <a:ext uri="{FF2B5EF4-FFF2-40B4-BE49-F238E27FC236}">
-                <a16:creationId xmlns:a16="http://schemas.microsoft.com/office/drawing/2014/main" id="{CA0A4D6E-1E11-DFDF-D2EC-F989C93A2CF7}"/>
-              </a:ext>
-            </a:extLst>
-          </p:cNvPr>
-          <p:cNvSpPr/>
-          <p:nvPr/>
-        </p:nvSpPr>
-        <p:spPr>
-          <a:xfrm>
-            <a:off x="6836432" y="3244617"/>
-            <a:ext cx="1845578" cy="847288"/>
-          </a:xfrm>
-          <a:prstGeom prst="roundRect">
-            <a:avLst/>
-          </a:prstGeom>
-        </p:spPr>
-        <p:style>
-          <a:lnRef idx="2">
-            <a:schemeClr val="accent6">
-              <a:shade val="15000"/>
-            </a:schemeClr>
-          </a:lnRef>
-          <a:fillRef idx="1">
-            <a:schemeClr val="accent6"/>
-          </a:fillRef>
-          <a:effectRef idx="0">
-            <a:schemeClr val="accent6"/>
-          </a:effectRef>
-          <a:fontRef idx="minor">
-            <a:schemeClr val="lt1"/>
-          </a:fontRef>
-        </p:style>
-        <p:txBody>
-          <a:bodyPr rtlCol="0" anchor="ctr"/>
-          <a:lstStyle/>
-          <a:p>
-            <a:pPr algn="ctr"/>
-            <a:r>
-              <a:rPr lang="zh-TW" altLang="en-US" dirty="0"/>
-              <a:t>介面</a:t>
-            </a:r>
-          </a:p>
-        </p:txBody>
-      </p:sp>
+      </p:cxnSp>
       <p:cxnSp>
         <p:nvCxnSpPr>
-          <p:cNvPr id="11" name="接點: 肘形 10">
-            <a:extLst>
-              <a:ext uri="{FF2B5EF4-FFF2-40B4-BE49-F238E27FC236}">
-                <a16:creationId xmlns:a16="http://schemas.microsoft.com/office/drawing/2014/main" id="{A3A85195-9CA2-23E5-C023-62DF8EAC19B8}"/>
+          <p:cNvPr id="47" name="接點: 肘形 46">
+            <a:extLst>
+              <a:ext uri="{FF2B5EF4-FFF2-40B4-BE49-F238E27FC236}">
+                <a16:creationId xmlns:a16="http://schemas.microsoft.com/office/drawing/2014/main" id="{1EF1629A-7885-4953-B992-BE5C0943BB04}"/>
               </a:ext>
             </a:extLst>
           </p:cNvPr>
           <p:cNvCxnSpPr>
-            <a:stCxn id="6" idx="2"/>
-            <a:endCxn id="7" idx="0"/>
+            <a:cxnSpLocks/>
+            <a:stCxn id="42" idx="2"/>
+            <a:endCxn id="44" idx="0"/>
           </p:cNvCxnSpPr>
           <p:nvPr/>
         </p:nvCxnSpPr>
         <p:spPr>
-          <a:xfrm rot="16200000" flipH="1">
-            <a:off x="8164198" y="783255"/>
-            <a:ext cx="423643" cy="4499078"/>
+          <a:xfrm rot="5400000">
+            <a:off x="1397893" y="3984187"/>
+            <a:ext cx="414877" cy="381737"/>
           </a:xfrm>
           <a:prstGeom prst="bentConnector3">
             <a:avLst>
@@ -6931,6 +7112,273 @@
             </a:avLst>
           </a:prstGeom>
           <a:ln>
+            <a:tailEnd type="triangle"/>
+          </a:ln>
+        </p:spPr>
+        <p:style>
+          <a:lnRef idx="1">
+            <a:schemeClr val="accent3"/>
+          </a:lnRef>
+          <a:fillRef idx="0">
+            <a:schemeClr val="accent3"/>
+          </a:fillRef>
+          <a:effectRef idx="0">
+            <a:schemeClr val="accent3"/>
+          </a:effectRef>
+          <a:fontRef idx="minor">
+            <a:schemeClr val="tx1"/>
+          </a:fontRef>
+        </p:style>
+      </p:cxnSp>
+      <p:cxnSp>
+        <p:nvCxnSpPr>
+          <p:cNvPr id="48" name="接點: 肘形 47">
+            <a:extLst>
+              <a:ext uri="{FF2B5EF4-FFF2-40B4-BE49-F238E27FC236}">
+                <a16:creationId xmlns:a16="http://schemas.microsoft.com/office/drawing/2014/main" id="{BC973270-4D92-40FC-8E4F-D0D59AA2A2F9}"/>
+              </a:ext>
+            </a:extLst>
+          </p:cNvPr>
+          <p:cNvCxnSpPr>
+            <a:cxnSpLocks/>
+            <a:stCxn id="42" idx="2"/>
+            <a:endCxn id="45" idx="0"/>
+          </p:cNvCxnSpPr>
+          <p:nvPr/>
+        </p:nvCxnSpPr>
+        <p:spPr>
+          <a:xfrm rot="16200000" flipH="1">
+            <a:off x="1895903" y="3867913"/>
+            <a:ext cx="414876" cy="614284"/>
+          </a:xfrm>
+          <a:prstGeom prst="bentConnector3">
+            <a:avLst>
+              <a:gd name="adj1" fmla="val 50000"/>
+            </a:avLst>
+          </a:prstGeom>
+          <a:ln>
+            <a:tailEnd type="triangle"/>
+          </a:ln>
+        </p:spPr>
+        <p:style>
+          <a:lnRef idx="1">
+            <a:schemeClr val="accent3"/>
+          </a:lnRef>
+          <a:fillRef idx="0">
+            <a:schemeClr val="accent3"/>
+          </a:fillRef>
+          <a:effectRef idx="0">
+            <a:schemeClr val="accent3"/>
+          </a:effectRef>
+          <a:fontRef idx="minor">
+            <a:schemeClr val="tx1"/>
+          </a:fontRef>
+        </p:style>
+      </p:cxnSp>
+      <p:sp>
+        <p:nvSpPr>
+          <p:cNvPr id="49" name="矩形: 圓角 48">
+            <a:extLst>
+              <a:ext uri="{FF2B5EF4-FFF2-40B4-BE49-F238E27FC236}">
+                <a16:creationId xmlns:a16="http://schemas.microsoft.com/office/drawing/2014/main" id="{0F5D318D-C04C-4441-8130-5DB4D68C26E5}"/>
+              </a:ext>
+            </a:extLst>
+          </p:cNvPr>
+          <p:cNvSpPr/>
+          <p:nvPr/>
+        </p:nvSpPr>
+        <p:spPr>
+          <a:xfrm>
+            <a:off x="220461" y="5491616"/>
+            <a:ext cx="730516" cy="847288"/>
+          </a:xfrm>
+          <a:prstGeom prst="roundRect">
+            <a:avLst/>
+          </a:prstGeom>
+          <a:solidFill>
+            <a:schemeClr val="accent3">
+              <a:lumMod val="60000"/>
+              <a:lumOff val="40000"/>
+            </a:schemeClr>
+          </a:solidFill>
+        </p:spPr>
+        <p:style>
+          <a:lnRef idx="2">
+            <a:schemeClr val="accent2">
+              <a:shade val="15000"/>
+            </a:schemeClr>
+          </a:lnRef>
+          <a:fillRef idx="1">
+            <a:schemeClr val="accent2"/>
+          </a:fillRef>
+          <a:effectRef idx="0">
+            <a:schemeClr val="accent2"/>
+          </a:effectRef>
+          <a:fontRef idx="minor">
+            <a:schemeClr val="lt1"/>
+          </a:fontRef>
+        </p:style>
+        <p:txBody>
+          <a:bodyPr rtlCol="0" anchor="ctr"/>
+          <a:lstStyle/>
+          <a:p>
+            <a:pPr algn="ctr"/>
+            <a:r>
+              <a:rPr lang="zh-TW" altLang="en-US" dirty="0">
+                <a:latin typeface="標楷體" panose="03000509000000000000" pitchFamily="65" charset="-120"/>
+                <a:ea typeface="標楷體" panose="03000509000000000000" pitchFamily="65" charset="-120"/>
+              </a:rPr>
+              <a:t>畫面邊緣</a:t>
+            </a:r>
+          </a:p>
+        </p:txBody>
+      </p:sp>
+      <p:sp>
+        <p:nvSpPr>
+          <p:cNvPr id="50" name="矩形: 圓角 49">
+            <a:extLst>
+              <a:ext uri="{FF2B5EF4-FFF2-40B4-BE49-F238E27FC236}">
+                <a16:creationId xmlns:a16="http://schemas.microsoft.com/office/drawing/2014/main" id="{3044D15A-E44B-4A7C-9EA3-1D2871E364A6}"/>
+              </a:ext>
+            </a:extLst>
+          </p:cNvPr>
+          <p:cNvSpPr/>
+          <p:nvPr/>
+        </p:nvSpPr>
+        <p:spPr>
+          <a:xfrm>
+            <a:off x="1049206" y="5491616"/>
+            <a:ext cx="730516" cy="847288"/>
+          </a:xfrm>
+          <a:prstGeom prst="roundRect">
+            <a:avLst/>
+          </a:prstGeom>
+          <a:solidFill>
+            <a:schemeClr val="accent3">
+              <a:lumMod val="60000"/>
+              <a:lumOff val="40000"/>
+            </a:schemeClr>
+          </a:solidFill>
+        </p:spPr>
+        <p:style>
+          <a:lnRef idx="2">
+            <a:schemeClr val="accent2">
+              <a:shade val="15000"/>
+            </a:schemeClr>
+          </a:lnRef>
+          <a:fillRef idx="1">
+            <a:schemeClr val="accent2"/>
+          </a:fillRef>
+          <a:effectRef idx="0">
+            <a:schemeClr val="accent2"/>
+          </a:effectRef>
+          <a:fontRef idx="minor">
+            <a:schemeClr val="lt1"/>
+          </a:fontRef>
+        </p:style>
+        <p:txBody>
+          <a:bodyPr rtlCol="0" anchor="ctr"/>
+          <a:lstStyle/>
+          <a:p>
+            <a:pPr algn="ctr"/>
+            <a:r>
+              <a:rPr lang="zh-TW" altLang="en-US" dirty="0">
+                <a:latin typeface="標楷體" panose="03000509000000000000" pitchFamily="65" charset="-120"/>
+                <a:ea typeface="標楷體" panose="03000509000000000000" pitchFamily="65" charset="-120"/>
+              </a:rPr>
+              <a:t>磚塊</a:t>
+            </a:r>
+          </a:p>
+        </p:txBody>
+      </p:sp>
+      <p:sp>
+        <p:nvSpPr>
+          <p:cNvPr id="51" name="矩形: 圓角 50">
+            <a:extLst>
+              <a:ext uri="{FF2B5EF4-FFF2-40B4-BE49-F238E27FC236}">
+                <a16:creationId xmlns:a16="http://schemas.microsoft.com/office/drawing/2014/main" id="{E8C12227-7CCE-48E9-A41D-FAAEA42B4722}"/>
+              </a:ext>
+            </a:extLst>
+          </p:cNvPr>
+          <p:cNvSpPr/>
+          <p:nvPr/>
+        </p:nvSpPr>
+        <p:spPr>
+          <a:xfrm>
+            <a:off x="1877951" y="5491616"/>
+            <a:ext cx="793833" cy="847288"/>
+          </a:xfrm>
+          <a:prstGeom prst="roundRect">
+            <a:avLst/>
+          </a:prstGeom>
+          <a:solidFill>
+            <a:schemeClr val="accent3">
+              <a:lumMod val="60000"/>
+              <a:lumOff val="40000"/>
+            </a:schemeClr>
+          </a:solidFill>
+        </p:spPr>
+        <p:style>
+          <a:lnRef idx="2">
+            <a:schemeClr val="accent2">
+              <a:shade val="15000"/>
+            </a:schemeClr>
+          </a:lnRef>
+          <a:fillRef idx="1">
+            <a:schemeClr val="accent2"/>
+          </a:fillRef>
+          <a:effectRef idx="0">
+            <a:schemeClr val="accent2"/>
+          </a:effectRef>
+          <a:fontRef idx="minor">
+            <a:schemeClr val="lt1"/>
+          </a:fontRef>
+        </p:style>
+        <p:txBody>
+          <a:bodyPr rtlCol="0" anchor="ctr"/>
+          <a:lstStyle/>
+          <a:p>
+            <a:pPr algn="ctr"/>
+            <a:r>
+              <a:rPr lang="zh-TW" altLang="en-US" dirty="0">
+                <a:latin typeface="標楷體" panose="03000509000000000000" pitchFamily="65" charset="-120"/>
+                <a:ea typeface="標楷體" panose="03000509000000000000" pitchFamily="65" charset="-120"/>
+              </a:rPr>
+              <a:t>球拍</a:t>
+            </a:r>
+          </a:p>
+        </p:txBody>
+      </p:sp>
+      <p:cxnSp>
+        <p:nvCxnSpPr>
+          <p:cNvPr id="52" name="接點: 肘形 51">
+            <a:extLst>
+              <a:ext uri="{FF2B5EF4-FFF2-40B4-BE49-F238E27FC236}">
+                <a16:creationId xmlns:a16="http://schemas.microsoft.com/office/drawing/2014/main" id="{D67A56C8-01F4-43AF-88BE-7CDF43E0284E}"/>
+              </a:ext>
+            </a:extLst>
+          </p:cNvPr>
+          <p:cNvCxnSpPr>
+            <a:cxnSpLocks/>
+            <a:stCxn id="44" idx="2"/>
+            <a:endCxn id="51" idx="0"/>
+          </p:cNvCxnSpPr>
+          <p:nvPr/>
+        </p:nvCxnSpPr>
+        <p:spPr>
+          <a:xfrm rot="16200000" flipH="1">
+            <a:off x="1713748" y="4930496"/>
+            <a:ext cx="261834" cy="860406"/>
+          </a:xfrm>
+          <a:prstGeom prst="bentConnector3">
+            <a:avLst/>
+          </a:prstGeom>
+          <a:ln>
+            <a:solidFill>
+              <a:schemeClr val="accent3">
+                <a:lumMod val="75000"/>
+              </a:schemeClr>
+            </a:solidFill>
             <a:tailEnd type="triangle"/>
           </a:ln>
         </p:spPr>
@@ -6951,29 +7399,34 @@
       </p:cxnSp>
       <p:cxnSp>
         <p:nvCxnSpPr>
-          <p:cNvPr id="12" name="接點: 肘形 11">
-            <a:extLst>
-              <a:ext uri="{FF2B5EF4-FFF2-40B4-BE49-F238E27FC236}">
-                <a16:creationId xmlns:a16="http://schemas.microsoft.com/office/drawing/2014/main" id="{B8911F28-6EFC-0108-8A21-4513BF2B4B6D}"/>
+          <p:cNvPr id="53" name="接點: 肘形 52">
+            <a:extLst>
+              <a:ext uri="{FF2B5EF4-FFF2-40B4-BE49-F238E27FC236}">
+                <a16:creationId xmlns:a16="http://schemas.microsoft.com/office/drawing/2014/main" id="{4ACC56B6-8D64-4EF8-A7EE-DB4AE0836665}"/>
               </a:ext>
             </a:extLst>
           </p:cNvPr>
           <p:cNvCxnSpPr>
             <a:cxnSpLocks/>
-            <a:stCxn id="6" idx="2"/>
-            <a:endCxn id="8" idx="0"/>
+            <a:stCxn id="44" idx="2"/>
+            <a:endCxn id="50" idx="0"/>
           </p:cNvCxnSpPr>
           <p:nvPr/>
         </p:nvCxnSpPr>
         <p:spPr>
-          <a:xfrm rot="5400000">
-            <a:off x="3710489" y="808482"/>
-            <a:ext cx="403500" cy="4428482"/>
+          <a:xfrm rot="16200000" flipH="1">
+            <a:off x="1283546" y="5360698"/>
+            <a:ext cx="261834" cy="2"/>
           </a:xfrm>
           <a:prstGeom prst="bentConnector3">
             <a:avLst/>
           </a:prstGeom>
           <a:ln>
+            <a:solidFill>
+              <a:schemeClr val="accent3">
+                <a:lumMod val="75000"/>
+              </a:schemeClr>
+            </a:solidFill>
             <a:tailEnd type="triangle"/>
           </a:ln>
         </p:spPr>
@@ -6994,23 +7447,874 @@
       </p:cxnSp>
       <p:cxnSp>
         <p:nvCxnSpPr>
-          <p:cNvPr id="13" name="接點: 肘形 12">
-            <a:extLst>
-              <a:ext uri="{FF2B5EF4-FFF2-40B4-BE49-F238E27FC236}">
-                <a16:creationId xmlns:a16="http://schemas.microsoft.com/office/drawing/2014/main" id="{527F9BA0-BBDD-27CC-9683-35EC46226037}"/>
+          <p:cNvPr id="54" name="接點: 肘形 53">
+            <a:extLst>
+              <a:ext uri="{FF2B5EF4-FFF2-40B4-BE49-F238E27FC236}">
+                <a16:creationId xmlns:a16="http://schemas.microsoft.com/office/drawing/2014/main" id="{5316C778-0EED-49BD-8CE4-1A99066A1913}"/>
               </a:ext>
             </a:extLst>
           </p:cNvPr>
           <p:cNvCxnSpPr>
-            <a:stCxn id="6" idx="2"/>
-            <a:endCxn id="9" idx="0"/>
+            <a:cxnSpLocks/>
+            <a:stCxn id="44" idx="2"/>
+            <a:endCxn id="49" idx="0"/>
           </p:cNvCxnSpPr>
           <p:nvPr/>
         </p:nvCxnSpPr>
         <p:spPr>
           <a:xfrm rot="5400000">
-            <a:off x="5372746" y="2490883"/>
-            <a:ext cx="423644" cy="1083825"/>
+            <a:off x="869174" y="4946328"/>
+            <a:ext cx="261834" cy="828743"/>
+          </a:xfrm>
+          <a:prstGeom prst="bentConnector3">
+            <a:avLst/>
+          </a:prstGeom>
+          <a:ln>
+            <a:solidFill>
+              <a:schemeClr val="accent3">
+                <a:lumMod val="75000"/>
+              </a:schemeClr>
+            </a:solidFill>
+            <a:tailEnd type="triangle"/>
+          </a:ln>
+        </p:spPr>
+        <p:style>
+          <a:lnRef idx="1">
+            <a:schemeClr val="accent1"/>
+          </a:lnRef>
+          <a:fillRef idx="0">
+            <a:schemeClr val="accent1"/>
+          </a:fillRef>
+          <a:effectRef idx="0">
+            <a:schemeClr val="accent1"/>
+          </a:effectRef>
+          <a:fontRef idx="minor">
+            <a:schemeClr val="tx1"/>
+          </a:fontRef>
+        </p:style>
+      </p:cxnSp>
+      <p:sp>
+        <p:nvSpPr>
+          <p:cNvPr id="74" name="矩形: 圓角 73">
+            <a:extLst>
+              <a:ext uri="{FF2B5EF4-FFF2-40B4-BE49-F238E27FC236}">
+                <a16:creationId xmlns:a16="http://schemas.microsoft.com/office/drawing/2014/main" id="{F0810732-9FAF-4540-B71B-5F9DB77ECA94}"/>
+              </a:ext>
+            </a:extLst>
+          </p:cNvPr>
+          <p:cNvSpPr/>
+          <p:nvPr/>
+        </p:nvSpPr>
+        <p:spPr>
+          <a:xfrm>
+            <a:off x="3028937" y="4382492"/>
+            <a:ext cx="755131" cy="847288"/>
+          </a:xfrm>
+          <a:prstGeom prst="roundRect">
+            <a:avLst/>
+          </a:prstGeom>
+          <a:solidFill>
+            <a:schemeClr val="accent3">
+              <a:lumMod val="75000"/>
+            </a:schemeClr>
+          </a:solidFill>
+        </p:spPr>
+        <p:style>
+          <a:lnRef idx="2">
+            <a:schemeClr val="accent2">
+              <a:shade val="15000"/>
+            </a:schemeClr>
+          </a:lnRef>
+          <a:fillRef idx="1">
+            <a:schemeClr val="accent2"/>
+          </a:fillRef>
+          <a:effectRef idx="0">
+            <a:schemeClr val="accent2"/>
+          </a:effectRef>
+          <a:fontRef idx="minor">
+            <a:schemeClr val="lt1"/>
+          </a:fontRef>
+        </p:style>
+        <p:txBody>
+          <a:bodyPr rtlCol="0" anchor="ctr"/>
+          <a:lstStyle/>
+          <a:p>
+            <a:pPr algn="ctr"/>
+            <a:r>
+              <a:rPr lang="zh-TW" altLang="en-US" dirty="0">
+                <a:latin typeface="標楷體" panose="03000509000000000000" pitchFamily="65" charset="-120"/>
+                <a:ea typeface="標楷體" panose="03000509000000000000" pitchFamily="65" charset="-120"/>
+              </a:rPr>
+              <a:t>球速</a:t>
+            </a:r>
+          </a:p>
+        </p:txBody>
+      </p:sp>
+      <p:cxnSp>
+        <p:nvCxnSpPr>
+          <p:cNvPr id="79" name="接點: 肘形 78">
+            <a:extLst>
+              <a:ext uri="{FF2B5EF4-FFF2-40B4-BE49-F238E27FC236}">
+                <a16:creationId xmlns:a16="http://schemas.microsoft.com/office/drawing/2014/main" id="{AD48916B-36A6-434E-8271-F7E6096BC187}"/>
+              </a:ext>
+            </a:extLst>
+          </p:cNvPr>
+          <p:cNvCxnSpPr>
+            <a:cxnSpLocks/>
+            <a:stCxn id="42" idx="2"/>
+            <a:endCxn id="74" idx="0"/>
+          </p:cNvCxnSpPr>
+          <p:nvPr/>
+        </p:nvCxnSpPr>
+        <p:spPr>
+          <a:xfrm rot="16200000" flipH="1">
+            <a:off x="2393914" y="3369902"/>
+            <a:ext cx="414875" cy="1610304"/>
+          </a:xfrm>
+          <a:prstGeom prst="bentConnector3">
+            <a:avLst/>
+          </a:prstGeom>
+          <a:ln>
+            <a:tailEnd type="triangle"/>
+          </a:ln>
+        </p:spPr>
+        <p:style>
+          <a:lnRef idx="1">
+            <a:schemeClr val="accent3"/>
+          </a:lnRef>
+          <a:fillRef idx="0">
+            <a:schemeClr val="accent3"/>
+          </a:fillRef>
+          <a:effectRef idx="0">
+            <a:schemeClr val="accent3"/>
+          </a:effectRef>
+          <a:fontRef idx="minor">
+            <a:schemeClr val="tx1"/>
+          </a:fontRef>
+        </p:style>
+      </p:cxnSp>
+      <p:sp>
+        <p:nvSpPr>
+          <p:cNvPr id="95" name="矩形: 圓角 94">
+            <a:extLst>
+              <a:ext uri="{FF2B5EF4-FFF2-40B4-BE49-F238E27FC236}">
+                <a16:creationId xmlns:a16="http://schemas.microsoft.com/office/drawing/2014/main" id="{95CBA30A-A835-47B5-8A8B-3AF0900BE1E6}"/>
+              </a:ext>
+            </a:extLst>
+          </p:cNvPr>
+          <p:cNvSpPr/>
+          <p:nvPr/>
+        </p:nvSpPr>
+        <p:spPr>
+          <a:xfrm>
+            <a:off x="5618960" y="3120328"/>
+            <a:ext cx="861825" cy="847288"/>
+          </a:xfrm>
+          <a:prstGeom prst="roundRect">
+            <a:avLst/>
+          </a:prstGeom>
+        </p:spPr>
+        <p:style>
+          <a:lnRef idx="2">
+            <a:schemeClr val="accent2">
+              <a:shade val="50000"/>
+            </a:schemeClr>
+          </a:lnRef>
+          <a:fillRef idx="1">
+            <a:schemeClr val="accent2"/>
+          </a:fillRef>
+          <a:effectRef idx="0">
+            <a:schemeClr val="accent2"/>
+          </a:effectRef>
+          <a:fontRef idx="minor">
+            <a:schemeClr val="lt1"/>
+          </a:fontRef>
+        </p:style>
+        <p:txBody>
+          <a:bodyPr rtlCol="0" anchor="ctr"/>
+          <a:lstStyle/>
+          <a:p>
+            <a:pPr algn="ctr"/>
+            <a:r>
+              <a:rPr lang="zh-TW" altLang="en-US" dirty="0">
+                <a:latin typeface="標楷體" panose="03000509000000000000" pitchFamily="65" charset="-120"/>
+                <a:ea typeface="標楷體" panose="03000509000000000000" pitchFamily="65" charset="-120"/>
+              </a:rPr>
+              <a:t>數據</a:t>
+            </a:r>
+            <a:endParaRPr lang="en-US" altLang="zh-TW" dirty="0">
+              <a:latin typeface="標楷體" panose="03000509000000000000" pitchFamily="65" charset="-120"/>
+              <a:ea typeface="標楷體" panose="03000509000000000000" pitchFamily="65" charset="-120"/>
+            </a:endParaRPr>
+          </a:p>
+          <a:p>
+            <a:pPr algn="ctr"/>
+            <a:r>
+              <a:rPr lang="zh-TW" altLang="en-US" dirty="0">
+                <a:latin typeface="標楷體" panose="03000509000000000000" pitchFamily="65" charset="-120"/>
+                <a:ea typeface="標楷體" panose="03000509000000000000" pitchFamily="65" charset="-120"/>
+              </a:rPr>
+              <a:t>劃分</a:t>
+            </a:r>
+          </a:p>
+        </p:txBody>
+      </p:sp>
+      <p:sp>
+        <p:nvSpPr>
+          <p:cNvPr id="96" name="矩形: 圓角 95">
+            <a:extLst>
+              <a:ext uri="{FF2B5EF4-FFF2-40B4-BE49-F238E27FC236}">
+                <a16:creationId xmlns:a16="http://schemas.microsoft.com/office/drawing/2014/main" id="{99F8C37E-CF8B-4540-9B45-4E3503A020E0}"/>
+              </a:ext>
+            </a:extLst>
+          </p:cNvPr>
+          <p:cNvSpPr/>
+          <p:nvPr/>
+        </p:nvSpPr>
+        <p:spPr>
+          <a:xfrm>
+            <a:off x="5102493" y="4364051"/>
+            <a:ext cx="861825" cy="847288"/>
+          </a:xfrm>
+          <a:prstGeom prst="roundRect">
+            <a:avLst/>
+          </a:prstGeom>
+          <a:solidFill>
+            <a:schemeClr val="accent2">
+              <a:lumMod val="60000"/>
+              <a:lumOff val="40000"/>
+            </a:schemeClr>
+          </a:solidFill>
+        </p:spPr>
+        <p:style>
+          <a:lnRef idx="2">
+            <a:schemeClr val="accent4">
+              <a:shade val="15000"/>
+            </a:schemeClr>
+          </a:lnRef>
+          <a:fillRef idx="1">
+            <a:schemeClr val="accent4"/>
+          </a:fillRef>
+          <a:effectRef idx="0">
+            <a:schemeClr val="accent4"/>
+          </a:effectRef>
+          <a:fontRef idx="minor">
+            <a:schemeClr val="lt1"/>
+          </a:fontRef>
+        </p:style>
+        <p:txBody>
+          <a:bodyPr rtlCol="0" anchor="ctr"/>
+          <a:lstStyle/>
+          <a:p>
+            <a:pPr algn="ctr"/>
+            <a:r>
+              <a:rPr lang="zh-TW" altLang="en-US" dirty="0">
+                <a:latin typeface="標楷體" panose="03000509000000000000" pitchFamily="65" charset="-120"/>
+                <a:ea typeface="標楷體" panose="03000509000000000000" pitchFamily="65" charset="-120"/>
+              </a:rPr>
+              <a:t>訓練集</a:t>
+            </a:r>
+          </a:p>
+        </p:txBody>
+      </p:sp>
+      <p:sp>
+        <p:nvSpPr>
+          <p:cNvPr id="97" name="矩形: 圓角 96">
+            <a:extLst>
+              <a:ext uri="{FF2B5EF4-FFF2-40B4-BE49-F238E27FC236}">
+                <a16:creationId xmlns:a16="http://schemas.microsoft.com/office/drawing/2014/main" id="{EBB58518-35F3-4C82-AD5A-0DB2F042AF22}"/>
+              </a:ext>
+            </a:extLst>
+          </p:cNvPr>
+          <p:cNvSpPr/>
+          <p:nvPr/>
+        </p:nvSpPr>
+        <p:spPr>
+          <a:xfrm>
+            <a:off x="6221657" y="4364051"/>
+            <a:ext cx="861825" cy="847288"/>
+          </a:xfrm>
+          <a:prstGeom prst="roundRect">
+            <a:avLst/>
+          </a:prstGeom>
+          <a:solidFill>
+            <a:schemeClr val="accent2">
+              <a:lumMod val="60000"/>
+              <a:lumOff val="40000"/>
+            </a:schemeClr>
+          </a:solidFill>
+        </p:spPr>
+        <p:style>
+          <a:lnRef idx="2">
+            <a:schemeClr val="accent4">
+              <a:shade val="15000"/>
+            </a:schemeClr>
+          </a:lnRef>
+          <a:fillRef idx="1">
+            <a:schemeClr val="accent4"/>
+          </a:fillRef>
+          <a:effectRef idx="0">
+            <a:schemeClr val="accent4"/>
+          </a:effectRef>
+          <a:fontRef idx="minor">
+            <a:schemeClr val="lt1"/>
+          </a:fontRef>
+        </p:style>
+        <p:txBody>
+          <a:bodyPr rtlCol="0" anchor="ctr"/>
+          <a:lstStyle/>
+          <a:p>
+            <a:pPr algn="ctr"/>
+            <a:r>
+              <a:rPr lang="zh-TW" altLang="en-US" dirty="0">
+                <a:latin typeface="標楷體" panose="03000509000000000000" pitchFamily="65" charset="-120"/>
+                <a:ea typeface="標楷體" panose="03000509000000000000" pitchFamily="65" charset="-120"/>
+              </a:rPr>
+              <a:t>測試集</a:t>
+            </a:r>
+          </a:p>
+        </p:txBody>
+      </p:sp>
+      <p:sp>
+        <p:nvSpPr>
+          <p:cNvPr id="99" name="矩形: 圓角 98">
+            <a:extLst>
+              <a:ext uri="{FF2B5EF4-FFF2-40B4-BE49-F238E27FC236}">
+                <a16:creationId xmlns:a16="http://schemas.microsoft.com/office/drawing/2014/main" id="{5484148D-CBEB-4013-A054-C79CF3D5A2C8}"/>
+              </a:ext>
+            </a:extLst>
+          </p:cNvPr>
+          <p:cNvSpPr/>
+          <p:nvPr/>
+        </p:nvSpPr>
+        <p:spPr>
+          <a:xfrm>
+            <a:off x="10168226" y="3120328"/>
+            <a:ext cx="861825" cy="847288"/>
+          </a:xfrm>
+          <a:prstGeom prst="roundRect">
+            <a:avLst/>
+          </a:prstGeom>
+        </p:spPr>
+        <p:style>
+          <a:lnRef idx="2">
+            <a:schemeClr val="accent4">
+              <a:shade val="15000"/>
+            </a:schemeClr>
+          </a:lnRef>
+          <a:fillRef idx="1">
+            <a:schemeClr val="accent4"/>
+          </a:fillRef>
+          <a:effectRef idx="0">
+            <a:schemeClr val="accent4"/>
+          </a:effectRef>
+          <a:fontRef idx="minor">
+            <a:schemeClr val="lt1"/>
+          </a:fontRef>
+        </p:style>
+        <p:txBody>
+          <a:bodyPr rtlCol="0" anchor="ctr"/>
+          <a:lstStyle/>
+          <a:p>
+            <a:pPr algn="ctr"/>
+            <a:r>
+              <a:rPr lang="zh-TW" altLang="en-US" dirty="0">
+                <a:latin typeface="標楷體" panose="03000509000000000000" pitchFamily="65" charset="-120"/>
+                <a:ea typeface="標楷體" panose="03000509000000000000" pitchFamily="65" charset="-120"/>
+              </a:rPr>
+              <a:t>結果</a:t>
+            </a:r>
+          </a:p>
+        </p:txBody>
+      </p:sp>
+      <p:sp>
+        <p:nvSpPr>
+          <p:cNvPr id="100" name="矩形: 圓角 99">
+            <a:extLst>
+              <a:ext uri="{FF2B5EF4-FFF2-40B4-BE49-F238E27FC236}">
+                <a16:creationId xmlns:a16="http://schemas.microsoft.com/office/drawing/2014/main" id="{E67CC48E-3C0C-45D9-98E3-93A2DE719AFC}"/>
+              </a:ext>
+            </a:extLst>
+          </p:cNvPr>
+          <p:cNvSpPr/>
+          <p:nvPr/>
+        </p:nvSpPr>
+        <p:spPr>
+          <a:xfrm>
+            <a:off x="9232849" y="4364052"/>
+            <a:ext cx="755131" cy="847288"/>
+          </a:xfrm>
+          <a:prstGeom prst="roundRect">
+            <a:avLst/>
+          </a:prstGeom>
+          <a:solidFill>
+            <a:schemeClr val="accent4">
+              <a:lumMod val="60000"/>
+              <a:lumOff val="40000"/>
+            </a:schemeClr>
+          </a:solidFill>
+        </p:spPr>
+        <p:style>
+          <a:lnRef idx="2">
+            <a:schemeClr val="accent2">
+              <a:shade val="15000"/>
+            </a:schemeClr>
+          </a:lnRef>
+          <a:fillRef idx="1">
+            <a:schemeClr val="accent2"/>
+          </a:fillRef>
+          <a:effectRef idx="0">
+            <a:schemeClr val="accent2"/>
+          </a:effectRef>
+          <a:fontRef idx="minor">
+            <a:schemeClr val="lt1"/>
+          </a:fontRef>
+        </p:style>
+        <p:txBody>
+          <a:bodyPr rtlCol="0" anchor="ctr"/>
+          <a:lstStyle/>
+          <a:p>
+            <a:pPr algn="ctr"/>
+            <a:r>
+              <a:rPr lang="zh-TW" altLang="en-US" dirty="0">
+                <a:latin typeface="標楷體" panose="03000509000000000000" pitchFamily="65" charset="-120"/>
+                <a:ea typeface="標楷體" panose="03000509000000000000" pitchFamily="65" charset="-120"/>
+              </a:rPr>
+              <a:t>球拍</a:t>
+            </a:r>
+            <a:endParaRPr lang="en-US" altLang="zh-TW" dirty="0">
+              <a:latin typeface="標楷體" panose="03000509000000000000" pitchFamily="65" charset="-120"/>
+              <a:ea typeface="標楷體" panose="03000509000000000000" pitchFamily="65" charset="-120"/>
+            </a:endParaRPr>
+          </a:p>
+          <a:p>
+            <a:pPr algn="ctr"/>
+            <a:r>
+              <a:rPr lang="zh-TW" altLang="en-US" dirty="0">
+                <a:latin typeface="標楷體" panose="03000509000000000000" pitchFamily="65" charset="-120"/>
+                <a:ea typeface="標楷體" panose="03000509000000000000" pitchFamily="65" charset="-120"/>
+              </a:rPr>
+              <a:t>左移</a:t>
+            </a:r>
+          </a:p>
+        </p:txBody>
+      </p:sp>
+      <p:sp>
+        <p:nvSpPr>
+          <p:cNvPr id="101" name="矩形: 圓角 100">
+            <a:extLst>
+              <a:ext uri="{FF2B5EF4-FFF2-40B4-BE49-F238E27FC236}">
+                <a16:creationId xmlns:a16="http://schemas.microsoft.com/office/drawing/2014/main" id="{5F3469F6-B986-4C0F-9F0C-4446B5BB4EAC}"/>
+              </a:ext>
+            </a:extLst>
+          </p:cNvPr>
+          <p:cNvSpPr/>
+          <p:nvPr/>
+        </p:nvSpPr>
+        <p:spPr>
+          <a:xfrm>
+            <a:off x="10222745" y="4382492"/>
+            <a:ext cx="755131" cy="847288"/>
+          </a:xfrm>
+          <a:prstGeom prst="roundRect">
+            <a:avLst/>
+          </a:prstGeom>
+          <a:solidFill>
+            <a:schemeClr val="accent4">
+              <a:lumMod val="60000"/>
+              <a:lumOff val="40000"/>
+            </a:schemeClr>
+          </a:solidFill>
+        </p:spPr>
+        <p:style>
+          <a:lnRef idx="2">
+            <a:schemeClr val="accent2">
+              <a:shade val="15000"/>
+            </a:schemeClr>
+          </a:lnRef>
+          <a:fillRef idx="1">
+            <a:schemeClr val="accent2"/>
+          </a:fillRef>
+          <a:effectRef idx="0">
+            <a:schemeClr val="accent2"/>
+          </a:effectRef>
+          <a:fontRef idx="minor">
+            <a:schemeClr val="lt1"/>
+          </a:fontRef>
+        </p:style>
+        <p:txBody>
+          <a:bodyPr rtlCol="0" anchor="ctr"/>
+          <a:lstStyle/>
+          <a:p>
+            <a:pPr algn="ctr"/>
+            <a:r>
+              <a:rPr lang="zh-TW" altLang="en-US" dirty="0">
+                <a:latin typeface="標楷體" panose="03000509000000000000" pitchFamily="65" charset="-120"/>
+                <a:ea typeface="標楷體" panose="03000509000000000000" pitchFamily="65" charset="-120"/>
+              </a:rPr>
+              <a:t>球拍</a:t>
+            </a:r>
+            <a:endParaRPr lang="en-US" altLang="zh-TW" dirty="0">
+              <a:latin typeface="標楷體" panose="03000509000000000000" pitchFamily="65" charset="-120"/>
+              <a:ea typeface="標楷體" panose="03000509000000000000" pitchFamily="65" charset="-120"/>
+            </a:endParaRPr>
+          </a:p>
+          <a:p>
+            <a:pPr algn="ctr"/>
+            <a:r>
+              <a:rPr lang="zh-TW" altLang="en-US" dirty="0">
+                <a:latin typeface="標楷體" panose="03000509000000000000" pitchFamily="65" charset="-120"/>
+                <a:ea typeface="標楷體" panose="03000509000000000000" pitchFamily="65" charset="-120"/>
+              </a:rPr>
+              <a:t>右移</a:t>
+            </a:r>
+          </a:p>
+        </p:txBody>
+      </p:sp>
+      <p:sp>
+        <p:nvSpPr>
+          <p:cNvPr id="102" name="矩形: 圓角 101">
+            <a:extLst>
+              <a:ext uri="{FF2B5EF4-FFF2-40B4-BE49-F238E27FC236}">
+                <a16:creationId xmlns:a16="http://schemas.microsoft.com/office/drawing/2014/main" id="{3CA791D0-2EA2-4223-9145-B35EED13037E}"/>
+              </a:ext>
+            </a:extLst>
+          </p:cNvPr>
+          <p:cNvSpPr/>
+          <p:nvPr/>
+        </p:nvSpPr>
+        <p:spPr>
+          <a:xfrm>
+            <a:off x="11212641" y="4364052"/>
+            <a:ext cx="755131" cy="847288"/>
+          </a:xfrm>
+          <a:prstGeom prst="roundRect">
+            <a:avLst/>
+          </a:prstGeom>
+          <a:solidFill>
+            <a:schemeClr val="accent4">
+              <a:lumMod val="60000"/>
+              <a:lumOff val="40000"/>
+            </a:schemeClr>
+          </a:solidFill>
+        </p:spPr>
+        <p:style>
+          <a:lnRef idx="2">
+            <a:schemeClr val="accent2">
+              <a:shade val="15000"/>
+            </a:schemeClr>
+          </a:lnRef>
+          <a:fillRef idx="1">
+            <a:schemeClr val="accent2"/>
+          </a:fillRef>
+          <a:effectRef idx="0">
+            <a:schemeClr val="accent2"/>
+          </a:effectRef>
+          <a:fontRef idx="minor">
+            <a:schemeClr val="lt1"/>
+          </a:fontRef>
+        </p:style>
+        <p:txBody>
+          <a:bodyPr rtlCol="0" anchor="ctr"/>
+          <a:lstStyle/>
+          <a:p>
+            <a:pPr algn="ctr"/>
+            <a:r>
+              <a:rPr lang="zh-TW" altLang="en-US" dirty="0">
+                <a:latin typeface="標楷體" panose="03000509000000000000" pitchFamily="65" charset="-120"/>
+                <a:ea typeface="標楷體" panose="03000509000000000000" pitchFamily="65" charset="-120"/>
+              </a:rPr>
+              <a:t>球拍</a:t>
+            </a:r>
+            <a:endParaRPr lang="en-US" altLang="zh-TW" dirty="0">
+              <a:latin typeface="標楷體" panose="03000509000000000000" pitchFamily="65" charset="-120"/>
+              <a:ea typeface="標楷體" panose="03000509000000000000" pitchFamily="65" charset="-120"/>
+            </a:endParaRPr>
+          </a:p>
+          <a:p>
+            <a:pPr algn="ctr"/>
+            <a:r>
+              <a:rPr lang="zh-TW" altLang="en-US" dirty="0">
+                <a:latin typeface="標楷體" panose="03000509000000000000" pitchFamily="65" charset="-120"/>
+                <a:ea typeface="標楷體" panose="03000509000000000000" pitchFamily="65" charset="-120"/>
+              </a:rPr>
+              <a:t>不動</a:t>
+            </a:r>
+          </a:p>
+        </p:txBody>
+      </p:sp>
+      <p:sp>
+        <p:nvSpPr>
+          <p:cNvPr id="119" name="標題 1">
+            <a:extLst>
+              <a:ext uri="{FF2B5EF4-FFF2-40B4-BE49-F238E27FC236}">
+                <a16:creationId xmlns:a16="http://schemas.microsoft.com/office/drawing/2014/main" id="{70D21DDA-91A9-446A-9AD9-6DF960DDCF70}"/>
+              </a:ext>
+            </a:extLst>
+          </p:cNvPr>
+          <p:cNvSpPr>
+            <a:spLocks noGrp="1"/>
+          </p:cNvSpPr>
+          <p:nvPr>
+            <p:ph type="title"/>
+          </p:nvPr>
+        </p:nvSpPr>
+        <p:spPr>
+          <a:xfrm>
+            <a:off x="1097280" y="286603"/>
+            <a:ext cx="10058400" cy="1450757"/>
+          </a:xfrm>
+        </p:spPr>
+        <p:txBody>
+          <a:bodyPr/>
+          <a:lstStyle/>
+          <a:p>
+            <a:r>
+              <a:rPr lang="en-US" altLang="zh-TW" dirty="0">
+                <a:latin typeface="標楷體" panose="03000509000000000000" pitchFamily="65" charset="-120"/>
+                <a:ea typeface="標楷體" panose="03000509000000000000" pitchFamily="65" charset="-120"/>
+              </a:rPr>
+              <a:t>KNN </a:t>
+            </a:r>
+            <a:r>
+              <a:rPr lang="zh-TW" altLang="en-US" dirty="0">
+                <a:latin typeface="標楷體" panose="03000509000000000000" pitchFamily="65" charset="-120"/>
+                <a:ea typeface="標楷體" panose="03000509000000000000" pitchFamily="65" charset="-120"/>
+              </a:rPr>
+              <a:t>分析</a:t>
+            </a:r>
+          </a:p>
+        </p:txBody>
+      </p:sp>
+      <p:cxnSp>
+        <p:nvCxnSpPr>
+          <p:cNvPr id="121" name="接點: 肘形 120">
+            <a:extLst>
+              <a:ext uri="{FF2B5EF4-FFF2-40B4-BE49-F238E27FC236}">
+                <a16:creationId xmlns:a16="http://schemas.microsoft.com/office/drawing/2014/main" id="{2D4CD784-707E-4AA9-89BA-197D00351F23}"/>
+              </a:ext>
+            </a:extLst>
+          </p:cNvPr>
+          <p:cNvCxnSpPr>
+            <a:stCxn id="99" idx="2"/>
+            <a:endCxn id="102" idx="0"/>
+          </p:cNvCxnSpPr>
+          <p:nvPr/>
+        </p:nvCxnSpPr>
+        <p:spPr>
+          <a:xfrm rot="16200000" flipH="1">
+            <a:off x="10896455" y="3670300"/>
+            <a:ext cx="396436" cy="991068"/>
+          </a:xfrm>
+          <a:prstGeom prst="bentConnector3">
+            <a:avLst/>
+          </a:prstGeom>
+          <a:ln>
+            <a:tailEnd type="triangle"/>
+          </a:ln>
+        </p:spPr>
+        <p:style>
+          <a:lnRef idx="1">
+            <a:schemeClr val="accent4"/>
+          </a:lnRef>
+          <a:fillRef idx="0">
+            <a:schemeClr val="accent4"/>
+          </a:fillRef>
+          <a:effectRef idx="0">
+            <a:schemeClr val="accent4"/>
+          </a:effectRef>
+          <a:fontRef idx="minor">
+            <a:schemeClr val="tx1"/>
+          </a:fontRef>
+        </p:style>
+      </p:cxnSp>
+      <p:cxnSp>
+        <p:nvCxnSpPr>
+          <p:cNvPr id="123" name="接點: 肘形 122">
+            <a:extLst>
+              <a:ext uri="{FF2B5EF4-FFF2-40B4-BE49-F238E27FC236}">
+                <a16:creationId xmlns:a16="http://schemas.microsoft.com/office/drawing/2014/main" id="{E5E28B0F-7C34-429F-B76F-F2FF13FE1AEE}"/>
+              </a:ext>
+            </a:extLst>
+          </p:cNvPr>
+          <p:cNvCxnSpPr>
+            <a:stCxn id="99" idx="2"/>
+            <a:endCxn id="101" idx="0"/>
+          </p:cNvCxnSpPr>
+          <p:nvPr/>
+        </p:nvCxnSpPr>
+        <p:spPr>
+          <a:xfrm rot="16200000" flipH="1">
+            <a:off x="10392287" y="4174468"/>
+            <a:ext cx="414876" cy="1172"/>
+          </a:xfrm>
+          <a:prstGeom prst="bentConnector3">
+            <a:avLst/>
+          </a:prstGeom>
+          <a:ln>
+            <a:tailEnd type="triangle"/>
+          </a:ln>
+        </p:spPr>
+        <p:style>
+          <a:lnRef idx="1">
+            <a:schemeClr val="accent4"/>
+          </a:lnRef>
+          <a:fillRef idx="0">
+            <a:schemeClr val="accent4"/>
+          </a:fillRef>
+          <a:effectRef idx="0">
+            <a:schemeClr val="accent4"/>
+          </a:effectRef>
+          <a:fontRef idx="minor">
+            <a:schemeClr val="tx1"/>
+          </a:fontRef>
+        </p:style>
+      </p:cxnSp>
+      <p:cxnSp>
+        <p:nvCxnSpPr>
+          <p:cNvPr id="125" name="接點: 肘形 124">
+            <a:extLst>
+              <a:ext uri="{FF2B5EF4-FFF2-40B4-BE49-F238E27FC236}">
+                <a16:creationId xmlns:a16="http://schemas.microsoft.com/office/drawing/2014/main" id="{9F8ABEB7-BA72-477B-8445-1022AB8EDAC9}"/>
+              </a:ext>
+            </a:extLst>
+          </p:cNvPr>
+          <p:cNvCxnSpPr>
+            <a:stCxn id="99" idx="2"/>
+            <a:endCxn id="100" idx="0"/>
+          </p:cNvCxnSpPr>
+          <p:nvPr/>
+        </p:nvCxnSpPr>
+        <p:spPr>
+          <a:xfrm rot="5400000">
+            <a:off x="9906559" y="3671472"/>
+            <a:ext cx="396436" cy="988724"/>
+          </a:xfrm>
+          <a:prstGeom prst="bentConnector3">
+            <a:avLst/>
+          </a:prstGeom>
+          <a:ln>
+            <a:tailEnd type="triangle"/>
+          </a:ln>
+        </p:spPr>
+        <p:style>
+          <a:lnRef idx="1">
+            <a:schemeClr val="accent4"/>
+          </a:lnRef>
+          <a:fillRef idx="0">
+            <a:schemeClr val="accent4"/>
+          </a:fillRef>
+          <a:effectRef idx="0">
+            <a:schemeClr val="accent4"/>
+          </a:effectRef>
+          <a:fontRef idx="minor">
+            <a:schemeClr val="tx1"/>
+          </a:fontRef>
+        </p:style>
+      </p:cxnSp>
+      <p:cxnSp>
+        <p:nvCxnSpPr>
+          <p:cNvPr id="127" name="接點: 肘形 126">
+            <a:extLst>
+              <a:ext uri="{FF2B5EF4-FFF2-40B4-BE49-F238E27FC236}">
+                <a16:creationId xmlns:a16="http://schemas.microsoft.com/office/drawing/2014/main" id="{03C3FC04-E0FC-4CB6-81CF-361DED61B782}"/>
+              </a:ext>
+            </a:extLst>
+          </p:cNvPr>
+          <p:cNvCxnSpPr>
+            <a:stCxn id="95" idx="2"/>
+            <a:endCxn id="96" idx="0"/>
+          </p:cNvCxnSpPr>
+          <p:nvPr/>
+        </p:nvCxnSpPr>
+        <p:spPr>
+          <a:xfrm rot="5400000">
+            <a:off x="5593423" y="3907600"/>
+            <a:ext cx="396435" cy="516467"/>
+          </a:xfrm>
+          <a:prstGeom prst="bentConnector3">
+            <a:avLst/>
+          </a:prstGeom>
+          <a:ln>
+            <a:tailEnd type="triangle"/>
+          </a:ln>
+        </p:spPr>
+        <p:style>
+          <a:lnRef idx="1">
+            <a:schemeClr val="accent2"/>
+          </a:lnRef>
+          <a:fillRef idx="0">
+            <a:schemeClr val="accent2"/>
+          </a:fillRef>
+          <a:effectRef idx="0">
+            <a:schemeClr val="accent2"/>
+          </a:effectRef>
+          <a:fontRef idx="minor">
+            <a:schemeClr val="tx1"/>
+          </a:fontRef>
+        </p:style>
+      </p:cxnSp>
+      <p:cxnSp>
+        <p:nvCxnSpPr>
+          <p:cNvPr id="129" name="接點: 肘形 128">
+            <a:extLst>
+              <a:ext uri="{FF2B5EF4-FFF2-40B4-BE49-F238E27FC236}">
+                <a16:creationId xmlns:a16="http://schemas.microsoft.com/office/drawing/2014/main" id="{74B59DD8-433A-4B1C-A787-44D733AA17B3}"/>
+              </a:ext>
+            </a:extLst>
+          </p:cNvPr>
+          <p:cNvCxnSpPr>
+            <a:stCxn id="95" idx="2"/>
+            <a:endCxn id="97" idx="0"/>
+          </p:cNvCxnSpPr>
+          <p:nvPr/>
+        </p:nvCxnSpPr>
+        <p:spPr>
+          <a:xfrm rot="16200000" flipH="1">
+            <a:off x="6153004" y="3864484"/>
+            <a:ext cx="396435" cy="602697"/>
+          </a:xfrm>
+          <a:prstGeom prst="bentConnector3">
+            <a:avLst/>
+          </a:prstGeom>
+          <a:ln>
+            <a:tailEnd type="triangle"/>
+          </a:ln>
+        </p:spPr>
+        <p:style>
+          <a:lnRef idx="1">
+            <a:schemeClr val="accent2"/>
+          </a:lnRef>
+          <a:fillRef idx="0">
+            <a:schemeClr val="accent2"/>
+          </a:fillRef>
+          <a:effectRef idx="0">
+            <a:schemeClr val="accent2"/>
+          </a:effectRef>
+          <a:fontRef idx="minor">
+            <a:schemeClr val="tx1"/>
+          </a:fontRef>
+        </p:style>
+      </p:cxnSp>
+      <p:cxnSp>
+        <p:nvCxnSpPr>
+          <p:cNvPr id="131" name="接點: 肘形 130">
+            <a:extLst>
+              <a:ext uri="{FF2B5EF4-FFF2-40B4-BE49-F238E27FC236}">
+                <a16:creationId xmlns:a16="http://schemas.microsoft.com/office/drawing/2014/main" id="{EFB64B27-C2AC-4ACF-82B6-60D8BF5CC91E}"/>
+              </a:ext>
+            </a:extLst>
+          </p:cNvPr>
+          <p:cNvCxnSpPr>
+            <a:stCxn id="5" idx="2"/>
+            <a:endCxn id="42" idx="0"/>
+          </p:cNvCxnSpPr>
+          <p:nvPr/>
+        </p:nvCxnSpPr>
+        <p:spPr>
+          <a:xfrm rot="5400000">
+            <a:off x="3780601" y="846885"/>
+            <a:ext cx="289042" cy="4257846"/>
           </a:xfrm>
           <a:prstGeom prst="bentConnector3">
             <a:avLst/>
@@ -7036,23 +8340,23 @@
       </p:cxnSp>
       <p:cxnSp>
         <p:nvCxnSpPr>
-          <p:cNvPr id="14" name="接點: 肘形 13">
-            <a:extLst>
-              <a:ext uri="{FF2B5EF4-FFF2-40B4-BE49-F238E27FC236}">
-                <a16:creationId xmlns:a16="http://schemas.microsoft.com/office/drawing/2014/main" id="{D61CA8E6-E9B7-4BC4-5F8C-E91FC7925446}"/>
+          <p:cNvPr id="133" name="接點: 肘形 132">
+            <a:extLst>
+              <a:ext uri="{FF2B5EF4-FFF2-40B4-BE49-F238E27FC236}">
+                <a16:creationId xmlns:a16="http://schemas.microsoft.com/office/drawing/2014/main" id="{79CF00D6-6E5C-4B89-87FE-806DD4EE2B4E}"/>
               </a:ext>
             </a:extLst>
           </p:cNvPr>
           <p:cNvCxnSpPr>
-            <a:stCxn id="6" idx="2"/>
-            <a:endCxn id="10" idx="0"/>
+            <a:stCxn id="5" idx="2"/>
+            <a:endCxn id="95" idx="0"/>
           </p:cNvCxnSpPr>
           <p:nvPr/>
         </p:nvCxnSpPr>
         <p:spPr>
-          <a:xfrm rot="16200000" flipH="1">
-            <a:off x="6731028" y="2216424"/>
-            <a:ext cx="423644" cy="1632741"/>
+          <a:xfrm rot="5400000">
+            <a:off x="5907439" y="2973721"/>
+            <a:ext cx="289041" cy="4172"/>
           </a:xfrm>
           <a:prstGeom prst="bentConnector3">
             <a:avLst/>
@@ -7076,556 +8380,25 @@
           </a:fontRef>
         </p:style>
       </p:cxnSp>
-      <p:sp>
-        <p:nvSpPr>
-          <p:cNvPr id="15" name="矩形: 圓角 14">
-            <a:extLst>
-              <a:ext uri="{FF2B5EF4-FFF2-40B4-BE49-F238E27FC236}">
-                <a16:creationId xmlns:a16="http://schemas.microsoft.com/office/drawing/2014/main" id="{DA52F429-F756-BECA-175C-1BFE514B8F68}"/>
-              </a:ext>
-            </a:extLst>
-          </p:cNvPr>
-          <p:cNvSpPr/>
-          <p:nvPr/>
-        </p:nvSpPr>
-        <p:spPr>
-          <a:xfrm>
-            <a:off x="11198464" y="4244999"/>
-            <a:ext cx="976042" cy="548799"/>
-          </a:xfrm>
-          <a:prstGeom prst="roundRect">
-            <a:avLst/>
-          </a:prstGeom>
-          <a:solidFill>
-            <a:schemeClr val="accent2">
-              <a:lumMod val="75000"/>
-            </a:schemeClr>
-          </a:solidFill>
-        </p:spPr>
-        <p:style>
-          <a:lnRef idx="2">
-            <a:schemeClr val="accent2">
-              <a:shade val="15000"/>
-            </a:schemeClr>
-          </a:lnRef>
-          <a:fillRef idx="1">
-            <a:schemeClr val="accent2"/>
-          </a:fillRef>
-          <a:effectRef idx="0">
-            <a:schemeClr val="accent2"/>
-          </a:effectRef>
-          <a:fontRef idx="minor">
-            <a:schemeClr val="lt1"/>
-          </a:fontRef>
-        </p:style>
-        <p:txBody>
-          <a:bodyPr rtlCol="0" anchor="ctr"/>
-          <a:lstStyle/>
-          <a:p>
-            <a:pPr algn="ctr"/>
-            <a:r>
-              <a:rPr lang="zh-TW" altLang="en-US" dirty="0"/>
-              <a:t>效能是否達標</a:t>
-            </a:r>
-          </a:p>
-        </p:txBody>
-      </p:sp>
-      <p:sp>
-        <p:nvSpPr>
-          <p:cNvPr id="16" name="矩形: 圓角 15">
-            <a:extLst>
-              <a:ext uri="{FF2B5EF4-FFF2-40B4-BE49-F238E27FC236}">
-                <a16:creationId xmlns:a16="http://schemas.microsoft.com/office/drawing/2014/main" id="{6EE3F256-2337-A5A1-9E62-08F92B6D1263}"/>
-              </a:ext>
-            </a:extLst>
-          </p:cNvPr>
-          <p:cNvSpPr/>
-          <p:nvPr/>
-        </p:nvSpPr>
-        <p:spPr>
-          <a:xfrm>
-            <a:off x="11223849" y="4969837"/>
-            <a:ext cx="976042" cy="548799"/>
-          </a:xfrm>
-          <a:prstGeom prst="roundRect">
-            <a:avLst/>
-          </a:prstGeom>
-          <a:solidFill>
-            <a:schemeClr val="accent2">
-              <a:lumMod val="75000"/>
-            </a:schemeClr>
-          </a:solidFill>
-        </p:spPr>
-        <p:style>
-          <a:lnRef idx="2">
-            <a:schemeClr val="accent2">
-              <a:shade val="15000"/>
-            </a:schemeClr>
-          </a:lnRef>
-          <a:fillRef idx="1">
-            <a:schemeClr val="accent2"/>
-          </a:fillRef>
-          <a:effectRef idx="0">
-            <a:schemeClr val="accent2"/>
-          </a:effectRef>
-          <a:fontRef idx="minor">
-            <a:schemeClr val="lt1"/>
-          </a:fontRef>
-        </p:style>
-        <p:txBody>
-          <a:bodyPr rtlCol="0" anchor="ctr"/>
-          <a:lstStyle/>
-          <a:p>
-            <a:pPr algn="ctr"/>
-            <a:r>
-              <a:rPr lang="zh-TW" altLang="en-US" dirty="0"/>
-              <a:t>預測</a:t>
-            </a:r>
-          </a:p>
-        </p:txBody>
-      </p:sp>
-      <p:sp>
-        <p:nvSpPr>
-          <p:cNvPr id="17" name="矩形: 圓角 16">
-            <a:extLst>
-              <a:ext uri="{FF2B5EF4-FFF2-40B4-BE49-F238E27FC236}">
-                <a16:creationId xmlns:a16="http://schemas.microsoft.com/office/drawing/2014/main" id="{72C685EC-EA57-84C0-E70B-ECB7F12E3FCB}"/>
-              </a:ext>
-            </a:extLst>
-          </p:cNvPr>
-          <p:cNvSpPr/>
-          <p:nvPr/>
-        </p:nvSpPr>
-        <p:spPr>
-          <a:xfrm>
-            <a:off x="11223849" y="5667880"/>
-            <a:ext cx="976042" cy="548799"/>
-          </a:xfrm>
-          <a:prstGeom prst="roundRect">
-            <a:avLst/>
-          </a:prstGeom>
-          <a:solidFill>
-            <a:schemeClr val="accent2">
-              <a:lumMod val="75000"/>
-            </a:schemeClr>
-          </a:solidFill>
-        </p:spPr>
-        <p:style>
-          <a:lnRef idx="2">
-            <a:schemeClr val="accent2">
-              <a:shade val="15000"/>
-            </a:schemeClr>
-          </a:lnRef>
-          <a:fillRef idx="1">
-            <a:schemeClr val="accent2"/>
-          </a:fillRef>
-          <a:effectRef idx="0">
-            <a:schemeClr val="accent2"/>
-          </a:effectRef>
-          <a:fontRef idx="minor">
-            <a:schemeClr val="lt1"/>
-          </a:fontRef>
-        </p:style>
-        <p:txBody>
-          <a:bodyPr rtlCol="0" anchor="ctr"/>
-          <a:lstStyle/>
-          <a:p>
-            <a:pPr algn="ctr"/>
-            <a:r>
-              <a:rPr lang="zh-TW" altLang="en-US" dirty="0"/>
-              <a:t>訓練</a:t>
-            </a:r>
-          </a:p>
-        </p:txBody>
-      </p:sp>
       <p:cxnSp>
         <p:nvCxnSpPr>
-          <p:cNvPr id="18" name="接點: 肘形 17">
-            <a:extLst>
-              <a:ext uri="{FF2B5EF4-FFF2-40B4-BE49-F238E27FC236}">
-                <a16:creationId xmlns:a16="http://schemas.microsoft.com/office/drawing/2014/main" id="{90C5DA17-70F0-83A7-8623-7A1042554AD4}"/>
+          <p:cNvPr id="135" name="接點: 肘形 134">
+            <a:extLst>
+              <a:ext uri="{FF2B5EF4-FFF2-40B4-BE49-F238E27FC236}">
+                <a16:creationId xmlns:a16="http://schemas.microsoft.com/office/drawing/2014/main" id="{43570AC4-F287-4116-A98E-158EE41A03B7}"/>
               </a:ext>
             </a:extLst>
           </p:cNvPr>
           <p:cNvCxnSpPr>
-            <a:cxnSpLocks/>
-            <a:stCxn id="7" idx="2"/>
-            <a:endCxn id="15" idx="1"/>
+            <a:stCxn id="5" idx="2"/>
+            <a:endCxn id="99" idx="0"/>
           </p:cNvCxnSpPr>
           <p:nvPr/>
         </p:nvCxnSpPr>
         <p:spPr>
           <a:xfrm rot="16200000" flipH="1">
-            <a:off x="10698264" y="4019198"/>
-            <a:ext cx="427495" cy="572906"/>
-          </a:xfrm>
-          <a:prstGeom prst="bentConnector2">
-            <a:avLst/>
-          </a:prstGeom>
-          <a:ln>
-            <a:tailEnd type="triangle"/>
-          </a:ln>
-        </p:spPr>
-        <p:style>
-          <a:lnRef idx="1">
-            <a:schemeClr val="accent2"/>
-          </a:lnRef>
-          <a:fillRef idx="0">
-            <a:schemeClr val="accent2"/>
-          </a:fillRef>
-          <a:effectRef idx="0">
-            <a:schemeClr val="accent2"/>
-          </a:effectRef>
-          <a:fontRef idx="minor">
-            <a:schemeClr val="tx1"/>
-          </a:fontRef>
-        </p:style>
-      </p:cxnSp>
-      <p:cxnSp>
-        <p:nvCxnSpPr>
-          <p:cNvPr id="19" name="接點: 肘形 18">
-            <a:extLst>
-              <a:ext uri="{FF2B5EF4-FFF2-40B4-BE49-F238E27FC236}">
-                <a16:creationId xmlns:a16="http://schemas.microsoft.com/office/drawing/2014/main" id="{30BA84B5-FBDB-0125-7F58-D5C67E27BF11}"/>
-              </a:ext>
-            </a:extLst>
-          </p:cNvPr>
-          <p:cNvCxnSpPr>
-            <a:cxnSpLocks/>
-            <a:stCxn id="7" idx="2"/>
-            <a:endCxn id="16" idx="1"/>
-          </p:cNvCxnSpPr>
-          <p:nvPr/>
-        </p:nvCxnSpPr>
-        <p:spPr>
-          <a:xfrm rot="16200000" flipH="1">
-            <a:off x="10348537" y="4368924"/>
-            <a:ext cx="1152333" cy="598291"/>
-          </a:xfrm>
-          <a:prstGeom prst="bentConnector2">
-            <a:avLst/>
-          </a:prstGeom>
-          <a:ln>
-            <a:tailEnd type="triangle"/>
-          </a:ln>
-        </p:spPr>
-        <p:style>
-          <a:lnRef idx="1">
-            <a:schemeClr val="accent2"/>
-          </a:lnRef>
-          <a:fillRef idx="0">
-            <a:schemeClr val="accent2"/>
-          </a:fillRef>
-          <a:effectRef idx="0">
-            <a:schemeClr val="accent2"/>
-          </a:effectRef>
-          <a:fontRef idx="minor">
-            <a:schemeClr val="tx1"/>
-          </a:fontRef>
-        </p:style>
-      </p:cxnSp>
-      <p:cxnSp>
-        <p:nvCxnSpPr>
-          <p:cNvPr id="20" name="接點: 肘形 19">
-            <a:extLst>
-              <a:ext uri="{FF2B5EF4-FFF2-40B4-BE49-F238E27FC236}">
-                <a16:creationId xmlns:a16="http://schemas.microsoft.com/office/drawing/2014/main" id="{803B7E91-1F95-81C9-8DE8-E550A7531101}"/>
-              </a:ext>
-            </a:extLst>
-          </p:cNvPr>
-          <p:cNvCxnSpPr>
-            <a:cxnSpLocks/>
-            <a:stCxn id="7" idx="2"/>
-            <a:endCxn id="17" idx="1"/>
-          </p:cNvCxnSpPr>
-          <p:nvPr/>
-        </p:nvCxnSpPr>
-        <p:spPr>
-          <a:xfrm rot="16200000" flipH="1">
-            <a:off x="9999515" y="4717946"/>
-            <a:ext cx="1850376" cy="598291"/>
-          </a:xfrm>
-          <a:prstGeom prst="bentConnector2">
-            <a:avLst/>
-          </a:prstGeom>
-          <a:ln>
-            <a:tailEnd type="triangle"/>
-          </a:ln>
-        </p:spPr>
-        <p:style>
-          <a:lnRef idx="1">
-            <a:schemeClr val="accent2"/>
-          </a:lnRef>
-          <a:fillRef idx="0">
-            <a:schemeClr val="accent2"/>
-          </a:fillRef>
-          <a:effectRef idx="0">
-            <a:schemeClr val="accent2"/>
-          </a:effectRef>
-          <a:fontRef idx="minor">
-            <a:schemeClr val="tx1"/>
-          </a:fontRef>
-        </p:style>
-      </p:cxnSp>
-      <p:sp>
-        <p:nvSpPr>
-          <p:cNvPr id="21" name="矩形: 圓角 20">
-            <a:extLst>
-              <a:ext uri="{FF2B5EF4-FFF2-40B4-BE49-F238E27FC236}">
-                <a16:creationId xmlns:a16="http://schemas.microsoft.com/office/drawing/2014/main" id="{A5661544-2942-DBD9-87EF-A05926B0C249}"/>
-              </a:ext>
-            </a:extLst>
-          </p:cNvPr>
-          <p:cNvSpPr/>
-          <p:nvPr/>
-        </p:nvSpPr>
-        <p:spPr>
-          <a:xfrm>
-            <a:off x="-6237" y="4340739"/>
-            <a:ext cx="1517062" cy="847288"/>
-          </a:xfrm>
-          <a:prstGeom prst="roundRect">
-            <a:avLst/>
-          </a:prstGeom>
-          <a:solidFill>
-            <a:schemeClr val="accent3">
-              <a:lumMod val="75000"/>
-            </a:schemeClr>
-          </a:solidFill>
-        </p:spPr>
-        <p:style>
-          <a:lnRef idx="2">
-            <a:schemeClr val="accent2">
-              <a:shade val="15000"/>
-            </a:schemeClr>
-          </a:lnRef>
-          <a:fillRef idx="1">
-            <a:schemeClr val="accent2"/>
-          </a:fillRef>
-          <a:effectRef idx="0">
-            <a:schemeClr val="accent2"/>
-          </a:effectRef>
-          <a:fontRef idx="minor">
-            <a:schemeClr val="lt1"/>
-          </a:fontRef>
-        </p:style>
-        <p:txBody>
-          <a:bodyPr rtlCol="0" anchor="ctr"/>
-          <a:lstStyle/>
-          <a:p>
-            <a:pPr algn="ctr"/>
-            <a:r>
-              <a:rPr lang="zh-TW" altLang="en-US" dirty="0"/>
-              <a:t>判斷球是否擊中磚塊</a:t>
-            </a:r>
-          </a:p>
-        </p:txBody>
-      </p:sp>
-      <p:sp>
-        <p:nvSpPr>
-          <p:cNvPr id="22" name="矩形: 圓角 21">
-            <a:extLst>
-              <a:ext uri="{FF2B5EF4-FFF2-40B4-BE49-F238E27FC236}">
-                <a16:creationId xmlns:a16="http://schemas.microsoft.com/office/drawing/2014/main" id="{1AB99076-F4CC-375A-8B7C-4134B6D7FCC6}"/>
-              </a:ext>
-            </a:extLst>
-          </p:cNvPr>
-          <p:cNvSpPr/>
-          <p:nvPr/>
-        </p:nvSpPr>
-        <p:spPr>
-          <a:xfrm>
-            <a:off x="11780" y="5518636"/>
-            <a:ext cx="1643253" cy="847288"/>
-          </a:xfrm>
-          <a:prstGeom prst="roundRect">
-            <a:avLst/>
-          </a:prstGeom>
-          <a:solidFill>
-            <a:schemeClr val="accent3">
-              <a:lumMod val="75000"/>
-            </a:schemeClr>
-          </a:solidFill>
-        </p:spPr>
-        <p:style>
-          <a:lnRef idx="2">
-            <a:schemeClr val="accent2">
-              <a:shade val="15000"/>
-            </a:schemeClr>
-          </a:lnRef>
-          <a:fillRef idx="1">
-            <a:schemeClr val="accent2"/>
-          </a:fillRef>
-          <a:effectRef idx="0">
-            <a:schemeClr val="accent2"/>
-          </a:effectRef>
-          <a:fontRef idx="minor">
-            <a:schemeClr val="lt1"/>
-          </a:fontRef>
-        </p:style>
-        <p:txBody>
-          <a:bodyPr rtlCol="0" anchor="ctr"/>
-          <a:lstStyle/>
-          <a:p>
-            <a:pPr algn="ctr"/>
-            <a:r>
-              <a:rPr lang="zh-TW" altLang="en-US" dirty="0"/>
-              <a:t>方向鍵左右，</a:t>
-            </a:r>
-            <a:endParaRPr lang="en-US" altLang="zh-TW" dirty="0"/>
-          </a:p>
-          <a:p>
-            <a:pPr algn="ctr"/>
-            <a:r>
-              <a:rPr lang="zh-TW" altLang="en-US" dirty="0"/>
-              <a:t>控制球拍擊球</a:t>
-            </a:r>
-          </a:p>
-        </p:txBody>
-      </p:sp>
-      <p:sp>
-        <p:nvSpPr>
-          <p:cNvPr id="23" name="矩形: 圓角 22">
-            <a:extLst>
-              <a:ext uri="{FF2B5EF4-FFF2-40B4-BE49-F238E27FC236}">
-                <a16:creationId xmlns:a16="http://schemas.microsoft.com/office/drawing/2014/main" id="{21C7C8D7-C3BB-72A7-AE04-AA4A1BA7145E}"/>
-              </a:ext>
-            </a:extLst>
-          </p:cNvPr>
-          <p:cNvSpPr/>
-          <p:nvPr/>
-        </p:nvSpPr>
-        <p:spPr>
-          <a:xfrm>
-            <a:off x="2164959" y="4340582"/>
-            <a:ext cx="1517062" cy="847288"/>
-          </a:xfrm>
-          <a:prstGeom prst="roundRect">
-            <a:avLst/>
-          </a:prstGeom>
-          <a:solidFill>
-            <a:schemeClr val="accent3">
-              <a:lumMod val="75000"/>
-            </a:schemeClr>
-          </a:solidFill>
-        </p:spPr>
-        <p:style>
-          <a:lnRef idx="2">
-            <a:schemeClr val="accent2">
-              <a:shade val="15000"/>
-            </a:schemeClr>
-          </a:lnRef>
-          <a:fillRef idx="1">
-            <a:schemeClr val="accent2"/>
-          </a:fillRef>
-          <a:effectRef idx="0">
-            <a:schemeClr val="accent2"/>
-          </a:effectRef>
-          <a:fontRef idx="minor">
-            <a:schemeClr val="lt1"/>
-          </a:fontRef>
-        </p:style>
-        <p:txBody>
-          <a:bodyPr rtlCol="0" anchor="ctr"/>
-          <a:lstStyle/>
-          <a:p>
-            <a:pPr algn="ctr"/>
-            <a:r>
-              <a:rPr lang="zh-TW" altLang="en-US" dirty="0"/>
-              <a:t>蒐集樣本，</a:t>
-            </a:r>
-            <a:endParaRPr lang="en-US" altLang="zh-TW" dirty="0"/>
-          </a:p>
-          <a:p>
-            <a:pPr algn="ctr"/>
-            <a:r>
-              <a:rPr lang="zh-TW" altLang="en-US" dirty="0"/>
-              <a:t>以樣本訓練</a:t>
-            </a:r>
-          </a:p>
-        </p:txBody>
-      </p:sp>
-      <p:sp>
-        <p:nvSpPr>
-          <p:cNvPr id="24" name="矩形: 圓角 23">
-            <a:extLst>
-              <a:ext uri="{FF2B5EF4-FFF2-40B4-BE49-F238E27FC236}">
-                <a16:creationId xmlns:a16="http://schemas.microsoft.com/office/drawing/2014/main" id="{740DF3DD-9C49-A1C5-C515-85E2473CE4D0}"/>
-              </a:ext>
-            </a:extLst>
-          </p:cNvPr>
-          <p:cNvSpPr/>
-          <p:nvPr/>
-        </p:nvSpPr>
-        <p:spPr>
-          <a:xfrm>
-            <a:off x="2164959" y="5537414"/>
-            <a:ext cx="1517062" cy="847288"/>
-          </a:xfrm>
-          <a:prstGeom prst="roundRect">
-            <a:avLst/>
-          </a:prstGeom>
-          <a:solidFill>
-            <a:schemeClr val="accent3">
-              <a:lumMod val="75000"/>
-            </a:schemeClr>
-          </a:solidFill>
-        </p:spPr>
-        <p:style>
-          <a:lnRef idx="2">
-            <a:schemeClr val="accent2">
-              <a:shade val="15000"/>
-            </a:schemeClr>
-          </a:lnRef>
-          <a:fillRef idx="1">
-            <a:schemeClr val="accent2"/>
-          </a:fillRef>
-          <a:effectRef idx="0">
-            <a:schemeClr val="accent2"/>
-          </a:effectRef>
-          <a:fontRef idx="minor">
-            <a:schemeClr val="lt1"/>
-          </a:fontRef>
-        </p:style>
-        <p:txBody>
-          <a:bodyPr rtlCol="0" anchor="ctr"/>
-          <a:lstStyle/>
-          <a:p>
-            <a:pPr algn="ctr"/>
-            <a:r>
-              <a:rPr lang="zh-TW" altLang="en-US" dirty="0"/>
-              <a:t>辨識球位置，</a:t>
-            </a:r>
-            <a:endParaRPr lang="en-US" altLang="zh-TW" dirty="0"/>
-          </a:p>
-          <a:p>
-            <a:pPr algn="ctr"/>
-            <a:r>
-              <a:rPr lang="zh-TW" altLang="en-US" dirty="0"/>
-              <a:t>並操作球拍</a:t>
-            </a:r>
-          </a:p>
-        </p:txBody>
-      </p:sp>
-      <p:cxnSp>
-        <p:nvCxnSpPr>
-          <p:cNvPr id="25" name="接點: 肘形 24">
-            <a:extLst>
-              <a:ext uri="{FF2B5EF4-FFF2-40B4-BE49-F238E27FC236}">
-                <a16:creationId xmlns:a16="http://schemas.microsoft.com/office/drawing/2014/main" id="{0FE2B9D8-D270-A544-2C97-0B8656297006}"/>
-              </a:ext>
-            </a:extLst>
-          </p:cNvPr>
-          <p:cNvCxnSpPr>
-            <a:stCxn id="8" idx="2"/>
-            <a:endCxn id="21" idx="0"/>
-          </p:cNvCxnSpPr>
-          <p:nvPr/>
-        </p:nvCxnSpPr>
-        <p:spPr>
-          <a:xfrm rot="5400000">
-            <a:off x="1090657" y="3733398"/>
-            <a:ext cx="268978" cy="945704"/>
+            <a:off x="8182072" y="703260"/>
+            <a:ext cx="289041" cy="4545094"/>
           </a:xfrm>
           <a:prstGeom prst="bentConnector3">
             <a:avLst/>
@@ -7636,640 +8409,13 @@
         </p:spPr>
         <p:style>
           <a:lnRef idx="1">
-            <a:schemeClr val="accent3"/>
+            <a:schemeClr val="accent1"/>
           </a:lnRef>
           <a:fillRef idx="0">
-            <a:schemeClr val="accent3"/>
+            <a:schemeClr val="accent1"/>
           </a:fillRef>
           <a:effectRef idx="0">
-            <a:schemeClr val="accent3"/>
-          </a:effectRef>
-          <a:fontRef idx="minor">
-            <a:schemeClr val="tx1"/>
-          </a:fontRef>
-        </p:style>
-      </p:cxnSp>
-      <p:cxnSp>
-        <p:nvCxnSpPr>
-          <p:cNvPr id="26" name="接點: 肘形 25">
-            <a:extLst>
-              <a:ext uri="{FF2B5EF4-FFF2-40B4-BE49-F238E27FC236}">
-                <a16:creationId xmlns:a16="http://schemas.microsoft.com/office/drawing/2014/main" id="{E95BD600-1747-DADE-189B-316EDA671702}"/>
-              </a:ext>
-            </a:extLst>
-          </p:cNvPr>
-          <p:cNvCxnSpPr>
-            <a:cxnSpLocks/>
-            <a:stCxn id="8" idx="2"/>
-            <a:endCxn id="22" idx="0"/>
-          </p:cNvCxnSpPr>
-          <p:nvPr/>
-        </p:nvCxnSpPr>
-        <p:spPr>
-          <a:xfrm rot="5400000">
-            <a:off x="542266" y="4362903"/>
-            <a:ext cx="1446875" cy="864591"/>
-          </a:xfrm>
-          <a:prstGeom prst="bentConnector3">
-            <a:avLst>
-              <a:gd name="adj1" fmla="val 86527"/>
-            </a:avLst>
-          </a:prstGeom>
-          <a:ln>
-            <a:tailEnd type="triangle"/>
-          </a:ln>
-        </p:spPr>
-        <p:style>
-          <a:lnRef idx="1">
-            <a:schemeClr val="accent3"/>
-          </a:lnRef>
-          <a:fillRef idx="0">
-            <a:schemeClr val="accent3"/>
-          </a:fillRef>
-          <a:effectRef idx="0">
-            <a:schemeClr val="accent3"/>
-          </a:effectRef>
-          <a:fontRef idx="minor">
-            <a:schemeClr val="tx1"/>
-          </a:fontRef>
-        </p:style>
-      </p:cxnSp>
-      <p:cxnSp>
-        <p:nvCxnSpPr>
-          <p:cNvPr id="27" name="接點: 肘形 26">
-            <a:extLst>
-              <a:ext uri="{FF2B5EF4-FFF2-40B4-BE49-F238E27FC236}">
-                <a16:creationId xmlns:a16="http://schemas.microsoft.com/office/drawing/2014/main" id="{BEB3D074-2A66-78F5-807C-E169484D06DC}"/>
-              </a:ext>
-            </a:extLst>
-          </p:cNvPr>
-          <p:cNvCxnSpPr>
-            <a:stCxn id="8" idx="2"/>
-            <a:endCxn id="23" idx="0"/>
-          </p:cNvCxnSpPr>
-          <p:nvPr/>
-        </p:nvCxnSpPr>
-        <p:spPr>
-          <a:xfrm rot="16200000" flipH="1">
-            <a:off x="2176334" y="3593425"/>
-            <a:ext cx="268821" cy="1225492"/>
-          </a:xfrm>
-          <a:prstGeom prst="bentConnector3">
-            <a:avLst/>
-          </a:prstGeom>
-          <a:ln>
-            <a:tailEnd type="triangle"/>
-          </a:ln>
-        </p:spPr>
-        <p:style>
-          <a:lnRef idx="1">
-            <a:schemeClr val="accent3"/>
-          </a:lnRef>
-          <a:fillRef idx="0">
-            <a:schemeClr val="accent3"/>
-          </a:fillRef>
-          <a:effectRef idx="0">
-            <a:schemeClr val="accent3"/>
-          </a:effectRef>
-          <a:fontRef idx="minor">
-            <a:schemeClr val="tx1"/>
-          </a:fontRef>
-        </p:style>
-      </p:cxnSp>
-      <p:cxnSp>
-        <p:nvCxnSpPr>
-          <p:cNvPr id="28" name="接點: 肘形 27">
-            <a:extLst>
-              <a:ext uri="{FF2B5EF4-FFF2-40B4-BE49-F238E27FC236}">
-                <a16:creationId xmlns:a16="http://schemas.microsoft.com/office/drawing/2014/main" id="{5120E725-DAD3-9104-900A-A4E67E1E8608}"/>
-              </a:ext>
-            </a:extLst>
-          </p:cNvPr>
-          <p:cNvCxnSpPr>
-            <a:stCxn id="8" idx="2"/>
-            <a:endCxn id="24" idx="0"/>
-          </p:cNvCxnSpPr>
-          <p:nvPr/>
-        </p:nvCxnSpPr>
-        <p:spPr>
-          <a:xfrm rot="16200000" flipH="1">
-            <a:off x="1577918" y="4191841"/>
-            <a:ext cx="1465653" cy="1225492"/>
-          </a:xfrm>
-          <a:prstGeom prst="bentConnector3">
-            <a:avLst>
-              <a:gd name="adj1" fmla="val 85094"/>
-            </a:avLst>
-          </a:prstGeom>
-          <a:ln>
-            <a:tailEnd type="triangle"/>
-          </a:ln>
-        </p:spPr>
-        <p:style>
-          <a:lnRef idx="1">
-            <a:schemeClr val="accent3"/>
-          </a:lnRef>
-          <a:fillRef idx="0">
-            <a:schemeClr val="accent3"/>
-          </a:fillRef>
-          <a:effectRef idx="0">
-            <a:schemeClr val="accent3"/>
-          </a:effectRef>
-          <a:fontRef idx="minor">
-            <a:schemeClr val="tx1"/>
-          </a:fontRef>
-        </p:style>
-      </p:cxnSp>
-      <p:sp>
-        <p:nvSpPr>
-          <p:cNvPr id="29" name="矩形: 圓角 28">
-            <a:extLst>
-              <a:ext uri="{FF2B5EF4-FFF2-40B4-BE49-F238E27FC236}">
-                <a16:creationId xmlns:a16="http://schemas.microsoft.com/office/drawing/2014/main" id="{52CEA79E-C927-794B-A7E9-1BAA159D903C}"/>
-              </a:ext>
-            </a:extLst>
-          </p:cNvPr>
-          <p:cNvSpPr/>
-          <p:nvPr/>
-        </p:nvSpPr>
-        <p:spPr>
-          <a:xfrm>
-            <a:off x="4518683" y="4398093"/>
-            <a:ext cx="1047943" cy="1010224"/>
-          </a:xfrm>
-          <a:prstGeom prst="roundRect">
-            <a:avLst/>
-          </a:prstGeom>
-          <a:solidFill>
-            <a:schemeClr val="accent4">
-              <a:lumMod val="75000"/>
-            </a:schemeClr>
-          </a:solidFill>
-        </p:spPr>
-        <p:style>
-          <a:lnRef idx="2">
-            <a:schemeClr val="accent4">
-              <a:shade val="15000"/>
-            </a:schemeClr>
-          </a:lnRef>
-          <a:fillRef idx="1">
-            <a:schemeClr val="accent4"/>
-          </a:fillRef>
-          <a:effectRef idx="0">
-            <a:schemeClr val="accent4"/>
-          </a:effectRef>
-          <a:fontRef idx="minor">
-            <a:schemeClr val="lt1"/>
-          </a:fontRef>
-        </p:style>
-        <p:txBody>
-          <a:bodyPr rtlCol="0" anchor="ctr"/>
-          <a:lstStyle/>
-          <a:p>
-            <a:pPr algn="ctr"/>
-            <a:r>
-              <a:rPr lang="en-US" altLang="zh-TW" dirty="0"/>
-              <a:t>LV1~</a:t>
-            </a:r>
-          </a:p>
-          <a:p>
-            <a:pPr algn="ctr"/>
-            <a:r>
-              <a:rPr lang="en-US" altLang="zh-TW" dirty="0"/>
-              <a:t>LV20</a:t>
-            </a:r>
-          </a:p>
-        </p:txBody>
-      </p:sp>
-      <p:cxnSp>
-        <p:nvCxnSpPr>
-          <p:cNvPr id="30" name="直線單箭頭接點 29">
-            <a:extLst>
-              <a:ext uri="{FF2B5EF4-FFF2-40B4-BE49-F238E27FC236}">
-                <a16:creationId xmlns:a16="http://schemas.microsoft.com/office/drawing/2014/main" id="{4B854051-1ECD-ABFB-175B-68D9BFC8CE28}"/>
-              </a:ext>
-            </a:extLst>
-          </p:cNvPr>
-          <p:cNvCxnSpPr>
-            <a:stCxn id="9" idx="2"/>
-            <a:endCxn id="29" idx="0"/>
-          </p:cNvCxnSpPr>
-          <p:nvPr/>
-        </p:nvCxnSpPr>
-        <p:spPr>
-          <a:xfrm>
-            <a:off x="5042655" y="4091905"/>
-            <a:ext cx="0" cy="306188"/>
-          </a:xfrm>
-          <a:prstGeom prst="straightConnector1">
-            <a:avLst/>
-          </a:prstGeom>
-          <a:ln>
-            <a:tailEnd type="triangle"/>
-          </a:ln>
-        </p:spPr>
-        <p:style>
-          <a:lnRef idx="1">
-            <a:schemeClr val="accent5"/>
-          </a:lnRef>
-          <a:fillRef idx="0">
-            <a:schemeClr val="accent5"/>
-          </a:fillRef>
-          <a:effectRef idx="0">
-            <a:schemeClr val="accent5"/>
-          </a:effectRef>
-          <a:fontRef idx="minor">
-            <a:schemeClr val="tx1"/>
-          </a:fontRef>
-        </p:style>
-      </p:cxnSp>
-      <p:sp>
-        <p:nvSpPr>
-          <p:cNvPr id="31" name="矩形: 圓角 30">
-            <a:extLst>
-              <a:ext uri="{FF2B5EF4-FFF2-40B4-BE49-F238E27FC236}">
-                <a16:creationId xmlns:a16="http://schemas.microsoft.com/office/drawing/2014/main" id="{7E5A4B96-5E15-D90C-0D74-0BD95DE68099}"/>
-              </a:ext>
-            </a:extLst>
-          </p:cNvPr>
-          <p:cNvSpPr/>
-          <p:nvPr/>
-        </p:nvSpPr>
-        <p:spPr>
-          <a:xfrm>
-            <a:off x="6124001" y="4340739"/>
-            <a:ext cx="1466680" cy="723478"/>
-          </a:xfrm>
-          <a:prstGeom prst="roundRect">
-            <a:avLst/>
-          </a:prstGeom>
-        </p:spPr>
-        <p:style>
-          <a:lnRef idx="2">
-            <a:schemeClr val="accent6">
-              <a:shade val="15000"/>
-            </a:schemeClr>
-          </a:lnRef>
-          <a:fillRef idx="1">
-            <a:schemeClr val="accent6"/>
-          </a:fillRef>
-          <a:effectRef idx="0">
-            <a:schemeClr val="accent6"/>
-          </a:effectRef>
-          <a:fontRef idx="minor">
-            <a:schemeClr val="lt1"/>
-          </a:fontRef>
-        </p:style>
-        <p:txBody>
-          <a:bodyPr rtlCol="0" anchor="ctr"/>
-          <a:lstStyle/>
-          <a:p>
-            <a:pPr algn="ctr"/>
-            <a:r>
-              <a:rPr lang="zh-TW" altLang="en-US" dirty="0"/>
-              <a:t>*</a:t>
-            </a:r>
-            <a:r>
-              <a:rPr lang="en-US" altLang="zh-TW" dirty="0"/>
-              <a:t>sav</a:t>
-            </a:r>
-            <a:r>
-              <a:rPr lang="zh-TW" altLang="en-US" dirty="0"/>
-              <a:t>樣本檔</a:t>
-            </a:r>
-          </a:p>
-        </p:txBody>
-      </p:sp>
-      <p:sp>
-        <p:nvSpPr>
-          <p:cNvPr id="49" name="矩形: 圓角 48">
-            <a:extLst>
-              <a:ext uri="{FF2B5EF4-FFF2-40B4-BE49-F238E27FC236}">
-                <a16:creationId xmlns:a16="http://schemas.microsoft.com/office/drawing/2014/main" id="{B152971B-493E-F552-DE90-FA65058A4D43}"/>
-              </a:ext>
-            </a:extLst>
-          </p:cNvPr>
-          <p:cNvSpPr/>
-          <p:nvPr/>
-        </p:nvSpPr>
-        <p:spPr>
-          <a:xfrm>
-            <a:off x="6142799" y="5537414"/>
-            <a:ext cx="1466680" cy="723478"/>
-          </a:xfrm>
-          <a:prstGeom prst="roundRect">
-            <a:avLst/>
-          </a:prstGeom>
-        </p:spPr>
-        <p:style>
-          <a:lnRef idx="2">
-            <a:schemeClr val="accent6">
-              <a:shade val="15000"/>
-            </a:schemeClr>
-          </a:lnRef>
-          <a:fillRef idx="1">
-            <a:schemeClr val="accent6"/>
-          </a:fillRef>
-          <a:effectRef idx="0">
-            <a:schemeClr val="accent6"/>
-          </a:effectRef>
-          <a:fontRef idx="minor">
-            <a:schemeClr val="lt1"/>
-          </a:fontRef>
-        </p:style>
-        <p:txBody>
-          <a:bodyPr rtlCol="0" anchor="ctr"/>
-          <a:lstStyle/>
-          <a:p>
-            <a:pPr algn="ctr"/>
-            <a:r>
-              <a:rPr lang="zh-TW" altLang="en-US" dirty="0"/>
-              <a:t>存取樣本的</a:t>
-            </a:r>
-            <a:endParaRPr lang="en-US" altLang="zh-TW" dirty="0"/>
-          </a:p>
-          <a:p>
-            <a:pPr algn="ctr"/>
-            <a:r>
-              <a:rPr lang="en-US" altLang="zh-TW" dirty="0"/>
-              <a:t>APZ</a:t>
-            </a:r>
-            <a:endParaRPr lang="zh-TW" altLang="en-US" dirty="0"/>
-          </a:p>
-        </p:txBody>
-      </p:sp>
-      <p:sp>
-        <p:nvSpPr>
-          <p:cNvPr id="50" name="矩形: 圓角 49">
-            <a:extLst>
-              <a:ext uri="{FF2B5EF4-FFF2-40B4-BE49-F238E27FC236}">
-                <a16:creationId xmlns:a16="http://schemas.microsoft.com/office/drawing/2014/main" id="{A4CD1C5B-AF75-45BA-3CF5-1E5CD83BB311}"/>
-              </a:ext>
-            </a:extLst>
-          </p:cNvPr>
-          <p:cNvSpPr/>
-          <p:nvPr/>
-        </p:nvSpPr>
-        <p:spPr>
-          <a:xfrm>
-            <a:off x="7938686" y="4340739"/>
-            <a:ext cx="1466680" cy="723478"/>
-          </a:xfrm>
-          <a:prstGeom prst="roundRect">
-            <a:avLst/>
-          </a:prstGeom>
-        </p:spPr>
-        <p:style>
-          <a:lnRef idx="2">
-            <a:schemeClr val="accent6">
-              <a:shade val="15000"/>
-            </a:schemeClr>
-          </a:lnRef>
-          <a:fillRef idx="1">
-            <a:schemeClr val="accent6"/>
-          </a:fillRef>
-          <a:effectRef idx="0">
-            <a:schemeClr val="accent6"/>
-          </a:effectRef>
-          <a:fontRef idx="minor">
-            <a:schemeClr val="lt1"/>
-          </a:fontRef>
-        </p:style>
-        <p:txBody>
-          <a:bodyPr rtlCol="0" anchor="ctr"/>
-          <a:lstStyle/>
-          <a:p>
-            <a:pPr algn="ctr"/>
-            <a:r>
-              <a:rPr lang="zh-TW" altLang="en-US" dirty="0"/>
-              <a:t>手動與自動</a:t>
-            </a:r>
-            <a:endParaRPr lang="en-US" altLang="zh-TW" dirty="0"/>
-          </a:p>
-          <a:p>
-            <a:pPr algn="ctr"/>
-            <a:r>
-              <a:rPr lang="zh-TW" altLang="en-US" dirty="0"/>
-              <a:t>遊玩</a:t>
-            </a:r>
-          </a:p>
-        </p:txBody>
-      </p:sp>
-      <p:sp>
-        <p:nvSpPr>
-          <p:cNvPr id="51" name="矩形: 圓角 50">
-            <a:extLst>
-              <a:ext uri="{FF2B5EF4-FFF2-40B4-BE49-F238E27FC236}">
-                <a16:creationId xmlns:a16="http://schemas.microsoft.com/office/drawing/2014/main" id="{5A04CDE1-A50D-B8DD-9A20-7D3554439D34}"/>
-              </a:ext>
-            </a:extLst>
-          </p:cNvPr>
-          <p:cNvSpPr/>
-          <p:nvPr/>
-        </p:nvSpPr>
-        <p:spPr>
-          <a:xfrm>
-            <a:off x="7943098" y="5543729"/>
-            <a:ext cx="1466680" cy="723478"/>
-          </a:xfrm>
-          <a:prstGeom prst="roundRect">
-            <a:avLst/>
-          </a:prstGeom>
-        </p:spPr>
-        <p:style>
-          <a:lnRef idx="2">
-            <a:schemeClr val="accent6">
-              <a:shade val="15000"/>
-            </a:schemeClr>
-          </a:lnRef>
-          <a:fillRef idx="1">
-            <a:schemeClr val="accent6"/>
-          </a:fillRef>
-          <a:effectRef idx="0">
-            <a:schemeClr val="accent6"/>
-          </a:effectRef>
-          <a:fontRef idx="minor">
-            <a:schemeClr val="lt1"/>
-          </a:fontRef>
-        </p:style>
-        <p:txBody>
-          <a:bodyPr rtlCol="0" anchor="ctr"/>
-          <a:lstStyle/>
-          <a:p>
-            <a:pPr algn="ctr"/>
-            <a:r>
-              <a:rPr lang="zh-TW" altLang="en-US" dirty="0"/>
-              <a:t>訓練、預測</a:t>
-            </a:r>
-          </a:p>
-        </p:txBody>
-      </p:sp>
-      <p:cxnSp>
-        <p:nvCxnSpPr>
-          <p:cNvPr id="53" name="接點: 肘形 52">
-            <a:extLst>
-              <a:ext uri="{FF2B5EF4-FFF2-40B4-BE49-F238E27FC236}">
-                <a16:creationId xmlns:a16="http://schemas.microsoft.com/office/drawing/2014/main" id="{3FA485A8-B2C8-35D0-7B40-48722B20EDE3}"/>
-              </a:ext>
-            </a:extLst>
-          </p:cNvPr>
-          <p:cNvCxnSpPr>
-            <a:stCxn id="10" idx="2"/>
-            <a:endCxn id="31" idx="0"/>
-          </p:cNvCxnSpPr>
-          <p:nvPr/>
-        </p:nvCxnSpPr>
-        <p:spPr>
-          <a:xfrm rot="5400000">
-            <a:off x="7183864" y="3765382"/>
-            <a:ext cx="248834" cy="901880"/>
-          </a:xfrm>
-          <a:prstGeom prst="bentConnector3">
-            <a:avLst/>
-          </a:prstGeom>
-          <a:ln>
-            <a:tailEnd type="triangle"/>
-          </a:ln>
-        </p:spPr>
-        <p:style>
-          <a:lnRef idx="1">
-            <a:schemeClr val="accent5"/>
-          </a:lnRef>
-          <a:fillRef idx="0">
-            <a:schemeClr val="accent5"/>
-          </a:fillRef>
-          <a:effectRef idx="0">
-            <a:schemeClr val="accent5"/>
-          </a:effectRef>
-          <a:fontRef idx="minor">
-            <a:schemeClr val="tx1"/>
-          </a:fontRef>
-        </p:style>
-      </p:cxnSp>
-      <p:cxnSp>
-        <p:nvCxnSpPr>
-          <p:cNvPr id="55" name="接點: 肘形 54">
-            <a:extLst>
-              <a:ext uri="{FF2B5EF4-FFF2-40B4-BE49-F238E27FC236}">
-                <a16:creationId xmlns:a16="http://schemas.microsoft.com/office/drawing/2014/main" id="{6D029518-FA0D-1939-8C3A-434DC2175987}"/>
-              </a:ext>
-            </a:extLst>
-          </p:cNvPr>
-          <p:cNvCxnSpPr>
-            <a:stCxn id="10" idx="2"/>
-            <a:endCxn id="50" idx="0"/>
-          </p:cNvCxnSpPr>
-          <p:nvPr/>
-        </p:nvCxnSpPr>
-        <p:spPr>
-          <a:xfrm rot="16200000" flipH="1">
-            <a:off x="8091206" y="3759919"/>
-            <a:ext cx="248834" cy="912805"/>
-          </a:xfrm>
-          <a:prstGeom prst="bentConnector3">
-            <a:avLst/>
-          </a:prstGeom>
-          <a:ln>
-            <a:tailEnd type="triangle"/>
-          </a:ln>
-        </p:spPr>
-        <p:style>
-          <a:lnRef idx="1">
-            <a:schemeClr val="accent5"/>
-          </a:lnRef>
-          <a:fillRef idx="0">
-            <a:schemeClr val="accent5"/>
-          </a:fillRef>
-          <a:effectRef idx="0">
-            <a:schemeClr val="accent5"/>
-          </a:effectRef>
-          <a:fontRef idx="minor">
-            <a:schemeClr val="tx1"/>
-          </a:fontRef>
-        </p:style>
-      </p:cxnSp>
-      <p:cxnSp>
-        <p:nvCxnSpPr>
-          <p:cNvPr id="57" name="接點: 肘形 56">
-            <a:extLst>
-              <a:ext uri="{FF2B5EF4-FFF2-40B4-BE49-F238E27FC236}">
-                <a16:creationId xmlns:a16="http://schemas.microsoft.com/office/drawing/2014/main" id="{9386D240-C0EE-CC04-FA57-24CEAC24A6A0}"/>
-              </a:ext>
-            </a:extLst>
-          </p:cNvPr>
-          <p:cNvCxnSpPr>
-            <a:stCxn id="10" idx="2"/>
-            <a:endCxn id="49" idx="0"/>
-          </p:cNvCxnSpPr>
-          <p:nvPr/>
-        </p:nvCxnSpPr>
-        <p:spPr>
-          <a:xfrm rot="5400000">
-            <a:off x="6594926" y="4373118"/>
-            <a:ext cx="1445509" cy="883082"/>
-          </a:xfrm>
-          <a:prstGeom prst="bentConnector3">
-            <a:avLst>
-              <a:gd name="adj1" fmla="val 83660"/>
-            </a:avLst>
-          </a:prstGeom>
-          <a:ln>
-            <a:tailEnd type="triangle"/>
-          </a:ln>
-        </p:spPr>
-        <p:style>
-          <a:lnRef idx="1">
-            <a:schemeClr val="accent5"/>
-          </a:lnRef>
-          <a:fillRef idx="0">
-            <a:schemeClr val="accent5"/>
-          </a:fillRef>
-          <a:effectRef idx="0">
-            <a:schemeClr val="accent5"/>
-          </a:effectRef>
-          <a:fontRef idx="minor">
-            <a:schemeClr val="tx1"/>
-          </a:fontRef>
-        </p:style>
-      </p:cxnSp>
-      <p:cxnSp>
-        <p:nvCxnSpPr>
-          <p:cNvPr id="59" name="接點: 肘形 58">
-            <a:extLst>
-              <a:ext uri="{FF2B5EF4-FFF2-40B4-BE49-F238E27FC236}">
-                <a16:creationId xmlns:a16="http://schemas.microsoft.com/office/drawing/2014/main" id="{F69B9BCF-CF15-1CFA-8DFE-41A99100CE8A}"/>
-              </a:ext>
-            </a:extLst>
-          </p:cNvPr>
-          <p:cNvCxnSpPr>
-            <a:stCxn id="10" idx="2"/>
-            <a:endCxn id="51" idx="0"/>
-          </p:cNvCxnSpPr>
-          <p:nvPr/>
-        </p:nvCxnSpPr>
-        <p:spPr>
-          <a:xfrm rot="16200000" flipH="1">
-            <a:off x="7491917" y="4359208"/>
-            <a:ext cx="1451824" cy="917217"/>
-          </a:xfrm>
-          <a:prstGeom prst="bentConnector3">
-            <a:avLst>
-              <a:gd name="adj1" fmla="val 83514"/>
-            </a:avLst>
-          </a:prstGeom>
-          <a:ln>
-            <a:tailEnd type="triangle"/>
-          </a:ln>
-        </p:spPr>
-        <p:style>
-          <a:lnRef idx="1">
-            <a:schemeClr val="accent5"/>
-          </a:lnRef>
-          <a:fillRef idx="0">
-            <a:schemeClr val="accent5"/>
-          </a:fillRef>
-          <a:effectRef idx="0">
-            <a:schemeClr val="accent5"/>
+            <a:schemeClr val="accent1"/>
           </a:effectRef>
           <a:fontRef idx="minor">
             <a:schemeClr val="tx1"/>
@@ -8279,7 +8425,7 @@
     </p:spTree>
     <p:extLst>
       <p:ext uri="{BB962C8B-B14F-4D97-AF65-F5344CB8AC3E}">
-        <p14:creationId xmlns:p14="http://schemas.microsoft.com/office/powerpoint/2010/main" val="1723613545"/>
+        <p14:creationId xmlns:p14="http://schemas.microsoft.com/office/powerpoint/2010/main" val="856761707"/>
       </p:ext>
     </p:extLst>
   </p:cSld>
@@ -8311,7 +8457,7 @@
           <p:cNvPr id="2" name="標題 1">
             <a:extLst>
               <a:ext uri="{FF2B5EF4-FFF2-40B4-BE49-F238E27FC236}">
-                <a16:creationId xmlns:a16="http://schemas.microsoft.com/office/drawing/2014/main" id="{F692DEFE-FD25-4A18-B8F8-8F7AFFB3DF2C}"/>
+                <a16:creationId xmlns:a16="http://schemas.microsoft.com/office/drawing/2014/main" id="{95973F22-9D1F-4DE9-855F-F1077DA0ABE5}"/>
               </a:ext>
             </a:extLst>
           </p:cNvPr>
@@ -8329,67 +8475,8 @@
           <a:p>
             <a:r>
               <a:rPr lang="zh-TW" altLang="en-US" dirty="0"/>
-              <a:t>驗收</a:t>
-            </a:r>
-          </a:p>
-        </p:txBody>
-      </p:sp>
-      <p:sp>
-        <p:nvSpPr>
-          <p:cNvPr id="3" name="內容版面配置區 2">
-            <a:extLst>
-              <a:ext uri="{FF2B5EF4-FFF2-40B4-BE49-F238E27FC236}">
-                <a16:creationId xmlns:a16="http://schemas.microsoft.com/office/drawing/2014/main" id="{D97DE27E-C013-451E-B01A-A3102CEA212E}"/>
-              </a:ext>
-            </a:extLst>
-          </p:cNvPr>
-          <p:cNvSpPr>
-            <a:spLocks noGrp="1"/>
-          </p:cNvSpPr>
-          <p:nvPr>
-            <p:ph idx="1"/>
-          </p:nvPr>
-        </p:nvSpPr>
-        <p:spPr/>
-        <p:txBody>
-          <a:bodyPr/>
-          <a:lstStyle/>
-          <a:p>
-            <a:pPr marL="457200" indent="-457200">
-              <a:buFont typeface="+mj-lt"/>
-              <a:buAutoNum type="arabicPeriod"/>
-            </a:pPr>
-            <a:r>
-              <a:rPr lang="zh-TW" altLang="en-US" dirty="0"/>
-              <a:t>腳本可以自行通關</a:t>
-            </a:r>
-            <a:r>
-              <a:rPr lang="en-US" altLang="zh-TW" dirty="0"/>
-              <a:t>Level1.~Level20.</a:t>
-            </a:r>
-            <a:r>
-              <a:rPr lang="zh-TW" altLang="en-US" dirty="0"/>
-              <a:t>。</a:t>
-            </a:r>
-            <a:endParaRPr lang="en-US" altLang="zh-TW" dirty="0"/>
-          </a:p>
-          <a:p>
-            <a:pPr marL="457200" indent="-457200">
-              <a:buFont typeface="+mj-lt"/>
-              <a:buAutoNum type="arabicPeriod"/>
-            </a:pPr>
-            <a:r>
-              <a:rPr lang="zh-TW" altLang="en-US" dirty="0"/>
-              <a:t>能判斷、預測球的路徑軌跡。</a:t>
-            </a:r>
-            <a:endParaRPr lang="en-US" altLang="zh-TW" dirty="0"/>
-          </a:p>
-          <a:p>
-            <a:pPr marL="457200" indent="-457200">
-              <a:buFont typeface="+mj-lt"/>
-              <a:buAutoNum type="arabicPeriod"/>
-            </a:pPr>
-            <a:endParaRPr lang="zh-TW" altLang="en-US" dirty="0"/>
+              <a:t>設計 流程</a:t>
+            </a:r>
           </a:p>
         </p:txBody>
       </p:sp>
@@ -8398,7 +8485,7 @@
           <p:cNvPr id="4" name="日期版面配置區 3">
             <a:extLst>
               <a:ext uri="{FF2B5EF4-FFF2-40B4-BE49-F238E27FC236}">
-                <a16:creationId xmlns:a16="http://schemas.microsoft.com/office/drawing/2014/main" id="{FE89C05E-AAE1-4F24-8495-B63D0ECED82E}"/>
+                <a16:creationId xmlns:a16="http://schemas.microsoft.com/office/drawing/2014/main" id="{C9DB3737-44A9-48BF-849D-71260B765D9D}"/>
               </a:ext>
             </a:extLst>
           </p:cNvPr>
@@ -8417,16 +8504,591 @@
             <a:pPr rtl="0"/>
             <a:fld id="{A55B7815-05FA-48A0-B9F7-1E04C4F2927A}" type="datetime1">
               <a:rPr lang="zh-TW" altLang="en-US" smtClean="0"/>
-              <a:t>2024/4/26</a:t>
+              <a:t>2024/4/29</a:t>
             </a:fld>
             <a:endParaRPr lang="en-US" dirty="0"/>
           </a:p>
         </p:txBody>
       </p:sp>
+      <p:sp>
+        <p:nvSpPr>
+          <p:cNvPr id="12" name="矩形: 圓角 11">
+            <a:extLst>
+              <a:ext uri="{FF2B5EF4-FFF2-40B4-BE49-F238E27FC236}">
+                <a16:creationId xmlns:a16="http://schemas.microsoft.com/office/drawing/2014/main" id="{730221A4-00DA-4EAC-9A39-49DBBCEA3297}"/>
+              </a:ext>
+            </a:extLst>
+          </p:cNvPr>
+          <p:cNvSpPr/>
+          <p:nvPr/>
+        </p:nvSpPr>
+        <p:spPr>
+          <a:xfrm>
+            <a:off x="5430333" y="2007226"/>
+            <a:ext cx="1331333" cy="694958"/>
+          </a:xfrm>
+          <a:prstGeom prst="roundRect">
+            <a:avLst/>
+          </a:prstGeom>
+        </p:spPr>
+        <p:style>
+          <a:lnRef idx="2">
+            <a:schemeClr val="accent1">
+              <a:shade val="15000"/>
+            </a:schemeClr>
+          </a:lnRef>
+          <a:fillRef idx="1">
+            <a:schemeClr val="accent1"/>
+          </a:fillRef>
+          <a:effectRef idx="0">
+            <a:schemeClr val="accent1"/>
+          </a:effectRef>
+          <a:fontRef idx="minor">
+            <a:schemeClr val="lt1"/>
+          </a:fontRef>
+        </p:style>
+        <p:txBody>
+          <a:bodyPr rtlCol="0" anchor="ctr"/>
+          <a:lstStyle/>
+          <a:p>
+            <a:pPr algn="ctr"/>
+            <a:r>
+              <a:rPr lang="zh-TW" altLang="en-US" dirty="0"/>
+              <a:t>初始樣本</a:t>
+            </a:r>
+            <a:endParaRPr lang="en-US" altLang="zh-TW" dirty="0"/>
+          </a:p>
+        </p:txBody>
+      </p:sp>
+      <p:sp>
+        <p:nvSpPr>
+          <p:cNvPr id="13" name="矩形: 圓角 12">
+            <a:extLst>
+              <a:ext uri="{FF2B5EF4-FFF2-40B4-BE49-F238E27FC236}">
+                <a16:creationId xmlns:a16="http://schemas.microsoft.com/office/drawing/2014/main" id="{25588F5D-EE1E-4039-9391-863AFA6B82C3}"/>
+              </a:ext>
+            </a:extLst>
+          </p:cNvPr>
+          <p:cNvSpPr/>
+          <p:nvPr/>
+        </p:nvSpPr>
+        <p:spPr>
+          <a:xfrm>
+            <a:off x="7730592" y="2833332"/>
+            <a:ext cx="1361813" cy="694958"/>
+          </a:xfrm>
+          <a:prstGeom prst="roundRect">
+            <a:avLst/>
+          </a:prstGeom>
+        </p:spPr>
+        <p:style>
+          <a:lnRef idx="2">
+            <a:schemeClr val="accent1">
+              <a:shade val="15000"/>
+            </a:schemeClr>
+          </a:lnRef>
+          <a:fillRef idx="1">
+            <a:schemeClr val="accent1"/>
+          </a:fillRef>
+          <a:effectRef idx="0">
+            <a:schemeClr val="accent1"/>
+          </a:effectRef>
+          <a:fontRef idx="minor">
+            <a:schemeClr val="lt1"/>
+          </a:fontRef>
+        </p:style>
+        <p:txBody>
+          <a:bodyPr rtlCol="0" anchor="ctr"/>
+          <a:lstStyle/>
+          <a:p>
+            <a:pPr algn="ctr"/>
+            <a:r>
+              <a:rPr lang="en-US" altLang="zh-TW" dirty="0"/>
+              <a:t>KNN</a:t>
+            </a:r>
+          </a:p>
+        </p:txBody>
+      </p:sp>
+      <p:sp>
+        <p:nvSpPr>
+          <p:cNvPr id="14" name="矩形: 圓角 13">
+            <a:extLst>
+              <a:ext uri="{FF2B5EF4-FFF2-40B4-BE49-F238E27FC236}">
+                <a16:creationId xmlns:a16="http://schemas.microsoft.com/office/drawing/2014/main" id="{44E6C17E-73E2-4D7E-803D-8506602EF893}"/>
+              </a:ext>
+            </a:extLst>
+          </p:cNvPr>
+          <p:cNvSpPr/>
+          <p:nvPr/>
+        </p:nvSpPr>
+        <p:spPr>
+          <a:xfrm>
+            <a:off x="7730592" y="4148195"/>
+            <a:ext cx="1331333" cy="694958"/>
+          </a:xfrm>
+          <a:prstGeom prst="roundRect">
+            <a:avLst/>
+          </a:prstGeom>
+        </p:spPr>
+        <p:style>
+          <a:lnRef idx="2">
+            <a:schemeClr val="accent1">
+              <a:shade val="15000"/>
+            </a:schemeClr>
+          </a:lnRef>
+          <a:fillRef idx="1">
+            <a:schemeClr val="accent1"/>
+          </a:fillRef>
+          <a:effectRef idx="0">
+            <a:schemeClr val="accent1"/>
+          </a:effectRef>
+          <a:fontRef idx="minor">
+            <a:schemeClr val="lt1"/>
+          </a:fontRef>
+        </p:style>
+        <p:txBody>
+          <a:bodyPr rtlCol="0" anchor="ctr"/>
+          <a:lstStyle/>
+          <a:p>
+            <a:pPr algn="ctr"/>
+            <a:r>
+              <a:rPr lang="zh-TW" altLang="en-US" dirty="0"/>
+              <a:t>訓練</a:t>
+            </a:r>
+            <a:endParaRPr lang="en-US" altLang="zh-TW" dirty="0"/>
+          </a:p>
+        </p:txBody>
+      </p:sp>
+      <p:sp>
+        <p:nvSpPr>
+          <p:cNvPr id="15" name="矩形: 圓角 14">
+            <a:extLst>
+              <a:ext uri="{FF2B5EF4-FFF2-40B4-BE49-F238E27FC236}">
+                <a16:creationId xmlns:a16="http://schemas.microsoft.com/office/drawing/2014/main" id="{190E2A45-7CF5-4A14-AAAD-0AF096C13B3C}"/>
+              </a:ext>
+            </a:extLst>
+          </p:cNvPr>
+          <p:cNvSpPr/>
+          <p:nvPr/>
+        </p:nvSpPr>
+        <p:spPr>
+          <a:xfrm>
+            <a:off x="5430332" y="5120641"/>
+            <a:ext cx="1331333" cy="694958"/>
+          </a:xfrm>
+          <a:prstGeom prst="roundRect">
+            <a:avLst/>
+          </a:prstGeom>
+        </p:spPr>
+        <p:style>
+          <a:lnRef idx="2">
+            <a:schemeClr val="accent1">
+              <a:shade val="15000"/>
+            </a:schemeClr>
+          </a:lnRef>
+          <a:fillRef idx="1">
+            <a:schemeClr val="accent1"/>
+          </a:fillRef>
+          <a:effectRef idx="0">
+            <a:schemeClr val="accent1"/>
+          </a:effectRef>
+          <a:fontRef idx="minor">
+            <a:schemeClr val="lt1"/>
+          </a:fontRef>
+        </p:style>
+        <p:txBody>
+          <a:bodyPr rtlCol="0" anchor="ctr"/>
+          <a:lstStyle/>
+          <a:p>
+            <a:pPr algn="ctr"/>
+            <a:r>
+              <a:rPr lang="en-US" altLang="zh-TW" dirty="0"/>
+              <a:t>Model</a:t>
+            </a:r>
+          </a:p>
+        </p:txBody>
+      </p:sp>
+      <p:sp>
+        <p:nvSpPr>
+          <p:cNvPr id="16" name="矩形: 圓角 15">
+            <a:extLst>
+              <a:ext uri="{FF2B5EF4-FFF2-40B4-BE49-F238E27FC236}">
+                <a16:creationId xmlns:a16="http://schemas.microsoft.com/office/drawing/2014/main" id="{20A7B844-3563-4AE5-91E2-38A8C807CB33}"/>
+              </a:ext>
+            </a:extLst>
+          </p:cNvPr>
+          <p:cNvSpPr/>
+          <p:nvPr/>
+        </p:nvSpPr>
+        <p:spPr>
+          <a:xfrm>
+            <a:off x="3523097" y="4177969"/>
+            <a:ext cx="1331333" cy="694958"/>
+          </a:xfrm>
+          <a:prstGeom prst="roundRect">
+            <a:avLst/>
+          </a:prstGeom>
+        </p:spPr>
+        <p:style>
+          <a:lnRef idx="2">
+            <a:schemeClr val="accent1">
+              <a:shade val="15000"/>
+            </a:schemeClr>
+          </a:lnRef>
+          <a:fillRef idx="1">
+            <a:schemeClr val="accent1"/>
+          </a:fillRef>
+          <a:effectRef idx="0">
+            <a:schemeClr val="accent1"/>
+          </a:effectRef>
+          <a:fontRef idx="minor">
+            <a:schemeClr val="lt1"/>
+          </a:fontRef>
+        </p:style>
+        <p:txBody>
+          <a:bodyPr rtlCol="0" anchor="ctr"/>
+          <a:lstStyle/>
+          <a:p>
+            <a:pPr algn="ctr"/>
+            <a:r>
+              <a:rPr lang="zh-TW" altLang="en-US" dirty="0"/>
+              <a:t>使用</a:t>
+            </a:r>
+            <a:r>
+              <a:rPr lang="en-US" altLang="zh-TW" dirty="0"/>
+              <a:t>Model</a:t>
+            </a:r>
+            <a:r>
+              <a:rPr lang="zh-TW" altLang="en-US" dirty="0"/>
+              <a:t>遊玩</a:t>
+            </a:r>
+            <a:endParaRPr lang="en-US" altLang="zh-TW" dirty="0"/>
+          </a:p>
+        </p:txBody>
+      </p:sp>
+      <p:sp>
+        <p:nvSpPr>
+          <p:cNvPr id="17" name="矩形: 圓角 16">
+            <a:extLst>
+              <a:ext uri="{FF2B5EF4-FFF2-40B4-BE49-F238E27FC236}">
+                <a16:creationId xmlns:a16="http://schemas.microsoft.com/office/drawing/2014/main" id="{4DDA406C-4E3E-4B9E-957D-A6A1C0457AED}"/>
+              </a:ext>
+            </a:extLst>
+          </p:cNvPr>
+          <p:cNvSpPr/>
+          <p:nvPr/>
+        </p:nvSpPr>
+        <p:spPr>
+          <a:xfrm>
+            <a:off x="3523097" y="2957665"/>
+            <a:ext cx="1331333" cy="694958"/>
+          </a:xfrm>
+          <a:prstGeom prst="roundRect">
+            <a:avLst/>
+          </a:prstGeom>
+        </p:spPr>
+        <p:style>
+          <a:lnRef idx="2">
+            <a:schemeClr val="accent1">
+              <a:shade val="15000"/>
+            </a:schemeClr>
+          </a:lnRef>
+          <a:fillRef idx="1">
+            <a:schemeClr val="accent1"/>
+          </a:fillRef>
+          <a:effectRef idx="0">
+            <a:schemeClr val="accent1"/>
+          </a:effectRef>
+          <a:fontRef idx="minor">
+            <a:schemeClr val="lt1"/>
+          </a:fontRef>
+        </p:style>
+        <p:txBody>
+          <a:bodyPr rtlCol="0" anchor="ctr"/>
+          <a:lstStyle/>
+          <a:p>
+            <a:pPr algn="ctr"/>
+            <a:r>
+              <a:rPr lang="zh-TW" altLang="en-US" dirty="0"/>
+              <a:t>獲得</a:t>
+            </a:r>
+            <a:endParaRPr lang="en-US" altLang="zh-TW" dirty="0"/>
+          </a:p>
+          <a:p>
+            <a:pPr algn="ctr"/>
+            <a:r>
+              <a:rPr lang="zh-TW" altLang="en-US" dirty="0"/>
+              <a:t>新樣本</a:t>
+            </a:r>
+            <a:endParaRPr lang="en-US" altLang="zh-TW" dirty="0"/>
+          </a:p>
+        </p:txBody>
+      </p:sp>
+      <p:cxnSp>
+        <p:nvCxnSpPr>
+          <p:cNvPr id="19" name="接點: 弧形 18">
+            <a:extLst>
+              <a:ext uri="{FF2B5EF4-FFF2-40B4-BE49-F238E27FC236}">
+                <a16:creationId xmlns:a16="http://schemas.microsoft.com/office/drawing/2014/main" id="{FC0E9F6E-D9B8-47A1-8238-1C8399BBE73E}"/>
+              </a:ext>
+            </a:extLst>
+          </p:cNvPr>
+          <p:cNvCxnSpPr>
+            <a:stCxn id="12" idx="3"/>
+            <a:endCxn id="13" idx="0"/>
+          </p:cNvCxnSpPr>
+          <p:nvPr/>
+        </p:nvCxnSpPr>
+        <p:spPr>
+          <a:xfrm>
+            <a:off x="6761666" y="2354705"/>
+            <a:ext cx="1649833" cy="478627"/>
+          </a:xfrm>
+          <a:prstGeom prst="curvedConnector2">
+            <a:avLst/>
+          </a:prstGeom>
+          <a:ln>
+            <a:tailEnd type="triangle"/>
+          </a:ln>
+        </p:spPr>
+        <p:style>
+          <a:lnRef idx="1">
+            <a:schemeClr val="accent1"/>
+          </a:lnRef>
+          <a:fillRef idx="0">
+            <a:schemeClr val="accent1"/>
+          </a:fillRef>
+          <a:effectRef idx="0">
+            <a:schemeClr val="accent1"/>
+          </a:effectRef>
+          <a:fontRef idx="minor">
+            <a:schemeClr val="tx1"/>
+          </a:fontRef>
+        </p:style>
+      </p:cxnSp>
+      <p:cxnSp>
+        <p:nvCxnSpPr>
+          <p:cNvPr id="20" name="接點: 弧形 19">
+            <a:extLst>
+              <a:ext uri="{FF2B5EF4-FFF2-40B4-BE49-F238E27FC236}">
+                <a16:creationId xmlns:a16="http://schemas.microsoft.com/office/drawing/2014/main" id="{F0CA88F0-7A5B-4790-B623-9BB6E4483107}"/>
+              </a:ext>
+            </a:extLst>
+          </p:cNvPr>
+          <p:cNvCxnSpPr>
+            <a:cxnSpLocks/>
+            <a:stCxn id="13" idx="2"/>
+            <a:endCxn id="14" idx="0"/>
+          </p:cNvCxnSpPr>
+          <p:nvPr/>
+        </p:nvCxnSpPr>
+        <p:spPr>
+          <a:xfrm rot="5400000">
+            <a:off x="8093927" y="3830622"/>
+            <a:ext cx="619905" cy="15240"/>
+          </a:xfrm>
+          <a:prstGeom prst="curvedConnector3">
+            <a:avLst>
+              <a:gd name="adj1" fmla="val 50000"/>
+            </a:avLst>
+          </a:prstGeom>
+          <a:ln>
+            <a:tailEnd type="triangle"/>
+          </a:ln>
+        </p:spPr>
+        <p:style>
+          <a:lnRef idx="1">
+            <a:schemeClr val="accent1"/>
+          </a:lnRef>
+          <a:fillRef idx="0">
+            <a:schemeClr val="accent1"/>
+          </a:fillRef>
+          <a:effectRef idx="0">
+            <a:schemeClr val="accent1"/>
+          </a:effectRef>
+          <a:fontRef idx="minor">
+            <a:schemeClr val="tx1"/>
+          </a:fontRef>
+        </p:style>
+      </p:cxnSp>
+      <p:cxnSp>
+        <p:nvCxnSpPr>
+          <p:cNvPr id="30" name="接點: 弧形 29">
+            <a:extLst>
+              <a:ext uri="{FF2B5EF4-FFF2-40B4-BE49-F238E27FC236}">
+                <a16:creationId xmlns:a16="http://schemas.microsoft.com/office/drawing/2014/main" id="{24564166-C54A-4915-BF3A-43E4C802986F}"/>
+              </a:ext>
+            </a:extLst>
+          </p:cNvPr>
+          <p:cNvCxnSpPr>
+            <a:cxnSpLocks/>
+            <a:stCxn id="14" idx="2"/>
+            <a:endCxn id="15" idx="3"/>
+          </p:cNvCxnSpPr>
+          <p:nvPr/>
+        </p:nvCxnSpPr>
+        <p:spPr>
+          <a:xfrm rot="5400000">
+            <a:off x="7266479" y="4338339"/>
+            <a:ext cx="624967" cy="1634594"/>
+          </a:xfrm>
+          <a:prstGeom prst="curvedConnector2">
+            <a:avLst/>
+          </a:prstGeom>
+          <a:ln>
+            <a:tailEnd type="triangle"/>
+          </a:ln>
+        </p:spPr>
+        <p:style>
+          <a:lnRef idx="1">
+            <a:schemeClr val="accent1"/>
+          </a:lnRef>
+          <a:fillRef idx="0">
+            <a:schemeClr val="accent1"/>
+          </a:fillRef>
+          <a:effectRef idx="0">
+            <a:schemeClr val="accent1"/>
+          </a:effectRef>
+          <a:fontRef idx="minor">
+            <a:schemeClr val="tx1"/>
+          </a:fontRef>
+        </p:style>
+      </p:cxnSp>
+      <p:cxnSp>
+        <p:nvCxnSpPr>
+          <p:cNvPr id="34" name="接點: 弧形 33">
+            <a:extLst>
+              <a:ext uri="{FF2B5EF4-FFF2-40B4-BE49-F238E27FC236}">
+                <a16:creationId xmlns:a16="http://schemas.microsoft.com/office/drawing/2014/main" id="{24D377D0-3E3F-45C2-986E-DB06A3C71D77}"/>
+              </a:ext>
+            </a:extLst>
+          </p:cNvPr>
+          <p:cNvCxnSpPr>
+            <a:cxnSpLocks/>
+            <a:stCxn id="15" idx="1"/>
+            <a:endCxn id="16" idx="2"/>
+          </p:cNvCxnSpPr>
+          <p:nvPr/>
+        </p:nvCxnSpPr>
+        <p:spPr>
+          <a:xfrm rot="10800000">
+            <a:off x="4188764" y="4872928"/>
+            <a:ext cx="1241568" cy="595193"/>
+          </a:xfrm>
+          <a:prstGeom prst="curvedConnector2">
+            <a:avLst/>
+          </a:prstGeom>
+          <a:ln>
+            <a:tailEnd type="triangle"/>
+          </a:ln>
+        </p:spPr>
+        <p:style>
+          <a:lnRef idx="1">
+            <a:schemeClr val="accent1"/>
+          </a:lnRef>
+          <a:fillRef idx="0">
+            <a:schemeClr val="accent1"/>
+          </a:fillRef>
+          <a:effectRef idx="0">
+            <a:schemeClr val="accent1"/>
+          </a:effectRef>
+          <a:fontRef idx="minor">
+            <a:schemeClr val="tx1"/>
+          </a:fontRef>
+        </p:style>
+      </p:cxnSp>
+      <p:cxnSp>
+        <p:nvCxnSpPr>
+          <p:cNvPr id="37" name="接點: 弧形 36">
+            <a:extLst>
+              <a:ext uri="{FF2B5EF4-FFF2-40B4-BE49-F238E27FC236}">
+                <a16:creationId xmlns:a16="http://schemas.microsoft.com/office/drawing/2014/main" id="{E0A24082-2B51-4A89-819A-82393E156B49}"/>
+              </a:ext>
+            </a:extLst>
+          </p:cNvPr>
+          <p:cNvCxnSpPr>
+            <a:cxnSpLocks/>
+            <a:stCxn id="16" idx="0"/>
+            <a:endCxn id="17" idx="2"/>
+          </p:cNvCxnSpPr>
+          <p:nvPr/>
+        </p:nvCxnSpPr>
+        <p:spPr>
+          <a:xfrm rot="5400000" flipH="1" flipV="1">
+            <a:off x="3926091" y="3915296"/>
+            <a:ext cx="525346" cy="12700"/>
+          </a:xfrm>
+          <a:prstGeom prst="curvedConnector3">
+            <a:avLst>
+              <a:gd name="adj1" fmla="val 50000"/>
+            </a:avLst>
+          </a:prstGeom>
+          <a:ln>
+            <a:tailEnd type="triangle"/>
+          </a:ln>
+        </p:spPr>
+        <p:style>
+          <a:lnRef idx="1">
+            <a:schemeClr val="accent1"/>
+          </a:lnRef>
+          <a:fillRef idx="0">
+            <a:schemeClr val="accent1"/>
+          </a:fillRef>
+          <a:effectRef idx="0">
+            <a:schemeClr val="accent1"/>
+          </a:effectRef>
+          <a:fontRef idx="minor">
+            <a:schemeClr val="tx1"/>
+          </a:fontRef>
+        </p:style>
+      </p:cxnSp>
+      <p:cxnSp>
+        <p:nvCxnSpPr>
+          <p:cNvPr id="41" name="接點: 弧形 40">
+            <a:extLst>
+              <a:ext uri="{FF2B5EF4-FFF2-40B4-BE49-F238E27FC236}">
+                <a16:creationId xmlns:a16="http://schemas.microsoft.com/office/drawing/2014/main" id="{CC145934-1993-458B-80F4-67435071010C}"/>
+              </a:ext>
+            </a:extLst>
+          </p:cNvPr>
+          <p:cNvCxnSpPr>
+            <a:cxnSpLocks/>
+            <a:stCxn id="17" idx="0"/>
+            <a:endCxn id="12" idx="1"/>
+          </p:cNvCxnSpPr>
+          <p:nvPr/>
+        </p:nvCxnSpPr>
+        <p:spPr>
+          <a:xfrm rot="5400000" flipH="1" flipV="1">
+            <a:off x="4508068" y="2035401"/>
+            <a:ext cx="602960" cy="1241569"/>
+          </a:xfrm>
+          <a:prstGeom prst="curvedConnector2">
+            <a:avLst/>
+          </a:prstGeom>
+          <a:ln>
+            <a:tailEnd type="triangle"/>
+          </a:ln>
+        </p:spPr>
+        <p:style>
+          <a:lnRef idx="1">
+            <a:schemeClr val="accent1"/>
+          </a:lnRef>
+          <a:fillRef idx="0">
+            <a:schemeClr val="accent1"/>
+          </a:fillRef>
+          <a:effectRef idx="0">
+            <a:schemeClr val="accent1"/>
+          </a:effectRef>
+          <a:fontRef idx="minor">
+            <a:schemeClr val="tx1"/>
+          </a:fontRef>
+        </p:style>
+      </p:cxnSp>
     </p:spTree>
     <p:extLst>
       <p:ext uri="{BB962C8B-B14F-4D97-AF65-F5344CB8AC3E}">
-        <p14:creationId xmlns:p14="http://schemas.microsoft.com/office/powerpoint/2010/main" val="1132403444"/>
+        <p14:creationId xmlns:p14="http://schemas.microsoft.com/office/powerpoint/2010/main" val="2435910088"/>
       </p:ext>
     </p:extLst>
   </p:cSld>
@@ -8458,7 +9120,7 @@
           <p:cNvPr id="2" name="標題 1">
             <a:extLst>
               <a:ext uri="{FF2B5EF4-FFF2-40B4-BE49-F238E27FC236}">
-                <a16:creationId xmlns:a16="http://schemas.microsoft.com/office/drawing/2014/main" id="{95973F22-9D1F-4DE9-855F-F1077DA0ABE5}"/>
+                <a16:creationId xmlns:a16="http://schemas.microsoft.com/office/drawing/2014/main" id="{F692DEFE-FD25-4A18-B8F8-8F7AFFB3DF2C}"/>
               </a:ext>
             </a:extLst>
           </p:cNvPr>
@@ -8476,7 +9138,7 @@
           <a:p>
             <a:r>
               <a:rPr lang="zh-TW" altLang="en-US" dirty="0"/>
-              <a:t>補充</a:t>
+              <a:t>驗收</a:t>
             </a:r>
           </a:p>
         </p:txBody>
@@ -8486,7 +9148,7 @@
           <p:cNvPr id="3" name="內容版面配置區 2">
             <a:extLst>
               <a:ext uri="{FF2B5EF4-FFF2-40B4-BE49-F238E27FC236}">
-                <a16:creationId xmlns:a16="http://schemas.microsoft.com/office/drawing/2014/main" id="{5F7C0B55-25BE-46EB-8B8D-C01756696AA9}"/>
+                <a16:creationId xmlns:a16="http://schemas.microsoft.com/office/drawing/2014/main" id="{D97DE27E-C013-451E-B01A-A3102CEA212E}"/>
               </a:ext>
             </a:extLst>
           </p:cNvPr>
@@ -8508,12 +9170,17 @@
             </a:pPr>
             <a:r>
               <a:rPr lang="zh-TW" altLang="en-US" dirty="0"/>
-              <a:t>機器學習</a:t>
+              <a:t>腳本可以自行通關</a:t>
             </a:r>
             <a:r>
               <a:rPr lang="en-US" altLang="zh-TW" dirty="0"/>
-              <a:t>(Q learning)</a:t>
-            </a:r>
+              <a:t>Level1.~Level20.</a:t>
+            </a:r>
+            <a:r>
+              <a:rPr lang="zh-TW" altLang="en-US" dirty="0"/>
+              <a:t>。</a:t>
+            </a:r>
+            <a:endParaRPr lang="en-US" altLang="zh-TW" dirty="0"/>
           </a:p>
           <a:p>
             <a:pPr marL="457200" indent="-457200">
@@ -8522,16 +9189,16 @@
             </a:pPr>
             <a:r>
               <a:rPr lang="zh-TW" altLang="en-US" dirty="0"/>
-              <a:t>機器學習</a:t>
-            </a:r>
-            <a:r>
-              <a:rPr lang="en-US" altLang="zh-TW" dirty="0"/>
-              <a:t>:</a:t>
-            </a:r>
-            <a:r>
-              <a:rPr lang="zh-TW" altLang="en-US" dirty="0"/>
-              <a:t>需求、分析</a:t>
-            </a:r>
+              <a:t>能判斷、預測球的路徑軌跡。</a:t>
+            </a:r>
+            <a:endParaRPr lang="en-US" altLang="zh-TW" dirty="0"/>
+          </a:p>
+          <a:p>
+            <a:pPr marL="457200" indent="-457200">
+              <a:buFont typeface="+mj-lt"/>
+              <a:buAutoNum type="arabicPeriod"/>
+            </a:pPr>
+            <a:endParaRPr lang="zh-TW" altLang="en-US" dirty="0"/>
           </a:p>
         </p:txBody>
       </p:sp>
@@ -8540,7 +9207,7 @@
           <p:cNvPr id="4" name="日期版面配置區 3">
             <a:extLst>
               <a:ext uri="{FF2B5EF4-FFF2-40B4-BE49-F238E27FC236}">
-                <a16:creationId xmlns:a16="http://schemas.microsoft.com/office/drawing/2014/main" id="{C9DB3737-44A9-48BF-849D-71260B765D9D}"/>
+                <a16:creationId xmlns:a16="http://schemas.microsoft.com/office/drawing/2014/main" id="{FE89C05E-AAE1-4F24-8495-B63D0ECED82E}"/>
               </a:ext>
             </a:extLst>
           </p:cNvPr>
@@ -8559,7 +9226,7 @@
             <a:pPr rtl="0"/>
             <a:fld id="{A55B7815-05FA-48A0-B9F7-1E04C4F2927A}" type="datetime1">
               <a:rPr lang="zh-TW" altLang="en-US" smtClean="0"/>
-              <a:t>2024/4/26</a:t>
+              <a:t>2024/4/29</a:t>
             </a:fld>
             <a:endParaRPr lang="en-US" dirty="0"/>
           </a:p>
@@ -8568,1990 +9235,7 @@
     </p:spTree>
     <p:extLst>
       <p:ext uri="{BB962C8B-B14F-4D97-AF65-F5344CB8AC3E}">
-        <p14:creationId xmlns:p14="http://schemas.microsoft.com/office/powerpoint/2010/main" val="2435910088"/>
-      </p:ext>
-    </p:extLst>
-  </p:cSld>
-  <p:clrMapOvr>
-    <a:masterClrMapping/>
-  </p:clrMapOvr>
-</p:sld>
-</file>
-
-<file path=ppt/slides/slide7.xml><?xml version="1.0" encoding="utf-8"?>
-<p:sld xmlns:a="http://schemas.openxmlformats.org/drawingml/2006/main" xmlns:r="http://schemas.openxmlformats.org/officeDocument/2006/relationships" xmlns:p="http://schemas.openxmlformats.org/presentationml/2006/main">
-  <p:cSld>
-    <p:spTree>
-      <p:nvGrpSpPr>
-        <p:cNvPr id="1" name=""/>
-        <p:cNvGrpSpPr/>
-        <p:nvPr/>
-      </p:nvGrpSpPr>
-      <p:grpSpPr>
-        <a:xfrm>
-          <a:off x="0" y="0"/>
-          <a:ext cx="0" cy="0"/>
-          <a:chOff x="0" y="0"/>
-          <a:chExt cx="0" cy="0"/>
-        </a:xfrm>
-      </p:grpSpPr>
-      <p:sp>
-        <p:nvSpPr>
-          <p:cNvPr id="7" name="矩形: 圓角 6">
-            <a:extLst>
-              <a:ext uri="{FF2B5EF4-FFF2-40B4-BE49-F238E27FC236}">
-                <a16:creationId xmlns:a16="http://schemas.microsoft.com/office/drawing/2014/main" id="{3901E261-E672-44B9-90AF-4D095FAC0FBA}"/>
-              </a:ext>
-            </a:extLst>
-          </p:cNvPr>
-          <p:cNvSpPr/>
-          <p:nvPr/>
-        </p:nvSpPr>
-        <p:spPr>
-          <a:xfrm>
-            <a:off x="5220010" y="466429"/>
-            <a:ext cx="1845578" cy="847288"/>
-          </a:xfrm>
-          <a:prstGeom prst="roundRect">
-            <a:avLst/>
-          </a:prstGeom>
-        </p:spPr>
-        <p:style>
-          <a:lnRef idx="2">
-            <a:schemeClr val="accent1">
-              <a:shade val="15000"/>
-            </a:schemeClr>
-          </a:lnRef>
-          <a:fillRef idx="1">
-            <a:schemeClr val="accent1"/>
-          </a:fillRef>
-          <a:effectRef idx="0">
-            <a:schemeClr val="accent1"/>
-          </a:effectRef>
-          <a:fontRef idx="minor">
-            <a:schemeClr val="lt1"/>
-          </a:fontRef>
-        </p:style>
-        <p:txBody>
-          <a:bodyPr rtlCol="0" anchor="ctr"/>
-          <a:lstStyle/>
-          <a:p>
-            <a:pPr algn="ctr"/>
-            <a:r>
-              <a:rPr lang="zh-TW" altLang="en-US" dirty="0"/>
-              <a:t>機器學習</a:t>
-            </a:r>
-            <a:endParaRPr lang="en-US" altLang="zh-TW" dirty="0"/>
-          </a:p>
-          <a:p>
-            <a:pPr algn="ctr"/>
-            <a:r>
-              <a:rPr lang="en-US" altLang="zh-TW" dirty="0"/>
-              <a:t>Q learning</a:t>
-            </a:r>
-            <a:endParaRPr lang="zh-TW" altLang="en-US" dirty="0"/>
-          </a:p>
-        </p:txBody>
-      </p:sp>
-      <p:sp>
-        <p:nvSpPr>
-          <p:cNvPr id="9" name="矩形: 圓角 8">
-            <a:extLst>
-              <a:ext uri="{FF2B5EF4-FFF2-40B4-BE49-F238E27FC236}">
-                <a16:creationId xmlns:a16="http://schemas.microsoft.com/office/drawing/2014/main" id="{E2E101B9-626E-4B95-9DA9-996CBEB7724B}"/>
-              </a:ext>
-            </a:extLst>
-          </p:cNvPr>
-          <p:cNvSpPr/>
-          <p:nvPr/>
-        </p:nvSpPr>
-        <p:spPr>
-          <a:xfrm>
-            <a:off x="1667579" y="2419901"/>
-            <a:ext cx="861825" cy="847288"/>
-          </a:xfrm>
-          <a:prstGeom prst="roundRect">
-            <a:avLst/>
-          </a:prstGeom>
-          <a:solidFill>
-            <a:schemeClr val="accent3">
-              <a:lumMod val="50000"/>
-            </a:schemeClr>
-          </a:solidFill>
-        </p:spPr>
-        <p:style>
-          <a:lnRef idx="2">
-            <a:schemeClr val="accent3">
-              <a:shade val="15000"/>
-            </a:schemeClr>
-          </a:lnRef>
-          <a:fillRef idx="1">
-            <a:schemeClr val="accent3"/>
-          </a:fillRef>
-          <a:effectRef idx="0">
-            <a:schemeClr val="accent3"/>
-          </a:effectRef>
-          <a:fontRef idx="minor">
-            <a:schemeClr val="lt1"/>
-          </a:fontRef>
-        </p:style>
-        <p:txBody>
-          <a:bodyPr rtlCol="0" anchor="ctr"/>
-          <a:lstStyle/>
-          <a:p>
-            <a:pPr algn="ctr"/>
-            <a:r>
-              <a:rPr lang="zh-TW" altLang="en-US" dirty="0"/>
-              <a:t>特徵</a:t>
-            </a:r>
-          </a:p>
-        </p:txBody>
-      </p:sp>
-      <p:sp>
-        <p:nvSpPr>
-          <p:cNvPr id="10" name="矩形: 圓角 9">
-            <a:extLst>
-              <a:ext uri="{FF2B5EF4-FFF2-40B4-BE49-F238E27FC236}">
-                <a16:creationId xmlns:a16="http://schemas.microsoft.com/office/drawing/2014/main" id="{02679335-B74F-4005-BB69-FB311C057F74}"/>
-              </a:ext>
-            </a:extLst>
-          </p:cNvPr>
-          <p:cNvSpPr/>
-          <p:nvPr/>
-        </p:nvSpPr>
-        <p:spPr>
-          <a:xfrm>
-            <a:off x="9608689" y="2453313"/>
-            <a:ext cx="1845578" cy="847288"/>
-          </a:xfrm>
-          <a:prstGeom prst="roundRect">
-            <a:avLst/>
-          </a:prstGeom>
-        </p:spPr>
-        <p:style>
-          <a:lnRef idx="2">
-            <a:schemeClr val="accent4">
-              <a:shade val="15000"/>
-            </a:schemeClr>
-          </a:lnRef>
-          <a:fillRef idx="1">
-            <a:schemeClr val="accent4"/>
-          </a:fillRef>
-          <a:effectRef idx="0">
-            <a:schemeClr val="accent4"/>
-          </a:effectRef>
-          <a:fontRef idx="minor">
-            <a:schemeClr val="lt1"/>
-          </a:fontRef>
-        </p:style>
-        <p:txBody>
-          <a:bodyPr rtlCol="0" anchor="ctr"/>
-          <a:lstStyle/>
-          <a:p>
-            <a:pPr algn="ctr"/>
-            <a:r>
-              <a:rPr lang="en-US" altLang="zh-TW" dirty="0"/>
-              <a:t>Lebel</a:t>
-            </a:r>
-            <a:endParaRPr lang="zh-TW" altLang="en-US" dirty="0"/>
-          </a:p>
-        </p:txBody>
-      </p:sp>
-      <p:cxnSp>
-        <p:nvCxnSpPr>
-          <p:cNvPr id="13" name="接點: 肘形 12">
-            <a:extLst>
-              <a:ext uri="{FF2B5EF4-FFF2-40B4-BE49-F238E27FC236}">
-                <a16:creationId xmlns:a16="http://schemas.microsoft.com/office/drawing/2014/main" id="{CA186055-E407-4F6E-A13D-AC302D74980B}"/>
-              </a:ext>
-            </a:extLst>
-          </p:cNvPr>
-          <p:cNvCxnSpPr>
-            <a:cxnSpLocks/>
-            <a:stCxn id="7" idx="2"/>
-            <a:endCxn id="9" idx="0"/>
-          </p:cNvCxnSpPr>
-          <p:nvPr/>
-        </p:nvCxnSpPr>
-        <p:spPr>
-          <a:xfrm rot="5400000">
-            <a:off x="3567554" y="-155344"/>
-            <a:ext cx="1106184" cy="4044307"/>
-          </a:xfrm>
-          <a:prstGeom prst="bentConnector3">
-            <a:avLst>
-              <a:gd name="adj1" fmla="val 50000"/>
-            </a:avLst>
-          </a:prstGeom>
-          <a:ln>
-            <a:tailEnd type="triangle"/>
-          </a:ln>
-        </p:spPr>
-        <p:style>
-          <a:lnRef idx="1">
-            <a:schemeClr val="accent1"/>
-          </a:lnRef>
-          <a:fillRef idx="0">
-            <a:schemeClr val="accent1"/>
-          </a:fillRef>
-          <a:effectRef idx="0">
-            <a:schemeClr val="accent1"/>
-          </a:effectRef>
-          <a:fontRef idx="minor">
-            <a:schemeClr val="tx1"/>
-          </a:fontRef>
-        </p:style>
-      </p:cxnSp>
-      <p:cxnSp>
-        <p:nvCxnSpPr>
-          <p:cNvPr id="14" name="接點: 肘形 13">
-            <a:extLst>
-              <a:ext uri="{FF2B5EF4-FFF2-40B4-BE49-F238E27FC236}">
-                <a16:creationId xmlns:a16="http://schemas.microsoft.com/office/drawing/2014/main" id="{9F59E7B9-B455-452D-9C51-013F463DE02F}"/>
-              </a:ext>
-            </a:extLst>
-          </p:cNvPr>
-          <p:cNvCxnSpPr>
-            <a:stCxn id="7" idx="2"/>
-            <a:endCxn id="10" idx="0"/>
-          </p:cNvCxnSpPr>
-          <p:nvPr/>
-        </p:nvCxnSpPr>
-        <p:spPr>
-          <a:xfrm rot="16200000" flipH="1">
-            <a:off x="7767340" y="-310825"/>
-            <a:ext cx="1139596" cy="4388679"/>
-          </a:xfrm>
-          <a:prstGeom prst="bentConnector3">
-            <a:avLst/>
-          </a:prstGeom>
-          <a:ln>
-            <a:tailEnd type="triangle"/>
-          </a:ln>
-        </p:spPr>
-        <p:style>
-          <a:lnRef idx="1">
-            <a:schemeClr val="accent1"/>
-          </a:lnRef>
-          <a:fillRef idx="0">
-            <a:schemeClr val="accent1"/>
-          </a:fillRef>
-          <a:effectRef idx="0">
-            <a:schemeClr val="accent1"/>
-          </a:effectRef>
-          <a:fontRef idx="minor">
-            <a:schemeClr val="tx1"/>
-          </a:fontRef>
-        </p:style>
-      </p:cxnSp>
-      <p:sp>
-        <p:nvSpPr>
-          <p:cNvPr id="22" name="矩形: 圓角 21">
-            <a:extLst>
-              <a:ext uri="{FF2B5EF4-FFF2-40B4-BE49-F238E27FC236}">
-                <a16:creationId xmlns:a16="http://schemas.microsoft.com/office/drawing/2014/main" id="{4E4FBE32-1B39-4B7F-899F-69C57B1FE300}"/>
-              </a:ext>
-            </a:extLst>
-          </p:cNvPr>
-          <p:cNvSpPr/>
-          <p:nvPr/>
-        </p:nvSpPr>
-        <p:spPr>
-          <a:xfrm>
-            <a:off x="41823" y="3709599"/>
-            <a:ext cx="1197228" cy="847288"/>
-          </a:xfrm>
-          <a:prstGeom prst="roundRect">
-            <a:avLst/>
-          </a:prstGeom>
-          <a:solidFill>
-            <a:schemeClr val="accent3">
-              <a:lumMod val="75000"/>
-            </a:schemeClr>
-          </a:solidFill>
-        </p:spPr>
-        <p:style>
-          <a:lnRef idx="2">
-            <a:schemeClr val="accent2">
-              <a:shade val="15000"/>
-            </a:schemeClr>
-          </a:lnRef>
-          <a:fillRef idx="1">
-            <a:schemeClr val="accent2"/>
-          </a:fillRef>
-          <a:effectRef idx="0">
-            <a:schemeClr val="accent2"/>
-          </a:effectRef>
-          <a:fontRef idx="minor">
-            <a:schemeClr val="lt1"/>
-          </a:fontRef>
-        </p:style>
-        <p:txBody>
-          <a:bodyPr rtlCol="0" anchor="ctr"/>
-          <a:lstStyle/>
-          <a:p>
-            <a:pPr algn="ctr"/>
-            <a:r>
-              <a:rPr lang="zh-TW" altLang="en-US" dirty="0"/>
-              <a:t>球的位置</a:t>
-            </a:r>
-          </a:p>
-        </p:txBody>
-      </p:sp>
-      <p:sp>
-        <p:nvSpPr>
-          <p:cNvPr id="23" name="矩形: 圓角 22">
-            <a:extLst>
-              <a:ext uri="{FF2B5EF4-FFF2-40B4-BE49-F238E27FC236}">
-                <a16:creationId xmlns:a16="http://schemas.microsoft.com/office/drawing/2014/main" id="{7374B4B3-3CC0-4658-B09F-35C8D3EA532B}"/>
-              </a:ext>
-            </a:extLst>
-          </p:cNvPr>
-          <p:cNvSpPr/>
-          <p:nvPr/>
-        </p:nvSpPr>
-        <p:spPr>
-          <a:xfrm>
-            <a:off x="1496645" y="3709600"/>
-            <a:ext cx="1203695" cy="847288"/>
-          </a:xfrm>
-          <a:prstGeom prst="roundRect">
-            <a:avLst/>
-          </a:prstGeom>
-          <a:solidFill>
-            <a:schemeClr val="accent3">
-              <a:lumMod val="75000"/>
-            </a:schemeClr>
-          </a:solidFill>
-        </p:spPr>
-        <p:style>
-          <a:lnRef idx="2">
-            <a:schemeClr val="accent2">
-              <a:shade val="15000"/>
-            </a:schemeClr>
-          </a:lnRef>
-          <a:fillRef idx="1">
-            <a:schemeClr val="accent2"/>
-          </a:fillRef>
-          <a:effectRef idx="0">
-            <a:schemeClr val="accent2"/>
-          </a:effectRef>
-          <a:fontRef idx="minor">
-            <a:schemeClr val="lt1"/>
-          </a:fontRef>
-        </p:style>
-        <p:txBody>
-          <a:bodyPr rtlCol="0" anchor="ctr"/>
-          <a:lstStyle/>
-          <a:p>
-            <a:pPr algn="ctr"/>
-            <a:r>
-              <a:rPr lang="zh-TW" altLang="en-US" dirty="0"/>
-              <a:t>反彈點</a:t>
-            </a:r>
-          </a:p>
-        </p:txBody>
-      </p:sp>
-      <p:sp>
-        <p:nvSpPr>
-          <p:cNvPr id="24" name="矩形: 圓角 23">
-            <a:extLst>
-              <a:ext uri="{FF2B5EF4-FFF2-40B4-BE49-F238E27FC236}">
-                <a16:creationId xmlns:a16="http://schemas.microsoft.com/office/drawing/2014/main" id="{6E1E0E7D-99C8-4493-9B45-CAEEC1BDF915}"/>
-              </a:ext>
-            </a:extLst>
-          </p:cNvPr>
-          <p:cNvSpPr/>
-          <p:nvPr/>
-        </p:nvSpPr>
-        <p:spPr>
-          <a:xfrm>
-            <a:off x="3020175" y="3723780"/>
-            <a:ext cx="1227072" cy="847288"/>
-          </a:xfrm>
-          <a:prstGeom prst="roundRect">
-            <a:avLst/>
-          </a:prstGeom>
-          <a:solidFill>
-            <a:schemeClr val="accent3">
-              <a:lumMod val="75000"/>
-            </a:schemeClr>
-          </a:solidFill>
-        </p:spPr>
-        <p:style>
-          <a:lnRef idx="2">
-            <a:schemeClr val="accent2">
-              <a:shade val="15000"/>
-            </a:schemeClr>
-          </a:lnRef>
-          <a:fillRef idx="1">
-            <a:schemeClr val="accent2"/>
-          </a:fillRef>
-          <a:effectRef idx="0">
-            <a:schemeClr val="accent2"/>
-          </a:effectRef>
-          <a:fontRef idx="minor">
-            <a:schemeClr val="lt1"/>
-          </a:fontRef>
-        </p:style>
-        <p:txBody>
-          <a:bodyPr rtlCol="0" anchor="ctr"/>
-          <a:lstStyle/>
-          <a:p>
-            <a:pPr algn="ctr"/>
-            <a:r>
-              <a:rPr lang="zh-TW" altLang="en-US" dirty="0"/>
-              <a:t>反彈角度</a:t>
-            </a:r>
-          </a:p>
-        </p:txBody>
-      </p:sp>
-      <p:cxnSp>
-        <p:nvCxnSpPr>
-          <p:cNvPr id="26" name="接點: 肘形 25">
-            <a:extLst>
-              <a:ext uri="{FF2B5EF4-FFF2-40B4-BE49-F238E27FC236}">
-                <a16:creationId xmlns:a16="http://schemas.microsoft.com/office/drawing/2014/main" id="{4F215270-FAA2-4A8A-8EDD-A0D8CBB35A39}"/>
-              </a:ext>
-            </a:extLst>
-          </p:cNvPr>
-          <p:cNvCxnSpPr>
-            <a:cxnSpLocks/>
-            <a:stCxn id="9" idx="2"/>
-            <a:endCxn id="22" idx="0"/>
-          </p:cNvCxnSpPr>
-          <p:nvPr/>
-        </p:nvCxnSpPr>
-        <p:spPr>
-          <a:xfrm rot="5400000">
-            <a:off x="1148260" y="2759367"/>
-            <a:ext cx="442410" cy="1458055"/>
-          </a:xfrm>
-          <a:prstGeom prst="bentConnector3">
-            <a:avLst>
-              <a:gd name="adj1" fmla="val 50000"/>
-            </a:avLst>
-          </a:prstGeom>
-          <a:ln>
-            <a:tailEnd type="triangle"/>
-          </a:ln>
-        </p:spPr>
-        <p:style>
-          <a:lnRef idx="1">
-            <a:schemeClr val="accent3"/>
-          </a:lnRef>
-          <a:fillRef idx="0">
-            <a:schemeClr val="accent3"/>
-          </a:fillRef>
-          <a:effectRef idx="0">
-            <a:schemeClr val="accent3"/>
-          </a:effectRef>
-          <a:fontRef idx="minor">
-            <a:schemeClr val="tx1"/>
-          </a:fontRef>
-        </p:style>
-      </p:cxnSp>
-      <p:cxnSp>
-        <p:nvCxnSpPr>
-          <p:cNvPr id="27" name="接點: 肘形 26">
-            <a:extLst>
-              <a:ext uri="{FF2B5EF4-FFF2-40B4-BE49-F238E27FC236}">
-                <a16:creationId xmlns:a16="http://schemas.microsoft.com/office/drawing/2014/main" id="{5DBFA01A-450A-417B-B7F1-25B5A18CBD40}"/>
-              </a:ext>
-            </a:extLst>
-          </p:cNvPr>
-          <p:cNvCxnSpPr>
-            <a:cxnSpLocks/>
-            <a:stCxn id="9" idx="2"/>
-            <a:endCxn id="23" idx="0"/>
-          </p:cNvCxnSpPr>
-          <p:nvPr/>
-        </p:nvCxnSpPr>
-        <p:spPr>
-          <a:xfrm rot="16200000" flipH="1">
-            <a:off x="1877287" y="3488393"/>
-            <a:ext cx="442411" cy="1"/>
-          </a:xfrm>
-          <a:prstGeom prst="bentConnector3">
-            <a:avLst>
-              <a:gd name="adj1" fmla="val 50000"/>
-            </a:avLst>
-          </a:prstGeom>
-          <a:ln>
-            <a:tailEnd type="triangle"/>
-          </a:ln>
-        </p:spPr>
-        <p:style>
-          <a:lnRef idx="1">
-            <a:schemeClr val="accent3"/>
-          </a:lnRef>
-          <a:fillRef idx="0">
-            <a:schemeClr val="accent3"/>
-          </a:fillRef>
-          <a:effectRef idx="0">
-            <a:schemeClr val="accent3"/>
-          </a:effectRef>
-          <a:fontRef idx="minor">
-            <a:schemeClr val="tx1"/>
-          </a:fontRef>
-        </p:style>
-      </p:cxnSp>
-      <p:cxnSp>
-        <p:nvCxnSpPr>
-          <p:cNvPr id="28" name="接點: 肘形 27">
-            <a:extLst>
-              <a:ext uri="{FF2B5EF4-FFF2-40B4-BE49-F238E27FC236}">
-                <a16:creationId xmlns:a16="http://schemas.microsoft.com/office/drawing/2014/main" id="{1A448991-86A8-4BBC-B5C2-C1F6AC55769C}"/>
-              </a:ext>
-            </a:extLst>
-          </p:cNvPr>
-          <p:cNvCxnSpPr>
-            <a:cxnSpLocks/>
-            <a:stCxn id="9" idx="2"/>
-            <a:endCxn id="24" idx="0"/>
-          </p:cNvCxnSpPr>
-          <p:nvPr/>
-        </p:nvCxnSpPr>
-        <p:spPr>
-          <a:xfrm rot="16200000" flipH="1">
-            <a:off x="2637806" y="2727874"/>
-            <a:ext cx="456591" cy="1535219"/>
-          </a:xfrm>
-          <a:prstGeom prst="bentConnector3">
-            <a:avLst>
-              <a:gd name="adj1" fmla="val 50000"/>
-            </a:avLst>
-          </a:prstGeom>
-          <a:ln>
-            <a:tailEnd type="triangle"/>
-          </a:ln>
-        </p:spPr>
-        <p:style>
-          <a:lnRef idx="1">
-            <a:schemeClr val="accent3"/>
-          </a:lnRef>
-          <a:fillRef idx="0">
-            <a:schemeClr val="accent3"/>
-          </a:fillRef>
-          <a:effectRef idx="0">
-            <a:schemeClr val="accent3"/>
-          </a:effectRef>
-          <a:fontRef idx="minor">
-            <a:schemeClr val="tx1"/>
-          </a:fontRef>
-        </p:style>
-      </p:cxnSp>
-      <p:sp>
-        <p:nvSpPr>
-          <p:cNvPr id="30" name="矩形: 圓角 29">
-            <a:extLst>
-              <a:ext uri="{FF2B5EF4-FFF2-40B4-BE49-F238E27FC236}">
-                <a16:creationId xmlns:a16="http://schemas.microsoft.com/office/drawing/2014/main" id="{B6C817C7-0F88-4388-B93F-1B7425DB428E}"/>
-              </a:ext>
-            </a:extLst>
-          </p:cNvPr>
-          <p:cNvSpPr/>
-          <p:nvPr/>
-        </p:nvSpPr>
-        <p:spPr>
-          <a:xfrm>
-            <a:off x="8977846" y="3672067"/>
-            <a:ext cx="1047943" cy="1010224"/>
-          </a:xfrm>
-          <a:prstGeom prst="roundRect">
-            <a:avLst/>
-          </a:prstGeom>
-          <a:solidFill>
-            <a:schemeClr val="accent4">
-              <a:lumMod val="75000"/>
-            </a:schemeClr>
-          </a:solidFill>
-        </p:spPr>
-        <p:style>
-          <a:lnRef idx="2">
-            <a:schemeClr val="accent4">
-              <a:shade val="15000"/>
-            </a:schemeClr>
-          </a:lnRef>
-          <a:fillRef idx="1">
-            <a:schemeClr val="accent4"/>
-          </a:fillRef>
-          <a:effectRef idx="0">
-            <a:schemeClr val="accent4"/>
-          </a:effectRef>
-          <a:fontRef idx="minor">
-            <a:schemeClr val="lt1"/>
-          </a:fontRef>
-        </p:style>
-        <p:txBody>
-          <a:bodyPr rtlCol="0" anchor="ctr"/>
-          <a:lstStyle/>
-          <a:p>
-            <a:pPr algn="ctr"/>
-            <a:r>
-              <a:rPr lang="zh-TW" altLang="en-US" dirty="0"/>
-              <a:t>左移動</a:t>
-            </a:r>
-            <a:endParaRPr lang="en-US" altLang="zh-TW" dirty="0"/>
-          </a:p>
-        </p:txBody>
-      </p:sp>
-      <p:sp>
-        <p:nvSpPr>
-          <p:cNvPr id="41" name="矩形: 圓角 40">
-            <a:extLst>
-              <a:ext uri="{FF2B5EF4-FFF2-40B4-BE49-F238E27FC236}">
-                <a16:creationId xmlns:a16="http://schemas.microsoft.com/office/drawing/2014/main" id="{8F4C42DC-46DA-46FD-8E90-51C289C4407A}"/>
-              </a:ext>
-            </a:extLst>
-          </p:cNvPr>
-          <p:cNvSpPr/>
-          <p:nvPr/>
-        </p:nvSpPr>
-        <p:spPr>
-          <a:xfrm>
-            <a:off x="10831734" y="3672067"/>
-            <a:ext cx="1047943" cy="1010224"/>
-          </a:xfrm>
-          <a:prstGeom prst="roundRect">
-            <a:avLst/>
-          </a:prstGeom>
-          <a:solidFill>
-            <a:schemeClr val="accent4">
-              <a:lumMod val="75000"/>
-            </a:schemeClr>
-          </a:solidFill>
-        </p:spPr>
-        <p:style>
-          <a:lnRef idx="2">
-            <a:schemeClr val="accent4">
-              <a:shade val="15000"/>
-            </a:schemeClr>
-          </a:lnRef>
-          <a:fillRef idx="1">
-            <a:schemeClr val="accent4"/>
-          </a:fillRef>
-          <a:effectRef idx="0">
-            <a:schemeClr val="accent4"/>
-          </a:effectRef>
-          <a:fontRef idx="minor">
-            <a:schemeClr val="lt1"/>
-          </a:fontRef>
-        </p:style>
-        <p:txBody>
-          <a:bodyPr rtlCol="0" anchor="ctr"/>
-          <a:lstStyle/>
-          <a:p>
-            <a:pPr algn="ctr"/>
-            <a:r>
-              <a:rPr lang="zh-TW" altLang="en-US" dirty="0"/>
-              <a:t>右移動</a:t>
-            </a:r>
-            <a:endParaRPr lang="en-US" altLang="zh-TW" dirty="0"/>
-          </a:p>
-        </p:txBody>
-      </p:sp>
-      <p:sp>
-        <p:nvSpPr>
-          <p:cNvPr id="62" name="矩形: 圓角 61">
-            <a:extLst>
-              <a:ext uri="{FF2B5EF4-FFF2-40B4-BE49-F238E27FC236}">
-                <a16:creationId xmlns:a16="http://schemas.microsoft.com/office/drawing/2014/main" id="{1ECD1EDA-828E-4342-A69B-57FB2F67BD3C}"/>
-              </a:ext>
-            </a:extLst>
-          </p:cNvPr>
-          <p:cNvSpPr/>
-          <p:nvPr/>
-        </p:nvSpPr>
-        <p:spPr>
-          <a:xfrm>
-            <a:off x="8977846" y="5256525"/>
-            <a:ext cx="1047943" cy="1010224"/>
-          </a:xfrm>
-          <a:prstGeom prst="roundRect">
-            <a:avLst/>
-          </a:prstGeom>
-          <a:solidFill>
-            <a:schemeClr val="accent4">
-              <a:lumMod val="75000"/>
-            </a:schemeClr>
-          </a:solidFill>
-        </p:spPr>
-        <p:style>
-          <a:lnRef idx="2">
-            <a:schemeClr val="accent4">
-              <a:shade val="15000"/>
-            </a:schemeClr>
-          </a:lnRef>
-          <a:fillRef idx="1">
-            <a:schemeClr val="accent4"/>
-          </a:fillRef>
-          <a:effectRef idx="0">
-            <a:schemeClr val="accent4"/>
-          </a:effectRef>
-          <a:fontRef idx="minor">
-            <a:schemeClr val="lt1"/>
-          </a:fontRef>
-        </p:style>
-        <p:txBody>
-          <a:bodyPr rtlCol="0" anchor="ctr"/>
-          <a:lstStyle/>
-          <a:p>
-            <a:pPr algn="ctr"/>
-            <a:r>
-              <a:rPr lang="zh-TW" altLang="en-US" dirty="0"/>
-              <a:t>無動作</a:t>
-            </a:r>
-            <a:endParaRPr lang="en-US" altLang="zh-TW" dirty="0"/>
-          </a:p>
-        </p:txBody>
-      </p:sp>
-      <p:sp>
-        <p:nvSpPr>
-          <p:cNvPr id="63" name="矩形: 圓角 62">
-            <a:extLst>
-              <a:ext uri="{FF2B5EF4-FFF2-40B4-BE49-F238E27FC236}">
-                <a16:creationId xmlns:a16="http://schemas.microsoft.com/office/drawing/2014/main" id="{134F455C-49A0-4A6C-B515-382EAF4BF599}"/>
-              </a:ext>
-            </a:extLst>
-          </p:cNvPr>
-          <p:cNvSpPr/>
-          <p:nvPr/>
-        </p:nvSpPr>
-        <p:spPr>
-          <a:xfrm>
-            <a:off x="10881250" y="5255306"/>
-            <a:ext cx="1047943" cy="1010224"/>
-          </a:xfrm>
-          <a:prstGeom prst="roundRect">
-            <a:avLst/>
-          </a:prstGeom>
-          <a:solidFill>
-            <a:schemeClr val="accent4">
-              <a:lumMod val="75000"/>
-            </a:schemeClr>
-          </a:solidFill>
-        </p:spPr>
-        <p:style>
-          <a:lnRef idx="2">
-            <a:schemeClr val="accent4">
-              <a:shade val="15000"/>
-            </a:schemeClr>
-          </a:lnRef>
-          <a:fillRef idx="1">
-            <a:schemeClr val="accent4"/>
-          </a:fillRef>
-          <a:effectRef idx="0">
-            <a:schemeClr val="accent4"/>
-          </a:effectRef>
-          <a:fontRef idx="minor">
-            <a:schemeClr val="lt1"/>
-          </a:fontRef>
-        </p:style>
-        <p:txBody>
-          <a:bodyPr rtlCol="0" anchor="ctr"/>
-          <a:lstStyle/>
-          <a:p>
-            <a:pPr algn="ctr"/>
-            <a:r>
-              <a:rPr lang="zh-TW" altLang="en-US" dirty="0"/>
-              <a:t>發球</a:t>
-            </a:r>
-            <a:endParaRPr lang="en-US" altLang="zh-TW" dirty="0"/>
-          </a:p>
-        </p:txBody>
-      </p:sp>
-      <p:cxnSp>
-        <p:nvCxnSpPr>
-          <p:cNvPr id="76" name="接點: 肘形 75">
-            <a:extLst>
-              <a:ext uri="{FF2B5EF4-FFF2-40B4-BE49-F238E27FC236}">
-                <a16:creationId xmlns:a16="http://schemas.microsoft.com/office/drawing/2014/main" id="{8E561209-A0D7-4814-AD3E-41C5285C400C}"/>
-              </a:ext>
-            </a:extLst>
-          </p:cNvPr>
-          <p:cNvCxnSpPr>
-            <a:cxnSpLocks/>
-            <a:stCxn id="10" idx="2"/>
-            <a:endCxn id="30" idx="3"/>
-          </p:cNvCxnSpPr>
-          <p:nvPr/>
-        </p:nvCxnSpPr>
-        <p:spPr>
-          <a:xfrm rot="5400000">
-            <a:off x="9840345" y="3486046"/>
-            <a:ext cx="876578" cy="505689"/>
-          </a:xfrm>
-          <a:prstGeom prst="bentConnector2">
-            <a:avLst/>
-          </a:prstGeom>
-          <a:ln>
-            <a:tailEnd type="triangle"/>
-          </a:ln>
-        </p:spPr>
-        <p:style>
-          <a:lnRef idx="1">
-            <a:schemeClr val="accent1"/>
-          </a:lnRef>
-          <a:fillRef idx="0">
-            <a:schemeClr val="accent1"/>
-          </a:fillRef>
-          <a:effectRef idx="0">
-            <a:schemeClr val="accent1"/>
-          </a:effectRef>
-          <a:fontRef idx="minor">
-            <a:schemeClr val="tx1"/>
-          </a:fontRef>
-        </p:style>
-      </p:cxnSp>
-      <p:cxnSp>
-        <p:nvCxnSpPr>
-          <p:cNvPr id="77" name="接點: 肘形 76">
-            <a:extLst>
-              <a:ext uri="{FF2B5EF4-FFF2-40B4-BE49-F238E27FC236}">
-                <a16:creationId xmlns:a16="http://schemas.microsoft.com/office/drawing/2014/main" id="{CA1A8C8C-A58E-4444-B9C5-D33EDE4408DE}"/>
-              </a:ext>
-            </a:extLst>
-          </p:cNvPr>
-          <p:cNvCxnSpPr>
-            <a:cxnSpLocks/>
-            <a:stCxn id="10" idx="2"/>
-            <a:endCxn id="41" idx="1"/>
-          </p:cNvCxnSpPr>
-          <p:nvPr/>
-        </p:nvCxnSpPr>
-        <p:spPr>
-          <a:xfrm rot="16200000" flipH="1">
-            <a:off x="10243317" y="3588762"/>
-            <a:ext cx="876578" cy="300256"/>
-          </a:xfrm>
-          <a:prstGeom prst="bentConnector2">
-            <a:avLst/>
-          </a:prstGeom>
-          <a:ln>
-            <a:tailEnd type="triangle"/>
-          </a:ln>
-        </p:spPr>
-        <p:style>
-          <a:lnRef idx="1">
-            <a:schemeClr val="accent1"/>
-          </a:lnRef>
-          <a:fillRef idx="0">
-            <a:schemeClr val="accent1"/>
-          </a:fillRef>
-          <a:effectRef idx="0">
-            <a:schemeClr val="accent1"/>
-          </a:effectRef>
-          <a:fontRef idx="minor">
-            <a:schemeClr val="tx1"/>
-          </a:fontRef>
-        </p:style>
-      </p:cxnSp>
-      <p:cxnSp>
-        <p:nvCxnSpPr>
-          <p:cNvPr id="80" name="接點: 肘形 79">
-            <a:extLst>
-              <a:ext uri="{FF2B5EF4-FFF2-40B4-BE49-F238E27FC236}">
-                <a16:creationId xmlns:a16="http://schemas.microsoft.com/office/drawing/2014/main" id="{07823854-77CB-457B-89C5-1865181ADE4B}"/>
-              </a:ext>
-            </a:extLst>
-          </p:cNvPr>
-          <p:cNvCxnSpPr>
-            <a:cxnSpLocks/>
-            <a:stCxn id="10" idx="2"/>
-            <a:endCxn id="62" idx="3"/>
-          </p:cNvCxnSpPr>
-          <p:nvPr/>
-        </p:nvCxnSpPr>
-        <p:spPr>
-          <a:xfrm rot="5400000">
-            <a:off x="9048116" y="4278275"/>
-            <a:ext cx="2461036" cy="505689"/>
-          </a:xfrm>
-          <a:prstGeom prst="bentConnector2">
-            <a:avLst/>
-          </a:prstGeom>
-          <a:ln>
-            <a:tailEnd type="triangle"/>
-          </a:ln>
-        </p:spPr>
-        <p:style>
-          <a:lnRef idx="1">
-            <a:schemeClr val="accent1"/>
-          </a:lnRef>
-          <a:fillRef idx="0">
-            <a:schemeClr val="accent1"/>
-          </a:fillRef>
-          <a:effectRef idx="0">
-            <a:schemeClr val="accent1"/>
-          </a:effectRef>
-          <a:fontRef idx="minor">
-            <a:schemeClr val="tx1"/>
-          </a:fontRef>
-        </p:style>
-      </p:cxnSp>
-      <p:cxnSp>
-        <p:nvCxnSpPr>
-          <p:cNvPr id="83" name="接點: 肘形 82">
-            <a:extLst>
-              <a:ext uri="{FF2B5EF4-FFF2-40B4-BE49-F238E27FC236}">
-                <a16:creationId xmlns:a16="http://schemas.microsoft.com/office/drawing/2014/main" id="{5CA1A052-FCBE-4082-955B-1E0BCF5E1B6D}"/>
-              </a:ext>
-            </a:extLst>
-          </p:cNvPr>
-          <p:cNvCxnSpPr>
-            <a:cxnSpLocks/>
-            <a:stCxn id="10" idx="2"/>
-            <a:endCxn id="63" idx="1"/>
-          </p:cNvCxnSpPr>
-          <p:nvPr/>
-        </p:nvCxnSpPr>
-        <p:spPr>
-          <a:xfrm rot="16200000" flipH="1">
-            <a:off x="9476456" y="4355623"/>
-            <a:ext cx="2459817" cy="349772"/>
-          </a:xfrm>
-          <a:prstGeom prst="bentConnector2">
-            <a:avLst/>
-          </a:prstGeom>
-          <a:ln>
-            <a:tailEnd type="triangle"/>
-          </a:ln>
-        </p:spPr>
-        <p:style>
-          <a:lnRef idx="1">
-            <a:schemeClr val="accent1"/>
-          </a:lnRef>
-          <a:fillRef idx="0">
-            <a:schemeClr val="accent1"/>
-          </a:fillRef>
-          <a:effectRef idx="0">
-            <a:schemeClr val="accent1"/>
-          </a:effectRef>
-          <a:fontRef idx="minor">
-            <a:schemeClr val="tx1"/>
-          </a:fontRef>
-        </p:style>
-      </p:cxnSp>
-      <p:sp>
-        <p:nvSpPr>
-          <p:cNvPr id="68" name="矩形: 圓角 67">
-            <a:extLst>
-              <a:ext uri="{FF2B5EF4-FFF2-40B4-BE49-F238E27FC236}">
-                <a16:creationId xmlns:a16="http://schemas.microsoft.com/office/drawing/2014/main" id="{148E7455-3CDC-93B5-15A2-B59175D963B6}"/>
-              </a:ext>
-            </a:extLst>
-          </p:cNvPr>
-          <p:cNvSpPr/>
-          <p:nvPr/>
-        </p:nvSpPr>
-        <p:spPr>
-          <a:xfrm>
-            <a:off x="262283" y="5080555"/>
-            <a:ext cx="1203695" cy="847288"/>
-          </a:xfrm>
-          <a:prstGeom prst="roundRect">
-            <a:avLst/>
-          </a:prstGeom>
-          <a:solidFill>
-            <a:schemeClr val="accent3">
-              <a:lumMod val="60000"/>
-              <a:lumOff val="40000"/>
-            </a:schemeClr>
-          </a:solidFill>
-        </p:spPr>
-        <p:style>
-          <a:lnRef idx="2">
-            <a:schemeClr val="accent2">
-              <a:shade val="15000"/>
-            </a:schemeClr>
-          </a:lnRef>
-          <a:fillRef idx="1">
-            <a:schemeClr val="accent2"/>
-          </a:fillRef>
-          <a:effectRef idx="0">
-            <a:schemeClr val="accent2"/>
-          </a:effectRef>
-          <a:fontRef idx="minor">
-            <a:schemeClr val="lt1"/>
-          </a:fontRef>
-        </p:style>
-        <p:txBody>
-          <a:bodyPr rtlCol="0" anchor="ctr"/>
-          <a:lstStyle/>
-          <a:p>
-            <a:pPr algn="ctr"/>
-            <a:r>
-              <a:rPr lang="zh-TW" altLang="en-US" dirty="0"/>
-              <a:t>畫面邊緣</a:t>
-            </a:r>
-          </a:p>
-        </p:txBody>
-      </p:sp>
-      <p:sp>
-        <p:nvSpPr>
-          <p:cNvPr id="69" name="矩形: 圓角 68">
-            <a:extLst>
-              <a:ext uri="{FF2B5EF4-FFF2-40B4-BE49-F238E27FC236}">
-                <a16:creationId xmlns:a16="http://schemas.microsoft.com/office/drawing/2014/main" id="{898F4D29-58E7-C437-DDED-EA4DB33191F0}"/>
-              </a:ext>
-            </a:extLst>
-          </p:cNvPr>
-          <p:cNvSpPr/>
-          <p:nvPr/>
-        </p:nvSpPr>
-        <p:spPr>
-          <a:xfrm>
-            <a:off x="1675882" y="5080555"/>
-            <a:ext cx="845220" cy="847288"/>
-          </a:xfrm>
-          <a:prstGeom prst="roundRect">
-            <a:avLst/>
-          </a:prstGeom>
-          <a:solidFill>
-            <a:schemeClr val="accent3">
-              <a:lumMod val="60000"/>
-              <a:lumOff val="40000"/>
-            </a:schemeClr>
-          </a:solidFill>
-        </p:spPr>
-        <p:style>
-          <a:lnRef idx="2">
-            <a:schemeClr val="accent2">
-              <a:shade val="15000"/>
-            </a:schemeClr>
-          </a:lnRef>
-          <a:fillRef idx="1">
-            <a:schemeClr val="accent2"/>
-          </a:fillRef>
-          <a:effectRef idx="0">
-            <a:schemeClr val="accent2"/>
-          </a:effectRef>
-          <a:fontRef idx="minor">
-            <a:schemeClr val="lt1"/>
-          </a:fontRef>
-        </p:style>
-        <p:txBody>
-          <a:bodyPr rtlCol="0" anchor="ctr"/>
-          <a:lstStyle/>
-          <a:p>
-            <a:pPr algn="ctr"/>
-            <a:r>
-              <a:rPr lang="zh-TW" altLang="en-US" dirty="0"/>
-              <a:t>磚塊</a:t>
-            </a:r>
-          </a:p>
-        </p:txBody>
-      </p:sp>
-      <p:sp>
-        <p:nvSpPr>
-          <p:cNvPr id="70" name="矩形: 圓角 69">
-            <a:extLst>
-              <a:ext uri="{FF2B5EF4-FFF2-40B4-BE49-F238E27FC236}">
-                <a16:creationId xmlns:a16="http://schemas.microsoft.com/office/drawing/2014/main" id="{579825E2-3A56-6DBF-41E6-6A3D49B71E9E}"/>
-              </a:ext>
-            </a:extLst>
-          </p:cNvPr>
-          <p:cNvSpPr/>
-          <p:nvPr/>
-        </p:nvSpPr>
-        <p:spPr>
-          <a:xfrm>
-            <a:off x="2731006" y="5080555"/>
-            <a:ext cx="845220" cy="847288"/>
-          </a:xfrm>
-          <a:prstGeom prst="roundRect">
-            <a:avLst/>
-          </a:prstGeom>
-          <a:solidFill>
-            <a:schemeClr val="accent3">
-              <a:lumMod val="60000"/>
-              <a:lumOff val="40000"/>
-            </a:schemeClr>
-          </a:solidFill>
-        </p:spPr>
-        <p:style>
-          <a:lnRef idx="2">
-            <a:schemeClr val="accent2">
-              <a:shade val="15000"/>
-            </a:schemeClr>
-          </a:lnRef>
-          <a:fillRef idx="1">
-            <a:schemeClr val="accent2"/>
-          </a:fillRef>
-          <a:effectRef idx="0">
-            <a:schemeClr val="accent2"/>
-          </a:effectRef>
-          <a:fontRef idx="minor">
-            <a:schemeClr val="lt1"/>
-          </a:fontRef>
-        </p:style>
-        <p:txBody>
-          <a:bodyPr rtlCol="0" anchor="ctr"/>
-          <a:lstStyle/>
-          <a:p>
-            <a:pPr algn="ctr"/>
-            <a:r>
-              <a:rPr lang="zh-TW" altLang="en-US" dirty="0"/>
-              <a:t>球拍</a:t>
-            </a:r>
-          </a:p>
-        </p:txBody>
-      </p:sp>
-      <p:cxnSp>
-        <p:nvCxnSpPr>
-          <p:cNvPr id="72" name="接點: 肘形 71">
-            <a:extLst>
-              <a:ext uri="{FF2B5EF4-FFF2-40B4-BE49-F238E27FC236}">
-                <a16:creationId xmlns:a16="http://schemas.microsoft.com/office/drawing/2014/main" id="{AE940EA7-F669-4F0E-D24E-0F67E2E9E8E8}"/>
-              </a:ext>
-            </a:extLst>
-          </p:cNvPr>
-          <p:cNvCxnSpPr>
-            <a:cxnSpLocks/>
-            <a:stCxn id="23" idx="2"/>
-            <a:endCxn id="70" idx="0"/>
-          </p:cNvCxnSpPr>
-          <p:nvPr/>
-        </p:nvCxnSpPr>
-        <p:spPr>
-          <a:xfrm rot="16200000" flipH="1">
-            <a:off x="2364221" y="4291159"/>
-            <a:ext cx="523667" cy="1055123"/>
-          </a:xfrm>
-          <a:prstGeom prst="bentConnector3">
-            <a:avLst/>
-          </a:prstGeom>
-          <a:ln>
-            <a:solidFill>
-              <a:schemeClr val="accent3">
-                <a:lumMod val="75000"/>
-              </a:schemeClr>
-            </a:solidFill>
-            <a:tailEnd type="triangle"/>
-          </a:ln>
-        </p:spPr>
-        <p:style>
-          <a:lnRef idx="1">
-            <a:schemeClr val="accent1"/>
-          </a:lnRef>
-          <a:fillRef idx="0">
-            <a:schemeClr val="accent1"/>
-          </a:fillRef>
-          <a:effectRef idx="0">
-            <a:schemeClr val="accent1"/>
-          </a:effectRef>
-          <a:fontRef idx="minor">
-            <a:schemeClr val="tx1"/>
-          </a:fontRef>
-        </p:style>
-      </p:cxnSp>
-      <p:cxnSp>
-        <p:nvCxnSpPr>
-          <p:cNvPr id="74" name="接點: 肘形 73">
-            <a:extLst>
-              <a:ext uri="{FF2B5EF4-FFF2-40B4-BE49-F238E27FC236}">
-                <a16:creationId xmlns:a16="http://schemas.microsoft.com/office/drawing/2014/main" id="{323B4342-81D1-D5E9-EB8A-078A0D1E4935}"/>
-              </a:ext>
-            </a:extLst>
-          </p:cNvPr>
-          <p:cNvCxnSpPr>
-            <a:cxnSpLocks/>
-            <a:stCxn id="23" idx="2"/>
-            <a:endCxn id="69" idx="0"/>
-          </p:cNvCxnSpPr>
-          <p:nvPr/>
-        </p:nvCxnSpPr>
-        <p:spPr>
-          <a:xfrm rot="5400000">
-            <a:off x="1836660" y="4818721"/>
-            <a:ext cx="523667" cy="1"/>
-          </a:xfrm>
-          <a:prstGeom prst="bentConnector3">
-            <a:avLst/>
-          </a:prstGeom>
-          <a:ln>
-            <a:solidFill>
-              <a:schemeClr val="accent3">
-                <a:lumMod val="75000"/>
-              </a:schemeClr>
-            </a:solidFill>
-            <a:tailEnd type="triangle"/>
-          </a:ln>
-        </p:spPr>
-        <p:style>
-          <a:lnRef idx="1">
-            <a:schemeClr val="accent1"/>
-          </a:lnRef>
-          <a:fillRef idx="0">
-            <a:schemeClr val="accent1"/>
-          </a:fillRef>
-          <a:effectRef idx="0">
-            <a:schemeClr val="accent1"/>
-          </a:effectRef>
-          <a:fontRef idx="minor">
-            <a:schemeClr val="tx1"/>
-          </a:fontRef>
-        </p:style>
-      </p:cxnSp>
-      <p:cxnSp>
-        <p:nvCxnSpPr>
-          <p:cNvPr id="82" name="接點: 肘形 81">
-            <a:extLst>
-              <a:ext uri="{FF2B5EF4-FFF2-40B4-BE49-F238E27FC236}">
-                <a16:creationId xmlns:a16="http://schemas.microsoft.com/office/drawing/2014/main" id="{F5EC5071-9617-EB3B-55F1-DD57DBC91F84}"/>
-              </a:ext>
-            </a:extLst>
-          </p:cNvPr>
-          <p:cNvCxnSpPr>
-            <a:cxnSpLocks/>
-            <a:stCxn id="23" idx="2"/>
-            <a:endCxn id="68" idx="0"/>
-          </p:cNvCxnSpPr>
-          <p:nvPr/>
-        </p:nvCxnSpPr>
-        <p:spPr>
-          <a:xfrm rot="5400000">
-            <a:off x="1219479" y="4201540"/>
-            <a:ext cx="523667" cy="1234362"/>
-          </a:xfrm>
-          <a:prstGeom prst="bentConnector3">
-            <a:avLst/>
-          </a:prstGeom>
-          <a:ln>
-            <a:solidFill>
-              <a:schemeClr val="accent3">
-                <a:lumMod val="75000"/>
-              </a:schemeClr>
-            </a:solidFill>
-            <a:tailEnd type="triangle"/>
-          </a:ln>
-        </p:spPr>
-        <p:style>
-          <a:lnRef idx="1">
-            <a:schemeClr val="accent1"/>
-          </a:lnRef>
-          <a:fillRef idx="0">
-            <a:schemeClr val="accent1"/>
-          </a:fillRef>
-          <a:effectRef idx="0">
-            <a:schemeClr val="accent1"/>
-          </a:effectRef>
-          <a:fontRef idx="minor">
-            <a:schemeClr val="tx1"/>
-          </a:fontRef>
-        </p:style>
-      </p:cxnSp>
-      <p:sp>
-        <p:nvSpPr>
-          <p:cNvPr id="99" name="矩形: 圓角 98">
-            <a:extLst>
-              <a:ext uri="{FF2B5EF4-FFF2-40B4-BE49-F238E27FC236}">
-                <a16:creationId xmlns:a16="http://schemas.microsoft.com/office/drawing/2014/main" id="{CD8B225A-D360-8FE3-B38A-25D2FADB24AF}"/>
-              </a:ext>
-            </a:extLst>
-          </p:cNvPr>
-          <p:cNvSpPr/>
-          <p:nvPr/>
-        </p:nvSpPr>
-        <p:spPr>
-          <a:xfrm>
-            <a:off x="5479992" y="2296582"/>
-            <a:ext cx="1325612" cy="847288"/>
-          </a:xfrm>
-          <a:prstGeom prst="roundRect">
-            <a:avLst/>
-          </a:prstGeom>
-        </p:spPr>
-        <p:style>
-          <a:lnRef idx="2">
-            <a:schemeClr val="accent2">
-              <a:shade val="15000"/>
-            </a:schemeClr>
-          </a:lnRef>
-          <a:fillRef idx="1">
-            <a:schemeClr val="accent2"/>
-          </a:fillRef>
-          <a:effectRef idx="0">
-            <a:schemeClr val="accent2"/>
-          </a:effectRef>
-          <a:fontRef idx="minor">
-            <a:schemeClr val="lt1"/>
-          </a:fontRef>
-        </p:style>
-        <p:txBody>
-          <a:bodyPr rtlCol="0" anchor="ctr"/>
-          <a:lstStyle/>
-          <a:p>
-            <a:pPr algn="ctr"/>
-            <a:r>
-              <a:rPr lang="zh-TW" altLang="en-US" dirty="0"/>
-              <a:t>獎懲機制</a:t>
-            </a:r>
-          </a:p>
-        </p:txBody>
-      </p:sp>
-      <p:sp>
-        <p:nvSpPr>
-          <p:cNvPr id="137" name="矩形: 圓角 136">
-            <a:extLst>
-              <a:ext uri="{FF2B5EF4-FFF2-40B4-BE49-F238E27FC236}">
-                <a16:creationId xmlns:a16="http://schemas.microsoft.com/office/drawing/2014/main" id="{28F7AC8A-91B2-96B0-447D-68E0A52F334F}"/>
-              </a:ext>
-            </a:extLst>
-          </p:cNvPr>
-          <p:cNvSpPr/>
-          <p:nvPr/>
-        </p:nvSpPr>
-        <p:spPr>
-          <a:xfrm>
-            <a:off x="6364238" y="3709598"/>
-            <a:ext cx="1325612" cy="861469"/>
-          </a:xfrm>
-          <a:prstGeom prst="roundRect">
-            <a:avLst/>
-          </a:prstGeom>
-          <a:solidFill>
-            <a:schemeClr val="accent2">
-              <a:lumMod val="75000"/>
-            </a:schemeClr>
-          </a:solidFill>
-        </p:spPr>
-        <p:style>
-          <a:lnRef idx="2">
-            <a:schemeClr val="accent2">
-              <a:shade val="15000"/>
-            </a:schemeClr>
-          </a:lnRef>
-          <a:fillRef idx="1">
-            <a:schemeClr val="accent2"/>
-          </a:fillRef>
-          <a:effectRef idx="0">
-            <a:schemeClr val="accent2"/>
-          </a:effectRef>
-          <a:fontRef idx="minor">
-            <a:schemeClr val="lt1"/>
-          </a:fontRef>
-        </p:style>
-        <p:txBody>
-          <a:bodyPr rtlCol="0" anchor="ctr"/>
-          <a:lstStyle/>
-          <a:p>
-            <a:pPr algn="ctr"/>
-            <a:r>
-              <a:rPr lang="zh-TW" altLang="en-US" dirty="0"/>
-              <a:t>減分</a:t>
-            </a:r>
-          </a:p>
-        </p:txBody>
-      </p:sp>
-      <p:sp>
-        <p:nvSpPr>
-          <p:cNvPr id="138" name="矩形: 圓角 137">
-            <a:extLst>
-              <a:ext uri="{FF2B5EF4-FFF2-40B4-BE49-F238E27FC236}">
-                <a16:creationId xmlns:a16="http://schemas.microsoft.com/office/drawing/2014/main" id="{EC562DF0-9C3D-E01E-31E7-3DDADAFCD8C3}"/>
-              </a:ext>
-            </a:extLst>
-          </p:cNvPr>
-          <p:cNvSpPr/>
-          <p:nvPr/>
-        </p:nvSpPr>
-        <p:spPr>
-          <a:xfrm>
-            <a:off x="4656250" y="3709599"/>
-            <a:ext cx="1325612" cy="847288"/>
-          </a:xfrm>
-          <a:prstGeom prst="roundRect">
-            <a:avLst/>
-          </a:prstGeom>
-          <a:solidFill>
-            <a:schemeClr val="accent2">
-              <a:lumMod val="75000"/>
-            </a:schemeClr>
-          </a:solidFill>
-        </p:spPr>
-        <p:style>
-          <a:lnRef idx="2">
-            <a:schemeClr val="accent2">
-              <a:shade val="15000"/>
-            </a:schemeClr>
-          </a:lnRef>
-          <a:fillRef idx="1">
-            <a:schemeClr val="accent2"/>
-          </a:fillRef>
-          <a:effectRef idx="0">
-            <a:schemeClr val="accent2"/>
-          </a:effectRef>
-          <a:fontRef idx="minor">
-            <a:schemeClr val="lt1"/>
-          </a:fontRef>
-        </p:style>
-        <p:txBody>
-          <a:bodyPr rtlCol="0" anchor="ctr"/>
-          <a:lstStyle/>
-          <a:p>
-            <a:pPr algn="ctr"/>
-            <a:r>
-              <a:rPr lang="zh-TW" altLang="en-US" dirty="0"/>
-              <a:t>加分</a:t>
-            </a:r>
-          </a:p>
-        </p:txBody>
-      </p:sp>
-      <p:sp>
-        <p:nvSpPr>
-          <p:cNvPr id="139" name="矩形: 圓角 138">
-            <a:extLst>
-              <a:ext uri="{FF2B5EF4-FFF2-40B4-BE49-F238E27FC236}">
-                <a16:creationId xmlns:a16="http://schemas.microsoft.com/office/drawing/2014/main" id="{2A86A9E8-1797-DFF1-F5B2-A38729E431F0}"/>
-              </a:ext>
-            </a:extLst>
-          </p:cNvPr>
-          <p:cNvSpPr/>
-          <p:nvPr/>
-        </p:nvSpPr>
-        <p:spPr>
-          <a:xfrm>
-            <a:off x="7367719" y="4669099"/>
-            <a:ext cx="969663" cy="847288"/>
-          </a:xfrm>
-          <a:prstGeom prst="roundRect">
-            <a:avLst/>
-          </a:prstGeom>
-          <a:solidFill>
-            <a:schemeClr val="accent2">
-              <a:lumMod val="60000"/>
-              <a:lumOff val="40000"/>
-            </a:schemeClr>
-          </a:solidFill>
-        </p:spPr>
-        <p:style>
-          <a:lnRef idx="2">
-            <a:schemeClr val="accent2">
-              <a:shade val="15000"/>
-            </a:schemeClr>
-          </a:lnRef>
-          <a:fillRef idx="1">
-            <a:schemeClr val="accent2"/>
-          </a:fillRef>
-          <a:effectRef idx="0">
-            <a:schemeClr val="accent2"/>
-          </a:effectRef>
-          <a:fontRef idx="minor">
-            <a:schemeClr val="lt1"/>
-          </a:fontRef>
-        </p:style>
-        <p:txBody>
-          <a:bodyPr rtlCol="0" anchor="ctr"/>
-          <a:lstStyle/>
-          <a:p>
-            <a:pPr algn="ctr"/>
-            <a:r>
-              <a:rPr lang="en-US" altLang="zh-TW" dirty="0"/>
-              <a:t>Game</a:t>
-            </a:r>
-          </a:p>
-          <a:p>
-            <a:pPr algn="ctr"/>
-            <a:r>
-              <a:rPr lang="en-US" altLang="zh-TW" dirty="0"/>
-              <a:t>over</a:t>
-            </a:r>
-            <a:endParaRPr lang="zh-TW" altLang="en-US" dirty="0"/>
-          </a:p>
-        </p:txBody>
-      </p:sp>
-      <p:sp>
-        <p:nvSpPr>
-          <p:cNvPr id="140" name="矩形: 圓角 139">
-            <a:extLst>
-              <a:ext uri="{FF2B5EF4-FFF2-40B4-BE49-F238E27FC236}">
-                <a16:creationId xmlns:a16="http://schemas.microsoft.com/office/drawing/2014/main" id="{A96B7CFB-F864-3AAB-2D8C-6650C2071F8E}"/>
-              </a:ext>
-            </a:extLst>
-          </p:cNvPr>
-          <p:cNvSpPr/>
-          <p:nvPr/>
-        </p:nvSpPr>
-        <p:spPr>
-          <a:xfrm>
-            <a:off x="4077324" y="4885040"/>
-            <a:ext cx="1047943" cy="603075"/>
-          </a:xfrm>
-          <a:prstGeom prst="roundRect">
-            <a:avLst/>
-          </a:prstGeom>
-          <a:solidFill>
-            <a:schemeClr val="accent2">
-              <a:lumMod val="60000"/>
-              <a:lumOff val="40000"/>
-            </a:schemeClr>
-          </a:solidFill>
-        </p:spPr>
-        <p:style>
-          <a:lnRef idx="2">
-            <a:schemeClr val="accent2">
-              <a:shade val="15000"/>
-            </a:schemeClr>
-          </a:lnRef>
-          <a:fillRef idx="1">
-            <a:schemeClr val="accent2"/>
-          </a:fillRef>
-          <a:effectRef idx="0">
-            <a:schemeClr val="accent2"/>
-          </a:effectRef>
-          <a:fontRef idx="minor">
-            <a:schemeClr val="lt1"/>
-          </a:fontRef>
-        </p:style>
-        <p:txBody>
-          <a:bodyPr rtlCol="0" anchor="ctr"/>
-          <a:lstStyle/>
-          <a:p>
-            <a:pPr algn="ctr"/>
-            <a:r>
-              <a:rPr lang="en-US" altLang="zh-TW" dirty="0"/>
-              <a:t>Clear</a:t>
-            </a:r>
-            <a:endParaRPr lang="zh-TW" altLang="en-US" dirty="0"/>
-          </a:p>
-        </p:txBody>
-      </p:sp>
-      <p:sp>
-        <p:nvSpPr>
-          <p:cNvPr id="141" name="矩形: 圓角 140">
-            <a:extLst>
-              <a:ext uri="{FF2B5EF4-FFF2-40B4-BE49-F238E27FC236}">
-                <a16:creationId xmlns:a16="http://schemas.microsoft.com/office/drawing/2014/main" id="{CCB5EF28-7257-78A3-2F09-8E19D5E34371}"/>
-              </a:ext>
-            </a:extLst>
-          </p:cNvPr>
-          <p:cNvSpPr/>
-          <p:nvPr/>
-        </p:nvSpPr>
-        <p:spPr>
-          <a:xfrm>
-            <a:off x="4071170" y="5698111"/>
-            <a:ext cx="1047943" cy="672140"/>
-          </a:xfrm>
-          <a:prstGeom prst="roundRect">
-            <a:avLst/>
-          </a:prstGeom>
-          <a:solidFill>
-            <a:schemeClr val="accent2">
-              <a:lumMod val="60000"/>
-              <a:lumOff val="40000"/>
-            </a:schemeClr>
-          </a:solidFill>
-        </p:spPr>
-        <p:style>
-          <a:lnRef idx="2">
-            <a:schemeClr val="accent2">
-              <a:shade val="15000"/>
-            </a:schemeClr>
-          </a:lnRef>
-          <a:fillRef idx="1">
-            <a:schemeClr val="accent2"/>
-          </a:fillRef>
-          <a:effectRef idx="0">
-            <a:schemeClr val="accent2"/>
-          </a:effectRef>
-          <a:fontRef idx="minor">
-            <a:schemeClr val="lt1"/>
-          </a:fontRef>
-        </p:style>
-        <p:txBody>
-          <a:bodyPr rtlCol="0" anchor="ctr"/>
-          <a:lstStyle/>
-          <a:p>
-            <a:pPr algn="ctr"/>
-            <a:r>
-              <a:rPr lang="zh-TW" altLang="en-US" dirty="0"/>
-              <a:t>接到球</a:t>
-            </a:r>
-          </a:p>
-        </p:txBody>
-      </p:sp>
-      <p:sp>
-        <p:nvSpPr>
-          <p:cNvPr id="142" name="矩形: 圓角 141">
-            <a:extLst>
-              <a:ext uri="{FF2B5EF4-FFF2-40B4-BE49-F238E27FC236}">
-                <a16:creationId xmlns:a16="http://schemas.microsoft.com/office/drawing/2014/main" id="{D8F51EBB-699F-BB93-7414-F310B91668BE}"/>
-              </a:ext>
-            </a:extLst>
-          </p:cNvPr>
-          <p:cNvSpPr/>
-          <p:nvPr/>
-        </p:nvSpPr>
-        <p:spPr>
-          <a:xfrm>
-            <a:off x="7272733" y="5704014"/>
-            <a:ext cx="1169205" cy="672141"/>
-          </a:xfrm>
-          <a:prstGeom prst="roundRect">
-            <a:avLst/>
-          </a:prstGeom>
-          <a:solidFill>
-            <a:schemeClr val="accent2">
-              <a:lumMod val="60000"/>
-              <a:lumOff val="40000"/>
-            </a:schemeClr>
-          </a:solidFill>
-        </p:spPr>
-        <p:style>
-          <a:lnRef idx="2">
-            <a:schemeClr val="accent2">
-              <a:shade val="15000"/>
-            </a:schemeClr>
-          </a:lnRef>
-          <a:fillRef idx="1">
-            <a:schemeClr val="accent2"/>
-          </a:fillRef>
-          <a:effectRef idx="0">
-            <a:schemeClr val="accent2"/>
-          </a:effectRef>
-          <a:fontRef idx="minor">
-            <a:schemeClr val="lt1"/>
-          </a:fontRef>
-        </p:style>
-        <p:txBody>
-          <a:bodyPr rtlCol="0" anchor="ctr"/>
-          <a:lstStyle/>
-          <a:p>
-            <a:pPr algn="ctr"/>
-            <a:r>
-              <a:rPr lang="zh-TW" altLang="en-US" dirty="0"/>
-              <a:t>消除磚塊</a:t>
-            </a:r>
-          </a:p>
-        </p:txBody>
-      </p:sp>
-      <p:cxnSp>
-        <p:nvCxnSpPr>
-          <p:cNvPr id="144" name="接點: 肘形 143">
-            <a:extLst>
-              <a:ext uri="{FF2B5EF4-FFF2-40B4-BE49-F238E27FC236}">
-                <a16:creationId xmlns:a16="http://schemas.microsoft.com/office/drawing/2014/main" id="{22C5C248-3E37-5F4E-CF56-777D045488A5}"/>
-              </a:ext>
-            </a:extLst>
-          </p:cNvPr>
-          <p:cNvCxnSpPr>
-            <a:cxnSpLocks/>
-            <a:stCxn id="99" idx="2"/>
-            <a:endCxn id="138" idx="0"/>
-          </p:cNvCxnSpPr>
-          <p:nvPr/>
-        </p:nvCxnSpPr>
-        <p:spPr>
-          <a:xfrm rot="5400000">
-            <a:off x="5448063" y="3014863"/>
-            <a:ext cx="565729" cy="823742"/>
-          </a:xfrm>
-          <a:prstGeom prst="bentConnector3">
-            <a:avLst/>
-          </a:prstGeom>
-          <a:ln>
-            <a:tailEnd type="triangle"/>
-          </a:ln>
-        </p:spPr>
-        <p:style>
-          <a:lnRef idx="1">
-            <a:schemeClr val="accent2"/>
-          </a:lnRef>
-          <a:fillRef idx="0">
-            <a:schemeClr val="accent2"/>
-          </a:fillRef>
-          <a:effectRef idx="0">
-            <a:schemeClr val="accent2"/>
-          </a:effectRef>
-          <a:fontRef idx="minor">
-            <a:schemeClr val="tx1"/>
-          </a:fontRef>
-        </p:style>
-      </p:cxnSp>
-      <p:cxnSp>
-        <p:nvCxnSpPr>
-          <p:cNvPr id="146" name="接點: 肘形 145">
-            <a:extLst>
-              <a:ext uri="{FF2B5EF4-FFF2-40B4-BE49-F238E27FC236}">
-                <a16:creationId xmlns:a16="http://schemas.microsoft.com/office/drawing/2014/main" id="{51171426-2776-206D-D2D2-27C3E3BE8F9C}"/>
-              </a:ext>
-            </a:extLst>
-          </p:cNvPr>
-          <p:cNvCxnSpPr>
-            <a:cxnSpLocks/>
-            <a:stCxn id="99" idx="2"/>
-            <a:endCxn id="137" idx="0"/>
-          </p:cNvCxnSpPr>
-          <p:nvPr/>
-        </p:nvCxnSpPr>
-        <p:spPr>
-          <a:xfrm rot="16200000" flipH="1">
-            <a:off x="6302057" y="2984611"/>
-            <a:ext cx="565728" cy="884246"/>
-          </a:xfrm>
-          <a:prstGeom prst="bentConnector3">
-            <a:avLst/>
-          </a:prstGeom>
-          <a:ln>
-            <a:tailEnd type="triangle"/>
-          </a:ln>
-        </p:spPr>
-        <p:style>
-          <a:lnRef idx="1">
-            <a:schemeClr val="accent2"/>
-          </a:lnRef>
-          <a:fillRef idx="0">
-            <a:schemeClr val="accent2"/>
-          </a:fillRef>
-          <a:effectRef idx="0">
-            <a:schemeClr val="accent2"/>
-          </a:effectRef>
-          <a:fontRef idx="minor">
-            <a:schemeClr val="tx1"/>
-          </a:fontRef>
-        </p:style>
-      </p:cxnSp>
-      <p:cxnSp>
-        <p:nvCxnSpPr>
-          <p:cNvPr id="148" name="接點: 肘形 147">
-            <a:extLst>
-              <a:ext uri="{FF2B5EF4-FFF2-40B4-BE49-F238E27FC236}">
-                <a16:creationId xmlns:a16="http://schemas.microsoft.com/office/drawing/2014/main" id="{81AACD0F-1743-2085-18BE-417D5A7AE26E}"/>
-              </a:ext>
-            </a:extLst>
-          </p:cNvPr>
-          <p:cNvCxnSpPr>
-            <a:stCxn id="7" idx="2"/>
-            <a:endCxn id="99" idx="0"/>
-          </p:cNvCxnSpPr>
-          <p:nvPr/>
-        </p:nvCxnSpPr>
-        <p:spPr>
-          <a:xfrm rot="5400000">
-            <a:off x="5651367" y="1805149"/>
-            <a:ext cx="982865" cy="1"/>
-          </a:xfrm>
-          <a:prstGeom prst="bentConnector3">
-            <a:avLst/>
-          </a:prstGeom>
-          <a:ln>
-            <a:tailEnd type="triangle"/>
-          </a:ln>
-        </p:spPr>
-        <p:style>
-          <a:lnRef idx="1">
-            <a:schemeClr val="accent1"/>
-          </a:lnRef>
-          <a:fillRef idx="0">
-            <a:schemeClr val="accent1"/>
-          </a:fillRef>
-          <a:effectRef idx="0">
-            <a:schemeClr val="accent1"/>
-          </a:effectRef>
-          <a:fontRef idx="minor">
-            <a:schemeClr val="tx1"/>
-          </a:fontRef>
-        </p:style>
-      </p:cxnSp>
-      <p:cxnSp>
-        <p:nvCxnSpPr>
-          <p:cNvPr id="150" name="接點: 肘形 149">
-            <a:extLst>
-              <a:ext uri="{FF2B5EF4-FFF2-40B4-BE49-F238E27FC236}">
-                <a16:creationId xmlns:a16="http://schemas.microsoft.com/office/drawing/2014/main" id="{BB679218-B088-E772-C1AF-83803075581F}"/>
-              </a:ext>
-            </a:extLst>
-          </p:cNvPr>
-          <p:cNvCxnSpPr>
-            <a:cxnSpLocks/>
-            <a:stCxn id="138" idx="2"/>
-            <a:endCxn id="141" idx="3"/>
-          </p:cNvCxnSpPr>
-          <p:nvPr/>
-        </p:nvCxnSpPr>
-        <p:spPr>
-          <a:xfrm rot="5400000">
-            <a:off x="4480438" y="5195563"/>
-            <a:ext cx="1477294" cy="199943"/>
-          </a:xfrm>
-          <a:prstGeom prst="bentConnector2">
-            <a:avLst/>
-          </a:prstGeom>
-          <a:ln>
-            <a:solidFill>
-              <a:schemeClr val="accent2">
-                <a:lumMod val="75000"/>
-              </a:schemeClr>
-            </a:solidFill>
-            <a:tailEnd type="triangle"/>
-          </a:ln>
-        </p:spPr>
-        <p:style>
-          <a:lnRef idx="1">
-            <a:schemeClr val="accent1"/>
-          </a:lnRef>
-          <a:fillRef idx="0">
-            <a:schemeClr val="accent1"/>
-          </a:fillRef>
-          <a:effectRef idx="0">
-            <a:schemeClr val="accent1"/>
-          </a:effectRef>
-          <a:fontRef idx="minor">
-            <a:schemeClr val="tx1"/>
-          </a:fontRef>
-        </p:style>
-      </p:cxnSp>
-      <p:cxnSp>
-        <p:nvCxnSpPr>
-          <p:cNvPr id="152" name="接點: 肘形 151">
-            <a:extLst>
-              <a:ext uri="{FF2B5EF4-FFF2-40B4-BE49-F238E27FC236}">
-                <a16:creationId xmlns:a16="http://schemas.microsoft.com/office/drawing/2014/main" id="{617C2EF2-B928-6DE3-F032-E88595C48750}"/>
-              </a:ext>
-            </a:extLst>
-          </p:cNvPr>
-          <p:cNvCxnSpPr>
-            <a:cxnSpLocks/>
-            <a:stCxn id="138" idx="2"/>
-            <a:endCxn id="140" idx="3"/>
-          </p:cNvCxnSpPr>
-          <p:nvPr/>
-        </p:nvCxnSpPr>
-        <p:spPr>
-          <a:xfrm rot="5400000">
-            <a:off x="4907317" y="4774838"/>
-            <a:ext cx="629691" cy="193789"/>
-          </a:xfrm>
-          <a:prstGeom prst="bentConnector2">
-            <a:avLst/>
-          </a:prstGeom>
-          <a:ln>
-            <a:solidFill>
-              <a:schemeClr val="accent2">
-                <a:lumMod val="75000"/>
-              </a:schemeClr>
-            </a:solidFill>
-            <a:tailEnd type="triangle"/>
-          </a:ln>
-        </p:spPr>
-        <p:style>
-          <a:lnRef idx="1">
-            <a:schemeClr val="accent1"/>
-          </a:lnRef>
-          <a:fillRef idx="0">
-            <a:schemeClr val="accent1"/>
-          </a:fillRef>
-          <a:effectRef idx="0">
-            <a:schemeClr val="accent1"/>
-          </a:effectRef>
-          <a:fontRef idx="minor">
-            <a:schemeClr val="tx1"/>
-          </a:fontRef>
-        </p:style>
-      </p:cxnSp>
-      <p:cxnSp>
-        <p:nvCxnSpPr>
-          <p:cNvPr id="154" name="接點: 肘形 153">
-            <a:extLst>
-              <a:ext uri="{FF2B5EF4-FFF2-40B4-BE49-F238E27FC236}">
-                <a16:creationId xmlns:a16="http://schemas.microsoft.com/office/drawing/2014/main" id="{C38E8E12-79B6-8643-7BBB-53EE7EF12CD3}"/>
-              </a:ext>
-            </a:extLst>
-          </p:cNvPr>
-          <p:cNvCxnSpPr>
-            <a:cxnSpLocks/>
-            <a:stCxn id="137" idx="2"/>
-            <a:endCxn id="139" idx="1"/>
-          </p:cNvCxnSpPr>
-          <p:nvPr/>
-        </p:nvCxnSpPr>
-        <p:spPr>
-          <a:xfrm rot="16200000" flipH="1">
-            <a:off x="6936543" y="4661567"/>
-            <a:ext cx="521676" cy="340675"/>
-          </a:xfrm>
-          <a:prstGeom prst="bentConnector2">
-            <a:avLst/>
-          </a:prstGeom>
-          <a:ln>
-            <a:solidFill>
-              <a:schemeClr val="accent2">
-                <a:lumMod val="75000"/>
-              </a:schemeClr>
-            </a:solidFill>
-            <a:tailEnd type="triangle"/>
-          </a:ln>
-        </p:spPr>
-        <p:style>
-          <a:lnRef idx="1">
-            <a:schemeClr val="accent1"/>
-          </a:lnRef>
-          <a:fillRef idx="0">
-            <a:schemeClr val="accent1"/>
-          </a:fillRef>
-          <a:effectRef idx="0">
-            <a:schemeClr val="accent1"/>
-          </a:effectRef>
-          <a:fontRef idx="minor">
-            <a:schemeClr val="tx1"/>
-          </a:fontRef>
-        </p:style>
-      </p:cxnSp>
-      <p:cxnSp>
-        <p:nvCxnSpPr>
-          <p:cNvPr id="156" name="接點: 肘形 155">
-            <a:extLst>
-              <a:ext uri="{FF2B5EF4-FFF2-40B4-BE49-F238E27FC236}">
-                <a16:creationId xmlns:a16="http://schemas.microsoft.com/office/drawing/2014/main" id="{C8FF2AEF-89DC-97CB-9598-B79CC3F8E380}"/>
-              </a:ext>
-            </a:extLst>
-          </p:cNvPr>
-          <p:cNvCxnSpPr>
-            <a:cxnSpLocks/>
-            <a:stCxn id="137" idx="2"/>
-            <a:endCxn id="142" idx="1"/>
-          </p:cNvCxnSpPr>
-          <p:nvPr/>
-        </p:nvCxnSpPr>
-        <p:spPr>
-          <a:xfrm rot="16200000" flipH="1">
-            <a:off x="6415379" y="5182731"/>
-            <a:ext cx="1469018" cy="245689"/>
-          </a:xfrm>
-          <a:prstGeom prst="bentConnector2">
-            <a:avLst/>
-          </a:prstGeom>
-          <a:ln>
-            <a:solidFill>
-              <a:schemeClr val="accent2">
-                <a:lumMod val="75000"/>
-              </a:schemeClr>
-            </a:solidFill>
-            <a:tailEnd type="triangle"/>
-          </a:ln>
-        </p:spPr>
-        <p:style>
-          <a:lnRef idx="1">
-            <a:schemeClr val="accent1"/>
-          </a:lnRef>
-          <a:fillRef idx="0">
-            <a:schemeClr val="accent1"/>
-          </a:fillRef>
-          <a:effectRef idx="0">
-            <a:schemeClr val="accent1"/>
-          </a:effectRef>
-          <a:fontRef idx="minor">
-            <a:schemeClr val="tx1"/>
-          </a:fontRef>
-        </p:style>
-      </p:cxnSp>
-    </p:spTree>
-    <p:extLst>
-      <p:ext uri="{BB962C8B-B14F-4D97-AF65-F5344CB8AC3E}">
-        <p14:creationId xmlns:p14="http://schemas.microsoft.com/office/powerpoint/2010/main" val="2291559892"/>
+        <p14:creationId xmlns:p14="http://schemas.microsoft.com/office/powerpoint/2010/main" val="1132403444"/>
       </p:ext>
     </p:extLst>
   </p:cSld>
